--- a/專案管理.pptx
+++ b/專案管理.pptx
@@ -8,10 +8,14 @@
     <p:sldId id="256" r:id="rId2"/>
     <p:sldId id="257" r:id="rId3"/>
     <p:sldId id="262" r:id="rId4"/>
-    <p:sldId id="258" r:id="rId5"/>
+    <p:sldId id="266" r:id="rId5"/>
     <p:sldId id="261" r:id="rId6"/>
-    <p:sldId id="263" r:id="rId7"/>
-    <p:sldId id="264" r:id="rId8"/>
+    <p:sldId id="258" r:id="rId7"/>
+    <p:sldId id="263" r:id="rId8"/>
+    <p:sldId id="265" r:id="rId9"/>
+    <p:sldId id="264" r:id="rId10"/>
+    <p:sldId id="267" r:id="rId11"/>
+    <p:sldId id="268" r:id="rId12"/>
   </p:sldIdLst>
   <p:sldSz cx="12192000" cy="6858000"/>
   <p:notesSz cx="6858000" cy="9144000"/>
@@ -257,7 +261,7 @@
           <a:p>
             <a:fld id="{48A87A34-81AB-432B-8DAE-1953F412C126}" type="datetimeFigureOut">
               <a:rPr lang="en-US" dirty="0"/>
-              <a:t>12/3/2019</a:t>
+              <a:t>12/7/2019</a:t>
             </a:fld>
             <a:endParaRPr lang="en-US" dirty="0"/>
           </a:p>
@@ -463,7 +467,7 @@
           <a:p>
             <a:fld id="{48A87A34-81AB-432B-8DAE-1953F412C126}" type="datetimeFigureOut">
               <a:rPr lang="en-US" dirty="0"/>
-              <a:t>12/3/2019</a:t>
+              <a:t>12/7/2019</a:t>
             </a:fld>
             <a:endParaRPr lang="en-US" dirty="0"/>
           </a:p>
@@ -673,7 +677,7 @@
           <a:p>
             <a:fld id="{48A87A34-81AB-432B-8DAE-1953F412C126}" type="datetimeFigureOut">
               <a:rPr lang="en-US" dirty="0"/>
-              <a:t>12/3/2019</a:t>
+              <a:t>12/7/2019</a:t>
             </a:fld>
             <a:endParaRPr lang="en-US" dirty="0"/>
           </a:p>
@@ -869,7 +873,7 @@
           <a:p>
             <a:fld id="{48A87A34-81AB-432B-8DAE-1953F412C126}" type="datetimeFigureOut">
               <a:rPr lang="en-US" dirty="0"/>
-              <a:t>12/3/2019</a:t>
+              <a:t>12/7/2019</a:t>
             </a:fld>
             <a:endParaRPr lang="en-US" dirty="0"/>
           </a:p>
@@ -1143,7 +1147,7 @@
           <a:p>
             <a:fld id="{48A87A34-81AB-432B-8DAE-1953F412C126}" type="datetimeFigureOut">
               <a:rPr lang="en-US" dirty="0"/>
-              <a:t>12/3/2019</a:t>
+              <a:t>12/7/2019</a:t>
             </a:fld>
             <a:endParaRPr lang="en-US" dirty="0"/>
           </a:p>
@@ -1406,7 +1410,7 @@
           <a:p>
             <a:fld id="{48A87A34-81AB-432B-8DAE-1953F412C126}" type="datetimeFigureOut">
               <a:rPr lang="en-US" dirty="0"/>
-              <a:t>12/3/2019</a:t>
+              <a:t>12/7/2019</a:t>
             </a:fld>
             <a:endParaRPr lang="en-US" dirty="0"/>
           </a:p>
@@ -1817,7 +1821,7 @@
           <a:p>
             <a:fld id="{48A87A34-81AB-432B-8DAE-1953F412C126}" type="datetimeFigureOut">
               <a:rPr lang="en-US" dirty="0"/>
-              <a:t>12/3/2019</a:t>
+              <a:t>12/7/2019</a:t>
             </a:fld>
             <a:endParaRPr lang="en-US" dirty="0"/>
           </a:p>
@@ -1961,7 +1965,7 @@
           <a:p>
             <a:fld id="{48A87A34-81AB-432B-8DAE-1953F412C126}" type="datetimeFigureOut">
               <a:rPr lang="en-US" dirty="0"/>
-              <a:t>12/3/2019</a:t>
+              <a:t>12/7/2019</a:t>
             </a:fld>
             <a:endParaRPr lang="en-US" dirty="0"/>
           </a:p>
@@ -2082,7 +2086,7 @@
           <a:p>
             <a:fld id="{48A87A34-81AB-432B-8DAE-1953F412C126}" type="datetimeFigureOut">
               <a:rPr lang="en-US" dirty="0"/>
-              <a:t>12/3/2019</a:t>
+              <a:t>12/7/2019</a:t>
             </a:fld>
             <a:endParaRPr lang="en-US" dirty="0"/>
           </a:p>
@@ -2328,7 +2332,7 @@
           <a:p>
             <a:fld id="{48A87A34-81AB-432B-8DAE-1953F412C126}" type="datetimeFigureOut">
               <a:rPr lang="en-US" dirty="0"/>
-              <a:t>12/3/2019</a:t>
+              <a:t>12/7/2019</a:t>
             </a:fld>
             <a:endParaRPr lang="en-US" dirty="0"/>
           </a:p>
@@ -2769,7 +2773,7 @@
             <a:fld id="{48A87A34-81AB-432B-8DAE-1953F412C126}" type="datetimeFigureOut">
               <a:rPr lang="en-US" dirty="0"/>
               <a:pPr/>
-              <a:t>12/3/2019</a:t>
+              <a:t>12/7/2019</a:t>
             </a:fld>
             <a:endParaRPr lang="en-US" dirty="0"/>
           </a:p>
@@ -3091,7 +3095,7 @@
             <a:fld id="{48A87A34-81AB-432B-8DAE-1953F412C126}" type="datetimeFigureOut">
               <a:rPr lang="en-US" dirty="0"/>
               <a:pPr/>
-              <a:t>12/3/2019</a:t>
+              <a:t>12/7/2019</a:t>
             </a:fld>
             <a:endParaRPr lang="en-US" dirty="0"/>
           </a:p>
@@ -3614,10 +3618,41 @@
         </p:spPr>
         <p:txBody>
           <a:bodyPr>
-            <a:normAutofit/>
+            <a:normAutofit fontScale="92500" lnSpcReduction="10000"/>
           </a:bodyPr>
           <a:lstStyle/>
           <a:p>
+            <a:r>
+              <a:rPr lang="zh-TW" altLang="en-US" dirty="0" smtClean="0"/>
+              <a:t>學生 </a:t>
+            </a:r>
+            <a:r>
+              <a:rPr lang="en-US" altLang="zh-TW" dirty="0" smtClean="0"/>
+              <a:t>:</a:t>
+            </a:r>
+            <a:r>
+              <a:rPr lang="zh-TW" altLang="en-US" dirty="0" smtClean="0"/>
+              <a:t>  </a:t>
+            </a:r>
+            <a:r>
+              <a:rPr lang="en-US" altLang="zh-TW" dirty="0" smtClean="0"/>
+              <a:t>0552019</a:t>
+            </a:r>
+            <a:r>
+              <a:rPr lang="zh-TW" altLang="en-US" dirty="0" smtClean="0"/>
+              <a:t> 吳明洋</a:t>
+            </a:r>
+            <a:endParaRPr lang="en-US" altLang="zh-TW" dirty="0" smtClean="0"/>
+          </a:p>
+          <a:p>
+            <a:r>
+              <a:rPr lang="zh-TW" altLang="en-US" dirty="0"/>
+              <a:t> </a:t>
+            </a:r>
+            <a:r>
+              <a:rPr lang="zh-TW" altLang="en-US" dirty="0" smtClean="0"/>
+              <a:t>          </a:t>
+            </a:r>
             <a:r>
               <a:rPr lang="en-US" altLang="zh-TW" dirty="0" smtClean="0"/>
               <a:t>0552031</a:t>
@@ -3630,35 +3665,66 @@
           </a:p>
           <a:p>
             <a:r>
+              <a:rPr lang="zh-TW" altLang="en-US" dirty="0"/>
+              <a:t>      </a:t>
+            </a:r>
+            <a:r>
+              <a:rPr lang="zh-TW" altLang="en-US" dirty="0" smtClean="0"/>
+              <a:t>     </a:t>
+            </a:r>
+            <a:r>
               <a:rPr lang="en-US" altLang="zh-TW" dirty="0" smtClean="0"/>
               <a:t>0552034</a:t>
             </a:r>
             <a:r>
               <a:rPr lang="zh-TW" altLang="en-US" dirty="0" smtClean="0"/>
-              <a:t> 陳維謙</a:t>
+              <a:t> </a:t>
+            </a:r>
+            <a:r>
+              <a:rPr lang="zh-TW" altLang="en-US" dirty="0" smtClean="0"/>
+              <a:t>陳維謙</a:t>
             </a:r>
             <a:endParaRPr lang="en-US" altLang="zh-TW" dirty="0" smtClean="0"/>
           </a:p>
           <a:p>
             <a:r>
-              <a:rPr lang="en-US" altLang="zh-TW" dirty="0" smtClean="0"/>
-              <a:t>0552019</a:t>
-            </a:r>
-            <a:r>
-              <a:rPr lang="zh-TW" altLang="en-US" dirty="0" smtClean="0"/>
-              <a:t> 吳明洋</a:t>
-            </a:r>
-            <a:endParaRPr lang="en-US" altLang="zh-TW" dirty="0" smtClean="0"/>
-          </a:p>
-          <a:p>
+              <a:rPr lang="zh-TW" altLang="en-US" dirty="0" smtClean="0"/>
+              <a:t>           </a:t>
+            </a:r>
             <a:r>
               <a:rPr lang="en-US" altLang="zh-TW" dirty="0" smtClean="0"/>
               <a:t>0552015</a:t>
             </a:r>
             <a:r>
               <a:rPr lang="zh-TW" altLang="en-US" dirty="0" smtClean="0"/>
-              <a:t> 陳韋綸</a:t>
-            </a:r>
+              <a:t> </a:t>
+            </a:r>
+            <a:r>
+              <a:rPr lang="zh-TW" altLang="en-US" dirty="0" smtClean="0"/>
+              <a:t>陳韋</a:t>
+            </a:r>
+            <a:r>
+              <a:rPr lang="zh-TW" altLang="en-US" dirty="0" smtClean="0"/>
+              <a:t>綸</a:t>
+            </a:r>
+            <a:endParaRPr lang="en-US" altLang="zh-TW" dirty="0" smtClean="0"/>
+          </a:p>
+          <a:p>
+            <a:r>
+              <a:rPr lang="zh-TW" altLang="en-US" dirty="0" smtClean="0"/>
+              <a:t>指導老師 </a:t>
+            </a:r>
+            <a:r>
+              <a:rPr lang="en-US" altLang="zh-TW" dirty="0" smtClean="0"/>
+              <a:t>:</a:t>
+            </a:r>
+            <a:r>
+              <a:rPr lang="zh-TW" altLang="en-US" dirty="0" smtClean="0"/>
+              <a:t> 陳朝列 教授</a:t>
+            </a:r>
+            <a:endParaRPr lang="en-US" altLang="zh-TW" dirty="0" smtClean="0"/>
+          </a:p>
+          <a:p>
             <a:endParaRPr lang="zh-TW" altLang="en-US" dirty="0"/>
           </a:p>
         </p:txBody>
@@ -3667,6 +3733,1000 @@
     <p:extLst>
       <p:ext uri="{BB962C8B-B14F-4D97-AF65-F5344CB8AC3E}">
         <p14:creationId xmlns:p14="http://schemas.microsoft.com/office/powerpoint/2010/main" val="3915553662"/>
+      </p:ext>
+    </p:extLst>
+  </p:cSld>
+  <p:clrMapOvr>
+    <a:masterClrMapping/>
+  </p:clrMapOvr>
+</p:sld>
+</file>
+
+<file path=ppt/slides/slide10.xml><?xml version="1.0" encoding="utf-8"?>
+<p:sld xmlns:a="http://schemas.openxmlformats.org/drawingml/2006/main" xmlns:r="http://schemas.openxmlformats.org/officeDocument/2006/relationships" xmlns:p="http://schemas.openxmlformats.org/presentationml/2006/main">
+  <p:cSld>
+    <p:spTree>
+      <p:nvGrpSpPr>
+        <p:cNvPr id="1" name=""/>
+        <p:cNvGrpSpPr/>
+        <p:nvPr/>
+      </p:nvGrpSpPr>
+      <p:grpSpPr>
+        <a:xfrm>
+          <a:off x="0" y="0"/>
+          <a:ext cx="0" cy="0"/>
+          <a:chOff x="0" y="0"/>
+          <a:chExt cx="0" cy="0"/>
+        </a:xfrm>
+      </p:grpSpPr>
+      <p:sp>
+        <p:nvSpPr>
+          <p:cNvPr id="3" name="內容版面配置區 2"/>
+          <p:cNvSpPr>
+            <a:spLocks noGrp="1"/>
+          </p:cNvSpPr>
+          <p:nvPr>
+            <p:ph idx="1"/>
+          </p:nvPr>
+        </p:nvSpPr>
+        <p:spPr/>
+        <p:txBody>
+          <a:bodyPr/>
+          <a:lstStyle/>
+          <a:p>
+            <a:r>
+              <a:rPr lang="zh-TW" altLang="en-US" dirty="0"/>
+              <a:t>在</a:t>
+            </a:r>
+            <a:r>
+              <a:rPr lang="en-US" altLang="zh-TW" dirty="0"/>
+              <a:t>K</a:t>
+            </a:r>
+            <a:r>
+              <a:rPr lang="zh-TW" altLang="en-US" dirty="0"/>
+              <a:t>近鄰分類算法中，對於預測的新樣本</a:t>
+            </a:r>
+            <a:r>
+              <a:rPr lang="zh-TW" altLang="en-US" dirty="0" smtClean="0"/>
+              <a:t>數據，</a:t>
+            </a:r>
+            <a:r>
+              <a:rPr lang="zh-TW" altLang="en-US" dirty="0"/>
+              <a:t>將其與訓練樣本一一進行比較，找到最為相似的</a:t>
+            </a:r>
+            <a:r>
+              <a:rPr lang="en-US" altLang="zh-TW" dirty="0"/>
+              <a:t>K</a:t>
+            </a:r>
+            <a:r>
+              <a:rPr lang="zh-TW" altLang="en-US" dirty="0"/>
+              <a:t>個訓練樣本，並以這</a:t>
+            </a:r>
+            <a:r>
+              <a:rPr lang="en-US" altLang="zh-TW" dirty="0"/>
+              <a:t>K</a:t>
+            </a:r>
+            <a:r>
+              <a:rPr lang="zh-TW" altLang="en-US" dirty="0"/>
+              <a:t>個訓練樣本中出現最多的分類標籤作為最終新樣本數據的預測標籤。</a:t>
+            </a:r>
+            <a:r>
+              <a:rPr lang="zh-TW" altLang="en-US" dirty="0"/>
+              <a:t/>
+            </a:r>
+            <a:br>
+              <a:rPr lang="zh-TW" altLang="en-US" dirty="0"/>
+            </a:br>
+            <a:endParaRPr lang="zh-TW" altLang="en-US" dirty="0"/>
+          </a:p>
+        </p:txBody>
+      </p:sp>
+      <p:sp>
+        <p:nvSpPr>
+          <p:cNvPr id="4" name="標題 1"/>
+          <p:cNvSpPr>
+            <a:spLocks noGrp="1"/>
+          </p:cNvSpPr>
+          <p:nvPr>
+            <p:ph type="title"/>
+          </p:nvPr>
+        </p:nvSpPr>
+        <p:spPr/>
+        <p:txBody>
+          <a:bodyPr/>
+          <a:lstStyle/>
+          <a:p>
+            <a:r>
+              <a:rPr lang="zh-TW" altLang="en-US" dirty="0" smtClean="0"/>
+              <a:t>分析</a:t>
+            </a:r>
+            <a:r>
+              <a:rPr lang="en-US" altLang="zh-TW" dirty="0" smtClean="0"/>
+              <a:t>(KNN)</a:t>
+            </a:r>
+            <a:endParaRPr lang="zh-TW" altLang="en-US" dirty="0"/>
+          </a:p>
+        </p:txBody>
+      </p:sp>
+      <p:pic>
+        <p:nvPicPr>
+          <p:cNvPr id="5" name="圖片 4"/>
+          <p:cNvPicPr>
+            <a:picLocks noChangeAspect="1"/>
+          </p:cNvPicPr>
+          <p:nvPr/>
+        </p:nvPicPr>
+        <p:blipFill>
+          <a:blip r:embed="rId2">
+            <a:extLst>
+              <a:ext uri="{28A0092B-C50C-407E-A947-70E740481C1C}">
+                <a14:useLocalDpi xmlns:a14="http://schemas.microsoft.com/office/drawing/2010/main" val="0"/>
+              </a:ext>
+            </a:extLst>
+          </a:blip>
+          <a:stretch>
+            <a:fillRect/>
+          </a:stretch>
+        </p:blipFill>
+        <p:spPr>
+          <a:xfrm>
+            <a:off x="6213308" y="2914466"/>
+            <a:ext cx="3267576" cy="3167255"/>
+          </a:xfrm>
+          <a:prstGeom prst="rect">
+            <a:avLst/>
+          </a:prstGeom>
+        </p:spPr>
+      </p:pic>
+    </p:spTree>
+    <p:extLst>
+      <p:ext uri="{BB962C8B-B14F-4D97-AF65-F5344CB8AC3E}">
+        <p14:creationId xmlns:p14="http://schemas.microsoft.com/office/powerpoint/2010/main" val="103530717"/>
+      </p:ext>
+    </p:extLst>
+  </p:cSld>
+  <p:clrMapOvr>
+    <a:masterClrMapping/>
+  </p:clrMapOvr>
+</p:sld>
+</file>
+
+<file path=ppt/slides/slide11.xml><?xml version="1.0" encoding="utf-8"?>
+<p:sld xmlns:a="http://schemas.openxmlformats.org/drawingml/2006/main" xmlns:r="http://schemas.openxmlformats.org/officeDocument/2006/relationships" xmlns:p="http://schemas.openxmlformats.org/presentationml/2006/main">
+  <p:cSld>
+    <p:spTree>
+      <p:nvGrpSpPr>
+        <p:cNvPr id="1" name=""/>
+        <p:cNvGrpSpPr/>
+        <p:nvPr/>
+      </p:nvGrpSpPr>
+      <p:grpSpPr>
+        <a:xfrm>
+          <a:off x="0" y="0"/>
+          <a:ext cx="0" cy="0"/>
+          <a:chOff x="0" y="0"/>
+          <a:chExt cx="0" cy="0"/>
+        </a:xfrm>
+      </p:grpSpPr>
+      <p:sp>
+        <p:nvSpPr>
+          <p:cNvPr id="2" name="標題 1"/>
+          <p:cNvSpPr>
+            <a:spLocks noGrp="1"/>
+          </p:cNvSpPr>
+          <p:nvPr>
+            <p:ph type="title"/>
+          </p:nvPr>
+        </p:nvSpPr>
+        <p:spPr/>
+        <p:txBody>
+          <a:bodyPr/>
+          <a:lstStyle/>
+          <a:p>
+            <a:r>
+              <a:rPr lang="zh-TW" altLang="en-US" dirty="0" smtClean="0"/>
+              <a:t>分析</a:t>
+            </a:r>
+            <a:r>
+              <a:rPr lang="en-US" altLang="zh-TW" dirty="0" smtClean="0"/>
+              <a:t>(break down)</a:t>
+            </a:r>
+            <a:endParaRPr lang="zh-TW" altLang="en-US" dirty="0"/>
+          </a:p>
+        </p:txBody>
+      </p:sp>
+      <p:sp>
+        <p:nvSpPr>
+          <p:cNvPr id="4" name="矩形 3">
+            <a:extLst>
+              <a:ext uri="{FF2B5EF4-FFF2-40B4-BE49-F238E27FC236}">
+                <a16:creationId xmlns:a16="http://schemas.microsoft.com/office/drawing/2014/main" id="{8091D4A4-7D28-4B98-B225-7E6681998D15}"/>
+              </a:ext>
+            </a:extLst>
+          </p:cNvPr>
+          <p:cNvSpPr/>
+          <p:nvPr/>
+        </p:nvSpPr>
+        <p:spPr>
+          <a:xfrm>
+            <a:off x="3263601" y="2174596"/>
+            <a:ext cx="2139193" cy="775814"/>
+          </a:xfrm>
+          <a:prstGeom prst="rect">
+            <a:avLst/>
+          </a:prstGeom>
+        </p:spPr>
+        <p:style>
+          <a:lnRef idx="2">
+            <a:schemeClr val="dk1">
+              <a:shade val="50000"/>
+            </a:schemeClr>
+          </a:lnRef>
+          <a:fillRef idx="1">
+            <a:schemeClr val="dk1"/>
+          </a:fillRef>
+          <a:effectRef idx="0">
+            <a:schemeClr val="dk1"/>
+          </a:effectRef>
+          <a:fontRef idx="minor">
+            <a:schemeClr val="lt1"/>
+          </a:fontRef>
+        </p:style>
+        <p:txBody>
+          <a:bodyPr rtlCol="0" anchor="ctr"/>
+          <a:lstStyle/>
+          <a:p>
+            <a:pPr algn="ctr"/>
+            <a:r>
+              <a:rPr lang="zh-TW" altLang="en-US" dirty="0"/>
+              <a:t>自動打乒乓球</a:t>
+            </a:r>
+          </a:p>
+        </p:txBody>
+      </p:sp>
+      <p:sp>
+        <p:nvSpPr>
+          <p:cNvPr id="5" name="矩形 4">
+            <a:extLst>
+              <a:ext uri="{FF2B5EF4-FFF2-40B4-BE49-F238E27FC236}">
+                <a16:creationId xmlns:a16="http://schemas.microsoft.com/office/drawing/2014/main" id="{4AE0FFEC-8C19-47C8-9893-A09438AEFEBE}"/>
+              </a:ext>
+            </a:extLst>
+          </p:cNvPr>
+          <p:cNvSpPr/>
+          <p:nvPr/>
+        </p:nvSpPr>
+        <p:spPr>
+          <a:xfrm>
+            <a:off x="5067233" y="3458027"/>
+            <a:ext cx="2139193" cy="775814"/>
+          </a:xfrm>
+          <a:prstGeom prst="rect">
+            <a:avLst/>
+          </a:prstGeom>
+        </p:spPr>
+        <p:style>
+          <a:lnRef idx="2">
+            <a:schemeClr val="dk1">
+              <a:shade val="50000"/>
+            </a:schemeClr>
+          </a:lnRef>
+          <a:fillRef idx="1">
+            <a:schemeClr val="dk1"/>
+          </a:fillRef>
+          <a:effectRef idx="0">
+            <a:schemeClr val="dk1"/>
+          </a:effectRef>
+          <a:fontRef idx="minor">
+            <a:schemeClr val="lt1"/>
+          </a:fontRef>
+        </p:style>
+        <p:txBody>
+          <a:bodyPr rtlCol="0" anchor="ctr"/>
+          <a:lstStyle/>
+          <a:p>
+            <a:pPr algn="ctr"/>
+            <a:r>
+              <a:rPr lang="zh-TW" altLang="en-US" dirty="0"/>
+              <a:t>測試</a:t>
+            </a:r>
+            <a:r>
+              <a:rPr lang="zh-TW" altLang="en-US" dirty="0" smtClean="0"/>
+              <a:t>預測</a:t>
+            </a:r>
+            <a:r>
+              <a:rPr lang="en-US" altLang="zh-TW" dirty="0" smtClean="0"/>
+              <a:t>KNN</a:t>
+            </a:r>
+            <a:r>
+              <a:rPr lang="zh-TW" altLang="en-US" dirty="0" smtClean="0"/>
+              <a:t>模型</a:t>
+            </a:r>
+            <a:endParaRPr lang="zh-TW" altLang="en-US" dirty="0"/>
+          </a:p>
+        </p:txBody>
+      </p:sp>
+      <p:sp>
+        <p:nvSpPr>
+          <p:cNvPr id="6" name="矩形 5">
+            <a:extLst>
+              <a:ext uri="{FF2B5EF4-FFF2-40B4-BE49-F238E27FC236}">
+                <a16:creationId xmlns:a16="http://schemas.microsoft.com/office/drawing/2014/main" id="{587E5A00-6C7D-48A7-B6E6-40602EF06273}"/>
+              </a:ext>
+            </a:extLst>
+          </p:cNvPr>
+          <p:cNvSpPr/>
+          <p:nvPr/>
+        </p:nvSpPr>
+        <p:spPr>
+          <a:xfrm>
+            <a:off x="1883643" y="3458027"/>
+            <a:ext cx="2139193" cy="775814"/>
+          </a:xfrm>
+          <a:prstGeom prst="rect">
+            <a:avLst/>
+          </a:prstGeom>
+        </p:spPr>
+        <p:style>
+          <a:lnRef idx="2">
+            <a:schemeClr val="dk1">
+              <a:shade val="50000"/>
+            </a:schemeClr>
+          </a:lnRef>
+          <a:fillRef idx="1">
+            <a:schemeClr val="dk1"/>
+          </a:fillRef>
+          <a:effectRef idx="0">
+            <a:schemeClr val="dk1"/>
+          </a:effectRef>
+          <a:fontRef idx="minor">
+            <a:schemeClr val="lt1"/>
+          </a:fontRef>
+        </p:style>
+        <p:txBody>
+          <a:bodyPr rtlCol="0" anchor="ctr"/>
+          <a:lstStyle/>
+          <a:p>
+            <a:pPr algn="ctr"/>
+            <a:r>
+              <a:rPr lang="zh-TW" altLang="en-US" dirty="0"/>
+              <a:t>產生</a:t>
+            </a:r>
+            <a:r>
+              <a:rPr lang="zh-TW" altLang="en-US" dirty="0" smtClean="0"/>
+              <a:t>預測</a:t>
+            </a:r>
+            <a:r>
+              <a:rPr lang="en-US" altLang="zh-TW" dirty="0" smtClean="0"/>
+              <a:t>KNN</a:t>
+            </a:r>
+            <a:r>
+              <a:rPr lang="zh-TW" altLang="en-US" dirty="0" smtClean="0"/>
+              <a:t>模型</a:t>
+            </a:r>
+            <a:endParaRPr lang="zh-TW" altLang="en-US" dirty="0"/>
+          </a:p>
+        </p:txBody>
+      </p:sp>
+      <p:cxnSp>
+        <p:nvCxnSpPr>
+          <p:cNvPr id="7" name="接點: 肘形 7">
+            <a:extLst>
+              <a:ext uri="{FF2B5EF4-FFF2-40B4-BE49-F238E27FC236}">
+                <a16:creationId xmlns:a16="http://schemas.microsoft.com/office/drawing/2014/main" id="{183F2BF1-24F8-4B53-92D9-1E4549F6F74A}"/>
+              </a:ext>
+            </a:extLst>
+          </p:cNvPr>
+          <p:cNvCxnSpPr>
+            <a:stCxn id="4" idx="2"/>
+            <a:endCxn id="6" idx="0"/>
+          </p:cNvCxnSpPr>
+          <p:nvPr/>
+        </p:nvCxnSpPr>
+        <p:spPr>
+          <a:xfrm rot="5400000">
+            <a:off x="3389411" y="2514239"/>
+            <a:ext cx="507617" cy="1379958"/>
+          </a:xfrm>
+          <a:prstGeom prst="bentConnector3">
+            <a:avLst/>
+          </a:prstGeom>
+          <a:ln>
+            <a:tailEnd type="triangle"/>
+          </a:ln>
+        </p:spPr>
+        <p:style>
+          <a:lnRef idx="2">
+            <a:schemeClr val="dk1">
+              <a:shade val="50000"/>
+            </a:schemeClr>
+          </a:lnRef>
+          <a:fillRef idx="1">
+            <a:schemeClr val="dk1"/>
+          </a:fillRef>
+          <a:effectRef idx="0">
+            <a:schemeClr val="dk1"/>
+          </a:effectRef>
+          <a:fontRef idx="minor">
+            <a:schemeClr val="lt1"/>
+          </a:fontRef>
+        </p:style>
+      </p:cxnSp>
+      <p:cxnSp>
+        <p:nvCxnSpPr>
+          <p:cNvPr id="8" name="接點: 肘形 12">
+            <a:extLst>
+              <a:ext uri="{FF2B5EF4-FFF2-40B4-BE49-F238E27FC236}">
+                <a16:creationId xmlns:a16="http://schemas.microsoft.com/office/drawing/2014/main" id="{016F02DE-0852-4FD6-B429-05F3D503E4A2}"/>
+              </a:ext>
+            </a:extLst>
+          </p:cNvPr>
+          <p:cNvCxnSpPr>
+            <a:stCxn id="4" idx="2"/>
+            <a:endCxn id="5" idx="0"/>
+          </p:cNvCxnSpPr>
+          <p:nvPr/>
+        </p:nvCxnSpPr>
+        <p:spPr>
+          <a:xfrm rot="16200000" flipH="1">
+            <a:off x="4981206" y="2302402"/>
+            <a:ext cx="507617" cy="1803632"/>
+          </a:xfrm>
+          <a:prstGeom prst="bentConnector3">
+            <a:avLst/>
+          </a:prstGeom>
+          <a:ln>
+            <a:tailEnd type="triangle"/>
+          </a:ln>
+        </p:spPr>
+        <p:style>
+          <a:lnRef idx="2">
+            <a:schemeClr val="dk1">
+              <a:shade val="50000"/>
+            </a:schemeClr>
+          </a:lnRef>
+          <a:fillRef idx="1">
+            <a:schemeClr val="dk1"/>
+          </a:fillRef>
+          <a:effectRef idx="0">
+            <a:schemeClr val="dk1"/>
+          </a:effectRef>
+          <a:fontRef idx="minor">
+            <a:schemeClr val="lt1"/>
+          </a:fontRef>
+        </p:style>
+      </p:cxnSp>
+      <p:sp>
+        <p:nvSpPr>
+          <p:cNvPr id="9" name="矩形 8">
+            <a:extLst>
+              <a:ext uri="{FF2B5EF4-FFF2-40B4-BE49-F238E27FC236}">
+                <a16:creationId xmlns:a16="http://schemas.microsoft.com/office/drawing/2014/main" id="{B83A95E3-CC38-4914-8416-743AB260F152}"/>
+              </a:ext>
+            </a:extLst>
+          </p:cNvPr>
+          <p:cNvSpPr/>
+          <p:nvPr/>
+        </p:nvSpPr>
+        <p:spPr>
+          <a:xfrm>
+            <a:off x="1451579" y="4802195"/>
+            <a:ext cx="1208015" cy="775814"/>
+          </a:xfrm>
+          <a:prstGeom prst="rect">
+            <a:avLst/>
+          </a:prstGeom>
+        </p:spPr>
+        <p:style>
+          <a:lnRef idx="2">
+            <a:schemeClr val="dk1">
+              <a:shade val="50000"/>
+            </a:schemeClr>
+          </a:lnRef>
+          <a:fillRef idx="1">
+            <a:schemeClr val="dk1"/>
+          </a:fillRef>
+          <a:effectRef idx="0">
+            <a:schemeClr val="dk1"/>
+          </a:effectRef>
+          <a:fontRef idx="minor">
+            <a:schemeClr val="lt1"/>
+          </a:fontRef>
+        </p:style>
+        <p:txBody>
+          <a:bodyPr rot="0" spcFirstLastPara="0" vertOverflow="overflow" horzOverflow="overflow" vert="horz" wrap="square" lIns="91440" tIns="45720" rIns="91440" bIns="45720" numCol="1" spcCol="0" rtlCol="0" fromWordArt="0" anchor="b" anchorCtr="0" forceAA="0" compatLnSpc="1">
+            <a:prstTxWarp prst="textNoShape">
+              <a:avLst/>
+            </a:prstTxWarp>
+            <a:noAutofit/>
+          </a:bodyPr>
+          <a:lstStyle/>
+          <a:p>
+            <a:pPr algn="ctr"/>
+            <a:r>
+              <a:rPr lang="zh-TW" altLang="en-US" dirty="0" smtClean="0"/>
+              <a:t>產生</a:t>
+            </a:r>
+            <a:r>
+              <a:rPr lang="en-US" altLang="zh-TW" dirty="0" smtClean="0"/>
+              <a:t>KNN</a:t>
+            </a:r>
+          </a:p>
+          <a:p>
+            <a:pPr algn="ctr"/>
+            <a:r>
+              <a:rPr lang="zh-TW" altLang="en-US" dirty="0" smtClean="0"/>
+              <a:t>訓練</a:t>
+            </a:r>
+            <a:r>
+              <a:rPr lang="zh-TW" altLang="en-US" dirty="0"/>
+              <a:t>資料</a:t>
+            </a:r>
+            <a:endParaRPr lang="en-US" altLang="zh-TW" dirty="0"/>
+          </a:p>
+        </p:txBody>
+      </p:sp>
+      <p:sp>
+        <p:nvSpPr>
+          <p:cNvPr id="10" name="矩形 9">
+            <a:extLst>
+              <a:ext uri="{FF2B5EF4-FFF2-40B4-BE49-F238E27FC236}">
+                <a16:creationId xmlns:a16="http://schemas.microsoft.com/office/drawing/2014/main" id="{3501AEB1-5EEC-42E3-8A56-2ABC55590CD6}"/>
+              </a:ext>
+            </a:extLst>
+          </p:cNvPr>
+          <p:cNvSpPr/>
+          <p:nvPr/>
+        </p:nvSpPr>
+        <p:spPr>
+          <a:xfrm>
+            <a:off x="3125182" y="4802195"/>
+            <a:ext cx="1208015" cy="775814"/>
+          </a:xfrm>
+          <a:prstGeom prst="rect">
+            <a:avLst/>
+          </a:prstGeom>
+        </p:spPr>
+        <p:style>
+          <a:lnRef idx="2">
+            <a:schemeClr val="dk1">
+              <a:shade val="50000"/>
+            </a:schemeClr>
+          </a:lnRef>
+          <a:fillRef idx="1">
+            <a:schemeClr val="dk1"/>
+          </a:fillRef>
+          <a:effectRef idx="0">
+            <a:schemeClr val="dk1"/>
+          </a:effectRef>
+          <a:fontRef idx="minor">
+            <a:schemeClr val="lt1"/>
+          </a:fontRef>
+        </p:style>
+        <p:txBody>
+          <a:bodyPr rot="0" spcFirstLastPara="0" vertOverflow="overflow" horzOverflow="overflow" vert="horz" wrap="square" lIns="91440" tIns="45720" rIns="91440" bIns="45720" numCol="1" spcCol="0" rtlCol="0" fromWordArt="0" anchor="b" anchorCtr="0" forceAA="0" compatLnSpc="1">
+            <a:prstTxWarp prst="textNoShape">
+              <a:avLst/>
+            </a:prstTxWarp>
+            <a:noAutofit/>
+          </a:bodyPr>
+          <a:lstStyle/>
+          <a:p>
+            <a:pPr algn="ctr"/>
+            <a:r>
+              <a:rPr lang="zh-TW" altLang="en-US" dirty="0" smtClean="0"/>
+              <a:t>訓練</a:t>
+            </a:r>
+            <a:r>
+              <a:rPr lang="en-US" altLang="zh-TW" dirty="0" smtClean="0"/>
+              <a:t>KNN</a:t>
+            </a:r>
+            <a:endParaRPr lang="en-US" altLang="zh-TW" dirty="0"/>
+          </a:p>
+          <a:p>
+            <a:pPr algn="ctr"/>
+            <a:r>
+              <a:rPr lang="zh-TW" altLang="en-US" dirty="0"/>
+              <a:t>預測模型</a:t>
+            </a:r>
+            <a:endParaRPr lang="en-US" altLang="zh-TW" dirty="0"/>
+          </a:p>
+        </p:txBody>
+      </p:sp>
+      <p:cxnSp>
+        <p:nvCxnSpPr>
+          <p:cNvPr id="11" name="接點: 肘形 21">
+            <a:extLst>
+              <a:ext uri="{FF2B5EF4-FFF2-40B4-BE49-F238E27FC236}">
+                <a16:creationId xmlns:a16="http://schemas.microsoft.com/office/drawing/2014/main" id="{AE7C2ACD-8580-4617-8974-92AFF6956C60}"/>
+              </a:ext>
+            </a:extLst>
+          </p:cNvPr>
+          <p:cNvCxnSpPr>
+            <a:stCxn id="6" idx="2"/>
+            <a:endCxn id="9" idx="0"/>
+          </p:cNvCxnSpPr>
+          <p:nvPr/>
+        </p:nvCxnSpPr>
+        <p:spPr>
+          <a:xfrm rot="5400000">
+            <a:off x="2220237" y="4069192"/>
+            <a:ext cx="568354" cy="897653"/>
+          </a:xfrm>
+          <a:prstGeom prst="bentConnector3">
+            <a:avLst/>
+          </a:prstGeom>
+          <a:ln>
+            <a:tailEnd type="triangle"/>
+          </a:ln>
+        </p:spPr>
+        <p:style>
+          <a:lnRef idx="2">
+            <a:schemeClr val="dk1">
+              <a:shade val="50000"/>
+            </a:schemeClr>
+          </a:lnRef>
+          <a:fillRef idx="1">
+            <a:schemeClr val="dk1"/>
+          </a:fillRef>
+          <a:effectRef idx="0">
+            <a:schemeClr val="dk1"/>
+          </a:effectRef>
+          <a:fontRef idx="minor">
+            <a:schemeClr val="lt1"/>
+          </a:fontRef>
+        </p:style>
+      </p:cxnSp>
+      <p:cxnSp>
+        <p:nvCxnSpPr>
+          <p:cNvPr id="12" name="接點: 肘形 23">
+            <a:extLst>
+              <a:ext uri="{FF2B5EF4-FFF2-40B4-BE49-F238E27FC236}">
+                <a16:creationId xmlns:a16="http://schemas.microsoft.com/office/drawing/2014/main" id="{C511D59C-1D0F-474E-ADE5-78570BD15930}"/>
+              </a:ext>
+            </a:extLst>
+          </p:cNvPr>
+          <p:cNvCxnSpPr>
+            <a:stCxn id="6" idx="2"/>
+            <a:endCxn id="10" idx="0"/>
+          </p:cNvCxnSpPr>
+          <p:nvPr/>
+        </p:nvCxnSpPr>
+        <p:spPr>
+          <a:xfrm rot="16200000" flipH="1">
+            <a:off x="3057038" y="4130043"/>
+            <a:ext cx="568354" cy="775950"/>
+          </a:xfrm>
+          <a:prstGeom prst="bentConnector3">
+            <a:avLst/>
+          </a:prstGeom>
+          <a:ln>
+            <a:tailEnd type="triangle"/>
+          </a:ln>
+        </p:spPr>
+        <p:style>
+          <a:lnRef idx="2">
+            <a:schemeClr val="dk1">
+              <a:shade val="50000"/>
+            </a:schemeClr>
+          </a:lnRef>
+          <a:fillRef idx="1">
+            <a:schemeClr val="dk1"/>
+          </a:fillRef>
+          <a:effectRef idx="0">
+            <a:schemeClr val="dk1"/>
+          </a:effectRef>
+          <a:fontRef idx="minor">
+            <a:schemeClr val="lt1"/>
+          </a:fontRef>
+        </p:style>
+      </p:cxnSp>
+      <p:cxnSp>
+        <p:nvCxnSpPr>
+          <p:cNvPr id="13" name="直線單箭頭接點 12">
+            <a:extLst>
+              <a:ext uri="{FF2B5EF4-FFF2-40B4-BE49-F238E27FC236}">
+                <a16:creationId xmlns:a16="http://schemas.microsoft.com/office/drawing/2014/main" id="{EE1547F3-D73E-471A-80CC-9885F87321EE}"/>
+              </a:ext>
+            </a:extLst>
+          </p:cNvPr>
+          <p:cNvCxnSpPr>
+            <a:stCxn id="9" idx="3"/>
+            <a:endCxn id="10" idx="1"/>
+          </p:cNvCxnSpPr>
+          <p:nvPr/>
+        </p:nvCxnSpPr>
+        <p:spPr>
+          <a:xfrm>
+            <a:off x="2659594" y="5190102"/>
+            <a:ext cx="465588" cy="0"/>
+          </a:xfrm>
+          <a:prstGeom prst="straightConnector1">
+            <a:avLst/>
+          </a:prstGeom>
+          <a:ln>
+            <a:tailEnd type="triangle"/>
+          </a:ln>
+        </p:spPr>
+        <p:style>
+          <a:lnRef idx="2">
+            <a:schemeClr val="dk1">
+              <a:shade val="50000"/>
+            </a:schemeClr>
+          </a:lnRef>
+          <a:fillRef idx="1">
+            <a:schemeClr val="dk1"/>
+          </a:fillRef>
+          <a:effectRef idx="0">
+            <a:schemeClr val="dk1"/>
+          </a:effectRef>
+          <a:fontRef idx="minor">
+            <a:schemeClr val="lt1"/>
+          </a:fontRef>
+        </p:style>
+      </p:cxnSp>
+      <p:sp>
+        <p:nvSpPr>
+          <p:cNvPr id="14" name="矩形 13">
+            <a:extLst>
+              <a:ext uri="{FF2B5EF4-FFF2-40B4-BE49-F238E27FC236}">
+                <a16:creationId xmlns:a16="http://schemas.microsoft.com/office/drawing/2014/main" id="{AF27DBFD-D55E-4297-AA9F-1C3789EF713F}"/>
+              </a:ext>
+            </a:extLst>
+          </p:cNvPr>
+          <p:cNvSpPr/>
+          <p:nvPr/>
+        </p:nvSpPr>
+        <p:spPr>
+          <a:xfrm>
+            <a:off x="4798786" y="4802195"/>
+            <a:ext cx="1208015" cy="775814"/>
+          </a:xfrm>
+          <a:prstGeom prst="rect">
+            <a:avLst/>
+          </a:prstGeom>
+        </p:spPr>
+        <p:style>
+          <a:lnRef idx="2">
+            <a:schemeClr val="dk1">
+              <a:shade val="50000"/>
+            </a:schemeClr>
+          </a:lnRef>
+          <a:fillRef idx="1">
+            <a:schemeClr val="dk1"/>
+          </a:fillRef>
+          <a:effectRef idx="0">
+            <a:schemeClr val="dk1"/>
+          </a:effectRef>
+          <a:fontRef idx="minor">
+            <a:schemeClr val="lt1"/>
+          </a:fontRef>
+        </p:style>
+        <p:txBody>
+          <a:bodyPr rot="0" spcFirstLastPara="0" vertOverflow="overflow" horzOverflow="overflow" vert="horz" wrap="square" lIns="91440" tIns="45720" rIns="91440" bIns="45720" numCol="1" spcCol="0" rtlCol="0" fromWordArt="0" anchor="b" anchorCtr="0" forceAA="0" compatLnSpc="1">
+            <a:prstTxWarp prst="textNoShape">
+              <a:avLst/>
+            </a:prstTxWarp>
+            <a:noAutofit/>
+          </a:bodyPr>
+          <a:lstStyle/>
+          <a:p>
+            <a:pPr algn="ctr"/>
+            <a:r>
+              <a:rPr lang="zh-TW" altLang="en-US" dirty="0" smtClean="0"/>
+              <a:t>執行預測</a:t>
+            </a:r>
+            <a:r>
+              <a:rPr lang="en-US" altLang="zh-TW" dirty="0" smtClean="0"/>
+              <a:t>KNN</a:t>
+            </a:r>
+            <a:r>
+              <a:rPr lang="zh-TW" altLang="en-US" dirty="0" smtClean="0"/>
+              <a:t>模型</a:t>
+            </a:r>
+            <a:endParaRPr lang="en-US" altLang="zh-TW" dirty="0"/>
+          </a:p>
+        </p:txBody>
+      </p:sp>
+      <p:cxnSp>
+        <p:nvCxnSpPr>
+          <p:cNvPr id="15" name="直線單箭頭接點 14">
+            <a:extLst>
+              <a:ext uri="{FF2B5EF4-FFF2-40B4-BE49-F238E27FC236}">
+                <a16:creationId xmlns:a16="http://schemas.microsoft.com/office/drawing/2014/main" id="{A25946B1-65E5-45B7-B7DC-2FF7F38063CC}"/>
+              </a:ext>
+            </a:extLst>
+          </p:cNvPr>
+          <p:cNvCxnSpPr>
+            <a:cxnSpLocks/>
+            <a:stCxn id="10" idx="3"/>
+            <a:endCxn id="14" idx="1"/>
+          </p:cNvCxnSpPr>
+          <p:nvPr/>
+        </p:nvCxnSpPr>
+        <p:spPr>
+          <a:xfrm>
+            <a:off x="4333197" y="5190102"/>
+            <a:ext cx="465589" cy="0"/>
+          </a:xfrm>
+          <a:prstGeom prst="straightConnector1">
+            <a:avLst/>
+          </a:prstGeom>
+          <a:ln>
+            <a:tailEnd type="triangle"/>
+          </a:ln>
+        </p:spPr>
+        <p:style>
+          <a:lnRef idx="2">
+            <a:schemeClr val="dk1">
+              <a:shade val="50000"/>
+            </a:schemeClr>
+          </a:lnRef>
+          <a:fillRef idx="1">
+            <a:schemeClr val="dk1"/>
+          </a:fillRef>
+          <a:effectRef idx="0">
+            <a:schemeClr val="dk1"/>
+          </a:effectRef>
+          <a:fontRef idx="minor">
+            <a:schemeClr val="lt1"/>
+          </a:fontRef>
+        </p:style>
+      </p:cxnSp>
+      <p:sp>
+        <p:nvSpPr>
+          <p:cNvPr id="16" name="矩形 15">
+            <a:extLst>
+              <a:ext uri="{FF2B5EF4-FFF2-40B4-BE49-F238E27FC236}">
+                <a16:creationId xmlns:a16="http://schemas.microsoft.com/office/drawing/2014/main" id="{9BCCDD74-C0E9-4149-8351-7E2C9071F3D2}"/>
+              </a:ext>
+            </a:extLst>
+          </p:cNvPr>
+          <p:cNvSpPr/>
+          <p:nvPr/>
+        </p:nvSpPr>
+        <p:spPr>
+          <a:xfrm>
+            <a:off x="6523451" y="4802195"/>
+            <a:ext cx="1208015" cy="775814"/>
+          </a:xfrm>
+          <a:prstGeom prst="rect">
+            <a:avLst/>
+          </a:prstGeom>
+        </p:spPr>
+        <p:style>
+          <a:lnRef idx="2">
+            <a:schemeClr val="dk1">
+              <a:shade val="50000"/>
+            </a:schemeClr>
+          </a:lnRef>
+          <a:fillRef idx="1">
+            <a:schemeClr val="dk1"/>
+          </a:fillRef>
+          <a:effectRef idx="0">
+            <a:schemeClr val="dk1"/>
+          </a:effectRef>
+          <a:fontRef idx="minor">
+            <a:schemeClr val="lt1"/>
+          </a:fontRef>
+        </p:style>
+        <p:txBody>
+          <a:bodyPr rot="0" spcFirstLastPara="0" vertOverflow="overflow" horzOverflow="overflow" vert="horz" wrap="square" lIns="91440" tIns="45720" rIns="91440" bIns="45720" numCol="1" spcCol="0" rtlCol="0" fromWordArt="0" anchor="b" anchorCtr="0" forceAA="0" compatLnSpc="1">
+            <a:prstTxWarp prst="textNoShape">
+              <a:avLst/>
+            </a:prstTxWarp>
+            <a:noAutofit/>
+          </a:bodyPr>
+          <a:lstStyle/>
+          <a:p>
+            <a:pPr algn="ctr"/>
+            <a:r>
+              <a:rPr lang="zh-TW" altLang="en-US" dirty="0"/>
+              <a:t>執行</a:t>
+            </a:r>
+            <a:endParaRPr lang="en-US" altLang="zh-TW" dirty="0"/>
+          </a:p>
+          <a:p>
+            <a:r>
+              <a:rPr lang="zh-TW" altLang="en-US" dirty="0" smtClean="0"/>
+              <a:t>測試程式</a:t>
+            </a:r>
+            <a:endParaRPr lang="en-US" altLang="zh-TW" dirty="0"/>
+          </a:p>
+        </p:txBody>
+      </p:sp>
+      <p:cxnSp>
+        <p:nvCxnSpPr>
+          <p:cNvPr id="17" name="接點: 肘形 39">
+            <a:extLst>
+              <a:ext uri="{FF2B5EF4-FFF2-40B4-BE49-F238E27FC236}">
+                <a16:creationId xmlns:a16="http://schemas.microsoft.com/office/drawing/2014/main" id="{217F3D7F-9F80-4680-9CC1-4375B4340134}"/>
+              </a:ext>
+            </a:extLst>
+          </p:cNvPr>
+          <p:cNvCxnSpPr>
+            <a:stCxn id="5" idx="2"/>
+            <a:endCxn id="14" idx="0"/>
+          </p:cNvCxnSpPr>
+          <p:nvPr/>
+        </p:nvCxnSpPr>
+        <p:spPr>
+          <a:xfrm rot="5400000">
+            <a:off x="5485635" y="4151000"/>
+            <a:ext cx="568354" cy="734036"/>
+          </a:xfrm>
+          <a:prstGeom prst="bentConnector3">
+            <a:avLst/>
+          </a:prstGeom>
+          <a:ln>
+            <a:tailEnd type="triangle"/>
+          </a:ln>
+        </p:spPr>
+        <p:style>
+          <a:lnRef idx="2">
+            <a:schemeClr val="dk1">
+              <a:shade val="50000"/>
+            </a:schemeClr>
+          </a:lnRef>
+          <a:fillRef idx="1">
+            <a:schemeClr val="dk1"/>
+          </a:fillRef>
+          <a:effectRef idx="0">
+            <a:schemeClr val="dk1"/>
+          </a:effectRef>
+          <a:fontRef idx="minor">
+            <a:schemeClr val="lt1"/>
+          </a:fontRef>
+        </p:style>
+      </p:cxnSp>
+      <p:cxnSp>
+        <p:nvCxnSpPr>
+          <p:cNvPr id="18" name="接點: 肘形 41">
+            <a:extLst>
+              <a:ext uri="{FF2B5EF4-FFF2-40B4-BE49-F238E27FC236}">
+                <a16:creationId xmlns:a16="http://schemas.microsoft.com/office/drawing/2014/main" id="{BA308860-8158-48E9-8BF7-D6BF9E631CF0}"/>
+              </a:ext>
+            </a:extLst>
+          </p:cNvPr>
+          <p:cNvCxnSpPr>
+            <a:stCxn id="5" idx="2"/>
+            <a:endCxn id="16" idx="0"/>
+          </p:cNvCxnSpPr>
+          <p:nvPr/>
+        </p:nvCxnSpPr>
+        <p:spPr>
+          <a:xfrm rot="16200000" flipH="1">
+            <a:off x="6347967" y="4022703"/>
+            <a:ext cx="568354" cy="990629"/>
+          </a:xfrm>
+          <a:prstGeom prst="bentConnector3">
+            <a:avLst/>
+          </a:prstGeom>
+          <a:ln>
+            <a:tailEnd type="triangle"/>
+          </a:ln>
+        </p:spPr>
+        <p:style>
+          <a:lnRef idx="2">
+            <a:schemeClr val="dk1">
+              <a:shade val="50000"/>
+            </a:schemeClr>
+          </a:lnRef>
+          <a:fillRef idx="1">
+            <a:schemeClr val="dk1"/>
+          </a:fillRef>
+          <a:effectRef idx="0">
+            <a:schemeClr val="dk1"/>
+          </a:effectRef>
+          <a:fontRef idx="minor">
+            <a:schemeClr val="lt1"/>
+          </a:fontRef>
+        </p:style>
+      </p:cxnSp>
+    </p:spTree>
+    <p:extLst>
+      <p:ext uri="{BB962C8B-B14F-4D97-AF65-F5344CB8AC3E}">
+        <p14:creationId xmlns:p14="http://schemas.microsoft.com/office/powerpoint/2010/main" val="637974278"/>
       </p:ext>
     </p:extLst>
   </p:cSld>
@@ -3834,38 +4894,6 @@
           </a:p>
           <a:p>
             <a:r>
-              <a:rPr lang="zh-TW" altLang="zh-TW" dirty="0">
-                <a:latin typeface="微軟正黑體" panose="020B0604030504040204" pitchFamily="34" charset="-120"/>
-                <a:ea typeface="微軟正黑體" panose="020B0604030504040204" pitchFamily="34" charset="-120"/>
-              </a:rPr>
-              <a:t>球過中線前一定距離</a:t>
-            </a:r>
-            <a:r>
-              <a:rPr lang="en-US" altLang="zh-TW" dirty="0"/>
-              <a:t>(ex:10)</a:t>
-            </a:r>
-            <a:r>
-              <a:rPr lang="zh-TW" altLang="zh-TW" dirty="0">
-                <a:latin typeface="微軟正黑體" panose="020B0604030504040204" pitchFamily="34" charset="-120"/>
-                <a:ea typeface="微軟正黑體" panose="020B0604030504040204" pitchFamily="34" charset="-120"/>
-              </a:rPr>
-              <a:t>拍子已定位</a:t>
-            </a:r>
-            <a:r>
-              <a:rPr lang="zh-TW" altLang="zh-TW" dirty="0" smtClean="0">
-                <a:latin typeface="微軟正黑體" panose="020B0604030504040204" pitchFamily="34" charset="-120"/>
-                <a:ea typeface="微軟正黑體" panose="020B0604030504040204" pitchFamily="34" charset="-120"/>
-              </a:rPr>
-              <a:t>好</a:t>
-            </a:r>
-            <a:endParaRPr lang="en-US" altLang="zh-TW" dirty="0" smtClean="0">
-              <a:latin typeface="微軟正黑體" panose="020B0604030504040204" pitchFamily="34" charset="-120"/>
-              <a:ea typeface="微軟正黑體" panose="020B0604030504040204" pitchFamily="34" charset="-120"/>
-              <a:cs typeface="Times New Roman" panose="02020603050405020304" pitchFamily="18" charset="0"/>
-            </a:endParaRPr>
-          </a:p>
-          <a:p>
-            <a:r>
               <a:rPr lang="en-US" altLang="zh-TW" kern="100" dirty="0" smtClean="0">
                 <a:latin typeface="微軟正黑體" panose="020B0604030504040204" pitchFamily="34" charset="-120"/>
                 <a:ea typeface="微軟正黑體" panose="020B0604030504040204" pitchFamily="34" charset="-120"/>
@@ -3873,10 +4901,14 @@
               </a:rPr>
               <a:t>FPS&gt;35</a:t>
             </a:r>
-          </a:p>
-          <a:p>
-            <a:r>
-              <a:rPr lang="zh-TW" altLang="zh-TW" dirty="0">
+            <a:endParaRPr lang="en-US" altLang="zh-TW" dirty="0" smtClean="0">
+              <a:latin typeface="微軟正黑體" panose="020B0604030504040204" pitchFamily="34" charset="-120"/>
+              <a:ea typeface="微軟正黑體" panose="020B0604030504040204" pitchFamily="34" charset="-120"/>
+            </a:endParaRPr>
+          </a:p>
+          <a:p>
+            <a:r>
+              <a:rPr lang="zh-TW" altLang="zh-TW" dirty="0" smtClean="0">
                 <a:latin typeface="微軟正黑體" panose="020B0604030504040204" pitchFamily="34" charset="-120"/>
                 <a:ea typeface="微軟正黑體" panose="020B0604030504040204" pitchFamily="34" charset="-120"/>
               </a:rPr>
@@ -3960,8 +4992,12 @@
           <a:lstStyle/>
           <a:p>
             <a:r>
-              <a:rPr lang="zh-TW" altLang="en-US" dirty="0" smtClean="0"/>
-              <a:t>介面需求</a:t>
+              <a:rPr lang="zh-TW" altLang="en-US" dirty="0"/>
+              <a:t>效能</a:t>
+            </a:r>
+            <a:r>
+              <a:rPr lang="zh-TW" altLang="en-US" dirty="0" smtClean="0"/>
+              <a:t>限制</a:t>
             </a:r>
             <a:endParaRPr lang="zh-TW" altLang="en-US" dirty="0"/>
           </a:p>
@@ -4082,7 +5118,7 @@
             </a:r>
             <a:r>
               <a:rPr lang="zh-TW" altLang="en-US" dirty="0" smtClean="0"/>
-              <a:t>遊戲流程圖</a:t>
+              <a:t>功能模組</a:t>
             </a:r>
             <a:r>
               <a:rPr lang="en-US" altLang="zh-TW" dirty="0" smtClean="0"/>
@@ -4092,15 +5128,69 @@
           </a:p>
         </p:txBody>
       </p:sp>
+      <p:sp>
+        <p:nvSpPr>
+          <p:cNvPr id="3" name="內容版面配置區 2"/>
+          <p:cNvSpPr>
+            <a:spLocks noGrp="1"/>
+          </p:cNvSpPr>
+          <p:nvPr>
+            <p:ph idx="1"/>
+          </p:nvPr>
+        </p:nvSpPr>
+        <p:spPr/>
+        <p:txBody>
+          <a:bodyPr/>
+          <a:lstStyle/>
+          <a:p>
+            <a:r>
+              <a:rPr lang="zh-TW" altLang="en-US" dirty="0" smtClean="0"/>
+              <a:t>訓練模型程式 </a:t>
+            </a:r>
+            <a:r>
+              <a:rPr lang="en-US" altLang="zh-TW" dirty="0" smtClean="0"/>
+              <a:t>:</a:t>
+            </a:r>
+            <a:r>
+              <a:rPr lang="zh-TW" altLang="en-US" dirty="0" smtClean="0"/>
+              <a:t> </a:t>
+            </a:r>
+            <a:endParaRPr lang="en-US" altLang="zh-TW" dirty="0" smtClean="0"/>
+          </a:p>
+          <a:p>
+            <a:pPr lvl="1"/>
+            <a:r>
+              <a:rPr lang="zh-TW" altLang="en-US" dirty="0" smtClean="0"/>
+              <a:t>利用機器學習訓練出一個有效的模型</a:t>
+            </a:r>
+            <a:endParaRPr lang="en-US" altLang="zh-TW" dirty="0" smtClean="0"/>
+          </a:p>
+          <a:p>
+            <a:endParaRPr lang="en-US" altLang="zh-TW" dirty="0"/>
+          </a:p>
+          <a:p>
+            <a:endParaRPr lang="en-US" altLang="zh-TW" dirty="0" smtClean="0"/>
+          </a:p>
+          <a:p>
+            <a:r>
+              <a:rPr lang="zh-TW" altLang="en-US" dirty="0" smtClean="0"/>
+              <a:t>執行模型程式</a:t>
+            </a:r>
+            <a:endParaRPr lang="en-US" altLang="zh-TW" dirty="0" smtClean="0"/>
+          </a:p>
+          <a:p>
+            <a:pPr lvl="1"/>
+            <a:endParaRPr lang="zh-TW" altLang="en-US" dirty="0"/>
+          </a:p>
+        </p:txBody>
+      </p:sp>
       <p:pic>
         <p:nvPicPr>
-          <p:cNvPr id="4" name="內容版面配置區 3"/>
+          <p:cNvPr id="4" name="圖片 3"/>
           <p:cNvPicPr>
-            <a:picLocks noGrp="1" noChangeAspect="1"/>
+            <a:picLocks noChangeAspect="1"/>
           </p:cNvPicPr>
-          <p:nvPr>
-            <p:ph idx="1"/>
-          </p:nvPr>
+          <p:nvPr/>
         </p:nvPicPr>
         <p:blipFill>
           <a:blip r:embed="rId2">
@@ -4116,15 +5206,334 @@
         </p:blipFill>
         <p:spPr>
           <a:xfrm>
-            <a:off x="4321530" y="1919416"/>
-            <a:ext cx="3863372" cy="4146131"/>
-          </a:xfrm>
+            <a:off x="3880181" y="2947921"/>
+            <a:ext cx="3629532" cy="962159"/>
+          </a:xfrm>
+          <a:prstGeom prst="rect">
+            <a:avLst/>
+          </a:prstGeom>
         </p:spPr>
       </p:pic>
+      <p:sp>
+        <p:nvSpPr>
+          <p:cNvPr id="5" name="矩形 4"/>
+          <p:cNvSpPr/>
+          <p:nvPr/>
+        </p:nvSpPr>
+        <p:spPr>
+          <a:xfrm>
+            <a:off x="2821402" y="4371033"/>
+            <a:ext cx="2117558" cy="942471"/>
+          </a:xfrm>
+          <a:prstGeom prst="rect">
+            <a:avLst/>
+          </a:prstGeom>
+        </p:spPr>
+        <p:style>
+          <a:lnRef idx="2">
+            <a:schemeClr val="dk1">
+              <a:shade val="50000"/>
+            </a:schemeClr>
+          </a:lnRef>
+          <a:fillRef idx="1">
+            <a:schemeClr val="dk1"/>
+          </a:fillRef>
+          <a:effectRef idx="0">
+            <a:schemeClr val="dk1"/>
+          </a:effectRef>
+          <a:fontRef idx="minor">
+            <a:schemeClr val="lt1"/>
+          </a:fontRef>
+        </p:style>
+        <p:txBody>
+          <a:bodyPr rtlCol="0" anchor="ctr"/>
+          <a:lstStyle/>
+          <a:p>
+            <a:pPr algn="ctr"/>
+            <a:r>
+              <a:rPr lang="zh-TW" altLang="en-US" dirty="0" smtClean="0"/>
+              <a:t>訓練模型</a:t>
+            </a:r>
+            <a:endParaRPr lang="zh-TW" altLang="en-US" dirty="0"/>
+          </a:p>
+        </p:txBody>
+      </p:sp>
+      <p:sp>
+        <p:nvSpPr>
+          <p:cNvPr id="6" name="矩形 5"/>
+          <p:cNvSpPr/>
+          <p:nvPr/>
+        </p:nvSpPr>
+        <p:spPr>
+          <a:xfrm>
+            <a:off x="6308783" y="4371032"/>
+            <a:ext cx="2117558" cy="942471"/>
+          </a:xfrm>
+          <a:prstGeom prst="rect">
+            <a:avLst/>
+          </a:prstGeom>
+        </p:spPr>
+        <p:style>
+          <a:lnRef idx="2">
+            <a:schemeClr val="dk1">
+              <a:shade val="50000"/>
+            </a:schemeClr>
+          </a:lnRef>
+          <a:fillRef idx="1">
+            <a:schemeClr val="dk1"/>
+          </a:fillRef>
+          <a:effectRef idx="0">
+            <a:schemeClr val="dk1"/>
+          </a:effectRef>
+          <a:fontRef idx="minor">
+            <a:schemeClr val="lt1"/>
+          </a:fontRef>
+        </p:style>
+        <p:txBody>
+          <a:bodyPr rtlCol="0" anchor="ctr"/>
+          <a:lstStyle/>
+          <a:p>
+            <a:pPr algn="ctr"/>
+            <a:r>
+              <a:rPr lang="zh-TW" altLang="en-US" dirty="0" smtClean="0"/>
+              <a:t>比賽對</a:t>
+            </a:r>
+            <a:r>
+              <a:rPr lang="zh-TW" altLang="en-US" dirty="0"/>
+              <a:t>打</a:t>
+            </a:r>
+          </a:p>
+        </p:txBody>
+      </p:sp>
+      <p:cxnSp>
+        <p:nvCxnSpPr>
+          <p:cNvPr id="8" name="直線單箭頭接點 7"/>
+          <p:cNvCxnSpPr/>
+          <p:nvPr/>
+        </p:nvCxnSpPr>
+        <p:spPr>
+          <a:xfrm flipV="1">
+            <a:off x="4966743" y="4823776"/>
+            <a:ext cx="1314256" cy="1"/>
+          </a:xfrm>
+          <a:prstGeom prst="straightConnector1">
+            <a:avLst/>
+          </a:prstGeom>
+          <a:ln>
+            <a:tailEnd type="triangle"/>
+          </a:ln>
+        </p:spPr>
+        <p:style>
+          <a:lnRef idx="3">
+            <a:schemeClr val="dk1"/>
+          </a:lnRef>
+          <a:fillRef idx="0">
+            <a:schemeClr val="dk1"/>
+          </a:fillRef>
+          <a:effectRef idx="2">
+            <a:schemeClr val="dk1"/>
+          </a:effectRef>
+          <a:fontRef idx="minor">
+            <a:schemeClr val="tx1"/>
+          </a:fontRef>
+        </p:style>
+      </p:cxnSp>
+      <p:sp>
+        <p:nvSpPr>
+          <p:cNvPr id="13" name="文字方塊 12"/>
+          <p:cNvSpPr txBox="1"/>
+          <p:nvPr/>
+        </p:nvSpPr>
+        <p:spPr>
+          <a:xfrm>
+            <a:off x="4966743" y="4195936"/>
+            <a:ext cx="1107996" cy="646331"/>
+          </a:xfrm>
+          <a:prstGeom prst="rect">
+            <a:avLst/>
+          </a:prstGeom>
+          <a:noFill/>
+        </p:spPr>
+        <p:txBody>
+          <a:bodyPr wrap="none" rtlCol="0">
+            <a:spAutoFit/>
+          </a:bodyPr>
+          <a:lstStyle/>
+          <a:p>
+            <a:r>
+              <a:rPr lang="zh-TW" altLang="en-US" dirty="0" smtClean="0"/>
+              <a:t>提供預測</a:t>
+            </a:r>
+            <a:endParaRPr lang="en-US" altLang="zh-TW" dirty="0" smtClean="0"/>
+          </a:p>
+          <a:p>
+            <a:r>
+              <a:rPr lang="zh-TW" altLang="en-US" dirty="0" smtClean="0"/>
+              <a:t>模型</a:t>
+            </a:r>
+            <a:endParaRPr lang="zh-TW" altLang="en-US" dirty="0"/>
+          </a:p>
+        </p:txBody>
+      </p:sp>
+      <p:cxnSp>
+        <p:nvCxnSpPr>
+          <p:cNvPr id="35" name="接點: 肘形 9">
+            <a:extLst>
+              <a:ext uri="{FF2B5EF4-FFF2-40B4-BE49-F238E27FC236}">
+                <a16:creationId xmlns:a16="http://schemas.microsoft.com/office/drawing/2014/main" id="{2BE72E6F-2EFF-4DB6-99BE-7431F1E0ED61}"/>
+              </a:ext>
+            </a:extLst>
+          </p:cNvPr>
+          <p:cNvCxnSpPr>
+            <a:cxnSpLocks/>
+          </p:cNvCxnSpPr>
+          <p:nvPr/>
+        </p:nvCxnSpPr>
+        <p:spPr>
+          <a:xfrm rot="5400000" flipH="1">
+            <a:off x="2928149" y="4750569"/>
+            <a:ext cx="504825" cy="773885"/>
+          </a:xfrm>
+          <a:prstGeom prst="bentConnector4">
+            <a:avLst>
+              <a:gd name="adj1" fmla="val -89772"/>
+              <a:gd name="adj2" fmla="val 200019"/>
+            </a:avLst>
+          </a:prstGeom>
+          <a:ln>
+            <a:tailEnd type="triangle"/>
+          </a:ln>
+        </p:spPr>
+        <p:style>
+          <a:lnRef idx="3">
+            <a:schemeClr val="dk1"/>
+          </a:lnRef>
+          <a:fillRef idx="0">
+            <a:schemeClr val="dk1"/>
+          </a:fillRef>
+          <a:effectRef idx="2">
+            <a:schemeClr val="dk1"/>
+          </a:effectRef>
+          <a:fontRef idx="minor">
+            <a:schemeClr val="tx1"/>
+          </a:fontRef>
+        </p:style>
+      </p:cxnSp>
+      <p:sp>
+        <p:nvSpPr>
+          <p:cNvPr id="41" name="文字方塊 40"/>
+          <p:cNvSpPr txBox="1"/>
+          <p:nvPr/>
+        </p:nvSpPr>
+        <p:spPr>
+          <a:xfrm>
+            <a:off x="2140468" y="5405125"/>
+            <a:ext cx="1586457" cy="369332"/>
+          </a:xfrm>
+          <a:prstGeom prst="rect">
+            <a:avLst/>
+          </a:prstGeom>
+          <a:noFill/>
+        </p:spPr>
+        <p:txBody>
+          <a:bodyPr wrap="square" rtlCol="0">
+            <a:spAutoFit/>
+          </a:bodyPr>
+          <a:lstStyle/>
+          <a:p>
+            <a:r>
+              <a:rPr lang="zh-TW" altLang="en-US" dirty="0" smtClean="0"/>
+              <a:t>修</a:t>
+            </a:r>
+            <a:r>
+              <a:rPr lang="zh-TW" altLang="en-US" dirty="0"/>
+              <a:t>正</a:t>
+            </a:r>
+            <a:r>
+              <a:rPr lang="zh-TW" altLang="en-US" dirty="0" smtClean="0"/>
+              <a:t>模型</a:t>
+            </a:r>
+            <a:endParaRPr lang="zh-TW" altLang="en-US" dirty="0"/>
+          </a:p>
+        </p:txBody>
+      </p:sp>
+      <p:cxnSp>
+        <p:nvCxnSpPr>
+          <p:cNvPr id="47" name="接點: 肘形 14">
+            <a:extLst>
+              <a:ext uri="{FF2B5EF4-FFF2-40B4-BE49-F238E27FC236}">
+                <a16:creationId xmlns:a16="http://schemas.microsoft.com/office/drawing/2014/main" id="{DCE996EA-6BE7-48D1-94AB-7FEFED8E685F}"/>
+              </a:ext>
+            </a:extLst>
+          </p:cNvPr>
+          <p:cNvCxnSpPr>
+            <a:cxnSpLocks/>
+          </p:cNvCxnSpPr>
+          <p:nvPr/>
+        </p:nvCxnSpPr>
+        <p:spPr>
+          <a:xfrm rot="10800000" flipV="1">
+            <a:off x="3709655" y="5420611"/>
+            <a:ext cx="3800058" cy="384771"/>
+          </a:xfrm>
+          <a:prstGeom prst="bentConnector3">
+            <a:avLst>
+              <a:gd name="adj1" fmla="val 186"/>
+            </a:avLst>
+          </a:prstGeom>
+          <a:ln>
+            <a:tailEnd type="triangle"/>
+          </a:ln>
+        </p:spPr>
+        <p:style>
+          <a:lnRef idx="3">
+            <a:schemeClr val="dk1"/>
+          </a:lnRef>
+          <a:fillRef idx="0">
+            <a:schemeClr val="dk1"/>
+          </a:fillRef>
+          <a:effectRef idx="2">
+            <a:schemeClr val="dk1"/>
+          </a:effectRef>
+          <a:fontRef idx="minor">
+            <a:schemeClr val="tx1"/>
+          </a:fontRef>
+        </p:style>
+      </p:cxnSp>
+      <p:sp>
+        <p:nvSpPr>
+          <p:cNvPr id="53" name="文字方塊 52"/>
+          <p:cNvSpPr txBox="1"/>
+          <p:nvPr/>
+        </p:nvSpPr>
+        <p:spPr>
+          <a:xfrm>
+            <a:off x="4256550" y="5416327"/>
+            <a:ext cx="2628041" cy="369332"/>
+          </a:xfrm>
+          <a:prstGeom prst="rect">
+            <a:avLst/>
+          </a:prstGeom>
+          <a:noFill/>
+        </p:spPr>
+        <p:txBody>
+          <a:bodyPr wrap="square" rtlCol="0">
+            <a:spAutoFit/>
+          </a:bodyPr>
+          <a:lstStyle/>
+          <a:p>
+            <a:r>
+              <a:rPr lang="zh-TW" altLang="en-US" dirty="0" smtClean="0"/>
+              <a:t>依據對打結果修正模型</a:t>
+            </a:r>
+            <a:endParaRPr lang="zh-TW" altLang="en-US" dirty="0"/>
+          </a:p>
+        </p:txBody>
+      </p:sp>
     </p:spTree>
     <p:extLst>
       <p:ext uri="{BB962C8B-B14F-4D97-AF65-F5344CB8AC3E}">
-        <p14:creationId xmlns:p14="http://schemas.microsoft.com/office/powerpoint/2010/main" val="1652133463"/>
+        <p14:creationId xmlns:p14="http://schemas.microsoft.com/office/powerpoint/2010/main" val="2079295921"/>
       </p:ext>
     </p:extLst>
   </p:cSld>
@@ -4210,9 +5619,39 @@
         </p:blipFill>
         <p:spPr>
           <a:xfrm>
-            <a:off x="1451579" y="1969810"/>
+            <a:off x="3456842" y="2162315"/>
             <a:ext cx="6420746" cy="3381847"/>
           </a:xfrm>
+        </p:spPr>
+      </p:pic>
+      <p:pic>
+        <p:nvPicPr>
+          <p:cNvPr id="5" name="圖片 4">
+            <a:extLst>
+              <a:ext uri="{FF2B5EF4-FFF2-40B4-BE49-F238E27FC236}">
+                <a16:creationId xmlns:a16="http://schemas.microsoft.com/office/drawing/2014/main" id="{0D0D7CBF-01B5-461B-B9CD-2537E22F1EE6}"/>
+              </a:ext>
+            </a:extLst>
+          </p:cNvPr>
+          <p:cNvPicPr>
+            <a:picLocks noChangeAspect="1"/>
+          </p:cNvPicPr>
+          <p:nvPr/>
+        </p:nvPicPr>
+        <p:blipFill>
+          <a:blip r:embed="rId3"/>
+          <a:stretch>
+            <a:fillRect/>
+          </a:stretch>
+        </p:blipFill>
+        <p:spPr>
+          <a:xfrm>
+            <a:off x="1451579" y="1862837"/>
+            <a:ext cx="1612463" cy="4246685"/>
+          </a:xfrm>
+          <a:prstGeom prst="rect">
+            <a:avLst/>
+          </a:prstGeom>
         </p:spPr>
       </p:pic>
     </p:spTree>
@@ -4247,6 +5686,130 @@
       </p:grpSpPr>
       <p:sp>
         <p:nvSpPr>
+          <p:cNvPr id="2" name="標題 1"/>
+          <p:cNvSpPr>
+            <a:spLocks noGrp="1"/>
+          </p:cNvSpPr>
+          <p:nvPr>
+            <p:ph type="title"/>
+          </p:nvPr>
+        </p:nvSpPr>
+        <p:spPr/>
+        <p:txBody>
+          <a:bodyPr/>
+          <a:lstStyle/>
+          <a:p>
+            <a:r>
+              <a:rPr lang="zh-TW" altLang="en-US" dirty="0" smtClean="0"/>
+              <a:t>分析</a:t>
+            </a:r>
+            <a:r>
+              <a:rPr lang="en-US" altLang="zh-TW" dirty="0" smtClean="0"/>
+              <a:t>(</a:t>
+            </a:r>
+            <a:r>
+              <a:rPr lang="zh-TW" altLang="en-US" dirty="0" smtClean="0"/>
+              <a:t>遊戲流程圖</a:t>
+            </a:r>
+            <a:r>
+              <a:rPr lang="en-US" altLang="zh-TW" dirty="0" smtClean="0"/>
+              <a:t>)</a:t>
+            </a:r>
+            <a:endParaRPr lang="zh-TW" altLang="en-US" dirty="0"/>
+          </a:p>
+        </p:txBody>
+      </p:sp>
+      <p:pic>
+        <p:nvPicPr>
+          <p:cNvPr id="4" name="內容版面配置區 3"/>
+          <p:cNvPicPr>
+            <a:picLocks noGrp="1" noChangeAspect="1"/>
+          </p:cNvPicPr>
+          <p:nvPr>
+            <p:ph idx="1"/>
+          </p:nvPr>
+        </p:nvPicPr>
+        <p:blipFill>
+          <a:blip r:embed="rId2">
+            <a:extLst>
+              <a:ext uri="{28A0092B-C50C-407E-A947-70E740481C1C}">
+                <a14:useLocalDpi xmlns:a14="http://schemas.microsoft.com/office/drawing/2010/main" val="0"/>
+              </a:ext>
+            </a:extLst>
+          </a:blip>
+          <a:stretch>
+            <a:fillRect/>
+          </a:stretch>
+        </p:blipFill>
+        <p:spPr>
+          <a:xfrm>
+            <a:off x="3535467" y="1963391"/>
+            <a:ext cx="3863372" cy="4146131"/>
+          </a:xfrm>
+        </p:spPr>
+      </p:pic>
+      <p:pic>
+        <p:nvPicPr>
+          <p:cNvPr id="5" name="圖片 4">
+            <a:extLst>
+              <a:ext uri="{FF2B5EF4-FFF2-40B4-BE49-F238E27FC236}">
+                <a16:creationId xmlns:a16="http://schemas.microsoft.com/office/drawing/2014/main" id="{0D0D7CBF-01B5-461B-B9CD-2537E22F1EE6}"/>
+              </a:ext>
+            </a:extLst>
+          </p:cNvPr>
+          <p:cNvPicPr>
+            <a:picLocks noChangeAspect="1"/>
+          </p:cNvPicPr>
+          <p:nvPr/>
+        </p:nvPicPr>
+        <p:blipFill>
+          <a:blip r:embed="rId3"/>
+          <a:stretch>
+            <a:fillRect/>
+          </a:stretch>
+        </p:blipFill>
+        <p:spPr>
+          <a:xfrm>
+            <a:off x="1451579" y="1862837"/>
+            <a:ext cx="1612463" cy="4246685"/>
+          </a:xfrm>
+          <a:prstGeom prst="rect">
+            <a:avLst/>
+          </a:prstGeom>
+        </p:spPr>
+      </p:pic>
+    </p:spTree>
+    <p:extLst>
+      <p:ext uri="{BB962C8B-B14F-4D97-AF65-F5344CB8AC3E}">
+        <p14:creationId xmlns:p14="http://schemas.microsoft.com/office/powerpoint/2010/main" val="1652133463"/>
+      </p:ext>
+    </p:extLst>
+  </p:cSld>
+  <p:clrMapOvr>
+    <a:masterClrMapping/>
+  </p:clrMapOvr>
+</p:sld>
+</file>
+
+<file path=ppt/slides/slide7.xml><?xml version="1.0" encoding="utf-8"?>
+<p:sld xmlns:a="http://schemas.openxmlformats.org/drawingml/2006/main" xmlns:r="http://schemas.openxmlformats.org/officeDocument/2006/relationships" xmlns:p="http://schemas.openxmlformats.org/presentationml/2006/main">
+  <p:cSld>
+    <p:spTree>
+      <p:nvGrpSpPr>
+        <p:cNvPr id="1" name=""/>
+        <p:cNvGrpSpPr/>
+        <p:nvPr/>
+      </p:nvGrpSpPr>
+      <p:grpSpPr>
+        <a:xfrm>
+          <a:off x="0" y="0"/>
+          <a:ext cx="0" cy="0"/>
+          <a:chOff x="0" y="0"/>
+          <a:chExt cx="0" cy="0"/>
+        </a:xfrm>
+      </p:grpSpPr>
+      <p:sp>
+        <p:nvSpPr>
           <p:cNvPr id="3" name="內容版面配置區 2"/>
           <p:cNvSpPr>
             <a:spLocks noGrp="1"/>
@@ -4280,7 +5843,7 @@
         </p:blipFill>
         <p:spPr>
           <a:xfrm>
-            <a:off x="1451579" y="2015732"/>
+            <a:off x="3157591" y="1853754"/>
             <a:ext cx="6191250" cy="1495425"/>
           </a:xfrm>
           <a:prstGeom prst="rect">
@@ -4323,6 +5886,36 @@
           </a:p>
         </p:txBody>
       </p:sp>
+      <p:pic>
+        <p:nvPicPr>
+          <p:cNvPr id="6" name="圖片 5">
+            <a:extLst>
+              <a:ext uri="{FF2B5EF4-FFF2-40B4-BE49-F238E27FC236}">
+                <a16:creationId xmlns:a16="http://schemas.microsoft.com/office/drawing/2014/main" id="{0D0D7CBF-01B5-461B-B9CD-2537E22F1EE6}"/>
+              </a:ext>
+            </a:extLst>
+          </p:cNvPr>
+          <p:cNvPicPr>
+            <a:picLocks noChangeAspect="1"/>
+          </p:cNvPicPr>
+          <p:nvPr/>
+        </p:nvPicPr>
+        <p:blipFill>
+          <a:blip r:embed="rId3"/>
+          <a:stretch>
+            <a:fillRect/>
+          </a:stretch>
+        </p:blipFill>
+        <p:spPr>
+          <a:xfrm>
+            <a:off x="1451579" y="1862837"/>
+            <a:ext cx="1612463" cy="4246685"/>
+          </a:xfrm>
+          <a:prstGeom prst="rect">
+            <a:avLst/>
+          </a:prstGeom>
+        </p:spPr>
+      </p:pic>
     </p:spTree>
     <p:extLst>
       <p:ext uri="{BB962C8B-B14F-4D97-AF65-F5344CB8AC3E}">
@@ -4336,7 +5929,138 @@
 </p:sld>
 </file>
 
-<file path=ppt/slides/slide7.xml><?xml version="1.0" encoding="utf-8"?>
+<file path=ppt/slides/slide8.xml><?xml version="1.0" encoding="utf-8"?>
+<p:sld xmlns:a="http://schemas.openxmlformats.org/drawingml/2006/main" xmlns:r="http://schemas.openxmlformats.org/officeDocument/2006/relationships" xmlns:p="http://schemas.openxmlformats.org/presentationml/2006/main">
+  <p:cSld>
+    <p:spTree>
+      <p:nvGrpSpPr>
+        <p:cNvPr id="1" name=""/>
+        <p:cNvGrpSpPr/>
+        <p:nvPr/>
+      </p:nvGrpSpPr>
+      <p:grpSpPr>
+        <a:xfrm>
+          <a:off x="0" y="0"/>
+          <a:ext cx="0" cy="0"/>
+          <a:chOff x="0" y="0"/>
+          <a:chExt cx="0" cy="0"/>
+        </a:xfrm>
+      </p:grpSpPr>
+      <p:sp>
+        <p:nvSpPr>
+          <p:cNvPr id="3" name="內容版面配置區 2"/>
+          <p:cNvSpPr>
+            <a:spLocks noGrp="1"/>
+          </p:cNvSpPr>
+          <p:nvPr>
+            <p:ph idx="1"/>
+          </p:nvPr>
+        </p:nvSpPr>
+        <p:spPr/>
+        <p:txBody>
+          <a:bodyPr/>
+          <a:lstStyle/>
+          <a:p>
+            <a:r>
+              <a:rPr lang="zh-TW" altLang="en-US" dirty="0" smtClean="0"/>
+              <a:t>訓練方法</a:t>
+            </a:r>
+            <a:endParaRPr lang="en-US" altLang="zh-TW" dirty="0" smtClean="0"/>
+          </a:p>
+          <a:p>
+            <a:pPr lvl="1"/>
+            <a:r>
+              <a:rPr lang="zh-TW" altLang="en-US" dirty="0"/>
+              <a:t>目前選用</a:t>
+            </a:r>
+            <a:r>
+              <a:rPr lang="en-US" altLang="zh-TW" dirty="0"/>
+              <a:t>KNN</a:t>
+            </a:r>
+            <a:r>
+              <a:rPr lang="zh-TW" altLang="en-US" dirty="0"/>
+              <a:t>演算法來作</a:t>
+            </a:r>
+            <a:r>
+              <a:rPr lang="zh-TW" altLang="en-US" dirty="0" smtClean="0"/>
+              <a:t>訓練</a:t>
+            </a:r>
+            <a:endParaRPr lang="en-US" altLang="zh-TW" dirty="0"/>
+          </a:p>
+          <a:p>
+            <a:r>
+              <a:rPr lang="zh-TW" altLang="en-US" dirty="0" smtClean="0"/>
+              <a:t>訓練資料來源</a:t>
+            </a:r>
+            <a:endParaRPr lang="en-US" altLang="zh-TW" dirty="0" smtClean="0"/>
+          </a:p>
+          <a:p>
+            <a:pPr lvl="1"/>
+            <a:r>
+              <a:rPr lang="zh-TW" altLang="en-US" dirty="0" smtClean="0"/>
+              <a:t>利用</a:t>
+            </a:r>
+            <a:r>
+              <a:rPr lang="en-US" altLang="zh-TW" dirty="0" smtClean="0"/>
+              <a:t>rule-base </a:t>
+            </a:r>
+            <a:r>
+              <a:rPr lang="zh-TW" altLang="en-US" dirty="0" smtClean="0"/>
+              <a:t>提供大量的有效樣本，並根據需求做調整</a:t>
+            </a:r>
+            <a:endParaRPr lang="en-US" altLang="zh-TW" dirty="0" smtClean="0"/>
+          </a:p>
+        </p:txBody>
+      </p:sp>
+      <p:sp>
+        <p:nvSpPr>
+          <p:cNvPr id="4" name="標題 1"/>
+          <p:cNvSpPr>
+            <a:spLocks noGrp="1"/>
+          </p:cNvSpPr>
+          <p:nvPr>
+            <p:ph type="title"/>
+          </p:nvPr>
+        </p:nvSpPr>
+        <p:spPr/>
+        <p:txBody>
+          <a:bodyPr/>
+          <a:lstStyle/>
+          <a:p>
+            <a:r>
+              <a:rPr lang="zh-TW" altLang="en-US" dirty="0" smtClean="0"/>
+              <a:t>分析</a:t>
+            </a:r>
+            <a:r>
+              <a:rPr lang="en-US" altLang="zh-TW" dirty="0" smtClean="0"/>
+              <a:t>(</a:t>
+            </a:r>
+            <a:r>
+              <a:rPr lang="zh-TW" altLang="en-US" dirty="0" smtClean="0"/>
+              <a:t>實現方法</a:t>
+            </a:r>
+            <a:r>
+              <a:rPr lang="en-US" altLang="zh-TW" dirty="0" smtClean="0"/>
+              <a:t>)</a:t>
+            </a:r>
+            <a:endParaRPr lang="zh-TW" altLang="en-US" dirty="0"/>
+          </a:p>
+        </p:txBody>
+      </p:sp>
+    </p:spTree>
+    <p:extLst>
+      <p:ext uri="{BB962C8B-B14F-4D97-AF65-F5344CB8AC3E}">
+        <p14:creationId xmlns:p14="http://schemas.microsoft.com/office/powerpoint/2010/main" val="3801130603"/>
+      </p:ext>
+    </p:extLst>
+  </p:cSld>
+  <p:clrMapOvr>
+    <a:masterClrMapping/>
+  </p:clrMapOvr>
+</p:sld>
+</file>
+
+<file path=ppt/slides/slide9.xml><?xml version="1.0" encoding="utf-8"?>
 <p:sld xmlns:a="http://schemas.openxmlformats.org/drawingml/2006/main" xmlns:r="http://schemas.openxmlformats.org/officeDocument/2006/relationships" xmlns:p="http://schemas.openxmlformats.org/presentationml/2006/main">
   <p:cSld>
     <p:spTree>

--- a/專案管理.pptx
+++ b/專案管理.pptx
@@ -8,14 +8,17 @@
     <p:sldId id="256" r:id="rId2"/>
     <p:sldId id="257" r:id="rId3"/>
     <p:sldId id="262" r:id="rId4"/>
-    <p:sldId id="266" r:id="rId5"/>
-    <p:sldId id="261" r:id="rId6"/>
-    <p:sldId id="258" r:id="rId7"/>
-    <p:sldId id="263" r:id="rId8"/>
-    <p:sldId id="265" r:id="rId9"/>
-    <p:sldId id="264" r:id="rId10"/>
-    <p:sldId id="267" r:id="rId11"/>
-    <p:sldId id="268" r:id="rId12"/>
+    <p:sldId id="270" r:id="rId5"/>
+    <p:sldId id="272" r:id="rId6"/>
+    <p:sldId id="273" r:id="rId7"/>
+    <p:sldId id="274" r:id="rId8"/>
+    <p:sldId id="271" r:id="rId9"/>
+    <p:sldId id="275" r:id="rId10"/>
+    <p:sldId id="277" r:id="rId11"/>
+    <p:sldId id="278" r:id="rId12"/>
+    <p:sldId id="269" r:id="rId13"/>
+    <p:sldId id="267" r:id="rId14"/>
+    <p:sldId id="268" r:id="rId15"/>
   </p:sldIdLst>
   <p:sldSz cx="12192000" cy="6858000"/>
   <p:notesSz cx="6858000" cy="9144000"/>
@@ -115,6 +118,32 @@
     </a:lvl9pPr>
   </p:defaultTextStyle>
   <p:extLst>
+    <p:ext uri="{521415D9-36F7-43E2-AB2F-B90AF26B5E84}">
+      <p14:sectionLst xmlns:p14="http://schemas.microsoft.com/office/powerpoint/2010/main">
+        <p14:section name="需求&amp;分析" id="{0B2A52DD-9A4A-4314-8620-0BD4DA39F711}">
+          <p14:sldIdLst>
+            <p14:sldId id="256"/>
+            <p14:sldId id="257"/>
+            <p14:sldId id="262"/>
+            <p14:sldId id="270"/>
+            <p14:sldId id="272"/>
+            <p14:sldId id="273"/>
+            <p14:sldId id="274"/>
+            <p14:sldId id="271"/>
+            <p14:sldId id="275"/>
+            <p14:sldId id="277"/>
+            <p14:sldId id="278"/>
+          </p14:sldIdLst>
+        </p14:section>
+        <p14:section name="設計" id="{A5AC7A5E-6DC7-45FA-9848-F182725E5AC2}">
+          <p14:sldIdLst>
+            <p14:sldId id="269"/>
+            <p14:sldId id="267"/>
+            <p14:sldId id="268"/>
+          </p14:sldIdLst>
+        </p14:section>
+      </p14:sectionLst>
+    </p:ext>
     <p:ext uri="{EFAFB233-063F-42B5-8137-9DF3F51BA10A}">
       <p15:sldGuideLst xmlns:p15="http://schemas.microsoft.com/office/powerpoint/2012/main"/>
     </p:ext>
@@ -261,7 +290,7 @@
           <a:p>
             <a:fld id="{48A87A34-81AB-432B-8DAE-1953F412C126}" type="datetimeFigureOut">
               <a:rPr lang="en-US" dirty="0"/>
-              <a:t>12/7/2019</a:t>
+              <a:t>12/11/2019</a:t>
             </a:fld>
             <a:endParaRPr lang="en-US" dirty="0"/>
           </a:p>
@@ -467,7 +496,7 @@
           <a:p>
             <a:fld id="{48A87A34-81AB-432B-8DAE-1953F412C126}" type="datetimeFigureOut">
               <a:rPr lang="en-US" dirty="0"/>
-              <a:t>12/7/2019</a:t>
+              <a:t>12/11/2019</a:t>
             </a:fld>
             <a:endParaRPr lang="en-US" dirty="0"/>
           </a:p>
@@ -677,7 +706,7 @@
           <a:p>
             <a:fld id="{48A87A34-81AB-432B-8DAE-1953F412C126}" type="datetimeFigureOut">
               <a:rPr lang="en-US" dirty="0"/>
-              <a:t>12/7/2019</a:t>
+              <a:t>12/11/2019</a:t>
             </a:fld>
             <a:endParaRPr lang="en-US" dirty="0"/>
           </a:p>
@@ -873,7 +902,7 @@
           <a:p>
             <a:fld id="{48A87A34-81AB-432B-8DAE-1953F412C126}" type="datetimeFigureOut">
               <a:rPr lang="en-US" dirty="0"/>
-              <a:t>12/7/2019</a:t>
+              <a:t>12/11/2019</a:t>
             </a:fld>
             <a:endParaRPr lang="en-US" dirty="0"/>
           </a:p>
@@ -1147,7 +1176,7 @@
           <a:p>
             <a:fld id="{48A87A34-81AB-432B-8DAE-1953F412C126}" type="datetimeFigureOut">
               <a:rPr lang="en-US" dirty="0"/>
-              <a:t>12/7/2019</a:t>
+              <a:t>12/11/2019</a:t>
             </a:fld>
             <a:endParaRPr lang="en-US" dirty="0"/>
           </a:p>
@@ -1410,7 +1439,7 @@
           <a:p>
             <a:fld id="{48A87A34-81AB-432B-8DAE-1953F412C126}" type="datetimeFigureOut">
               <a:rPr lang="en-US" dirty="0"/>
-              <a:t>12/7/2019</a:t>
+              <a:t>12/11/2019</a:t>
             </a:fld>
             <a:endParaRPr lang="en-US" dirty="0"/>
           </a:p>
@@ -1821,7 +1850,7 @@
           <a:p>
             <a:fld id="{48A87A34-81AB-432B-8DAE-1953F412C126}" type="datetimeFigureOut">
               <a:rPr lang="en-US" dirty="0"/>
-              <a:t>12/7/2019</a:t>
+              <a:t>12/11/2019</a:t>
             </a:fld>
             <a:endParaRPr lang="en-US" dirty="0"/>
           </a:p>
@@ -1965,7 +1994,7 @@
           <a:p>
             <a:fld id="{48A87A34-81AB-432B-8DAE-1953F412C126}" type="datetimeFigureOut">
               <a:rPr lang="en-US" dirty="0"/>
-              <a:t>12/7/2019</a:t>
+              <a:t>12/11/2019</a:t>
             </a:fld>
             <a:endParaRPr lang="en-US" dirty="0"/>
           </a:p>
@@ -2086,7 +2115,7 @@
           <a:p>
             <a:fld id="{48A87A34-81AB-432B-8DAE-1953F412C126}" type="datetimeFigureOut">
               <a:rPr lang="en-US" dirty="0"/>
-              <a:t>12/7/2019</a:t>
+              <a:t>12/11/2019</a:t>
             </a:fld>
             <a:endParaRPr lang="en-US" dirty="0"/>
           </a:p>
@@ -2332,7 +2361,7 @@
           <a:p>
             <a:fld id="{48A87A34-81AB-432B-8DAE-1953F412C126}" type="datetimeFigureOut">
               <a:rPr lang="en-US" dirty="0"/>
-              <a:t>12/7/2019</a:t>
+              <a:t>12/11/2019</a:t>
             </a:fld>
             <a:endParaRPr lang="en-US" dirty="0"/>
           </a:p>
@@ -2773,7 +2802,7 @@
             <a:fld id="{48A87A34-81AB-432B-8DAE-1953F412C126}" type="datetimeFigureOut">
               <a:rPr lang="en-US" dirty="0"/>
               <a:pPr/>
-              <a:t>12/7/2019</a:t>
+              <a:t>12/11/2019</a:t>
             </a:fld>
             <a:endParaRPr lang="en-US" dirty="0"/>
           </a:p>
@@ -3095,7 +3124,7 @@
             <a:fld id="{48A87A34-81AB-432B-8DAE-1953F412C126}" type="datetimeFigureOut">
               <a:rPr lang="en-US" dirty="0"/>
               <a:pPr/>
-              <a:t>12/7/2019</a:t>
+              <a:t>12/11/2019</a:t>
             </a:fld>
             <a:endParaRPr lang="en-US" dirty="0"/>
           </a:p>
@@ -3618,22 +3647,32 @@
         </p:spPr>
         <p:txBody>
           <a:bodyPr>
-            <a:normAutofit fontScale="92500" lnSpcReduction="10000"/>
+            <a:normAutofit/>
           </a:bodyPr>
           <a:lstStyle/>
           <a:p>
             <a:r>
+              <a:rPr lang="en-US" altLang="zh-TW" dirty="0" smtClean="0"/>
+              <a:t>0552031</a:t>
+            </a:r>
+            <a:r>
               <a:rPr lang="zh-TW" altLang="en-US" dirty="0" smtClean="0"/>
-              <a:t>學生 </a:t>
-            </a:r>
+              <a:t> 林哲宇</a:t>
+            </a:r>
+            <a:endParaRPr lang="en-US" altLang="zh-TW" dirty="0" smtClean="0"/>
+          </a:p>
+          <a:p>
             <a:r>
               <a:rPr lang="en-US" altLang="zh-TW" dirty="0" smtClean="0"/>
-              <a:t>:</a:t>
+              <a:t>0552034</a:t>
             </a:r>
             <a:r>
               <a:rPr lang="zh-TW" altLang="en-US" dirty="0" smtClean="0"/>
-              <a:t>  </a:t>
-            </a:r>
+              <a:t> 陳維謙</a:t>
+            </a:r>
+            <a:endParaRPr lang="en-US" altLang="zh-TW" dirty="0" smtClean="0"/>
+          </a:p>
+          <a:p>
             <a:r>
               <a:rPr lang="en-US" altLang="zh-TW" dirty="0" smtClean="0"/>
               <a:t>0552019</a:t>
@@ -3646,85 +3685,13 @@
           </a:p>
           <a:p>
             <a:r>
-              <a:rPr lang="zh-TW" altLang="en-US" dirty="0"/>
-              <a:t> </a:t>
-            </a:r>
-            <a:r>
-              <a:rPr lang="zh-TW" altLang="en-US" dirty="0" smtClean="0"/>
-              <a:t>          </a:t>
-            </a:r>
-            <a:r>
-              <a:rPr lang="en-US" altLang="zh-TW" dirty="0" smtClean="0"/>
-              <a:t>0552031</a:t>
-            </a:r>
-            <a:r>
-              <a:rPr lang="zh-TW" altLang="en-US" dirty="0" smtClean="0"/>
-              <a:t> 林哲宇</a:t>
-            </a:r>
-            <a:endParaRPr lang="en-US" altLang="zh-TW" dirty="0" smtClean="0"/>
-          </a:p>
-          <a:p>
-            <a:r>
-              <a:rPr lang="zh-TW" altLang="en-US" dirty="0"/>
-              <a:t>      </a:t>
-            </a:r>
-            <a:r>
-              <a:rPr lang="zh-TW" altLang="en-US" dirty="0" smtClean="0"/>
-              <a:t>     </a:t>
-            </a:r>
-            <a:r>
-              <a:rPr lang="en-US" altLang="zh-TW" dirty="0" smtClean="0"/>
-              <a:t>0552034</a:t>
-            </a:r>
-            <a:r>
-              <a:rPr lang="zh-TW" altLang="en-US" dirty="0" smtClean="0"/>
-              <a:t> </a:t>
-            </a:r>
-            <a:r>
-              <a:rPr lang="zh-TW" altLang="en-US" dirty="0" smtClean="0"/>
-              <a:t>陳維謙</a:t>
-            </a:r>
-            <a:endParaRPr lang="en-US" altLang="zh-TW" dirty="0" smtClean="0"/>
-          </a:p>
-          <a:p>
-            <a:r>
-              <a:rPr lang="zh-TW" altLang="en-US" dirty="0" smtClean="0"/>
-              <a:t>           </a:t>
-            </a:r>
-            <a:r>
               <a:rPr lang="en-US" altLang="zh-TW" dirty="0" smtClean="0"/>
               <a:t>0552015</a:t>
             </a:r>
             <a:r>
               <a:rPr lang="zh-TW" altLang="en-US" dirty="0" smtClean="0"/>
-              <a:t> </a:t>
-            </a:r>
-            <a:r>
-              <a:rPr lang="zh-TW" altLang="en-US" dirty="0" smtClean="0"/>
-              <a:t>陳韋</a:t>
-            </a:r>
-            <a:r>
-              <a:rPr lang="zh-TW" altLang="en-US" dirty="0" smtClean="0"/>
-              <a:t>綸</a:t>
-            </a:r>
-            <a:endParaRPr lang="en-US" altLang="zh-TW" dirty="0" smtClean="0"/>
-          </a:p>
-          <a:p>
-            <a:r>
-              <a:rPr lang="zh-TW" altLang="en-US" dirty="0" smtClean="0"/>
-              <a:t>指導老師 </a:t>
-            </a:r>
-            <a:r>
-              <a:rPr lang="en-US" altLang="zh-TW" dirty="0" smtClean="0"/>
-              <a:t>:</a:t>
-            </a:r>
-            <a:r>
-              <a:rPr lang="zh-TW" altLang="en-US" dirty="0" smtClean="0"/>
-              <a:t> 陳朝列 教授</a:t>
-            </a:r>
-            <a:endParaRPr lang="en-US" altLang="zh-TW" dirty="0" smtClean="0"/>
-          </a:p>
-          <a:p>
+              <a:t> 陳韋綸</a:t>
+            </a:r>
             <a:endParaRPr lang="zh-TW" altLang="en-US" dirty="0"/>
           </a:p>
         </p:txBody>
@@ -3739,6 +3706,13 @@
   <p:clrMapOvr>
     <a:masterClrMapping/>
   </p:clrMapOvr>
+  <p:timing>
+    <p:tnLst>
+      <p:par>
+        <p:cTn id="1" dur="indefinite" restart="never" nodeType="tmRoot"/>
+      </p:par>
+    </p:tnLst>
+  </p:timing>
 </p:sld>
 </file>
 
@@ -3810,10 +3784,6 @@
               <a:rPr lang="zh-TW" altLang="en-US" dirty="0"/>
               <a:t>個訓練樣本中出現最多的分類標籤作為最終新樣本數據的預測標籤。</a:t>
             </a:r>
-            <a:r>
-              <a:rPr lang="zh-TW" altLang="en-US" dirty="0"/>
-              <a:t/>
-            </a:r>
             <a:br>
               <a:rPr lang="zh-TW" altLang="en-US" dirty="0"/>
             </a:br>
@@ -3881,13 +3851,20 @@
     </p:spTree>
     <p:extLst>
       <p:ext uri="{BB962C8B-B14F-4D97-AF65-F5344CB8AC3E}">
-        <p14:creationId xmlns:p14="http://schemas.microsoft.com/office/powerpoint/2010/main" val="103530717"/>
+        <p14:creationId xmlns:p14="http://schemas.microsoft.com/office/powerpoint/2010/main" val="604585361"/>
       </p:ext>
     </p:extLst>
   </p:cSld>
   <p:clrMapOvr>
     <a:masterClrMapping/>
   </p:clrMapOvr>
+  <p:timing>
+    <p:tnLst>
+      <p:par>
+        <p:cTn id="1" dur="indefinite" restart="never" nodeType="tmRoot"/>
+      </p:par>
+    </p:tnLst>
+  </p:timing>
 </p:sld>
 </file>
 
@@ -4726,13 +4703,6401 @@
     </p:spTree>
     <p:extLst>
       <p:ext uri="{BB962C8B-B14F-4D97-AF65-F5344CB8AC3E}">
-        <p14:creationId xmlns:p14="http://schemas.microsoft.com/office/powerpoint/2010/main" val="637974278"/>
+        <p14:creationId xmlns:p14="http://schemas.microsoft.com/office/powerpoint/2010/main" val="3160546899"/>
       </p:ext>
     </p:extLst>
   </p:cSld>
   <p:clrMapOvr>
     <a:masterClrMapping/>
   </p:clrMapOvr>
+  <p:timing>
+    <p:tnLst>
+      <p:par>
+        <p:cTn id="1" dur="indefinite" restart="never" nodeType="tmRoot"/>
+      </p:par>
+    </p:tnLst>
+  </p:timing>
+</p:sld>
+</file>
+
+<file path=ppt/slides/slide12.xml><?xml version="1.0" encoding="utf-8"?>
+<p:sld xmlns:a="http://schemas.openxmlformats.org/drawingml/2006/main" xmlns:r="http://schemas.openxmlformats.org/officeDocument/2006/relationships" xmlns:p="http://schemas.openxmlformats.org/presentationml/2006/main">
+  <p:cSld>
+    <p:spTree>
+      <p:nvGrpSpPr>
+        <p:cNvPr id="1" name=""/>
+        <p:cNvGrpSpPr/>
+        <p:nvPr/>
+      </p:nvGrpSpPr>
+      <p:grpSpPr>
+        <a:xfrm>
+          <a:off x="0" y="0"/>
+          <a:ext cx="0" cy="0"/>
+          <a:chOff x="0" y="0"/>
+          <a:chExt cx="0" cy="0"/>
+        </a:xfrm>
+      </p:grpSpPr>
+      <p:sp>
+        <p:nvSpPr>
+          <p:cNvPr id="2" name="標題 1"/>
+          <p:cNvSpPr>
+            <a:spLocks noGrp="1"/>
+          </p:cNvSpPr>
+          <p:nvPr>
+            <p:ph type="title" idx="4294967295"/>
+          </p:nvPr>
+        </p:nvSpPr>
+        <p:spPr>
+          <a:xfrm>
+            <a:off x="1044090" y="460874"/>
+            <a:ext cx="10515600" cy="1325562"/>
+          </a:xfrm>
+        </p:spPr>
+        <p:txBody>
+          <a:bodyPr>
+            <a:normAutofit/>
+          </a:bodyPr>
+          <a:lstStyle/>
+          <a:p>
+            <a:r>
+              <a:rPr lang="zh-TW" altLang="en-US" sz="3200" dirty="0" smtClean="0"/>
+              <a:t>設計</a:t>
+            </a:r>
+            <a:r>
+              <a:rPr lang="en-US" altLang="zh-TW" sz="3200" dirty="0" smtClean="0"/>
+              <a:t>(RULE-BASE)</a:t>
+            </a:r>
+            <a:endParaRPr lang="zh-TW" altLang="en-US" sz="3200" dirty="0"/>
+          </a:p>
+        </p:txBody>
+      </p:sp>
+      <p:cxnSp>
+        <p:nvCxnSpPr>
+          <p:cNvPr id="30" name="肘形接點 29"/>
+          <p:cNvCxnSpPr>
+            <a:stCxn id="35" idx="3"/>
+            <a:endCxn id="39" idx="0"/>
+          </p:cNvCxnSpPr>
+          <p:nvPr/>
+        </p:nvCxnSpPr>
+        <p:spPr>
+          <a:xfrm flipV="1">
+            <a:off x="4116974" y="1872723"/>
+            <a:ext cx="4194465" cy="490538"/>
+          </a:xfrm>
+          <a:prstGeom prst="bentConnector4">
+            <a:avLst>
+              <a:gd name="adj1" fmla="val 43011"/>
+              <a:gd name="adj2" fmla="val 146602"/>
+            </a:avLst>
+          </a:prstGeom>
+          <a:ln w="38100">
+            <a:tailEnd type="triangle"/>
+          </a:ln>
+        </p:spPr>
+        <p:style>
+          <a:lnRef idx="1">
+            <a:schemeClr val="accent1"/>
+          </a:lnRef>
+          <a:fillRef idx="0">
+            <a:schemeClr val="accent1"/>
+          </a:fillRef>
+          <a:effectRef idx="0">
+            <a:schemeClr val="accent1"/>
+          </a:effectRef>
+          <a:fontRef idx="minor">
+            <a:schemeClr val="tx1"/>
+          </a:fontRef>
+        </p:style>
+      </p:cxnSp>
+      <p:sp>
+        <p:nvSpPr>
+          <p:cNvPr id="31" name="矩形 30"/>
+          <p:cNvSpPr/>
+          <p:nvPr/>
+        </p:nvSpPr>
+        <p:spPr>
+          <a:xfrm>
+            <a:off x="2133792" y="1503649"/>
+            <a:ext cx="2705179" cy="1470878"/>
+          </a:xfrm>
+          <a:prstGeom prst="rect">
+            <a:avLst/>
+          </a:prstGeom>
+          <a:noFill/>
+        </p:spPr>
+        <p:style>
+          <a:lnRef idx="2">
+            <a:schemeClr val="accent1">
+              <a:shade val="50000"/>
+            </a:schemeClr>
+          </a:lnRef>
+          <a:fillRef idx="1">
+            <a:schemeClr val="accent1"/>
+          </a:fillRef>
+          <a:effectRef idx="0">
+            <a:schemeClr val="accent1"/>
+          </a:effectRef>
+          <a:fontRef idx="minor">
+            <a:schemeClr val="lt1"/>
+          </a:fontRef>
+        </p:style>
+        <p:txBody>
+          <a:bodyPr rtlCol="0" anchor="ctr"/>
+          <a:lstStyle/>
+          <a:p>
+            <a:pPr algn="ctr"/>
+            <a:endParaRPr lang="zh-TW" altLang="en-US" dirty="0">
+              <a:solidFill>
+                <a:schemeClr val="tx1"/>
+              </a:solidFill>
+            </a:endParaRPr>
+          </a:p>
+        </p:txBody>
+      </p:sp>
+      <p:sp>
+        <p:nvSpPr>
+          <p:cNvPr id="32" name="文字方塊 31"/>
+          <p:cNvSpPr txBox="1"/>
+          <p:nvPr/>
+        </p:nvSpPr>
+        <p:spPr>
+          <a:xfrm>
+            <a:off x="8662080" y="1372235"/>
+            <a:ext cx="1853520" cy="369332"/>
+          </a:xfrm>
+          <a:prstGeom prst="rect">
+            <a:avLst/>
+          </a:prstGeom>
+          <a:noFill/>
+        </p:spPr>
+        <p:txBody>
+          <a:bodyPr wrap="square" rtlCol="0">
+            <a:spAutoFit/>
+          </a:bodyPr>
+          <a:lstStyle/>
+          <a:p>
+            <a:r>
+              <a:rPr lang="zh-TW" altLang="en-US" dirty="0" smtClean="0"/>
+              <a:t>球打向對手狀態</a:t>
+            </a:r>
+            <a:endParaRPr lang="zh-TW" altLang="en-US" dirty="0"/>
+          </a:p>
+        </p:txBody>
+      </p:sp>
+      <p:sp>
+        <p:nvSpPr>
+          <p:cNvPr id="33" name="文字方塊 32"/>
+          <p:cNvSpPr txBox="1"/>
+          <p:nvPr/>
+        </p:nvSpPr>
+        <p:spPr>
+          <a:xfrm>
+            <a:off x="1962381" y="1567328"/>
+            <a:ext cx="1524000" cy="369332"/>
+          </a:xfrm>
+          <a:prstGeom prst="rect">
+            <a:avLst/>
+          </a:prstGeom>
+          <a:noFill/>
+        </p:spPr>
+        <p:txBody>
+          <a:bodyPr wrap="square" rtlCol="0">
+            <a:spAutoFit/>
+          </a:bodyPr>
+          <a:lstStyle/>
+          <a:p>
+            <a:pPr algn="ctr"/>
+            <a:r>
+              <a:rPr lang="zh-TW" altLang="en-US" dirty="0" smtClean="0"/>
+              <a:t>初始狀態</a:t>
+            </a:r>
+            <a:endParaRPr lang="zh-TW" altLang="en-US" dirty="0"/>
+          </a:p>
+        </p:txBody>
+      </p:sp>
+      <p:sp>
+        <p:nvSpPr>
+          <p:cNvPr id="34" name="矩形 33"/>
+          <p:cNvSpPr/>
+          <p:nvPr/>
+        </p:nvSpPr>
+        <p:spPr>
+          <a:xfrm>
+            <a:off x="6858000" y="1228802"/>
+            <a:ext cx="3657600" cy="2351979"/>
+          </a:xfrm>
+          <a:prstGeom prst="rect">
+            <a:avLst/>
+          </a:prstGeom>
+          <a:noFill/>
+        </p:spPr>
+        <p:style>
+          <a:lnRef idx="2">
+            <a:schemeClr val="accent1">
+              <a:shade val="50000"/>
+            </a:schemeClr>
+          </a:lnRef>
+          <a:fillRef idx="1">
+            <a:schemeClr val="accent1"/>
+          </a:fillRef>
+          <a:effectRef idx="0">
+            <a:schemeClr val="accent1"/>
+          </a:effectRef>
+          <a:fontRef idx="minor">
+            <a:schemeClr val="lt1"/>
+          </a:fontRef>
+        </p:style>
+        <p:txBody>
+          <a:bodyPr rtlCol="0" anchor="ctr"/>
+          <a:lstStyle/>
+          <a:p>
+            <a:pPr algn="ctr"/>
+            <a:endParaRPr lang="zh-TW" altLang="en-US" dirty="0">
+              <a:solidFill>
+                <a:schemeClr val="tx1"/>
+              </a:solidFill>
+            </a:endParaRPr>
+          </a:p>
+        </p:txBody>
+      </p:sp>
+      <p:sp>
+        <p:nvSpPr>
+          <p:cNvPr id="35" name="流程圖: 決策 34"/>
+          <p:cNvSpPr/>
+          <p:nvPr/>
+        </p:nvSpPr>
+        <p:spPr>
+          <a:xfrm>
+            <a:off x="2471972" y="1911205"/>
+            <a:ext cx="1645002" cy="904111"/>
+          </a:xfrm>
+          <a:prstGeom prst="flowChartDecision">
+            <a:avLst/>
+          </a:prstGeom>
+        </p:spPr>
+        <p:style>
+          <a:lnRef idx="2">
+            <a:schemeClr val="accent1">
+              <a:shade val="50000"/>
+            </a:schemeClr>
+          </a:lnRef>
+          <a:fillRef idx="1">
+            <a:schemeClr val="accent1"/>
+          </a:fillRef>
+          <a:effectRef idx="0">
+            <a:schemeClr val="accent1"/>
+          </a:effectRef>
+          <a:fontRef idx="minor">
+            <a:schemeClr val="lt1"/>
+          </a:fontRef>
+        </p:style>
+        <p:txBody>
+          <a:bodyPr rtlCol="0" anchor="ctr"/>
+          <a:lstStyle/>
+          <a:p>
+            <a:pPr algn="ctr"/>
+            <a:r>
+              <a:rPr lang="zh-TW" altLang="en-US" b="1" dirty="0" smtClean="0"/>
+              <a:t>自己發球</a:t>
+            </a:r>
+            <a:endParaRPr lang="zh-TW" altLang="en-US" dirty="0"/>
+          </a:p>
+        </p:txBody>
+      </p:sp>
+      <p:sp>
+        <p:nvSpPr>
+          <p:cNvPr id="36" name="矩形 35"/>
+          <p:cNvSpPr/>
+          <p:nvPr/>
+        </p:nvSpPr>
+        <p:spPr>
+          <a:xfrm>
+            <a:off x="5558585" y="2193674"/>
+            <a:ext cx="743305" cy="339173"/>
+          </a:xfrm>
+          <a:prstGeom prst="rect">
+            <a:avLst/>
+          </a:prstGeom>
+          <a:solidFill>
+            <a:schemeClr val="bg1"/>
+          </a:solidFill>
+          <a:ln w="38100">
+            <a:tailEnd type="triangle"/>
+          </a:ln>
+        </p:spPr>
+        <p:style>
+          <a:lnRef idx="1">
+            <a:schemeClr val="accent1"/>
+          </a:lnRef>
+          <a:fillRef idx="0">
+            <a:schemeClr val="accent1"/>
+          </a:fillRef>
+          <a:effectRef idx="0">
+            <a:schemeClr val="accent1"/>
+          </a:effectRef>
+          <a:fontRef idx="minor">
+            <a:schemeClr val="tx1"/>
+          </a:fontRef>
+        </p:style>
+        <p:txBody>
+          <a:bodyPr rtlCol="0" anchor="ctr"/>
+          <a:lstStyle/>
+          <a:p>
+            <a:pPr algn="ctr"/>
+            <a:r>
+              <a:rPr lang="en-US" altLang="zh-TW" dirty="0">
+                <a:solidFill>
+                  <a:schemeClr val="tx1"/>
+                </a:solidFill>
+              </a:rPr>
+              <a:t>YES</a:t>
+            </a:r>
+            <a:endParaRPr lang="zh-TW" altLang="en-US" dirty="0">
+              <a:solidFill>
+                <a:schemeClr val="tx1"/>
+              </a:solidFill>
+            </a:endParaRPr>
+          </a:p>
+        </p:txBody>
+      </p:sp>
+      <p:sp>
+        <p:nvSpPr>
+          <p:cNvPr id="37" name="矩形 36"/>
+          <p:cNvSpPr/>
+          <p:nvPr/>
+        </p:nvSpPr>
+        <p:spPr>
+          <a:xfrm>
+            <a:off x="3294473" y="4094885"/>
+            <a:ext cx="3285210" cy="2201800"/>
+          </a:xfrm>
+          <a:prstGeom prst="rect">
+            <a:avLst/>
+          </a:prstGeom>
+          <a:noFill/>
+        </p:spPr>
+        <p:style>
+          <a:lnRef idx="2">
+            <a:schemeClr val="accent1">
+              <a:shade val="50000"/>
+            </a:schemeClr>
+          </a:lnRef>
+          <a:fillRef idx="1">
+            <a:schemeClr val="accent1"/>
+          </a:fillRef>
+          <a:effectRef idx="0">
+            <a:schemeClr val="accent1"/>
+          </a:effectRef>
+          <a:fontRef idx="minor">
+            <a:schemeClr val="lt1"/>
+          </a:fontRef>
+        </p:style>
+        <p:txBody>
+          <a:bodyPr rtlCol="0" anchor="ctr"/>
+          <a:lstStyle/>
+          <a:p>
+            <a:pPr algn="ctr"/>
+            <a:endParaRPr lang="zh-TW" altLang="en-US" dirty="0">
+              <a:solidFill>
+                <a:schemeClr val="tx1"/>
+              </a:solidFill>
+            </a:endParaRPr>
+          </a:p>
+        </p:txBody>
+      </p:sp>
+      <p:sp>
+        <p:nvSpPr>
+          <p:cNvPr id="38" name="文字方塊 37"/>
+          <p:cNvSpPr txBox="1"/>
+          <p:nvPr/>
+        </p:nvSpPr>
+        <p:spPr>
+          <a:xfrm>
+            <a:off x="3337517" y="4267357"/>
+            <a:ext cx="1853520" cy="369332"/>
+          </a:xfrm>
+          <a:prstGeom prst="rect">
+            <a:avLst/>
+          </a:prstGeom>
+          <a:noFill/>
+        </p:spPr>
+        <p:txBody>
+          <a:bodyPr wrap="square" rtlCol="0">
+            <a:spAutoFit/>
+          </a:bodyPr>
+          <a:lstStyle/>
+          <a:p>
+            <a:pPr algn="ctr"/>
+            <a:r>
+              <a:rPr lang="zh-TW" altLang="en-US" dirty="0" smtClean="0">
+                <a:solidFill>
+                  <a:schemeClr val="tx1"/>
+                </a:solidFill>
+              </a:rPr>
+              <a:t>球打向自己狀態</a:t>
+            </a:r>
+            <a:endParaRPr lang="zh-TW" altLang="en-US" dirty="0">
+              <a:solidFill>
+                <a:schemeClr val="tx1"/>
+              </a:solidFill>
+            </a:endParaRPr>
+          </a:p>
+        </p:txBody>
+      </p:sp>
+      <p:sp>
+        <p:nvSpPr>
+          <p:cNvPr id="39" name="流程圖: 程序 38"/>
+          <p:cNvSpPr/>
+          <p:nvPr/>
+        </p:nvSpPr>
+        <p:spPr>
+          <a:xfrm>
+            <a:off x="7725156" y="1872723"/>
+            <a:ext cx="1172565" cy="732730"/>
+          </a:xfrm>
+          <a:prstGeom prst="flowChartProcess">
+            <a:avLst/>
+          </a:prstGeom>
+          <a:solidFill>
+            <a:srgbClr val="FFFFFF"/>
+          </a:solidFill>
+          <a:ln>
+            <a:solidFill>
+              <a:schemeClr val="tx1"/>
+            </a:solidFill>
+          </a:ln>
+        </p:spPr>
+        <p:style>
+          <a:lnRef idx="2">
+            <a:schemeClr val="accent1">
+              <a:shade val="50000"/>
+            </a:schemeClr>
+          </a:lnRef>
+          <a:fillRef idx="1">
+            <a:schemeClr val="accent1"/>
+          </a:fillRef>
+          <a:effectRef idx="0">
+            <a:schemeClr val="accent1"/>
+          </a:effectRef>
+          <a:fontRef idx="minor">
+            <a:schemeClr val="lt1"/>
+          </a:fontRef>
+        </p:style>
+        <p:txBody>
+          <a:bodyPr rtlCol="0" anchor="ctr"/>
+          <a:lstStyle/>
+          <a:p>
+            <a:pPr algn="ctr"/>
+            <a:endParaRPr lang="zh-TW" altLang="en-US">
+              <a:solidFill>
+                <a:schemeClr val="bg1"/>
+              </a:solidFill>
+            </a:endParaRPr>
+          </a:p>
+        </p:txBody>
+      </p:sp>
+      <p:sp>
+        <p:nvSpPr>
+          <p:cNvPr id="40" name="流程圖: 程序 39"/>
+          <p:cNvSpPr/>
+          <p:nvPr/>
+        </p:nvSpPr>
+        <p:spPr>
+          <a:xfrm>
+            <a:off x="7877556" y="2025123"/>
+            <a:ext cx="1172565" cy="732730"/>
+          </a:xfrm>
+          <a:prstGeom prst="flowChartProcess">
+            <a:avLst/>
+          </a:prstGeom>
+          <a:solidFill>
+            <a:srgbClr val="FFFFFF"/>
+          </a:solidFill>
+          <a:ln>
+            <a:solidFill>
+              <a:schemeClr val="tx1"/>
+            </a:solidFill>
+          </a:ln>
+        </p:spPr>
+        <p:style>
+          <a:lnRef idx="2">
+            <a:schemeClr val="accent1">
+              <a:shade val="50000"/>
+            </a:schemeClr>
+          </a:lnRef>
+          <a:fillRef idx="1">
+            <a:schemeClr val="accent1"/>
+          </a:fillRef>
+          <a:effectRef idx="0">
+            <a:schemeClr val="accent1"/>
+          </a:effectRef>
+          <a:fontRef idx="minor">
+            <a:schemeClr val="lt1"/>
+          </a:fontRef>
+        </p:style>
+        <p:txBody>
+          <a:bodyPr rtlCol="0" anchor="ctr"/>
+          <a:lstStyle/>
+          <a:p>
+            <a:pPr algn="ctr"/>
+            <a:endParaRPr lang="zh-TW" altLang="en-US">
+              <a:solidFill>
+                <a:schemeClr val="bg1"/>
+              </a:solidFill>
+            </a:endParaRPr>
+          </a:p>
+        </p:txBody>
+      </p:sp>
+      <p:sp>
+        <p:nvSpPr>
+          <p:cNvPr id="41" name="流程圖: 程序 40"/>
+          <p:cNvSpPr/>
+          <p:nvPr/>
+        </p:nvSpPr>
+        <p:spPr>
+          <a:xfrm>
+            <a:off x="8029956" y="2177523"/>
+            <a:ext cx="1172565" cy="732730"/>
+          </a:xfrm>
+          <a:prstGeom prst="flowChartProcess">
+            <a:avLst/>
+          </a:prstGeom>
+          <a:solidFill>
+            <a:srgbClr val="FFFFFF"/>
+          </a:solidFill>
+          <a:ln>
+            <a:solidFill>
+              <a:schemeClr val="tx1"/>
+            </a:solidFill>
+          </a:ln>
+        </p:spPr>
+        <p:style>
+          <a:lnRef idx="2">
+            <a:schemeClr val="accent1">
+              <a:shade val="50000"/>
+            </a:schemeClr>
+          </a:lnRef>
+          <a:fillRef idx="1">
+            <a:schemeClr val="accent1"/>
+          </a:fillRef>
+          <a:effectRef idx="0">
+            <a:schemeClr val="accent1"/>
+          </a:effectRef>
+          <a:fontRef idx="minor">
+            <a:schemeClr val="lt1"/>
+          </a:fontRef>
+        </p:style>
+        <p:txBody>
+          <a:bodyPr rtlCol="0" anchor="ctr"/>
+          <a:lstStyle/>
+          <a:p>
+            <a:pPr algn="ctr"/>
+            <a:endParaRPr lang="zh-TW" altLang="en-US">
+              <a:solidFill>
+                <a:schemeClr val="bg1"/>
+              </a:solidFill>
+            </a:endParaRPr>
+          </a:p>
+        </p:txBody>
+      </p:sp>
+      <p:sp>
+        <p:nvSpPr>
+          <p:cNvPr id="42" name="流程圖: 程序 41"/>
+          <p:cNvSpPr/>
+          <p:nvPr/>
+        </p:nvSpPr>
+        <p:spPr>
+          <a:xfrm>
+            <a:off x="8182356" y="2329923"/>
+            <a:ext cx="1172565" cy="732730"/>
+          </a:xfrm>
+          <a:prstGeom prst="flowChartProcess">
+            <a:avLst/>
+          </a:prstGeom>
+          <a:solidFill>
+            <a:srgbClr val="FFFFFF"/>
+          </a:solidFill>
+          <a:ln>
+            <a:solidFill>
+              <a:schemeClr val="tx1"/>
+            </a:solidFill>
+          </a:ln>
+        </p:spPr>
+        <p:style>
+          <a:lnRef idx="2">
+            <a:schemeClr val="accent1">
+              <a:shade val="50000"/>
+            </a:schemeClr>
+          </a:lnRef>
+          <a:fillRef idx="1">
+            <a:schemeClr val="accent1"/>
+          </a:fillRef>
+          <a:effectRef idx="0">
+            <a:schemeClr val="accent1"/>
+          </a:effectRef>
+          <a:fontRef idx="minor">
+            <a:schemeClr val="lt1"/>
+          </a:fontRef>
+        </p:style>
+        <p:txBody>
+          <a:bodyPr rtlCol="0" anchor="ctr"/>
+          <a:lstStyle/>
+          <a:p>
+            <a:pPr algn="ctr"/>
+            <a:endParaRPr lang="zh-TW" altLang="en-US">
+              <a:solidFill>
+                <a:schemeClr val="bg1"/>
+              </a:solidFill>
+            </a:endParaRPr>
+          </a:p>
+        </p:txBody>
+      </p:sp>
+      <p:sp>
+        <p:nvSpPr>
+          <p:cNvPr id="43" name="流程圖: 程序 42"/>
+          <p:cNvSpPr/>
+          <p:nvPr/>
+        </p:nvSpPr>
+        <p:spPr>
+          <a:xfrm>
+            <a:off x="8334756" y="2482323"/>
+            <a:ext cx="1172565" cy="732730"/>
+          </a:xfrm>
+          <a:prstGeom prst="flowChartProcess">
+            <a:avLst/>
+          </a:prstGeom>
+          <a:solidFill>
+            <a:srgbClr val="FFFFFF"/>
+          </a:solidFill>
+          <a:ln>
+            <a:solidFill>
+              <a:schemeClr val="tx1"/>
+            </a:solidFill>
+          </a:ln>
+        </p:spPr>
+        <p:style>
+          <a:lnRef idx="2">
+            <a:schemeClr val="accent1">
+              <a:shade val="50000"/>
+            </a:schemeClr>
+          </a:lnRef>
+          <a:fillRef idx="1">
+            <a:schemeClr val="accent1"/>
+          </a:fillRef>
+          <a:effectRef idx="0">
+            <a:schemeClr val="accent1"/>
+          </a:effectRef>
+          <a:fontRef idx="minor">
+            <a:schemeClr val="lt1"/>
+          </a:fontRef>
+        </p:style>
+        <p:txBody>
+          <a:bodyPr rtlCol="0" anchor="ctr"/>
+          <a:lstStyle/>
+          <a:p>
+            <a:pPr algn="ctr"/>
+            <a:endParaRPr lang="zh-TW" altLang="en-US">
+              <a:solidFill>
+                <a:schemeClr val="bg1"/>
+              </a:solidFill>
+            </a:endParaRPr>
+          </a:p>
+        </p:txBody>
+      </p:sp>
+      <p:sp>
+        <p:nvSpPr>
+          <p:cNvPr id="44" name="流程圖: 程序 43"/>
+          <p:cNvSpPr/>
+          <p:nvPr/>
+        </p:nvSpPr>
+        <p:spPr>
+          <a:xfrm>
+            <a:off x="4275891" y="4702474"/>
+            <a:ext cx="1172565" cy="732730"/>
+          </a:xfrm>
+          <a:prstGeom prst="flowChartProcess">
+            <a:avLst/>
+          </a:prstGeom>
+          <a:solidFill>
+            <a:srgbClr val="FFFFFF"/>
+          </a:solidFill>
+          <a:ln>
+            <a:solidFill>
+              <a:schemeClr val="tx1"/>
+            </a:solidFill>
+          </a:ln>
+        </p:spPr>
+        <p:style>
+          <a:lnRef idx="2">
+            <a:schemeClr val="accent1">
+              <a:shade val="50000"/>
+            </a:schemeClr>
+          </a:lnRef>
+          <a:fillRef idx="1">
+            <a:schemeClr val="accent1"/>
+          </a:fillRef>
+          <a:effectRef idx="0">
+            <a:schemeClr val="accent1"/>
+          </a:effectRef>
+          <a:fontRef idx="minor">
+            <a:schemeClr val="lt1"/>
+          </a:fontRef>
+        </p:style>
+        <p:txBody>
+          <a:bodyPr rtlCol="0" anchor="ctr"/>
+          <a:lstStyle/>
+          <a:p>
+            <a:pPr algn="ctr"/>
+            <a:endParaRPr lang="zh-TW" altLang="en-US">
+              <a:solidFill>
+                <a:schemeClr val="bg1"/>
+              </a:solidFill>
+            </a:endParaRPr>
+          </a:p>
+        </p:txBody>
+      </p:sp>
+      <p:sp>
+        <p:nvSpPr>
+          <p:cNvPr id="45" name="流程圖: 程序 44"/>
+          <p:cNvSpPr/>
+          <p:nvPr/>
+        </p:nvSpPr>
+        <p:spPr>
+          <a:xfrm>
+            <a:off x="4428291" y="4854874"/>
+            <a:ext cx="1172565" cy="732730"/>
+          </a:xfrm>
+          <a:prstGeom prst="flowChartProcess">
+            <a:avLst/>
+          </a:prstGeom>
+          <a:solidFill>
+            <a:srgbClr val="FFFFFF"/>
+          </a:solidFill>
+          <a:ln>
+            <a:solidFill>
+              <a:schemeClr val="tx1"/>
+            </a:solidFill>
+          </a:ln>
+        </p:spPr>
+        <p:style>
+          <a:lnRef idx="2">
+            <a:schemeClr val="accent1">
+              <a:shade val="50000"/>
+            </a:schemeClr>
+          </a:lnRef>
+          <a:fillRef idx="1">
+            <a:schemeClr val="accent1"/>
+          </a:fillRef>
+          <a:effectRef idx="0">
+            <a:schemeClr val="accent1"/>
+          </a:effectRef>
+          <a:fontRef idx="minor">
+            <a:schemeClr val="lt1"/>
+          </a:fontRef>
+        </p:style>
+        <p:txBody>
+          <a:bodyPr rtlCol="0" anchor="ctr"/>
+          <a:lstStyle/>
+          <a:p>
+            <a:pPr algn="ctr"/>
+            <a:endParaRPr lang="zh-TW" altLang="en-US">
+              <a:solidFill>
+                <a:schemeClr val="bg1"/>
+              </a:solidFill>
+            </a:endParaRPr>
+          </a:p>
+        </p:txBody>
+      </p:sp>
+      <p:sp>
+        <p:nvSpPr>
+          <p:cNvPr id="46" name="流程圖: 程序 45"/>
+          <p:cNvSpPr/>
+          <p:nvPr/>
+        </p:nvSpPr>
+        <p:spPr>
+          <a:xfrm>
+            <a:off x="4580691" y="5007274"/>
+            <a:ext cx="1172565" cy="732730"/>
+          </a:xfrm>
+          <a:prstGeom prst="flowChartProcess">
+            <a:avLst/>
+          </a:prstGeom>
+          <a:solidFill>
+            <a:srgbClr val="FFFFFF"/>
+          </a:solidFill>
+          <a:ln>
+            <a:solidFill>
+              <a:schemeClr val="tx1"/>
+            </a:solidFill>
+          </a:ln>
+        </p:spPr>
+        <p:style>
+          <a:lnRef idx="2">
+            <a:schemeClr val="accent1">
+              <a:shade val="50000"/>
+            </a:schemeClr>
+          </a:lnRef>
+          <a:fillRef idx="1">
+            <a:schemeClr val="accent1"/>
+          </a:fillRef>
+          <a:effectRef idx="0">
+            <a:schemeClr val="accent1"/>
+          </a:effectRef>
+          <a:fontRef idx="minor">
+            <a:schemeClr val="lt1"/>
+          </a:fontRef>
+        </p:style>
+        <p:txBody>
+          <a:bodyPr rtlCol="0" anchor="ctr"/>
+          <a:lstStyle/>
+          <a:p>
+            <a:pPr algn="ctr"/>
+            <a:endParaRPr lang="zh-TW" altLang="en-US">
+              <a:solidFill>
+                <a:schemeClr val="bg1"/>
+              </a:solidFill>
+            </a:endParaRPr>
+          </a:p>
+        </p:txBody>
+      </p:sp>
+      <p:sp>
+        <p:nvSpPr>
+          <p:cNvPr id="47" name="流程圖: 程序 46"/>
+          <p:cNvSpPr/>
+          <p:nvPr/>
+        </p:nvSpPr>
+        <p:spPr>
+          <a:xfrm>
+            <a:off x="4733091" y="5159674"/>
+            <a:ext cx="1172565" cy="732730"/>
+          </a:xfrm>
+          <a:prstGeom prst="flowChartProcess">
+            <a:avLst/>
+          </a:prstGeom>
+          <a:solidFill>
+            <a:srgbClr val="FFFFFF"/>
+          </a:solidFill>
+          <a:ln>
+            <a:solidFill>
+              <a:schemeClr val="tx1"/>
+            </a:solidFill>
+          </a:ln>
+        </p:spPr>
+        <p:style>
+          <a:lnRef idx="2">
+            <a:schemeClr val="accent1">
+              <a:shade val="50000"/>
+            </a:schemeClr>
+          </a:lnRef>
+          <a:fillRef idx="1">
+            <a:schemeClr val="accent1"/>
+          </a:fillRef>
+          <a:effectRef idx="0">
+            <a:schemeClr val="accent1"/>
+          </a:effectRef>
+          <a:fontRef idx="minor">
+            <a:schemeClr val="lt1"/>
+          </a:fontRef>
+        </p:style>
+        <p:txBody>
+          <a:bodyPr rtlCol="0" anchor="ctr"/>
+          <a:lstStyle/>
+          <a:p>
+            <a:pPr algn="ctr"/>
+            <a:endParaRPr lang="zh-TW" altLang="en-US">
+              <a:solidFill>
+                <a:schemeClr val="bg1"/>
+              </a:solidFill>
+            </a:endParaRPr>
+          </a:p>
+        </p:txBody>
+      </p:sp>
+      <p:sp>
+        <p:nvSpPr>
+          <p:cNvPr id="48" name="流程圖: 程序 47"/>
+          <p:cNvSpPr/>
+          <p:nvPr/>
+        </p:nvSpPr>
+        <p:spPr>
+          <a:xfrm>
+            <a:off x="4885491" y="5312074"/>
+            <a:ext cx="1172565" cy="732730"/>
+          </a:xfrm>
+          <a:prstGeom prst="flowChartProcess">
+            <a:avLst/>
+          </a:prstGeom>
+          <a:solidFill>
+            <a:srgbClr val="FFFFFF"/>
+          </a:solidFill>
+          <a:ln>
+            <a:solidFill>
+              <a:schemeClr val="tx1"/>
+            </a:solidFill>
+          </a:ln>
+        </p:spPr>
+        <p:style>
+          <a:lnRef idx="2">
+            <a:schemeClr val="accent1">
+              <a:shade val="50000"/>
+            </a:schemeClr>
+          </a:lnRef>
+          <a:fillRef idx="1">
+            <a:schemeClr val="accent1"/>
+          </a:fillRef>
+          <a:effectRef idx="0">
+            <a:schemeClr val="accent1"/>
+          </a:effectRef>
+          <a:fontRef idx="minor">
+            <a:schemeClr val="lt1"/>
+          </a:fontRef>
+        </p:style>
+        <p:txBody>
+          <a:bodyPr rtlCol="0" anchor="ctr"/>
+          <a:lstStyle/>
+          <a:p>
+            <a:pPr algn="ctr"/>
+            <a:endParaRPr lang="zh-TW" altLang="en-US">
+              <a:solidFill>
+                <a:schemeClr val="bg1"/>
+              </a:solidFill>
+            </a:endParaRPr>
+          </a:p>
+        </p:txBody>
+      </p:sp>
+      <p:sp>
+        <p:nvSpPr>
+          <p:cNvPr id="49" name="流程圖: 程序 48"/>
+          <p:cNvSpPr/>
+          <p:nvPr/>
+        </p:nvSpPr>
+        <p:spPr>
+          <a:xfrm>
+            <a:off x="7877556" y="2134566"/>
+            <a:ext cx="1477365" cy="657380"/>
+          </a:xfrm>
+          <a:prstGeom prst="flowChartProcess">
+            <a:avLst/>
+          </a:prstGeom>
+          <a:solidFill>
+            <a:schemeClr val="bg1"/>
+          </a:solidFill>
+          <a:ln>
+            <a:solidFill>
+              <a:schemeClr val="tx1"/>
+            </a:solidFill>
+          </a:ln>
+        </p:spPr>
+        <p:style>
+          <a:lnRef idx="2">
+            <a:schemeClr val="accent1">
+              <a:shade val="50000"/>
+            </a:schemeClr>
+          </a:lnRef>
+          <a:fillRef idx="1">
+            <a:schemeClr val="accent1"/>
+          </a:fillRef>
+          <a:effectRef idx="0">
+            <a:schemeClr val="accent1"/>
+          </a:effectRef>
+          <a:fontRef idx="minor">
+            <a:schemeClr val="lt1"/>
+          </a:fontRef>
+        </p:style>
+        <p:txBody>
+          <a:bodyPr rtlCol="0" anchor="ctr"/>
+          <a:lstStyle/>
+          <a:p>
+            <a:pPr algn="ctr"/>
+            <a:r>
+              <a:rPr lang="en-US" altLang="zh-TW" dirty="0" smtClean="0">
+                <a:solidFill>
+                  <a:schemeClr val="tx1"/>
+                </a:solidFill>
+              </a:rPr>
+              <a:t>Platform</a:t>
+            </a:r>
+          </a:p>
+          <a:p>
+            <a:pPr algn="ctr"/>
+            <a:r>
+              <a:rPr lang="zh-TW" altLang="en-US" dirty="0" smtClean="0">
+                <a:solidFill>
+                  <a:schemeClr val="tx1"/>
+                </a:solidFill>
+              </a:rPr>
+              <a:t>控制規則</a:t>
+            </a:r>
+            <a:endParaRPr lang="zh-TW" altLang="en-US" dirty="0">
+              <a:solidFill>
+                <a:schemeClr val="tx1"/>
+              </a:solidFill>
+            </a:endParaRPr>
+          </a:p>
+        </p:txBody>
+      </p:sp>
+      <p:sp>
+        <p:nvSpPr>
+          <p:cNvPr id="50" name="流程圖: 程序 49"/>
+          <p:cNvSpPr/>
+          <p:nvPr/>
+        </p:nvSpPr>
+        <p:spPr>
+          <a:xfrm>
+            <a:off x="4619304" y="5044949"/>
+            <a:ext cx="1172565" cy="657380"/>
+          </a:xfrm>
+          <a:prstGeom prst="flowChartProcess">
+            <a:avLst/>
+          </a:prstGeom>
+          <a:solidFill>
+            <a:schemeClr val="bg1"/>
+          </a:solidFill>
+          <a:ln>
+            <a:solidFill>
+              <a:schemeClr val="tx1"/>
+            </a:solidFill>
+          </a:ln>
+        </p:spPr>
+        <p:style>
+          <a:lnRef idx="2">
+            <a:schemeClr val="accent1">
+              <a:shade val="50000"/>
+            </a:schemeClr>
+          </a:lnRef>
+          <a:fillRef idx="1">
+            <a:schemeClr val="accent1"/>
+          </a:fillRef>
+          <a:effectRef idx="0">
+            <a:schemeClr val="accent1"/>
+          </a:effectRef>
+          <a:fontRef idx="minor">
+            <a:schemeClr val="lt1"/>
+          </a:fontRef>
+        </p:style>
+        <p:txBody>
+          <a:bodyPr rtlCol="0" anchor="ctr"/>
+          <a:lstStyle/>
+          <a:p>
+            <a:pPr algn="ctr"/>
+            <a:r>
+              <a:rPr lang="en-US" altLang="zh-TW" dirty="0" smtClean="0">
+                <a:solidFill>
+                  <a:schemeClr val="tx1"/>
+                </a:solidFill>
+              </a:rPr>
+              <a:t>Platform</a:t>
+            </a:r>
+            <a:r>
+              <a:rPr lang="zh-TW" altLang="en-US" dirty="0" smtClean="0">
+                <a:solidFill>
+                  <a:schemeClr val="tx1"/>
+                </a:solidFill>
+              </a:rPr>
+              <a:t>控制規則</a:t>
+            </a:r>
+            <a:endParaRPr lang="zh-TW" altLang="en-US" dirty="0">
+              <a:solidFill>
+                <a:schemeClr val="tx1"/>
+              </a:solidFill>
+            </a:endParaRPr>
+          </a:p>
+        </p:txBody>
+      </p:sp>
+      <p:cxnSp>
+        <p:nvCxnSpPr>
+          <p:cNvPr id="51" name="肘形接點 50"/>
+          <p:cNvCxnSpPr>
+            <a:stCxn id="50" idx="2"/>
+            <a:endCxn id="39" idx="1"/>
+          </p:cNvCxnSpPr>
+          <p:nvPr/>
+        </p:nvCxnSpPr>
+        <p:spPr>
+          <a:xfrm rot="5400000" flipH="1" flipV="1">
+            <a:off x="4733750" y="2710924"/>
+            <a:ext cx="3463241" cy="2519569"/>
+          </a:xfrm>
+          <a:prstGeom prst="bentConnector4">
+            <a:avLst>
+              <a:gd name="adj1" fmla="val -6601"/>
+              <a:gd name="adj2" fmla="val 61635"/>
+            </a:avLst>
+          </a:prstGeom>
+          <a:ln w="38100">
+            <a:solidFill>
+              <a:srgbClr val="7030A0"/>
+            </a:solidFill>
+            <a:tailEnd type="triangle"/>
+          </a:ln>
+        </p:spPr>
+        <p:style>
+          <a:lnRef idx="1">
+            <a:schemeClr val="accent1"/>
+          </a:lnRef>
+          <a:fillRef idx="0">
+            <a:schemeClr val="accent1"/>
+          </a:fillRef>
+          <a:effectRef idx="0">
+            <a:schemeClr val="accent1"/>
+          </a:effectRef>
+          <a:fontRef idx="minor">
+            <a:schemeClr val="tx1"/>
+          </a:fontRef>
+        </p:style>
+      </p:cxnSp>
+      <p:cxnSp>
+        <p:nvCxnSpPr>
+          <p:cNvPr id="52" name="肘形接點 51"/>
+          <p:cNvCxnSpPr>
+            <a:stCxn id="49" idx="2"/>
+          </p:cNvCxnSpPr>
+          <p:nvPr/>
+        </p:nvCxnSpPr>
+        <p:spPr>
+          <a:xfrm rot="5400000">
+            <a:off x="6424058" y="1611229"/>
+            <a:ext cx="1011465" cy="3372899"/>
+          </a:xfrm>
+          <a:prstGeom prst="bentConnector2">
+            <a:avLst/>
+          </a:prstGeom>
+          <a:ln w="38100">
+            <a:solidFill>
+              <a:srgbClr val="FF0000"/>
+            </a:solidFill>
+            <a:tailEnd type="triangle"/>
+          </a:ln>
+        </p:spPr>
+        <p:style>
+          <a:lnRef idx="1">
+            <a:schemeClr val="accent1"/>
+          </a:lnRef>
+          <a:fillRef idx="0">
+            <a:schemeClr val="accent1"/>
+          </a:fillRef>
+          <a:effectRef idx="0">
+            <a:schemeClr val="accent1"/>
+          </a:effectRef>
+          <a:fontRef idx="minor">
+            <a:schemeClr val="tx1"/>
+          </a:fontRef>
+        </p:style>
+      </p:cxnSp>
+      <p:cxnSp>
+        <p:nvCxnSpPr>
+          <p:cNvPr id="53" name="肘形接點 52"/>
+          <p:cNvCxnSpPr>
+            <a:stCxn id="35" idx="2"/>
+            <a:endCxn id="50" idx="0"/>
+          </p:cNvCxnSpPr>
+          <p:nvPr/>
+        </p:nvCxnSpPr>
+        <p:spPr>
+          <a:xfrm rot="16200000" flipH="1">
+            <a:off x="3135214" y="2974575"/>
+            <a:ext cx="2229633" cy="1911114"/>
+          </a:xfrm>
+          <a:prstGeom prst="bentConnector3">
+            <a:avLst>
+              <a:gd name="adj1" fmla="val 50000"/>
+            </a:avLst>
+          </a:prstGeom>
+          <a:ln w="38100">
+            <a:tailEnd type="triangle"/>
+          </a:ln>
+        </p:spPr>
+        <p:style>
+          <a:lnRef idx="1">
+            <a:schemeClr val="accent1"/>
+          </a:lnRef>
+          <a:fillRef idx="0">
+            <a:schemeClr val="accent1"/>
+          </a:fillRef>
+          <a:effectRef idx="0">
+            <a:schemeClr val="accent1"/>
+          </a:effectRef>
+          <a:fontRef idx="minor">
+            <a:schemeClr val="tx1"/>
+          </a:fontRef>
+        </p:style>
+      </p:cxnSp>
+      <p:sp>
+        <p:nvSpPr>
+          <p:cNvPr id="54" name="矩形 53"/>
+          <p:cNvSpPr/>
+          <p:nvPr/>
+        </p:nvSpPr>
+        <p:spPr>
+          <a:xfrm>
+            <a:off x="2854106" y="3178209"/>
+            <a:ext cx="1091665" cy="386740"/>
+          </a:xfrm>
+          <a:prstGeom prst="rect">
+            <a:avLst/>
+          </a:prstGeom>
+          <a:solidFill>
+            <a:schemeClr val="bg1"/>
+          </a:solidFill>
+          <a:ln w="38100">
+            <a:tailEnd type="triangle"/>
+          </a:ln>
+        </p:spPr>
+        <p:style>
+          <a:lnRef idx="1">
+            <a:schemeClr val="accent1"/>
+          </a:lnRef>
+          <a:fillRef idx="0">
+            <a:schemeClr val="accent1"/>
+          </a:fillRef>
+          <a:effectRef idx="0">
+            <a:schemeClr val="accent1"/>
+          </a:effectRef>
+          <a:fontRef idx="minor">
+            <a:schemeClr val="tx1"/>
+          </a:fontRef>
+        </p:style>
+        <p:txBody>
+          <a:bodyPr rtlCol="0" anchor="ctr"/>
+          <a:lstStyle/>
+          <a:p>
+            <a:pPr algn="ctr"/>
+            <a:r>
+              <a:rPr lang="en-US" altLang="zh-TW" dirty="0" smtClean="0"/>
+              <a:t>NO</a:t>
+            </a:r>
+            <a:endParaRPr lang="zh-TW" altLang="en-US" dirty="0">
+              <a:solidFill>
+                <a:schemeClr val="tx1"/>
+              </a:solidFill>
+            </a:endParaRPr>
+          </a:p>
+        </p:txBody>
+      </p:sp>
+    </p:spTree>
+    <p:extLst>
+      <p:ext uri="{BB962C8B-B14F-4D97-AF65-F5344CB8AC3E}">
+        <p14:creationId xmlns:p14="http://schemas.microsoft.com/office/powerpoint/2010/main" val="2894196776"/>
+      </p:ext>
+    </p:extLst>
+  </p:cSld>
+  <p:clrMapOvr>
+    <a:masterClrMapping/>
+  </p:clrMapOvr>
+  <p:timing>
+    <p:tnLst>
+      <p:par>
+        <p:cTn id="1" dur="indefinite" restart="never" nodeType="tmRoot"/>
+      </p:par>
+    </p:tnLst>
+  </p:timing>
+</p:sld>
+</file>
+
+<file path=ppt/slides/slide13.xml><?xml version="1.0" encoding="utf-8"?>
+<p:sld xmlns:a="http://schemas.openxmlformats.org/drawingml/2006/main" xmlns:r="http://schemas.openxmlformats.org/officeDocument/2006/relationships" xmlns:p="http://schemas.openxmlformats.org/presentationml/2006/main">
+  <p:cSld>
+    <p:spTree>
+      <p:nvGrpSpPr>
+        <p:cNvPr id="1" name=""/>
+        <p:cNvGrpSpPr/>
+        <p:nvPr/>
+      </p:nvGrpSpPr>
+      <p:grpSpPr>
+        <a:xfrm>
+          <a:off x="0" y="0"/>
+          <a:ext cx="0" cy="0"/>
+          <a:chOff x="0" y="0"/>
+          <a:chExt cx="0" cy="0"/>
+        </a:xfrm>
+      </p:grpSpPr>
+      <p:sp>
+        <p:nvSpPr>
+          <p:cNvPr id="3" name="流程圖: 決策 2"/>
+          <p:cNvSpPr>
+            <a:spLocks noChangeAspect="1"/>
+          </p:cNvSpPr>
+          <p:nvPr/>
+        </p:nvSpPr>
+        <p:spPr>
+          <a:xfrm>
+            <a:off x="5040777" y="-12976"/>
+            <a:ext cx="2238241" cy="982654"/>
+          </a:xfrm>
+          <a:prstGeom prst="flowChartDecision">
+            <a:avLst/>
+          </a:prstGeom>
+          <a:solidFill>
+            <a:schemeClr val="bg1"/>
+          </a:solidFill>
+        </p:spPr>
+        <p:style>
+          <a:lnRef idx="2">
+            <a:schemeClr val="accent1">
+              <a:shade val="50000"/>
+            </a:schemeClr>
+          </a:lnRef>
+          <a:fillRef idx="1">
+            <a:schemeClr val="accent1"/>
+          </a:fillRef>
+          <a:effectRef idx="0">
+            <a:schemeClr val="accent1"/>
+          </a:effectRef>
+          <a:fontRef idx="minor">
+            <a:schemeClr val="lt1"/>
+          </a:fontRef>
+        </p:style>
+        <p:txBody>
+          <a:bodyPr rtlCol="0" anchor="ctr"/>
+          <a:lstStyle/>
+          <a:p>
+            <a:pPr algn="ctr"/>
+            <a:endParaRPr lang="zh-TW" altLang="en-US" dirty="0">
+              <a:solidFill>
+                <a:schemeClr val="tx1"/>
+              </a:solidFill>
+            </a:endParaRPr>
+          </a:p>
+        </p:txBody>
+      </p:sp>
+      <p:cxnSp>
+        <p:nvCxnSpPr>
+          <p:cNvPr id="21" name="肘形接點 20"/>
+          <p:cNvCxnSpPr>
+            <a:cxnSpLocks noChangeAspect="1"/>
+            <a:stCxn id="3" idx="3"/>
+            <a:endCxn id="11" idx="0"/>
+          </p:cNvCxnSpPr>
+          <p:nvPr/>
+        </p:nvCxnSpPr>
+        <p:spPr>
+          <a:xfrm>
+            <a:off x="7279010" y="478357"/>
+            <a:ext cx="2578390" cy="312299"/>
+          </a:xfrm>
+          <a:prstGeom prst="bentConnector2">
+            <a:avLst/>
+          </a:prstGeom>
+          <a:ln>
+            <a:tailEnd type="triangle"/>
+          </a:ln>
+        </p:spPr>
+        <p:style>
+          <a:lnRef idx="1">
+            <a:schemeClr val="accent1"/>
+          </a:lnRef>
+          <a:fillRef idx="0">
+            <a:schemeClr val="accent1"/>
+          </a:fillRef>
+          <a:effectRef idx="0">
+            <a:schemeClr val="accent1"/>
+          </a:effectRef>
+          <a:fontRef idx="minor">
+            <a:schemeClr val="tx1"/>
+          </a:fontRef>
+        </p:style>
+      </p:cxnSp>
+      <p:cxnSp>
+        <p:nvCxnSpPr>
+          <p:cNvPr id="27" name="肘形接點 26"/>
+          <p:cNvCxnSpPr>
+            <a:cxnSpLocks noChangeAspect="1"/>
+            <a:endCxn id="30" idx="0"/>
+          </p:cNvCxnSpPr>
+          <p:nvPr/>
+        </p:nvCxnSpPr>
+        <p:spPr>
+          <a:xfrm rot="10800000" flipV="1">
+            <a:off x="2538790" y="510287"/>
+            <a:ext cx="2545304" cy="280365"/>
+          </a:xfrm>
+          <a:prstGeom prst="bentConnector2">
+            <a:avLst/>
+          </a:prstGeom>
+          <a:ln>
+            <a:tailEnd type="triangle"/>
+          </a:ln>
+        </p:spPr>
+        <p:style>
+          <a:lnRef idx="1">
+            <a:schemeClr val="accent1"/>
+          </a:lnRef>
+          <a:fillRef idx="0">
+            <a:schemeClr val="accent1"/>
+          </a:fillRef>
+          <a:effectRef idx="0">
+            <a:schemeClr val="accent1"/>
+          </a:effectRef>
+          <a:fontRef idx="minor">
+            <a:schemeClr val="tx1"/>
+          </a:fontRef>
+        </p:style>
+      </p:cxnSp>
+      <p:sp>
+        <p:nvSpPr>
+          <p:cNvPr id="11" name="流程圖: 程序 10"/>
+          <p:cNvSpPr>
+            <a:spLocks noChangeAspect="1"/>
+          </p:cNvSpPr>
+          <p:nvPr/>
+        </p:nvSpPr>
+        <p:spPr>
+          <a:xfrm>
+            <a:off x="9106781" y="790645"/>
+            <a:ext cx="1501249" cy="1030408"/>
+          </a:xfrm>
+          <a:prstGeom prst="flowChartProcess">
+            <a:avLst/>
+          </a:prstGeom>
+          <a:solidFill>
+            <a:schemeClr val="bg1"/>
+          </a:solidFill>
+        </p:spPr>
+        <p:style>
+          <a:lnRef idx="2">
+            <a:schemeClr val="accent1">
+              <a:shade val="50000"/>
+            </a:schemeClr>
+          </a:lnRef>
+          <a:fillRef idx="1">
+            <a:schemeClr val="accent1"/>
+          </a:fillRef>
+          <a:effectRef idx="0">
+            <a:schemeClr val="accent1"/>
+          </a:effectRef>
+          <a:fontRef idx="minor">
+            <a:schemeClr val="lt1"/>
+          </a:fontRef>
+        </p:style>
+        <p:txBody>
+          <a:bodyPr rtlCol="0" anchor="ctr"/>
+          <a:lstStyle/>
+          <a:p>
+            <a:pPr algn="ctr"/>
+            <a:r>
+              <a:rPr lang="zh-TW" altLang="en-US" dirty="0" smtClean="0">
+                <a:solidFill>
+                  <a:schemeClr val="tx1"/>
+                </a:solidFill>
+              </a:rPr>
+              <a:t>用</a:t>
+            </a:r>
+            <a:r>
+              <a:rPr lang="en-US" altLang="zh-TW" dirty="0" err="1" smtClean="0">
+                <a:solidFill>
+                  <a:schemeClr val="tx1"/>
+                </a:solidFill>
+              </a:rPr>
+              <a:t>Ball_Speed</a:t>
+            </a:r>
+            <a:endParaRPr lang="en-US" altLang="zh-TW" dirty="0" smtClean="0">
+              <a:solidFill>
+                <a:schemeClr val="tx1"/>
+              </a:solidFill>
+            </a:endParaRPr>
+          </a:p>
+          <a:p>
+            <a:pPr algn="ctr"/>
+            <a:r>
+              <a:rPr lang="zh-TW" altLang="en-US" dirty="0" smtClean="0">
+                <a:solidFill>
+                  <a:schemeClr val="tx1"/>
+                </a:solidFill>
+              </a:rPr>
+              <a:t>算出</a:t>
+            </a:r>
+            <a:r>
+              <a:rPr lang="en-US" altLang="zh-TW" dirty="0" smtClean="0">
+                <a:solidFill>
+                  <a:schemeClr val="tx1"/>
+                </a:solidFill>
+              </a:rPr>
+              <a:t>X:195</a:t>
+            </a:r>
+            <a:r>
+              <a:rPr lang="zh-TW" altLang="en-US" dirty="0" smtClean="0">
+                <a:solidFill>
+                  <a:schemeClr val="tx1"/>
+                </a:solidFill>
+              </a:rPr>
+              <a:t>時</a:t>
+            </a:r>
+            <a:endParaRPr lang="en-US" altLang="zh-TW" dirty="0" smtClean="0">
+              <a:solidFill>
+                <a:schemeClr val="tx1"/>
+              </a:solidFill>
+            </a:endParaRPr>
+          </a:p>
+          <a:p>
+            <a:pPr algn="ctr"/>
+            <a:r>
+              <a:rPr lang="en-US" altLang="zh-TW" dirty="0" smtClean="0">
+                <a:solidFill>
+                  <a:schemeClr val="tx1"/>
+                </a:solidFill>
+              </a:rPr>
+              <a:t>Y</a:t>
+            </a:r>
+            <a:r>
+              <a:rPr lang="zh-TW" altLang="en-US" dirty="0" smtClean="0">
+                <a:solidFill>
+                  <a:schemeClr val="tx1"/>
+                </a:solidFill>
+              </a:rPr>
+              <a:t>值</a:t>
+            </a:r>
+            <a:endParaRPr lang="zh-TW" altLang="en-US" dirty="0">
+              <a:solidFill>
+                <a:schemeClr val="tx1"/>
+              </a:solidFill>
+            </a:endParaRPr>
+          </a:p>
+        </p:txBody>
+      </p:sp>
+      <p:sp>
+        <p:nvSpPr>
+          <p:cNvPr id="30" name="流程圖: 程序 29"/>
+          <p:cNvSpPr>
+            <a:spLocks noChangeAspect="1"/>
+          </p:cNvSpPr>
+          <p:nvPr/>
+        </p:nvSpPr>
+        <p:spPr>
+          <a:xfrm>
+            <a:off x="1777942" y="790644"/>
+            <a:ext cx="1521740" cy="1030409"/>
+          </a:xfrm>
+          <a:prstGeom prst="flowChartProcess">
+            <a:avLst/>
+          </a:prstGeom>
+          <a:solidFill>
+            <a:schemeClr val="bg1"/>
+          </a:solidFill>
+        </p:spPr>
+        <p:style>
+          <a:lnRef idx="2">
+            <a:schemeClr val="accent1">
+              <a:shade val="50000"/>
+            </a:schemeClr>
+          </a:lnRef>
+          <a:fillRef idx="1">
+            <a:schemeClr val="accent1"/>
+          </a:fillRef>
+          <a:effectRef idx="0">
+            <a:schemeClr val="accent1"/>
+          </a:effectRef>
+          <a:fontRef idx="minor">
+            <a:schemeClr val="lt1"/>
+          </a:fontRef>
+        </p:style>
+        <p:txBody>
+          <a:bodyPr rtlCol="0" anchor="ctr"/>
+          <a:lstStyle/>
+          <a:p>
+            <a:pPr algn="ctr"/>
+            <a:r>
+              <a:rPr lang="zh-TW" altLang="en-US" dirty="0" smtClean="0">
+                <a:solidFill>
+                  <a:schemeClr val="tx1"/>
+                </a:solidFill>
+              </a:rPr>
+              <a:t>用</a:t>
+            </a:r>
+            <a:r>
+              <a:rPr lang="en-US" altLang="zh-TW" dirty="0" err="1" smtClean="0">
+                <a:solidFill>
+                  <a:schemeClr val="tx1"/>
+                </a:solidFill>
+              </a:rPr>
+              <a:t>Ball_Speed</a:t>
+            </a:r>
+            <a:r>
+              <a:rPr lang="zh-TW" altLang="en-US" dirty="0" smtClean="0">
+                <a:solidFill>
+                  <a:schemeClr val="tx1"/>
+                </a:solidFill>
+              </a:rPr>
+              <a:t>算</a:t>
+            </a:r>
+            <a:r>
+              <a:rPr lang="en-US" altLang="zh-TW" dirty="0" smtClean="0">
+                <a:solidFill>
+                  <a:schemeClr val="tx1"/>
+                </a:solidFill>
+              </a:rPr>
+              <a:t>X:0</a:t>
+            </a:r>
+            <a:r>
+              <a:rPr lang="zh-TW" altLang="en-US" dirty="0" smtClean="0">
+                <a:solidFill>
+                  <a:schemeClr val="tx1"/>
+                </a:solidFill>
+              </a:rPr>
+              <a:t>時</a:t>
+            </a:r>
+            <a:endParaRPr lang="en-US" altLang="zh-TW" dirty="0" smtClean="0">
+              <a:solidFill>
+                <a:schemeClr val="tx1"/>
+              </a:solidFill>
+            </a:endParaRPr>
+          </a:p>
+          <a:p>
+            <a:pPr algn="ctr"/>
+            <a:r>
+              <a:rPr lang="en-US" altLang="zh-TW" dirty="0" smtClean="0">
+                <a:solidFill>
+                  <a:schemeClr val="tx1"/>
+                </a:solidFill>
+              </a:rPr>
+              <a:t>Y</a:t>
+            </a:r>
+            <a:r>
+              <a:rPr lang="zh-TW" altLang="en-US" dirty="0" smtClean="0">
+                <a:solidFill>
+                  <a:schemeClr val="tx1"/>
+                </a:solidFill>
+              </a:rPr>
+              <a:t>值</a:t>
+            </a:r>
+            <a:endParaRPr lang="zh-TW" altLang="en-US" dirty="0">
+              <a:solidFill>
+                <a:schemeClr val="tx1"/>
+              </a:solidFill>
+            </a:endParaRPr>
+          </a:p>
+        </p:txBody>
+      </p:sp>
+      <p:sp>
+        <p:nvSpPr>
+          <p:cNvPr id="35" name="矩形 34"/>
+          <p:cNvSpPr>
+            <a:spLocks noChangeAspect="1"/>
+          </p:cNvSpPr>
+          <p:nvPr/>
+        </p:nvSpPr>
+        <p:spPr>
+          <a:xfrm>
+            <a:off x="8939341" y="245273"/>
+            <a:ext cx="743307" cy="339165"/>
+          </a:xfrm>
+          <a:prstGeom prst="rect">
+            <a:avLst/>
+          </a:prstGeom>
+          <a:solidFill>
+            <a:srgbClr val="FFFFFF"/>
+          </a:solidFill>
+        </p:spPr>
+        <p:style>
+          <a:lnRef idx="2">
+            <a:schemeClr val="accent1">
+              <a:shade val="50000"/>
+            </a:schemeClr>
+          </a:lnRef>
+          <a:fillRef idx="1">
+            <a:schemeClr val="accent1"/>
+          </a:fillRef>
+          <a:effectRef idx="0">
+            <a:schemeClr val="accent1"/>
+          </a:effectRef>
+          <a:fontRef idx="minor">
+            <a:schemeClr val="lt1"/>
+          </a:fontRef>
+        </p:style>
+        <p:txBody>
+          <a:bodyPr rtlCol="0" anchor="ctr"/>
+          <a:lstStyle/>
+          <a:p>
+            <a:pPr algn="ctr"/>
+            <a:r>
+              <a:rPr lang="en-US" altLang="zh-TW" dirty="0" smtClean="0">
+                <a:solidFill>
+                  <a:schemeClr val="tx1"/>
+                </a:solidFill>
+              </a:rPr>
+              <a:t>YES</a:t>
+            </a:r>
+            <a:endParaRPr lang="zh-TW" altLang="en-US" dirty="0">
+              <a:solidFill>
+                <a:schemeClr val="tx1"/>
+              </a:solidFill>
+            </a:endParaRPr>
+          </a:p>
+        </p:txBody>
+      </p:sp>
+      <p:sp>
+        <p:nvSpPr>
+          <p:cNvPr id="37" name="矩形 36"/>
+          <p:cNvSpPr>
+            <a:spLocks noChangeAspect="1"/>
+          </p:cNvSpPr>
+          <p:nvPr/>
+        </p:nvSpPr>
+        <p:spPr>
+          <a:xfrm>
+            <a:off x="2845875" y="287682"/>
+            <a:ext cx="743307" cy="339165"/>
+          </a:xfrm>
+          <a:prstGeom prst="rect">
+            <a:avLst/>
+          </a:prstGeom>
+          <a:solidFill>
+            <a:srgbClr val="FFFFFF"/>
+          </a:solidFill>
+        </p:spPr>
+        <p:style>
+          <a:lnRef idx="2">
+            <a:schemeClr val="accent1">
+              <a:shade val="50000"/>
+            </a:schemeClr>
+          </a:lnRef>
+          <a:fillRef idx="1">
+            <a:schemeClr val="accent1"/>
+          </a:fillRef>
+          <a:effectRef idx="0">
+            <a:schemeClr val="accent1"/>
+          </a:effectRef>
+          <a:fontRef idx="minor">
+            <a:schemeClr val="lt1"/>
+          </a:fontRef>
+        </p:style>
+        <p:txBody>
+          <a:bodyPr rtlCol="0" anchor="ctr"/>
+          <a:lstStyle/>
+          <a:p>
+            <a:pPr algn="ctr"/>
+            <a:r>
+              <a:rPr lang="en-US" altLang="zh-TW" dirty="0" smtClean="0">
+                <a:solidFill>
+                  <a:schemeClr val="tx1"/>
+                </a:solidFill>
+              </a:rPr>
+              <a:t>NO</a:t>
+            </a:r>
+            <a:endParaRPr lang="zh-TW" altLang="en-US" dirty="0">
+              <a:solidFill>
+                <a:schemeClr val="tx1"/>
+              </a:solidFill>
+            </a:endParaRPr>
+          </a:p>
+        </p:txBody>
+      </p:sp>
+      <p:sp>
+        <p:nvSpPr>
+          <p:cNvPr id="57" name="流程圖: 決策 56"/>
+          <p:cNvSpPr>
+            <a:spLocks noChangeAspect="1"/>
+          </p:cNvSpPr>
+          <p:nvPr/>
+        </p:nvSpPr>
+        <p:spPr>
+          <a:xfrm>
+            <a:off x="8487242" y="3927204"/>
+            <a:ext cx="3134124" cy="925062"/>
+          </a:xfrm>
+          <a:prstGeom prst="flowChartDecision">
+            <a:avLst/>
+          </a:prstGeom>
+          <a:solidFill>
+            <a:schemeClr val="bg1"/>
+          </a:solidFill>
+        </p:spPr>
+        <p:style>
+          <a:lnRef idx="2">
+            <a:schemeClr val="accent1">
+              <a:shade val="50000"/>
+            </a:schemeClr>
+          </a:lnRef>
+          <a:fillRef idx="1">
+            <a:schemeClr val="accent1"/>
+          </a:fillRef>
+          <a:effectRef idx="0">
+            <a:schemeClr val="accent1"/>
+          </a:effectRef>
+          <a:fontRef idx="minor">
+            <a:schemeClr val="lt1"/>
+          </a:fontRef>
+        </p:style>
+        <p:txBody>
+          <a:bodyPr rtlCol="0" anchor="t"/>
+          <a:lstStyle/>
+          <a:p>
+            <a:endParaRPr lang="zh-TW" altLang="en-US" dirty="0">
+              <a:solidFill>
+                <a:schemeClr val="tx1"/>
+              </a:solidFill>
+            </a:endParaRPr>
+          </a:p>
+        </p:txBody>
+      </p:sp>
+      <p:sp>
+        <p:nvSpPr>
+          <p:cNvPr id="58" name="矩形 57"/>
+          <p:cNvSpPr>
+            <a:spLocks noChangeAspect="1"/>
+          </p:cNvSpPr>
+          <p:nvPr/>
+        </p:nvSpPr>
+        <p:spPr>
+          <a:xfrm>
+            <a:off x="8649431" y="4202412"/>
+            <a:ext cx="2970662" cy="369350"/>
+          </a:xfrm>
+          <a:prstGeom prst="rect">
+            <a:avLst/>
+          </a:prstGeom>
+        </p:spPr>
+        <p:txBody>
+          <a:bodyPr wrap="square">
+            <a:spAutoFit/>
+          </a:bodyPr>
+          <a:lstStyle/>
+          <a:p>
+            <a:r>
+              <a:rPr lang="en-US" altLang="zh-TW" dirty="0" smtClean="0">
+                <a:solidFill>
+                  <a:schemeClr val="tx1"/>
+                </a:solidFill>
+              </a:rPr>
+              <a:t>If  |Y –</a:t>
+            </a:r>
+            <a:r>
+              <a:rPr lang="zh-TW" altLang="en-US" dirty="0" smtClean="0">
+                <a:solidFill>
+                  <a:schemeClr val="tx1"/>
+                </a:solidFill>
+                <a:sym typeface="Wingdings" panose="05000000000000000000" pitchFamily="2" charset="2"/>
+              </a:rPr>
+              <a:t>自己</a:t>
+            </a:r>
+            <a:r>
+              <a:rPr lang="en-US" altLang="zh-TW" dirty="0" smtClean="0">
+                <a:solidFill>
+                  <a:schemeClr val="tx1"/>
+                </a:solidFill>
+              </a:rPr>
+              <a:t>Platform Y| &gt; 195</a:t>
+            </a:r>
+            <a:endParaRPr lang="zh-TW" altLang="en-US" dirty="0">
+              <a:solidFill>
+                <a:schemeClr val="tx1"/>
+              </a:solidFill>
+            </a:endParaRPr>
+          </a:p>
+        </p:txBody>
+      </p:sp>
+      <p:sp>
+        <p:nvSpPr>
+          <p:cNvPr id="59" name="流程圖: 決策 58"/>
+          <p:cNvSpPr>
+            <a:spLocks noChangeAspect="1"/>
+          </p:cNvSpPr>
+          <p:nvPr/>
+        </p:nvSpPr>
+        <p:spPr>
+          <a:xfrm>
+            <a:off x="820169" y="3769954"/>
+            <a:ext cx="3134124" cy="1040033"/>
+          </a:xfrm>
+          <a:prstGeom prst="flowChartDecision">
+            <a:avLst/>
+          </a:prstGeom>
+          <a:solidFill>
+            <a:schemeClr val="bg1"/>
+          </a:solidFill>
+        </p:spPr>
+        <p:style>
+          <a:lnRef idx="2">
+            <a:schemeClr val="accent1">
+              <a:shade val="50000"/>
+            </a:schemeClr>
+          </a:lnRef>
+          <a:fillRef idx="1">
+            <a:schemeClr val="accent1"/>
+          </a:fillRef>
+          <a:effectRef idx="0">
+            <a:schemeClr val="accent1"/>
+          </a:effectRef>
+          <a:fontRef idx="minor">
+            <a:schemeClr val="lt1"/>
+          </a:fontRef>
+        </p:style>
+        <p:txBody>
+          <a:bodyPr rtlCol="0" anchor="t"/>
+          <a:lstStyle/>
+          <a:p>
+            <a:endParaRPr lang="zh-TW" altLang="en-US" dirty="0">
+              <a:solidFill>
+                <a:schemeClr val="tx1"/>
+              </a:solidFill>
+            </a:endParaRPr>
+          </a:p>
+        </p:txBody>
+      </p:sp>
+      <p:sp>
+        <p:nvSpPr>
+          <p:cNvPr id="60" name="矩形 59"/>
+          <p:cNvSpPr>
+            <a:spLocks noChangeAspect="1"/>
+          </p:cNvSpPr>
+          <p:nvPr/>
+        </p:nvSpPr>
+        <p:spPr>
+          <a:xfrm>
+            <a:off x="901886" y="4105315"/>
+            <a:ext cx="2970662" cy="369350"/>
+          </a:xfrm>
+          <a:prstGeom prst="rect">
+            <a:avLst/>
+          </a:prstGeom>
+        </p:spPr>
+        <p:txBody>
+          <a:bodyPr wrap="square">
+            <a:spAutoFit/>
+          </a:bodyPr>
+          <a:lstStyle/>
+          <a:p>
+            <a:r>
+              <a:rPr lang="en-US" altLang="zh-TW" dirty="0" smtClean="0">
+                <a:solidFill>
+                  <a:schemeClr val="tx1"/>
+                </a:solidFill>
+              </a:rPr>
+              <a:t>If  |Y –</a:t>
+            </a:r>
+            <a:r>
+              <a:rPr lang="zh-TW" altLang="en-US" dirty="0" smtClean="0">
+                <a:solidFill>
+                  <a:schemeClr val="tx1"/>
+                </a:solidFill>
+                <a:sym typeface="Wingdings" panose="05000000000000000000" pitchFamily="2" charset="2"/>
+              </a:rPr>
+              <a:t>自己</a:t>
+            </a:r>
+            <a:r>
+              <a:rPr lang="en-US" altLang="zh-TW" dirty="0" smtClean="0">
+                <a:solidFill>
+                  <a:schemeClr val="tx1"/>
+                </a:solidFill>
+              </a:rPr>
+              <a:t>Platform Y| &gt; 195</a:t>
+            </a:r>
+            <a:endParaRPr lang="zh-TW" altLang="en-US" dirty="0">
+              <a:solidFill>
+                <a:schemeClr val="tx1"/>
+              </a:solidFill>
+            </a:endParaRPr>
+          </a:p>
+        </p:txBody>
+      </p:sp>
+      <p:cxnSp>
+        <p:nvCxnSpPr>
+          <p:cNvPr id="65" name="肘形接點 64"/>
+          <p:cNvCxnSpPr>
+            <a:cxnSpLocks noChangeAspect="1"/>
+            <a:stCxn id="59" idx="3"/>
+            <a:endCxn id="11" idx="1"/>
+          </p:cNvCxnSpPr>
+          <p:nvPr/>
+        </p:nvCxnSpPr>
+        <p:spPr>
+          <a:xfrm flipV="1">
+            <a:off x="3954281" y="1305860"/>
+            <a:ext cx="5152501" cy="2984130"/>
+          </a:xfrm>
+          <a:prstGeom prst="bentConnector3">
+            <a:avLst>
+              <a:gd name="adj1" fmla="val 50000"/>
+            </a:avLst>
+          </a:prstGeom>
+          <a:ln w="38100">
+            <a:solidFill>
+              <a:srgbClr val="7030A0"/>
+            </a:solidFill>
+            <a:tailEnd type="triangle"/>
+          </a:ln>
+        </p:spPr>
+        <p:style>
+          <a:lnRef idx="1">
+            <a:schemeClr val="accent1"/>
+          </a:lnRef>
+          <a:fillRef idx="0">
+            <a:schemeClr val="accent1"/>
+          </a:fillRef>
+          <a:effectRef idx="0">
+            <a:schemeClr val="accent1"/>
+          </a:effectRef>
+          <a:fontRef idx="minor">
+            <a:schemeClr val="tx1"/>
+          </a:fontRef>
+        </p:style>
+      </p:cxnSp>
+      <p:sp>
+        <p:nvSpPr>
+          <p:cNvPr id="64" name="矩形 63"/>
+          <p:cNvSpPr>
+            <a:spLocks noChangeAspect="1"/>
+          </p:cNvSpPr>
+          <p:nvPr/>
+        </p:nvSpPr>
+        <p:spPr>
+          <a:xfrm>
+            <a:off x="4382356" y="4093102"/>
+            <a:ext cx="743307" cy="339165"/>
+          </a:xfrm>
+          <a:prstGeom prst="rect">
+            <a:avLst/>
+          </a:prstGeom>
+          <a:solidFill>
+            <a:schemeClr val="bg1"/>
+          </a:solidFill>
+          <a:ln>
+            <a:solidFill>
+              <a:srgbClr val="7030A0"/>
+            </a:solidFill>
+          </a:ln>
+        </p:spPr>
+        <p:style>
+          <a:lnRef idx="2">
+            <a:schemeClr val="accent1">
+              <a:shade val="50000"/>
+            </a:schemeClr>
+          </a:lnRef>
+          <a:fillRef idx="1">
+            <a:schemeClr val="accent1"/>
+          </a:fillRef>
+          <a:effectRef idx="0">
+            <a:schemeClr val="accent1"/>
+          </a:effectRef>
+          <a:fontRef idx="minor">
+            <a:schemeClr val="lt1"/>
+          </a:fontRef>
+        </p:style>
+        <p:txBody>
+          <a:bodyPr rtlCol="0" anchor="ctr"/>
+          <a:lstStyle/>
+          <a:p>
+            <a:pPr algn="ctr"/>
+            <a:r>
+              <a:rPr lang="en-US" altLang="zh-TW" dirty="0" smtClean="0">
+                <a:solidFill>
+                  <a:schemeClr val="tx1"/>
+                </a:solidFill>
+              </a:rPr>
+              <a:t>YES</a:t>
+            </a:r>
+            <a:endParaRPr lang="zh-TW" altLang="en-US" dirty="0">
+              <a:solidFill>
+                <a:schemeClr val="tx1"/>
+              </a:solidFill>
+            </a:endParaRPr>
+          </a:p>
+        </p:txBody>
+      </p:sp>
+      <p:cxnSp>
+        <p:nvCxnSpPr>
+          <p:cNvPr id="68" name="肘形接點 67"/>
+          <p:cNvCxnSpPr>
+            <a:cxnSpLocks noChangeAspect="1"/>
+            <a:stCxn id="57" idx="1"/>
+            <a:endCxn id="30" idx="3"/>
+          </p:cNvCxnSpPr>
+          <p:nvPr/>
+        </p:nvCxnSpPr>
+        <p:spPr>
+          <a:xfrm rot="10800000">
+            <a:off x="3299658" y="1305848"/>
+            <a:ext cx="5187576" cy="3083876"/>
+          </a:xfrm>
+          <a:prstGeom prst="bentConnector3">
+            <a:avLst>
+              <a:gd name="adj1" fmla="val 50000"/>
+            </a:avLst>
+          </a:prstGeom>
+          <a:ln w="38100">
+            <a:solidFill>
+              <a:srgbClr val="FF0000"/>
+            </a:solidFill>
+            <a:tailEnd type="triangle"/>
+          </a:ln>
+        </p:spPr>
+        <p:style>
+          <a:lnRef idx="1">
+            <a:schemeClr val="accent1"/>
+          </a:lnRef>
+          <a:fillRef idx="0">
+            <a:schemeClr val="accent1"/>
+          </a:fillRef>
+          <a:effectRef idx="0">
+            <a:schemeClr val="accent1"/>
+          </a:effectRef>
+          <a:fontRef idx="minor">
+            <a:schemeClr val="tx1"/>
+          </a:fontRef>
+        </p:style>
+      </p:cxnSp>
+      <p:sp>
+        <p:nvSpPr>
+          <p:cNvPr id="63" name="矩形 62"/>
+          <p:cNvSpPr>
+            <a:spLocks noChangeAspect="1"/>
+          </p:cNvSpPr>
+          <p:nvPr/>
+        </p:nvSpPr>
+        <p:spPr>
+          <a:xfrm>
+            <a:off x="7186382" y="4194405"/>
+            <a:ext cx="743307" cy="339165"/>
+          </a:xfrm>
+          <a:prstGeom prst="rect">
+            <a:avLst/>
+          </a:prstGeom>
+          <a:solidFill>
+            <a:srgbClr val="FFFFFF"/>
+          </a:solidFill>
+          <a:ln>
+            <a:solidFill>
+              <a:srgbClr val="FF0000"/>
+            </a:solidFill>
+          </a:ln>
+        </p:spPr>
+        <p:style>
+          <a:lnRef idx="2">
+            <a:schemeClr val="accent1">
+              <a:shade val="50000"/>
+            </a:schemeClr>
+          </a:lnRef>
+          <a:fillRef idx="1">
+            <a:schemeClr val="accent1"/>
+          </a:fillRef>
+          <a:effectRef idx="0">
+            <a:schemeClr val="accent1"/>
+          </a:effectRef>
+          <a:fontRef idx="minor">
+            <a:schemeClr val="lt1"/>
+          </a:fontRef>
+        </p:style>
+        <p:txBody>
+          <a:bodyPr rtlCol="0" anchor="ctr"/>
+          <a:lstStyle/>
+          <a:p>
+            <a:pPr algn="ctr"/>
+            <a:r>
+              <a:rPr lang="en-US" altLang="zh-TW" dirty="0" smtClean="0">
+                <a:solidFill>
+                  <a:schemeClr val="tx1"/>
+                </a:solidFill>
+              </a:rPr>
+              <a:t>YES</a:t>
+            </a:r>
+            <a:endParaRPr lang="zh-TW" altLang="en-US" dirty="0">
+              <a:solidFill>
+                <a:schemeClr val="tx1"/>
+              </a:solidFill>
+            </a:endParaRPr>
+          </a:p>
+        </p:txBody>
+      </p:sp>
+      <p:cxnSp>
+        <p:nvCxnSpPr>
+          <p:cNvPr id="98" name="肘形接點 97"/>
+          <p:cNvCxnSpPr>
+            <a:cxnSpLocks noChangeAspect="1"/>
+            <a:stCxn id="59" idx="2"/>
+            <a:endCxn id="130" idx="0"/>
+          </p:cNvCxnSpPr>
+          <p:nvPr/>
+        </p:nvCxnSpPr>
+        <p:spPr>
+          <a:xfrm rot="16200000" flipH="1">
+            <a:off x="2124500" y="5072691"/>
+            <a:ext cx="535022" cy="9599"/>
+          </a:xfrm>
+          <a:prstGeom prst="bentConnector3">
+            <a:avLst>
+              <a:gd name="adj1" fmla="val 50000"/>
+            </a:avLst>
+          </a:prstGeom>
+          <a:ln>
+            <a:tailEnd type="triangle"/>
+          </a:ln>
+        </p:spPr>
+        <p:style>
+          <a:lnRef idx="1">
+            <a:schemeClr val="accent1"/>
+          </a:lnRef>
+          <a:fillRef idx="0">
+            <a:schemeClr val="accent1"/>
+          </a:fillRef>
+          <a:effectRef idx="0">
+            <a:schemeClr val="accent1"/>
+          </a:effectRef>
+          <a:fontRef idx="minor">
+            <a:schemeClr val="tx1"/>
+          </a:fontRef>
+        </p:style>
+      </p:cxnSp>
+      <p:sp>
+        <p:nvSpPr>
+          <p:cNvPr id="96" name="矩形 95"/>
+          <p:cNvSpPr>
+            <a:spLocks noChangeAspect="1"/>
+          </p:cNvSpPr>
+          <p:nvPr/>
+        </p:nvSpPr>
+        <p:spPr>
+          <a:xfrm>
+            <a:off x="2048289" y="4871910"/>
+            <a:ext cx="743307" cy="339165"/>
+          </a:xfrm>
+          <a:prstGeom prst="rect">
+            <a:avLst/>
+          </a:prstGeom>
+          <a:solidFill>
+            <a:srgbClr val="FFFFFF"/>
+          </a:solidFill>
+        </p:spPr>
+        <p:style>
+          <a:lnRef idx="2">
+            <a:schemeClr val="accent1">
+              <a:shade val="50000"/>
+            </a:schemeClr>
+          </a:lnRef>
+          <a:fillRef idx="1">
+            <a:schemeClr val="accent1"/>
+          </a:fillRef>
+          <a:effectRef idx="0">
+            <a:schemeClr val="accent1"/>
+          </a:effectRef>
+          <a:fontRef idx="minor">
+            <a:schemeClr val="lt1"/>
+          </a:fontRef>
+        </p:style>
+        <p:txBody>
+          <a:bodyPr rtlCol="0" anchor="ctr"/>
+          <a:lstStyle/>
+          <a:p>
+            <a:pPr algn="ctr"/>
+            <a:r>
+              <a:rPr lang="en-US" altLang="zh-TW" dirty="0">
+                <a:solidFill>
+                  <a:schemeClr val="tx1"/>
+                </a:solidFill>
+              </a:rPr>
+              <a:t>NO</a:t>
+            </a:r>
+            <a:endParaRPr lang="zh-TW" altLang="en-US" dirty="0">
+              <a:solidFill>
+                <a:schemeClr val="tx1"/>
+              </a:solidFill>
+            </a:endParaRPr>
+          </a:p>
+        </p:txBody>
+      </p:sp>
+      <p:sp>
+        <p:nvSpPr>
+          <p:cNvPr id="102" name="矩形 101"/>
+          <p:cNvSpPr>
+            <a:spLocks noChangeAspect="1"/>
+          </p:cNvSpPr>
+          <p:nvPr/>
+        </p:nvSpPr>
+        <p:spPr>
+          <a:xfrm>
+            <a:off x="7752369" y="5356521"/>
+            <a:ext cx="4603847" cy="1188987"/>
+          </a:xfrm>
+          <a:prstGeom prst="rect">
+            <a:avLst/>
+          </a:prstGeom>
+          <a:solidFill>
+            <a:schemeClr val="bg1"/>
+          </a:solidFill>
+        </p:spPr>
+        <p:style>
+          <a:lnRef idx="2">
+            <a:schemeClr val="accent1">
+              <a:shade val="50000"/>
+            </a:schemeClr>
+          </a:lnRef>
+          <a:fillRef idx="1">
+            <a:schemeClr val="accent1"/>
+          </a:fillRef>
+          <a:effectRef idx="0">
+            <a:schemeClr val="accent1"/>
+          </a:effectRef>
+          <a:fontRef idx="minor">
+            <a:schemeClr val="lt1"/>
+          </a:fontRef>
+        </p:style>
+        <p:txBody>
+          <a:bodyPr rtlCol="0" anchor="ctr"/>
+          <a:lstStyle/>
+          <a:p>
+            <a:pPr algn="ctr"/>
+            <a:r>
+              <a:rPr lang="zh-TW" altLang="en-US" dirty="0" smtClean="0">
+                <a:solidFill>
+                  <a:schemeClr val="tx1"/>
+                </a:solidFill>
+              </a:rPr>
+              <a:t>用</a:t>
+            </a:r>
+            <a:r>
+              <a:rPr lang="en-US" altLang="zh-TW" dirty="0" err="1" smtClean="0">
+                <a:solidFill>
+                  <a:schemeClr val="tx1"/>
+                </a:solidFill>
+              </a:rPr>
+              <a:t>Ball_Speed</a:t>
+            </a:r>
+            <a:r>
+              <a:rPr lang="zh-TW" altLang="en-US" dirty="0" smtClean="0">
+                <a:solidFill>
+                  <a:schemeClr val="tx1"/>
+                </a:solidFill>
+              </a:rPr>
+              <a:t>算出 </a:t>
+            </a:r>
+            <a:r>
+              <a:rPr lang="en-US" altLang="zh-TW" dirty="0" smtClean="0">
+                <a:solidFill>
+                  <a:schemeClr val="tx1"/>
+                </a:solidFill>
+              </a:rPr>
+              <a:t>Y</a:t>
+            </a:r>
+            <a:r>
+              <a:rPr lang="en-US" altLang="zh-TW" dirty="0" smtClean="0">
+                <a:solidFill>
+                  <a:schemeClr val="tx1"/>
+                </a:solidFill>
+                <a:sym typeface="Wingdings" panose="05000000000000000000" pitchFamily="2" charset="2"/>
+              </a:rPr>
+              <a:t>:</a:t>
+            </a:r>
+            <a:r>
+              <a:rPr lang="zh-TW" altLang="en-US" dirty="0" smtClean="0">
+                <a:solidFill>
+                  <a:schemeClr val="tx1"/>
+                </a:solidFill>
+                <a:sym typeface="Wingdings" panose="05000000000000000000" pitchFamily="2" charset="2"/>
+              </a:rPr>
+              <a:t> </a:t>
+            </a:r>
+            <a:r>
+              <a:rPr lang="en-US" altLang="zh-TW" dirty="0" smtClean="0">
+                <a:solidFill>
+                  <a:schemeClr val="tx1"/>
+                </a:solidFill>
+                <a:sym typeface="Wingdings" panose="05000000000000000000" pitchFamily="2" charset="2"/>
+              </a:rPr>
+              <a:t>(</a:t>
+            </a:r>
+            <a:r>
+              <a:rPr lang="zh-TW" altLang="en-US" dirty="0" smtClean="0">
+                <a:solidFill>
+                  <a:schemeClr val="tx1"/>
+                </a:solidFill>
+                <a:sym typeface="Wingdings" panose="05000000000000000000" pitchFamily="2" charset="2"/>
+              </a:rPr>
+              <a:t>自己</a:t>
+            </a:r>
+            <a:r>
+              <a:rPr lang="en-US" altLang="zh-TW" dirty="0" smtClean="0">
+                <a:solidFill>
+                  <a:schemeClr val="tx1"/>
+                </a:solidFill>
+              </a:rPr>
+              <a:t>Platform Y)</a:t>
+            </a:r>
+            <a:r>
+              <a:rPr lang="zh-TW" altLang="en-US" dirty="0" smtClean="0">
+                <a:solidFill>
+                  <a:schemeClr val="tx1"/>
+                </a:solidFill>
+              </a:rPr>
+              <a:t>時的</a:t>
+            </a:r>
+            <a:r>
+              <a:rPr lang="en-US" altLang="zh-TW" dirty="0" smtClean="0">
+                <a:solidFill>
+                  <a:schemeClr val="tx1"/>
+                </a:solidFill>
+              </a:rPr>
+              <a:t>X</a:t>
+            </a:r>
+            <a:r>
+              <a:rPr lang="zh-TW" altLang="en-US" dirty="0" smtClean="0">
+                <a:solidFill>
+                  <a:schemeClr val="tx1"/>
+                </a:solidFill>
+              </a:rPr>
+              <a:t>值</a:t>
+            </a:r>
+            <a:endParaRPr lang="en-US" altLang="zh-TW" dirty="0" smtClean="0">
+              <a:solidFill>
+                <a:schemeClr val="tx1"/>
+              </a:solidFill>
+            </a:endParaRPr>
+          </a:p>
+          <a:p>
+            <a:pPr algn="ctr"/>
+            <a:r>
+              <a:rPr lang="zh-TW" altLang="en-US" dirty="0" smtClean="0">
+                <a:solidFill>
+                  <a:schemeClr val="tx1"/>
+                </a:solidFill>
+              </a:rPr>
+              <a:t>存入</a:t>
+            </a:r>
+            <a:r>
+              <a:rPr lang="en-US" altLang="zh-TW" b="1" dirty="0" err="1" smtClean="0">
+                <a:solidFill>
+                  <a:schemeClr val="tx1"/>
+                </a:solidFill>
+              </a:rPr>
+              <a:t>Opponent_strike_back_x</a:t>
+            </a:r>
+            <a:endParaRPr lang="en-US" altLang="zh-TW" dirty="0" smtClean="0">
+              <a:solidFill>
+                <a:schemeClr val="tx1"/>
+              </a:solidFill>
+            </a:endParaRPr>
+          </a:p>
+          <a:p>
+            <a:pPr algn="ctr"/>
+            <a:r>
+              <a:rPr lang="en-US" altLang="zh-TW" b="1" dirty="0" err="1" smtClean="0">
+                <a:solidFill>
+                  <a:schemeClr val="tx1"/>
+                </a:solidFill>
+              </a:rPr>
+              <a:t>Opponent_strike_back_direction_right</a:t>
+            </a:r>
+            <a:r>
+              <a:rPr lang="en-US" altLang="zh-TW" b="1" dirty="0" smtClean="0">
+                <a:solidFill>
+                  <a:schemeClr val="tx1"/>
+                </a:solidFill>
+              </a:rPr>
+              <a:t> = 0</a:t>
+            </a:r>
+            <a:endParaRPr lang="zh-TW" altLang="en-US" b="1" dirty="0" smtClean="0">
+              <a:solidFill>
+                <a:schemeClr val="tx1"/>
+              </a:solidFill>
+            </a:endParaRPr>
+          </a:p>
+        </p:txBody>
+      </p:sp>
+      <p:cxnSp>
+        <p:nvCxnSpPr>
+          <p:cNvPr id="110" name="肘形接點 109"/>
+          <p:cNvCxnSpPr>
+            <a:cxnSpLocks noChangeAspect="1"/>
+            <a:stCxn id="57" idx="2"/>
+            <a:endCxn id="102" idx="0"/>
+          </p:cNvCxnSpPr>
+          <p:nvPr/>
+        </p:nvCxnSpPr>
+        <p:spPr>
+          <a:xfrm rot="16200000" flipH="1">
+            <a:off x="9802165" y="5104388"/>
+            <a:ext cx="504253" cy="1"/>
+          </a:xfrm>
+          <a:prstGeom prst="bentConnector3">
+            <a:avLst>
+              <a:gd name="adj1" fmla="val 50000"/>
+            </a:avLst>
+          </a:prstGeom>
+          <a:ln>
+            <a:tailEnd type="triangle"/>
+          </a:ln>
+        </p:spPr>
+        <p:style>
+          <a:lnRef idx="1">
+            <a:schemeClr val="accent1"/>
+          </a:lnRef>
+          <a:fillRef idx="0">
+            <a:schemeClr val="accent1"/>
+          </a:fillRef>
+          <a:effectRef idx="0">
+            <a:schemeClr val="accent1"/>
+          </a:effectRef>
+          <a:fontRef idx="minor">
+            <a:schemeClr val="tx1"/>
+          </a:fontRef>
+        </p:style>
+      </p:cxnSp>
+      <p:sp>
+        <p:nvSpPr>
+          <p:cNvPr id="97" name="矩形 96"/>
+          <p:cNvSpPr>
+            <a:spLocks noChangeAspect="1"/>
+          </p:cNvSpPr>
+          <p:nvPr/>
+        </p:nvSpPr>
+        <p:spPr>
+          <a:xfrm>
+            <a:off x="9682646" y="4883199"/>
+            <a:ext cx="743307" cy="339165"/>
+          </a:xfrm>
+          <a:prstGeom prst="rect">
+            <a:avLst/>
+          </a:prstGeom>
+          <a:solidFill>
+            <a:srgbClr val="FFFFFF"/>
+          </a:solidFill>
+        </p:spPr>
+        <p:style>
+          <a:lnRef idx="2">
+            <a:schemeClr val="accent1">
+              <a:shade val="50000"/>
+            </a:schemeClr>
+          </a:lnRef>
+          <a:fillRef idx="1">
+            <a:schemeClr val="accent1"/>
+          </a:fillRef>
+          <a:effectRef idx="0">
+            <a:schemeClr val="accent1"/>
+          </a:effectRef>
+          <a:fontRef idx="minor">
+            <a:schemeClr val="lt1"/>
+          </a:fontRef>
+        </p:style>
+        <p:txBody>
+          <a:bodyPr rtlCol="0" anchor="ctr"/>
+          <a:lstStyle/>
+          <a:p>
+            <a:pPr algn="ctr"/>
+            <a:r>
+              <a:rPr lang="en-US" altLang="zh-TW" dirty="0">
+                <a:solidFill>
+                  <a:schemeClr val="tx1"/>
+                </a:solidFill>
+              </a:rPr>
+              <a:t>NO</a:t>
+            </a:r>
+            <a:endParaRPr lang="zh-TW" altLang="en-US" dirty="0">
+              <a:solidFill>
+                <a:schemeClr val="tx1"/>
+              </a:solidFill>
+            </a:endParaRPr>
+          </a:p>
+        </p:txBody>
+      </p:sp>
+      <p:sp>
+        <p:nvSpPr>
+          <p:cNvPr id="130" name="矩形 129"/>
+          <p:cNvSpPr>
+            <a:spLocks noChangeAspect="1"/>
+          </p:cNvSpPr>
+          <p:nvPr/>
+        </p:nvSpPr>
+        <p:spPr>
+          <a:xfrm>
+            <a:off x="94894" y="5344994"/>
+            <a:ext cx="4603847" cy="1198010"/>
+          </a:xfrm>
+          <a:prstGeom prst="rect">
+            <a:avLst/>
+          </a:prstGeom>
+          <a:solidFill>
+            <a:schemeClr val="bg1"/>
+          </a:solidFill>
+        </p:spPr>
+        <p:style>
+          <a:lnRef idx="2">
+            <a:schemeClr val="accent1">
+              <a:shade val="50000"/>
+            </a:schemeClr>
+          </a:lnRef>
+          <a:fillRef idx="1">
+            <a:schemeClr val="accent1"/>
+          </a:fillRef>
+          <a:effectRef idx="0">
+            <a:schemeClr val="accent1"/>
+          </a:effectRef>
+          <a:fontRef idx="minor">
+            <a:schemeClr val="lt1"/>
+          </a:fontRef>
+        </p:style>
+        <p:txBody>
+          <a:bodyPr rtlCol="0" anchor="ctr"/>
+          <a:lstStyle/>
+          <a:p>
+            <a:pPr algn="ctr"/>
+            <a:r>
+              <a:rPr lang="zh-TW" altLang="en-US" dirty="0" smtClean="0">
+                <a:solidFill>
+                  <a:schemeClr val="tx1"/>
+                </a:solidFill>
+              </a:rPr>
+              <a:t>用</a:t>
+            </a:r>
+            <a:r>
+              <a:rPr lang="en-US" altLang="zh-TW" dirty="0" err="1" smtClean="0">
+                <a:solidFill>
+                  <a:schemeClr val="tx1"/>
+                </a:solidFill>
+              </a:rPr>
+              <a:t>Ball_Speed</a:t>
+            </a:r>
+            <a:r>
+              <a:rPr lang="zh-TW" altLang="en-US" dirty="0" smtClean="0">
+                <a:solidFill>
+                  <a:schemeClr val="tx1"/>
+                </a:solidFill>
+              </a:rPr>
+              <a:t>算出 </a:t>
+            </a:r>
+            <a:r>
+              <a:rPr lang="en-US" altLang="zh-TW" dirty="0" smtClean="0">
+                <a:solidFill>
+                  <a:schemeClr val="tx1"/>
+                </a:solidFill>
+              </a:rPr>
+              <a:t>Y</a:t>
+            </a:r>
+            <a:r>
+              <a:rPr lang="en-US" altLang="zh-TW" dirty="0" smtClean="0">
+                <a:solidFill>
+                  <a:schemeClr val="tx1"/>
+                </a:solidFill>
+                <a:sym typeface="Wingdings" panose="05000000000000000000" pitchFamily="2" charset="2"/>
+              </a:rPr>
+              <a:t>:</a:t>
+            </a:r>
+            <a:r>
+              <a:rPr lang="zh-TW" altLang="en-US" dirty="0" smtClean="0">
+                <a:solidFill>
+                  <a:schemeClr val="tx1"/>
+                </a:solidFill>
+                <a:sym typeface="Wingdings" panose="05000000000000000000" pitchFamily="2" charset="2"/>
+              </a:rPr>
+              <a:t> </a:t>
+            </a:r>
+            <a:r>
+              <a:rPr lang="en-US" altLang="zh-TW" dirty="0" smtClean="0">
+                <a:solidFill>
+                  <a:schemeClr val="tx1"/>
+                </a:solidFill>
+                <a:sym typeface="Wingdings" panose="05000000000000000000" pitchFamily="2" charset="2"/>
+              </a:rPr>
+              <a:t>(</a:t>
+            </a:r>
+            <a:r>
+              <a:rPr lang="zh-TW" altLang="en-US" dirty="0" smtClean="0">
+                <a:solidFill>
+                  <a:schemeClr val="tx1"/>
+                </a:solidFill>
+              </a:rPr>
+              <a:t>對手</a:t>
+            </a:r>
+            <a:r>
+              <a:rPr lang="en-US" altLang="zh-TW" dirty="0" smtClean="0">
+                <a:solidFill>
+                  <a:schemeClr val="tx1"/>
+                </a:solidFill>
+              </a:rPr>
+              <a:t>Platform Y)</a:t>
+            </a:r>
+            <a:r>
+              <a:rPr lang="zh-TW" altLang="en-US" dirty="0" smtClean="0">
+                <a:solidFill>
+                  <a:schemeClr val="tx1"/>
+                </a:solidFill>
+              </a:rPr>
+              <a:t>時的</a:t>
+            </a:r>
+            <a:r>
+              <a:rPr lang="en-US" altLang="zh-TW" dirty="0" smtClean="0">
+                <a:solidFill>
+                  <a:schemeClr val="tx1"/>
+                </a:solidFill>
+              </a:rPr>
+              <a:t>X</a:t>
+            </a:r>
+            <a:r>
+              <a:rPr lang="zh-TW" altLang="en-US" dirty="0" smtClean="0">
+                <a:solidFill>
+                  <a:schemeClr val="tx1"/>
+                </a:solidFill>
+              </a:rPr>
+              <a:t>值</a:t>
+            </a:r>
+            <a:endParaRPr lang="en-US" altLang="zh-TW" dirty="0" smtClean="0">
+              <a:solidFill>
+                <a:schemeClr val="tx1"/>
+              </a:solidFill>
+            </a:endParaRPr>
+          </a:p>
+          <a:p>
+            <a:pPr algn="ctr"/>
+            <a:r>
+              <a:rPr lang="zh-TW" altLang="en-US" dirty="0" smtClean="0">
+                <a:solidFill>
+                  <a:schemeClr val="tx1"/>
+                </a:solidFill>
+              </a:rPr>
+              <a:t>存入</a:t>
+            </a:r>
+            <a:r>
+              <a:rPr lang="en-US" altLang="zh-TW" b="1" dirty="0" err="1" smtClean="0">
+                <a:solidFill>
+                  <a:schemeClr val="tx1"/>
+                </a:solidFill>
+              </a:rPr>
+              <a:t>Opponent_strike_back_x</a:t>
+            </a:r>
+            <a:endParaRPr lang="en-US" altLang="zh-TW" dirty="0" smtClean="0">
+              <a:solidFill>
+                <a:schemeClr val="tx1"/>
+              </a:solidFill>
+            </a:endParaRPr>
+          </a:p>
+          <a:p>
+            <a:pPr algn="ctr"/>
+            <a:r>
+              <a:rPr lang="en-US" altLang="zh-TW" b="1" dirty="0" err="1" smtClean="0">
+                <a:solidFill>
+                  <a:schemeClr val="tx1"/>
+                </a:solidFill>
+              </a:rPr>
+              <a:t>Opponent_strike_back_direction_right</a:t>
+            </a:r>
+            <a:r>
+              <a:rPr lang="en-US" altLang="zh-TW" b="1" dirty="0" smtClean="0">
+                <a:solidFill>
+                  <a:schemeClr val="tx1"/>
+                </a:solidFill>
+              </a:rPr>
+              <a:t> = 1</a:t>
+            </a:r>
+            <a:endParaRPr lang="zh-TW" altLang="en-US" b="1" dirty="0" smtClean="0">
+              <a:solidFill>
+                <a:schemeClr val="tx1"/>
+              </a:solidFill>
+            </a:endParaRPr>
+          </a:p>
+        </p:txBody>
+      </p:sp>
+      <p:sp>
+        <p:nvSpPr>
+          <p:cNvPr id="138" name="流程圖: 決策 137"/>
+          <p:cNvSpPr>
+            <a:spLocks noChangeAspect="1"/>
+          </p:cNvSpPr>
+          <p:nvPr/>
+        </p:nvSpPr>
+        <p:spPr>
+          <a:xfrm>
+            <a:off x="5258295" y="5848060"/>
+            <a:ext cx="2238241" cy="982654"/>
+          </a:xfrm>
+          <a:prstGeom prst="flowChartDecision">
+            <a:avLst/>
+          </a:prstGeom>
+          <a:solidFill>
+            <a:schemeClr val="bg1"/>
+          </a:solidFill>
+        </p:spPr>
+        <p:style>
+          <a:lnRef idx="2">
+            <a:schemeClr val="accent1">
+              <a:shade val="50000"/>
+            </a:schemeClr>
+          </a:lnRef>
+          <a:fillRef idx="1">
+            <a:schemeClr val="accent1"/>
+          </a:fillRef>
+          <a:effectRef idx="0">
+            <a:schemeClr val="accent1"/>
+          </a:effectRef>
+          <a:fontRef idx="minor">
+            <a:schemeClr val="lt1"/>
+          </a:fontRef>
+        </p:style>
+        <p:txBody>
+          <a:bodyPr rtlCol="0" anchor="ctr"/>
+          <a:lstStyle/>
+          <a:p>
+            <a:pPr algn="ctr"/>
+            <a:endParaRPr lang="zh-TW" altLang="en-US" dirty="0">
+              <a:solidFill>
+                <a:schemeClr val="tx1"/>
+              </a:solidFill>
+            </a:endParaRPr>
+          </a:p>
+        </p:txBody>
+      </p:sp>
+      <p:cxnSp>
+        <p:nvCxnSpPr>
+          <p:cNvPr id="140" name="肘形接點 139"/>
+          <p:cNvCxnSpPr>
+            <a:cxnSpLocks noChangeAspect="1"/>
+            <a:stCxn id="130" idx="3"/>
+            <a:endCxn id="138" idx="0"/>
+          </p:cNvCxnSpPr>
+          <p:nvPr/>
+        </p:nvCxnSpPr>
+        <p:spPr>
+          <a:xfrm flipV="1">
+            <a:off x="4698745" y="5848080"/>
+            <a:ext cx="1678666" cy="95959"/>
+          </a:xfrm>
+          <a:prstGeom prst="bentConnector4">
+            <a:avLst>
+              <a:gd name="adj1" fmla="val 16667"/>
+              <a:gd name="adj2" fmla="val 350528"/>
+            </a:avLst>
+          </a:prstGeom>
+          <a:ln>
+            <a:tailEnd type="triangle"/>
+          </a:ln>
+        </p:spPr>
+        <p:style>
+          <a:lnRef idx="1">
+            <a:schemeClr val="accent1"/>
+          </a:lnRef>
+          <a:fillRef idx="0">
+            <a:schemeClr val="accent1"/>
+          </a:fillRef>
+          <a:effectRef idx="0">
+            <a:schemeClr val="accent1"/>
+          </a:effectRef>
+          <a:fontRef idx="minor">
+            <a:schemeClr val="tx1"/>
+          </a:fontRef>
+        </p:style>
+      </p:cxnSp>
+      <p:cxnSp>
+        <p:nvCxnSpPr>
+          <p:cNvPr id="143" name="肘形接點 142"/>
+          <p:cNvCxnSpPr>
+            <a:cxnSpLocks noChangeAspect="1"/>
+            <a:stCxn id="102" idx="1"/>
+            <a:endCxn id="138" idx="0"/>
+          </p:cNvCxnSpPr>
+          <p:nvPr/>
+        </p:nvCxnSpPr>
+        <p:spPr>
+          <a:xfrm rot="10800000">
+            <a:off x="6377418" y="5848054"/>
+            <a:ext cx="1374950" cy="102961"/>
+          </a:xfrm>
+          <a:prstGeom prst="bentConnector4">
+            <a:avLst>
+              <a:gd name="adj1" fmla="val 9304"/>
+              <a:gd name="adj2" fmla="val 322043"/>
+            </a:avLst>
+          </a:prstGeom>
+          <a:ln>
+            <a:tailEnd type="triangle"/>
+          </a:ln>
+        </p:spPr>
+        <p:style>
+          <a:lnRef idx="1">
+            <a:schemeClr val="accent1"/>
+          </a:lnRef>
+          <a:fillRef idx="0">
+            <a:schemeClr val="accent1"/>
+          </a:fillRef>
+          <a:effectRef idx="0">
+            <a:schemeClr val="accent1"/>
+          </a:effectRef>
+          <a:fontRef idx="minor">
+            <a:schemeClr val="tx1"/>
+          </a:fontRef>
+        </p:style>
+      </p:cxnSp>
+      <p:sp>
+        <p:nvSpPr>
+          <p:cNvPr id="45" name="流程圖: 決策 44"/>
+          <p:cNvSpPr>
+            <a:spLocks noChangeAspect="1"/>
+          </p:cNvSpPr>
+          <p:nvPr/>
+        </p:nvSpPr>
+        <p:spPr>
+          <a:xfrm>
+            <a:off x="913657" y="1992564"/>
+            <a:ext cx="3250917" cy="1335942"/>
+          </a:xfrm>
+          <a:prstGeom prst="flowChartDecision">
+            <a:avLst/>
+          </a:prstGeom>
+          <a:solidFill>
+            <a:schemeClr val="bg1"/>
+          </a:solidFill>
+        </p:spPr>
+        <p:style>
+          <a:lnRef idx="2">
+            <a:schemeClr val="accent1">
+              <a:shade val="50000"/>
+            </a:schemeClr>
+          </a:lnRef>
+          <a:fillRef idx="1">
+            <a:schemeClr val="accent1"/>
+          </a:fillRef>
+          <a:effectRef idx="0">
+            <a:schemeClr val="accent1"/>
+          </a:effectRef>
+          <a:fontRef idx="minor">
+            <a:schemeClr val="lt1"/>
+          </a:fontRef>
+        </p:style>
+        <p:txBody>
+          <a:bodyPr rtlCol="0" anchor="t"/>
+          <a:lstStyle/>
+          <a:p>
+            <a:endParaRPr lang="zh-TW" altLang="en-US" dirty="0">
+              <a:solidFill>
+                <a:schemeClr val="tx1"/>
+              </a:solidFill>
+            </a:endParaRPr>
+          </a:p>
+        </p:txBody>
+      </p:sp>
+      <p:sp>
+        <p:nvSpPr>
+          <p:cNvPr id="46" name="矩形 45"/>
+          <p:cNvSpPr>
+            <a:spLocks noChangeAspect="1"/>
+          </p:cNvSpPr>
+          <p:nvPr/>
+        </p:nvSpPr>
+        <p:spPr>
+          <a:xfrm>
+            <a:off x="1085544" y="2222361"/>
+            <a:ext cx="3490186" cy="923343"/>
+          </a:xfrm>
+          <a:prstGeom prst="rect">
+            <a:avLst/>
+          </a:prstGeom>
+        </p:spPr>
+        <p:txBody>
+          <a:bodyPr wrap="square">
+            <a:spAutoFit/>
+          </a:bodyPr>
+          <a:lstStyle/>
+          <a:p>
+            <a:pPr algn="ctr"/>
+            <a:r>
+              <a:rPr lang="en-US" altLang="zh-TW" dirty="0" smtClean="0">
+                <a:solidFill>
+                  <a:schemeClr val="tx1"/>
+                </a:solidFill>
+              </a:rPr>
+              <a:t>If  Y</a:t>
+            </a:r>
+            <a:r>
+              <a:rPr lang="zh-TW" altLang="en-US" dirty="0" smtClean="0">
+                <a:solidFill>
+                  <a:schemeClr val="tx1"/>
+                </a:solidFill>
+              </a:rPr>
+              <a:t> </a:t>
+            </a:r>
+            <a:r>
+              <a:rPr lang="en-US" altLang="zh-TW" dirty="0" smtClean="0">
+                <a:solidFill>
+                  <a:schemeClr val="tx1"/>
+                </a:solidFill>
+              </a:rPr>
+              <a:t>&gt;=1P</a:t>
+            </a:r>
+            <a:r>
+              <a:rPr lang="zh-TW" altLang="en-US" dirty="0" smtClean="0">
+                <a:solidFill>
+                  <a:schemeClr val="tx1"/>
+                </a:solidFill>
+              </a:rPr>
+              <a:t>自己</a:t>
+            </a:r>
+            <a:r>
+              <a:rPr lang="en-US" altLang="zh-TW" dirty="0" smtClean="0">
+                <a:solidFill>
+                  <a:schemeClr val="tx1"/>
+                </a:solidFill>
+              </a:rPr>
+              <a:t>Platform Y:</a:t>
+            </a:r>
+            <a:r>
+              <a:rPr lang="zh-TW" altLang="en-US" dirty="0" smtClean="0">
+                <a:solidFill>
+                  <a:schemeClr val="tx1"/>
+                </a:solidFill>
+              </a:rPr>
+              <a:t> </a:t>
+            </a:r>
+            <a:r>
+              <a:rPr lang="en-US" altLang="zh-TW" dirty="0" smtClean="0">
+                <a:solidFill>
+                  <a:schemeClr val="tx1"/>
+                </a:solidFill>
+              </a:rPr>
+              <a:t>415</a:t>
+            </a:r>
+            <a:r>
+              <a:rPr lang="zh-TW" altLang="en-US" dirty="0" smtClean="0">
+                <a:solidFill>
+                  <a:schemeClr val="tx1"/>
+                </a:solidFill>
+              </a:rPr>
+              <a:t> </a:t>
+            </a:r>
+            <a:endParaRPr lang="en-US" altLang="zh-TW" dirty="0" smtClean="0">
+              <a:solidFill>
+                <a:schemeClr val="tx1"/>
+              </a:solidFill>
+            </a:endParaRPr>
+          </a:p>
+          <a:p>
+            <a:pPr algn="ctr"/>
+            <a:r>
+              <a:rPr lang="en-US" altLang="zh-TW" dirty="0" smtClean="0">
+                <a:solidFill>
+                  <a:schemeClr val="tx1"/>
+                </a:solidFill>
+              </a:rPr>
+              <a:t>or </a:t>
+            </a:r>
+          </a:p>
+          <a:p>
+            <a:pPr algn="ctr"/>
+            <a:r>
+              <a:rPr lang="en-US" altLang="zh-TW" dirty="0" smtClean="0">
+                <a:solidFill>
+                  <a:schemeClr val="tx1"/>
+                </a:solidFill>
+              </a:rPr>
+              <a:t>Y &lt;= 2P </a:t>
+            </a:r>
+            <a:r>
+              <a:rPr lang="zh-TW" altLang="en-US" dirty="0" smtClean="0">
+                <a:solidFill>
+                  <a:schemeClr val="tx1"/>
+                </a:solidFill>
+              </a:rPr>
+              <a:t>自己</a:t>
+            </a:r>
+            <a:r>
+              <a:rPr lang="en-US" altLang="zh-TW" dirty="0" smtClean="0">
+                <a:solidFill>
+                  <a:schemeClr val="tx1"/>
+                </a:solidFill>
+              </a:rPr>
+              <a:t>Platform Y</a:t>
+            </a:r>
+            <a:r>
+              <a:rPr lang="en-US" altLang="zh-TW" dirty="0" smtClean="0"/>
+              <a:t>:</a:t>
+            </a:r>
+            <a:r>
+              <a:rPr lang="zh-TW" altLang="en-US" dirty="0" smtClean="0"/>
+              <a:t> </a:t>
+            </a:r>
+            <a:r>
+              <a:rPr lang="en-US" altLang="zh-TW" dirty="0" smtClean="0"/>
+              <a:t>80</a:t>
+            </a:r>
+            <a:endParaRPr lang="zh-TW" altLang="en-US" dirty="0">
+              <a:solidFill>
+                <a:schemeClr val="tx1"/>
+              </a:solidFill>
+            </a:endParaRPr>
+          </a:p>
+        </p:txBody>
+      </p:sp>
+      <p:cxnSp>
+        <p:nvCxnSpPr>
+          <p:cNvPr id="47" name="肘形接點 46"/>
+          <p:cNvCxnSpPr>
+            <a:cxnSpLocks noChangeAspect="1"/>
+            <a:stCxn id="30" idx="2"/>
+            <a:endCxn id="45" idx="0"/>
+          </p:cNvCxnSpPr>
+          <p:nvPr/>
+        </p:nvCxnSpPr>
+        <p:spPr>
+          <a:xfrm rot="16200000" flipH="1">
+            <a:off x="2453206" y="1906643"/>
+            <a:ext cx="171503" cy="311"/>
+          </a:xfrm>
+          <a:prstGeom prst="bentConnector3">
+            <a:avLst>
+              <a:gd name="adj1" fmla="val 50000"/>
+            </a:avLst>
+          </a:prstGeom>
+          <a:ln>
+            <a:tailEnd type="triangle"/>
+          </a:ln>
+        </p:spPr>
+        <p:style>
+          <a:lnRef idx="1">
+            <a:schemeClr val="accent1"/>
+          </a:lnRef>
+          <a:fillRef idx="0">
+            <a:schemeClr val="accent1"/>
+          </a:fillRef>
+          <a:effectRef idx="0">
+            <a:schemeClr val="accent1"/>
+          </a:effectRef>
+          <a:fontRef idx="minor">
+            <a:schemeClr val="tx1"/>
+          </a:fontRef>
+        </p:style>
+      </p:cxnSp>
+      <p:sp>
+        <p:nvSpPr>
+          <p:cNvPr id="51" name="流程圖: 決策 50"/>
+          <p:cNvSpPr>
+            <a:spLocks noChangeAspect="1"/>
+          </p:cNvSpPr>
+          <p:nvPr/>
+        </p:nvSpPr>
+        <p:spPr>
+          <a:xfrm>
+            <a:off x="8245396" y="1966231"/>
+            <a:ext cx="3250917" cy="1335942"/>
+          </a:xfrm>
+          <a:prstGeom prst="flowChartDecision">
+            <a:avLst/>
+          </a:prstGeom>
+          <a:solidFill>
+            <a:schemeClr val="bg1"/>
+          </a:solidFill>
+        </p:spPr>
+        <p:style>
+          <a:lnRef idx="2">
+            <a:schemeClr val="accent1">
+              <a:shade val="50000"/>
+            </a:schemeClr>
+          </a:lnRef>
+          <a:fillRef idx="1">
+            <a:schemeClr val="accent1"/>
+          </a:fillRef>
+          <a:effectRef idx="0">
+            <a:schemeClr val="accent1"/>
+          </a:effectRef>
+          <a:fontRef idx="minor">
+            <a:schemeClr val="lt1"/>
+          </a:fontRef>
+        </p:style>
+        <p:txBody>
+          <a:bodyPr rtlCol="0" anchor="t"/>
+          <a:lstStyle/>
+          <a:p>
+            <a:endParaRPr lang="zh-TW" altLang="en-US" dirty="0">
+              <a:solidFill>
+                <a:schemeClr val="tx1"/>
+              </a:solidFill>
+            </a:endParaRPr>
+          </a:p>
+        </p:txBody>
+      </p:sp>
+      <p:cxnSp>
+        <p:nvCxnSpPr>
+          <p:cNvPr id="52" name="肘形接點 51"/>
+          <p:cNvCxnSpPr>
+            <a:cxnSpLocks noChangeAspect="1"/>
+            <a:endCxn id="51" idx="0"/>
+          </p:cNvCxnSpPr>
+          <p:nvPr/>
+        </p:nvCxnSpPr>
+        <p:spPr>
+          <a:xfrm rot="16200000" flipH="1">
+            <a:off x="9784945" y="1880310"/>
+            <a:ext cx="171503" cy="311"/>
+          </a:xfrm>
+          <a:prstGeom prst="bentConnector3">
+            <a:avLst>
+              <a:gd name="adj1" fmla="val 50000"/>
+            </a:avLst>
+          </a:prstGeom>
+          <a:ln>
+            <a:tailEnd type="triangle"/>
+          </a:ln>
+        </p:spPr>
+        <p:style>
+          <a:lnRef idx="1">
+            <a:schemeClr val="accent1"/>
+          </a:lnRef>
+          <a:fillRef idx="0">
+            <a:schemeClr val="accent1"/>
+          </a:fillRef>
+          <a:effectRef idx="0">
+            <a:schemeClr val="accent1"/>
+          </a:effectRef>
+          <a:fontRef idx="minor">
+            <a:schemeClr val="tx1"/>
+          </a:fontRef>
+        </p:style>
+      </p:cxnSp>
+      <p:cxnSp>
+        <p:nvCxnSpPr>
+          <p:cNvPr id="54" name="肘形接點 53"/>
+          <p:cNvCxnSpPr>
+            <a:cxnSpLocks noChangeAspect="1"/>
+            <a:stCxn id="51" idx="3"/>
+          </p:cNvCxnSpPr>
+          <p:nvPr/>
+        </p:nvCxnSpPr>
+        <p:spPr>
+          <a:xfrm>
+            <a:off x="11496309" y="2634191"/>
+            <a:ext cx="390898" cy="2719823"/>
+          </a:xfrm>
+          <a:prstGeom prst="bentConnector2">
+            <a:avLst/>
+          </a:prstGeom>
+          <a:ln w="38100">
+            <a:tailEnd type="triangle"/>
+          </a:ln>
+        </p:spPr>
+        <p:style>
+          <a:lnRef idx="1">
+            <a:schemeClr val="accent1"/>
+          </a:lnRef>
+          <a:fillRef idx="0">
+            <a:schemeClr val="accent1"/>
+          </a:fillRef>
+          <a:effectRef idx="0">
+            <a:schemeClr val="accent1"/>
+          </a:effectRef>
+          <a:fontRef idx="minor">
+            <a:schemeClr val="tx1"/>
+          </a:fontRef>
+        </p:style>
+      </p:cxnSp>
+      <p:cxnSp>
+        <p:nvCxnSpPr>
+          <p:cNvPr id="61" name="肘形接點 60"/>
+          <p:cNvCxnSpPr>
+            <a:cxnSpLocks noChangeAspect="1"/>
+            <a:stCxn id="45" idx="1"/>
+          </p:cNvCxnSpPr>
+          <p:nvPr/>
+        </p:nvCxnSpPr>
+        <p:spPr>
+          <a:xfrm rot="10800000" flipV="1">
+            <a:off x="431676" y="2660526"/>
+            <a:ext cx="481961" cy="2733271"/>
+          </a:xfrm>
+          <a:prstGeom prst="bentConnector2">
+            <a:avLst/>
+          </a:prstGeom>
+          <a:ln w="38100">
+            <a:tailEnd type="triangle"/>
+          </a:ln>
+        </p:spPr>
+        <p:style>
+          <a:lnRef idx="1">
+            <a:schemeClr val="accent1"/>
+          </a:lnRef>
+          <a:fillRef idx="0">
+            <a:schemeClr val="accent1"/>
+          </a:fillRef>
+          <a:effectRef idx="0">
+            <a:schemeClr val="accent1"/>
+          </a:effectRef>
+          <a:fontRef idx="minor">
+            <a:schemeClr val="tx1"/>
+          </a:fontRef>
+        </p:style>
+      </p:cxnSp>
+      <p:cxnSp>
+        <p:nvCxnSpPr>
+          <p:cNvPr id="62" name="肘形接點 61"/>
+          <p:cNvCxnSpPr>
+            <a:cxnSpLocks noChangeAspect="1"/>
+            <a:stCxn id="45" idx="2"/>
+            <a:endCxn id="59" idx="0"/>
+          </p:cNvCxnSpPr>
+          <p:nvPr/>
+        </p:nvCxnSpPr>
+        <p:spPr>
+          <a:xfrm rot="5400000">
+            <a:off x="2242429" y="3473287"/>
+            <a:ext cx="441461" cy="151884"/>
+          </a:xfrm>
+          <a:prstGeom prst="bentConnector3">
+            <a:avLst>
+              <a:gd name="adj1" fmla="val 50000"/>
+            </a:avLst>
+          </a:prstGeom>
+          <a:ln>
+            <a:tailEnd type="triangle"/>
+          </a:ln>
+        </p:spPr>
+        <p:style>
+          <a:lnRef idx="1">
+            <a:schemeClr val="accent1"/>
+          </a:lnRef>
+          <a:fillRef idx="0">
+            <a:schemeClr val="accent1"/>
+          </a:fillRef>
+          <a:effectRef idx="0">
+            <a:schemeClr val="accent1"/>
+          </a:effectRef>
+          <a:fontRef idx="minor">
+            <a:schemeClr val="tx1"/>
+          </a:fontRef>
+        </p:style>
+      </p:cxnSp>
+      <p:cxnSp>
+        <p:nvCxnSpPr>
+          <p:cNvPr id="66" name="肘形接點 65"/>
+          <p:cNvCxnSpPr>
+            <a:cxnSpLocks noChangeAspect="1"/>
+            <a:stCxn id="51" idx="2"/>
+            <a:endCxn id="57" idx="0"/>
+          </p:cNvCxnSpPr>
+          <p:nvPr/>
+        </p:nvCxnSpPr>
+        <p:spPr>
+          <a:xfrm rot="16200000" flipH="1">
+            <a:off x="9650050" y="3522951"/>
+            <a:ext cx="625043" cy="183462"/>
+          </a:xfrm>
+          <a:prstGeom prst="bentConnector3">
+            <a:avLst>
+              <a:gd name="adj1" fmla="val 50000"/>
+            </a:avLst>
+          </a:prstGeom>
+          <a:ln>
+            <a:tailEnd type="triangle"/>
+          </a:ln>
+        </p:spPr>
+        <p:style>
+          <a:lnRef idx="1">
+            <a:schemeClr val="accent1"/>
+          </a:lnRef>
+          <a:fillRef idx="0">
+            <a:schemeClr val="accent1"/>
+          </a:fillRef>
+          <a:effectRef idx="0">
+            <a:schemeClr val="accent1"/>
+          </a:effectRef>
+          <a:fontRef idx="minor">
+            <a:schemeClr val="tx1"/>
+          </a:fontRef>
+        </p:style>
+      </p:cxnSp>
+      <p:sp>
+        <p:nvSpPr>
+          <p:cNvPr id="67" name="矩形 66"/>
+          <p:cNvSpPr>
+            <a:spLocks noChangeAspect="1"/>
+          </p:cNvSpPr>
+          <p:nvPr/>
+        </p:nvSpPr>
+        <p:spPr>
+          <a:xfrm>
+            <a:off x="9643333" y="3425776"/>
+            <a:ext cx="743307" cy="339165"/>
+          </a:xfrm>
+          <a:prstGeom prst="rect">
+            <a:avLst/>
+          </a:prstGeom>
+          <a:solidFill>
+            <a:srgbClr val="FFFFFF"/>
+          </a:solidFill>
+        </p:spPr>
+        <p:style>
+          <a:lnRef idx="2">
+            <a:schemeClr val="accent1">
+              <a:shade val="50000"/>
+            </a:schemeClr>
+          </a:lnRef>
+          <a:fillRef idx="1">
+            <a:schemeClr val="accent1"/>
+          </a:fillRef>
+          <a:effectRef idx="0">
+            <a:schemeClr val="accent1"/>
+          </a:effectRef>
+          <a:fontRef idx="minor">
+            <a:schemeClr val="lt1"/>
+          </a:fontRef>
+        </p:style>
+        <p:txBody>
+          <a:bodyPr rtlCol="0" anchor="ctr"/>
+          <a:lstStyle/>
+          <a:p>
+            <a:pPr algn="ctr"/>
+            <a:r>
+              <a:rPr lang="en-US" altLang="zh-TW" dirty="0">
+                <a:solidFill>
+                  <a:schemeClr val="tx1"/>
+                </a:solidFill>
+              </a:rPr>
+              <a:t>NO</a:t>
+            </a:r>
+            <a:endParaRPr lang="zh-TW" altLang="en-US" dirty="0">
+              <a:solidFill>
+                <a:schemeClr val="tx1"/>
+              </a:solidFill>
+            </a:endParaRPr>
+          </a:p>
+        </p:txBody>
+      </p:sp>
+      <p:sp>
+        <p:nvSpPr>
+          <p:cNvPr id="69" name="矩形 68"/>
+          <p:cNvSpPr>
+            <a:spLocks noChangeAspect="1"/>
+          </p:cNvSpPr>
+          <p:nvPr/>
+        </p:nvSpPr>
+        <p:spPr>
+          <a:xfrm>
+            <a:off x="2489972" y="3393054"/>
+            <a:ext cx="743307" cy="339165"/>
+          </a:xfrm>
+          <a:prstGeom prst="rect">
+            <a:avLst/>
+          </a:prstGeom>
+          <a:solidFill>
+            <a:srgbClr val="FFFFFF"/>
+          </a:solidFill>
+        </p:spPr>
+        <p:style>
+          <a:lnRef idx="2">
+            <a:schemeClr val="accent1">
+              <a:shade val="50000"/>
+            </a:schemeClr>
+          </a:lnRef>
+          <a:fillRef idx="1">
+            <a:schemeClr val="accent1"/>
+          </a:fillRef>
+          <a:effectRef idx="0">
+            <a:schemeClr val="accent1"/>
+          </a:effectRef>
+          <a:fontRef idx="minor">
+            <a:schemeClr val="lt1"/>
+          </a:fontRef>
+        </p:style>
+        <p:txBody>
+          <a:bodyPr rtlCol="0" anchor="ctr"/>
+          <a:lstStyle/>
+          <a:p>
+            <a:pPr algn="ctr"/>
+            <a:r>
+              <a:rPr lang="en-US" altLang="zh-TW" dirty="0">
+                <a:solidFill>
+                  <a:schemeClr val="tx1"/>
+                </a:solidFill>
+              </a:rPr>
+              <a:t>NO</a:t>
+            </a:r>
+            <a:endParaRPr lang="zh-TW" altLang="en-US" dirty="0">
+              <a:solidFill>
+                <a:schemeClr val="tx1"/>
+              </a:solidFill>
+            </a:endParaRPr>
+          </a:p>
+        </p:txBody>
+      </p:sp>
+      <p:sp>
+        <p:nvSpPr>
+          <p:cNvPr id="70" name="矩形 69"/>
+          <p:cNvSpPr>
+            <a:spLocks noChangeAspect="1"/>
+          </p:cNvSpPr>
+          <p:nvPr/>
+        </p:nvSpPr>
+        <p:spPr>
+          <a:xfrm>
+            <a:off x="4401089" y="248881"/>
+            <a:ext cx="3704180" cy="369350"/>
+          </a:xfrm>
+          <a:prstGeom prst="rect">
+            <a:avLst/>
+          </a:prstGeom>
+        </p:spPr>
+        <p:txBody>
+          <a:bodyPr wrap="square">
+            <a:spAutoFit/>
+          </a:bodyPr>
+          <a:lstStyle/>
+          <a:p>
+            <a:pPr algn="ctr"/>
+            <a:r>
+              <a:rPr lang="en-US" altLang="zh-TW" b="1" dirty="0" err="1" smtClean="0">
+                <a:solidFill>
+                  <a:schemeClr val="tx1"/>
+                </a:solidFill>
+              </a:rPr>
+              <a:t>Me_hit_direction_right</a:t>
+            </a:r>
+            <a:r>
+              <a:rPr lang="en-US" altLang="zh-TW" b="1" dirty="0" smtClean="0">
+                <a:solidFill>
+                  <a:schemeClr val="tx1"/>
+                </a:solidFill>
+              </a:rPr>
+              <a:t> = 1</a:t>
+            </a:r>
+            <a:endParaRPr lang="zh-TW" altLang="en-US" b="1" dirty="0" smtClean="0">
+              <a:solidFill>
+                <a:schemeClr val="tx1"/>
+              </a:solidFill>
+            </a:endParaRPr>
+          </a:p>
+        </p:txBody>
+      </p:sp>
+      <p:sp>
+        <p:nvSpPr>
+          <p:cNvPr id="71" name="矩形 70"/>
+          <p:cNvSpPr>
+            <a:spLocks noChangeAspect="1"/>
+          </p:cNvSpPr>
+          <p:nvPr/>
+        </p:nvSpPr>
+        <p:spPr>
+          <a:xfrm>
+            <a:off x="4264212" y="6373331"/>
+            <a:ext cx="4223023" cy="369350"/>
+          </a:xfrm>
+          <a:prstGeom prst="rect">
+            <a:avLst/>
+          </a:prstGeom>
+        </p:spPr>
+        <p:txBody>
+          <a:bodyPr wrap="none">
+            <a:spAutoFit/>
+          </a:bodyPr>
+          <a:lstStyle/>
+          <a:p>
+            <a:pPr algn="ctr"/>
+            <a:r>
+              <a:rPr lang="en-US" altLang="zh-TW" b="1" dirty="0" err="1" smtClean="0">
+                <a:solidFill>
+                  <a:schemeClr val="tx1"/>
+                </a:solidFill>
+              </a:rPr>
+              <a:t>Opponent_strike_back_direction_right</a:t>
+            </a:r>
+            <a:r>
+              <a:rPr lang="en-US" altLang="zh-TW" b="1" dirty="0" smtClean="0">
+                <a:solidFill>
+                  <a:schemeClr val="tx1"/>
+                </a:solidFill>
+              </a:rPr>
+              <a:t> = 1</a:t>
+            </a:r>
+            <a:endParaRPr lang="zh-TW" altLang="en-US" b="1" dirty="0" smtClean="0">
+              <a:solidFill>
+                <a:schemeClr val="tx1"/>
+              </a:solidFill>
+            </a:endParaRPr>
+          </a:p>
+        </p:txBody>
+      </p:sp>
+      <p:sp>
+        <p:nvSpPr>
+          <p:cNvPr id="40" name="矩形 39"/>
+          <p:cNvSpPr>
+            <a:spLocks noChangeAspect="1"/>
+          </p:cNvSpPr>
+          <p:nvPr/>
+        </p:nvSpPr>
+        <p:spPr>
+          <a:xfrm>
+            <a:off x="8006109" y="2241607"/>
+            <a:ext cx="3490186" cy="923343"/>
+          </a:xfrm>
+          <a:prstGeom prst="rect">
+            <a:avLst/>
+          </a:prstGeom>
+        </p:spPr>
+        <p:txBody>
+          <a:bodyPr wrap="square">
+            <a:spAutoFit/>
+          </a:bodyPr>
+          <a:lstStyle/>
+          <a:p>
+            <a:pPr algn="ctr"/>
+            <a:r>
+              <a:rPr lang="en-US" altLang="zh-TW" dirty="0" smtClean="0">
+                <a:solidFill>
+                  <a:schemeClr val="tx1"/>
+                </a:solidFill>
+              </a:rPr>
+              <a:t>If  Y</a:t>
+            </a:r>
+            <a:r>
+              <a:rPr lang="zh-TW" altLang="en-US" dirty="0" smtClean="0">
+                <a:solidFill>
+                  <a:schemeClr val="tx1"/>
+                </a:solidFill>
+              </a:rPr>
+              <a:t> </a:t>
+            </a:r>
+            <a:r>
+              <a:rPr lang="en-US" altLang="zh-TW" dirty="0" smtClean="0">
+                <a:solidFill>
+                  <a:schemeClr val="tx1"/>
+                </a:solidFill>
+              </a:rPr>
+              <a:t>&gt;=1P</a:t>
+            </a:r>
+            <a:r>
+              <a:rPr lang="zh-TW" altLang="en-US" dirty="0" smtClean="0">
+                <a:solidFill>
+                  <a:schemeClr val="tx1"/>
+                </a:solidFill>
+              </a:rPr>
+              <a:t>自己</a:t>
+            </a:r>
+            <a:r>
+              <a:rPr lang="en-US" altLang="zh-TW" dirty="0" smtClean="0">
+                <a:solidFill>
+                  <a:schemeClr val="tx1"/>
+                </a:solidFill>
+              </a:rPr>
+              <a:t>Platform Y:</a:t>
+            </a:r>
+            <a:r>
+              <a:rPr lang="zh-TW" altLang="en-US" dirty="0" smtClean="0">
+                <a:solidFill>
+                  <a:schemeClr val="tx1"/>
+                </a:solidFill>
+              </a:rPr>
+              <a:t> </a:t>
+            </a:r>
+            <a:r>
+              <a:rPr lang="en-US" altLang="zh-TW" dirty="0" smtClean="0">
+                <a:solidFill>
+                  <a:schemeClr val="tx1"/>
+                </a:solidFill>
+              </a:rPr>
+              <a:t>415</a:t>
+            </a:r>
+            <a:r>
+              <a:rPr lang="zh-TW" altLang="en-US" dirty="0" smtClean="0">
+                <a:solidFill>
+                  <a:schemeClr val="tx1"/>
+                </a:solidFill>
+              </a:rPr>
+              <a:t> </a:t>
+            </a:r>
+            <a:endParaRPr lang="en-US" altLang="zh-TW" dirty="0" smtClean="0">
+              <a:solidFill>
+                <a:schemeClr val="tx1"/>
+              </a:solidFill>
+            </a:endParaRPr>
+          </a:p>
+          <a:p>
+            <a:pPr algn="ctr"/>
+            <a:r>
+              <a:rPr lang="en-US" altLang="zh-TW" dirty="0" smtClean="0">
+                <a:solidFill>
+                  <a:schemeClr val="tx1"/>
+                </a:solidFill>
+              </a:rPr>
+              <a:t>or </a:t>
+            </a:r>
+          </a:p>
+          <a:p>
+            <a:pPr algn="ctr"/>
+            <a:r>
+              <a:rPr lang="en-US" altLang="zh-TW" dirty="0" smtClean="0">
+                <a:solidFill>
+                  <a:schemeClr val="tx1"/>
+                </a:solidFill>
+              </a:rPr>
+              <a:t>Y &lt;= 2P </a:t>
+            </a:r>
+            <a:r>
+              <a:rPr lang="zh-TW" altLang="en-US" dirty="0" smtClean="0">
+                <a:solidFill>
+                  <a:schemeClr val="tx1"/>
+                </a:solidFill>
+              </a:rPr>
+              <a:t>自己</a:t>
+            </a:r>
+            <a:r>
+              <a:rPr lang="en-US" altLang="zh-TW" dirty="0" smtClean="0">
+                <a:solidFill>
+                  <a:schemeClr val="tx1"/>
+                </a:solidFill>
+              </a:rPr>
+              <a:t>Platform Y</a:t>
+            </a:r>
+            <a:r>
+              <a:rPr lang="en-US" altLang="zh-TW" dirty="0" smtClean="0"/>
+              <a:t>:</a:t>
+            </a:r>
+            <a:r>
+              <a:rPr lang="zh-TW" altLang="en-US" dirty="0" smtClean="0"/>
+              <a:t> </a:t>
+            </a:r>
+            <a:r>
+              <a:rPr lang="en-US" altLang="zh-TW" dirty="0" smtClean="0"/>
+              <a:t>80</a:t>
+            </a:r>
+            <a:endParaRPr lang="zh-TW" altLang="en-US" dirty="0">
+              <a:solidFill>
+                <a:schemeClr val="tx1"/>
+              </a:solidFill>
+            </a:endParaRPr>
+          </a:p>
+        </p:txBody>
+      </p:sp>
+      <p:sp>
+        <p:nvSpPr>
+          <p:cNvPr id="41" name="矩形 40"/>
+          <p:cNvSpPr>
+            <a:spLocks noChangeAspect="1"/>
+          </p:cNvSpPr>
+          <p:nvPr/>
+        </p:nvSpPr>
+        <p:spPr>
+          <a:xfrm>
+            <a:off x="88506" y="3065351"/>
+            <a:ext cx="743307" cy="339165"/>
+          </a:xfrm>
+          <a:prstGeom prst="rect">
+            <a:avLst/>
+          </a:prstGeom>
+          <a:solidFill>
+            <a:srgbClr val="FFFFFF"/>
+          </a:solidFill>
+        </p:spPr>
+        <p:style>
+          <a:lnRef idx="2">
+            <a:schemeClr val="accent1">
+              <a:shade val="50000"/>
+            </a:schemeClr>
+          </a:lnRef>
+          <a:fillRef idx="1">
+            <a:schemeClr val="accent1"/>
+          </a:fillRef>
+          <a:effectRef idx="0">
+            <a:schemeClr val="accent1"/>
+          </a:effectRef>
+          <a:fontRef idx="minor">
+            <a:schemeClr val="lt1"/>
+          </a:fontRef>
+        </p:style>
+        <p:txBody>
+          <a:bodyPr rtlCol="0" anchor="ctr"/>
+          <a:lstStyle/>
+          <a:p>
+            <a:pPr algn="ctr"/>
+            <a:r>
+              <a:rPr lang="en-US" altLang="zh-TW" dirty="0" smtClean="0">
+                <a:solidFill>
+                  <a:schemeClr val="tx1"/>
+                </a:solidFill>
+              </a:rPr>
+              <a:t>YES</a:t>
+            </a:r>
+            <a:endParaRPr lang="zh-TW" altLang="en-US" dirty="0">
+              <a:solidFill>
+                <a:schemeClr val="tx1"/>
+              </a:solidFill>
+            </a:endParaRPr>
+          </a:p>
+        </p:txBody>
+      </p:sp>
+      <p:sp>
+        <p:nvSpPr>
+          <p:cNvPr id="42" name="矩形 41"/>
+          <p:cNvSpPr>
+            <a:spLocks noChangeAspect="1"/>
+          </p:cNvSpPr>
+          <p:nvPr/>
+        </p:nvSpPr>
+        <p:spPr>
+          <a:xfrm>
+            <a:off x="11413586" y="3061554"/>
+            <a:ext cx="743307" cy="339165"/>
+          </a:xfrm>
+          <a:prstGeom prst="rect">
+            <a:avLst/>
+          </a:prstGeom>
+          <a:solidFill>
+            <a:srgbClr val="FFFFFF"/>
+          </a:solidFill>
+        </p:spPr>
+        <p:style>
+          <a:lnRef idx="2">
+            <a:schemeClr val="accent1">
+              <a:shade val="50000"/>
+            </a:schemeClr>
+          </a:lnRef>
+          <a:fillRef idx="1">
+            <a:schemeClr val="accent1"/>
+          </a:fillRef>
+          <a:effectRef idx="0">
+            <a:schemeClr val="accent1"/>
+          </a:effectRef>
+          <a:fontRef idx="minor">
+            <a:schemeClr val="lt1"/>
+          </a:fontRef>
+        </p:style>
+        <p:txBody>
+          <a:bodyPr rtlCol="0" anchor="ctr"/>
+          <a:lstStyle/>
+          <a:p>
+            <a:pPr algn="ctr"/>
+            <a:r>
+              <a:rPr lang="en-US" altLang="zh-TW" dirty="0" smtClean="0">
+                <a:solidFill>
+                  <a:schemeClr val="tx1"/>
+                </a:solidFill>
+              </a:rPr>
+              <a:t>YES</a:t>
+            </a:r>
+            <a:endParaRPr lang="zh-TW" altLang="en-US" dirty="0">
+              <a:solidFill>
+                <a:schemeClr val="tx1"/>
+              </a:solidFill>
+            </a:endParaRPr>
+          </a:p>
+        </p:txBody>
+      </p:sp>
+    </p:spTree>
+    <p:extLst>
+      <p:ext uri="{BB962C8B-B14F-4D97-AF65-F5344CB8AC3E}">
+        <p14:creationId xmlns:p14="http://schemas.microsoft.com/office/powerpoint/2010/main" val="3239999634"/>
+      </p:ext>
+    </p:extLst>
+  </p:cSld>
+  <p:clrMapOvr>
+    <a:masterClrMapping/>
+  </p:clrMapOvr>
+  <p:timing>
+    <p:tnLst>
+      <p:par>
+        <p:cTn id="1" dur="indefinite" restart="never" nodeType="tmRoot"/>
+      </p:par>
+    </p:tnLst>
+  </p:timing>
+</p:sld>
+</file>
+
+<file path=ppt/slides/slide14.xml><?xml version="1.0" encoding="utf-8"?>
+<p:sld xmlns:a="http://schemas.openxmlformats.org/drawingml/2006/main" xmlns:r="http://schemas.openxmlformats.org/officeDocument/2006/relationships" xmlns:p="http://schemas.openxmlformats.org/presentationml/2006/main">
+  <p:cSld>
+    <p:spTree>
+      <p:nvGrpSpPr>
+        <p:cNvPr id="1" name=""/>
+        <p:cNvGrpSpPr/>
+        <p:nvPr/>
+      </p:nvGrpSpPr>
+      <p:grpSpPr>
+        <a:xfrm>
+          <a:off x="0" y="0"/>
+          <a:ext cx="0" cy="0"/>
+          <a:chOff x="0" y="0"/>
+          <a:chExt cx="0" cy="0"/>
+        </a:xfrm>
+      </p:grpSpPr>
+      <p:sp>
+        <p:nvSpPr>
+          <p:cNvPr id="3" name="流程圖: 決策 2"/>
+          <p:cNvSpPr/>
+          <p:nvPr/>
+        </p:nvSpPr>
+        <p:spPr>
+          <a:xfrm>
+            <a:off x="5040780" y="-12970"/>
+            <a:ext cx="2238233" cy="982639"/>
+          </a:xfrm>
+          <a:prstGeom prst="flowChartDecision">
+            <a:avLst/>
+          </a:prstGeom>
+          <a:solidFill>
+            <a:schemeClr val="bg1"/>
+          </a:solidFill>
+        </p:spPr>
+        <p:style>
+          <a:lnRef idx="2">
+            <a:schemeClr val="accent1">
+              <a:shade val="50000"/>
+            </a:schemeClr>
+          </a:lnRef>
+          <a:fillRef idx="1">
+            <a:schemeClr val="accent1"/>
+          </a:fillRef>
+          <a:effectRef idx="0">
+            <a:schemeClr val="accent1"/>
+          </a:effectRef>
+          <a:fontRef idx="minor">
+            <a:schemeClr val="lt1"/>
+          </a:fontRef>
+        </p:style>
+        <p:txBody>
+          <a:bodyPr rtlCol="0" anchor="ctr"/>
+          <a:lstStyle/>
+          <a:p>
+            <a:pPr algn="ctr"/>
+            <a:endParaRPr lang="zh-TW" altLang="en-US" dirty="0">
+              <a:solidFill>
+                <a:schemeClr val="tx1"/>
+              </a:solidFill>
+            </a:endParaRPr>
+          </a:p>
+        </p:txBody>
+      </p:sp>
+      <p:cxnSp>
+        <p:nvCxnSpPr>
+          <p:cNvPr id="21" name="肘形接點 20"/>
+          <p:cNvCxnSpPr>
+            <a:stCxn id="3" idx="3"/>
+            <a:endCxn id="11" idx="0"/>
+          </p:cNvCxnSpPr>
+          <p:nvPr/>
+        </p:nvCxnSpPr>
+        <p:spPr>
+          <a:xfrm>
+            <a:off x="7279013" y="478350"/>
+            <a:ext cx="2578393" cy="312299"/>
+          </a:xfrm>
+          <a:prstGeom prst="bentConnector2">
+            <a:avLst/>
+          </a:prstGeom>
+          <a:ln>
+            <a:tailEnd type="triangle"/>
+          </a:ln>
+        </p:spPr>
+        <p:style>
+          <a:lnRef idx="1">
+            <a:schemeClr val="accent1"/>
+          </a:lnRef>
+          <a:fillRef idx="0">
+            <a:schemeClr val="accent1"/>
+          </a:fillRef>
+          <a:effectRef idx="0">
+            <a:schemeClr val="accent1"/>
+          </a:effectRef>
+          <a:fontRef idx="minor">
+            <a:schemeClr val="tx1"/>
+          </a:fontRef>
+        </p:style>
+      </p:cxnSp>
+      <p:cxnSp>
+        <p:nvCxnSpPr>
+          <p:cNvPr id="27" name="肘形接點 26"/>
+          <p:cNvCxnSpPr>
+            <a:endCxn id="30" idx="0"/>
+          </p:cNvCxnSpPr>
+          <p:nvPr/>
+        </p:nvCxnSpPr>
+        <p:spPr>
+          <a:xfrm rot="10800000" flipV="1">
+            <a:off x="2538795" y="510274"/>
+            <a:ext cx="2545306" cy="280374"/>
+          </a:xfrm>
+          <a:prstGeom prst="bentConnector2">
+            <a:avLst/>
+          </a:prstGeom>
+          <a:ln>
+            <a:tailEnd type="triangle"/>
+          </a:ln>
+        </p:spPr>
+        <p:style>
+          <a:lnRef idx="1">
+            <a:schemeClr val="accent1"/>
+          </a:lnRef>
+          <a:fillRef idx="0">
+            <a:schemeClr val="accent1"/>
+          </a:fillRef>
+          <a:effectRef idx="0">
+            <a:schemeClr val="accent1"/>
+          </a:effectRef>
+          <a:fontRef idx="minor">
+            <a:schemeClr val="tx1"/>
+          </a:fontRef>
+        </p:style>
+      </p:cxnSp>
+      <p:sp>
+        <p:nvSpPr>
+          <p:cNvPr id="11" name="流程圖: 程序 10"/>
+          <p:cNvSpPr/>
+          <p:nvPr/>
+        </p:nvSpPr>
+        <p:spPr>
+          <a:xfrm>
+            <a:off x="9106779" y="790649"/>
+            <a:ext cx="1501253" cy="1030406"/>
+          </a:xfrm>
+          <a:prstGeom prst="flowChartProcess">
+            <a:avLst/>
+          </a:prstGeom>
+          <a:solidFill>
+            <a:schemeClr val="bg1"/>
+          </a:solidFill>
+        </p:spPr>
+        <p:style>
+          <a:lnRef idx="2">
+            <a:schemeClr val="accent1">
+              <a:shade val="50000"/>
+            </a:schemeClr>
+          </a:lnRef>
+          <a:fillRef idx="1">
+            <a:schemeClr val="accent1"/>
+          </a:fillRef>
+          <a:effectRef idx="0">
+            <a:schemeClr val="accent1"/>
+          </a:effectRef>
+          <a:fontRef idx="minor">
+            <a:schemeClr val="lt1"/>
+          </a:fontRef>
+        </p:style>
+        <p:txBody>
+          <a:bodyPr rtlCol="0" anchor="ctr"/>
+          <a:lstStyle/>
+          <a:p>
+            <a:pPr algn="ctr"/>
+            <a:r>
+              <a:rPr lang="zh-TW" altLang="en-US" dirty="0" smtClean="0">
+                <a:solidFill>
+                  <a:schemeClr val="tx1"/>
+                </a:solidFill>
+              </a:rPr>
+              <a:t>用</a:t>
+            </a:r>
+            <a:r>
+              <a:rPr lang="en-US" altLang="zh-TW" dirty="0" err="1" smtClean="0">
+                <a:solidFill>
+                  <a:schemeClr val="tx1"/>
+                </a:solidFill>
+              </a:rPr>
+              <a:t>Ball_Speed</a:t>
+            </a:r>
+            <a:endParaRPr lang="en-US" altLang="zh-TW" dirty="0" smtClean="0">
+              <a:solidFill>
+                <a:schemeClr val="tx1"/>
+              </a:solidFill>
+            </a:endParaRPr>
+          </a:p>
+          <a:p>
+            <a:pPr algn="ctr"/>
+            <a:r>
+              <a:rPr lang="zh-TW" altLang="en-US" dirty="0" smtClean="0">
+                <a:solidFill>
+                  <a:schemeClr val="tx1"/>
+                </a:solidFill>
+              </a:rPr>
+              <a:t>算出</a:t>
+            </a:r>
+            <a:r>
+              <a:rPr lang="en-US" altLang="zh-TW" dirty="0" smtClean="0">
+                <a:solidFill>
+                  <a:schemeClr val="tx1"/>
+                </a:solidFill>
+              </a:rPr>
+              <a:t>X:195</a:t>
+            </a:r>
+            <a:r>
+              <a:rPr lang="zh-TW" altLang="en-US" dirty="0" smtClean="0">
+                <a:solidFill>
+                  <a:schemeClr val="tx1"/>
+                </a:solidFill>
+              </a:rPr>
+              <a:t>時</a:t>
+            </a:r>
+            <a:endParaRPr lang="en-US" altLang="zh-TW" dirty="0" smtClean="0">
+              <a:solidFill>
+                <a:schemeClr val="tx1"/>
+              </a:solidFill>
+            </a:endParaRPr>
+          </a:p>
+          <a:p>
+            <a:pPr algn="ctr"/>
+            <a:r>
+              <a:rPr lang="en-US" altLang="zh-TW" dirty="0" smtClean="0">
+                <a:solidFill>
+                  <a:schemeClr val="tx1"/>
+                </a:solidFill>
+              </a:rPr>
+              <a:t>Y</a:t>
+            </a:r>
+            <a:r>
+              <a:rPr lang="zh-TW" altLang="en-US" dirty="0" smtClean="0">
+                <a:solidFill>
+                  <a:schemeClr val="tx1"/>
+                </a:solidFill>
+              </a:rPr>
+              <a:t>值</a:t>
+            </a:r>
+            <a:endParaRPr lang="zh-TW" altLang="en-US" dirty="0">
+              <a:solidFill>
+                <a:schemeClr val="tx1"/>
+              </a:solidFill>
+            </a:endParaRPr>
+          </a:p>
+        </p:txBody>
+      </p:sp>
+      <p:sp>
+        <p:nvSpPr>
+          <p:cNvPr id="30" name="流程圖: 程序 29"/>
+          <p:cNvSpPr/>
+          <p:nvPr/>
+        </p:nvSpPr>
+        <p:spPr>
+          <a:xfrm>
+            <a:off x="1777932" y="790648"/>
+            <a:ext cx="1521725" cy="1030407"/>
+          </a:xfrm>
+          <a:prstGeom prst="flowChartProcess">
+            <a:avLst/>
+          </a:prstGeom>
+          <a:solidFill>
+            <a:schemeClr val="bg1"/>
+          </a:solidFill>
+        </p:spPr>
+        <p:style>
+          <a:lnRef idx="2">
+            <a:schemeClr val="accent1">
+              <a:shade val="50000"/>
+            </a:schemeClr>
+          </a:lnRef>
+          <a:fillRef idx="1">
+            <a:schemeClr val="accent1"/>
+          </a:fillRef>
+          <a:effectRef idx="0">
+            <a:schemeClr val="accent1"/>
+          </a:effectRef>
+          <a:fontRef idx="minor">
+            <a:schemeClr val="lt1"/>
+          </a:fontRef>
+        </p:style>
+        <p:txBody>
+          <a:bodyPr rtlCol="0" anchor="ctr"/>
+          <a:lstStyle/>
+          <a:p>
+            <a:pPr algn="ctr"/>
+            <a:r>
+              <a:rPr lang="zh-TW" altLang="en-US" dirty="0" smtClean="0">
+                <a:solidFill>
+                  <a:schemeClr val="tx1"/>
+                </a:solidFill>
+              </a:rPr>
+              <a:t>用</a:t>
+            </a:r>
+            <a:r>
+              <a:rPr lang="en-US" altLang="zh-TW" dirty="0" err="1" smtClean="0">
+                <a:solidFill>
+                  <a:schemeClr val="tx1"/>
+                </a:solidFill>
+              </a:rPr>
+              <a:t>Ball_Speed</a:t>
+            </a:r>
+            <a:r>
+              <a:rPr lang="zh-TW" altLang="en-US" dirty="0" smtClean="0">
+                <a:solidFill>
+                  <a:schemeClr val="tx1"/>
+                </a:solidFill>
+              </a:rPr>
+              <a:t>算</a:t>
+            </a:r>
+            <a:r>
+              <a:rPr lang="en-US" altLang="zh-TW" dirty="0" smtClean="0">
+                <a:solidFill>
+                  <a:schemeClr val="tx1"/>
+                </a:solidFill>
+              </a:rPr>
+              <a:t>X:0</a:t>
+            </a:r>
+            <a:r>
+              <a:rPr lang="zh-TW" altLang="en-US" dirty="0" smtClean="0">
+                <a:solidFill>
+                  <a:schemeClr val="tx1"/>
+                </a:solidFill>
+              </a:rPr>
+              <a:t>時</a:t>
+            </a:r>
+            <a:endParaRPr lang="en-US" altLang="zh-TW" dirty="0" smtClean="0">
+              <a:solidFill>
+                <a:schemeClr val="tx1"/>
+              </a:solidFill>
+            </a:endParaRPr>
+          </a:p>
+          <a:p>
+            <a:pPr algn="ctr"/>
+            <a:r>
+              <a:rPr lang="en-US" altLang="zh-TW" dirty="0" smtClean="0">
+                <a:solidFill>
+                  <a:schemeClr val="tx1"/>
+                </a:solidFill>
+              </a:rPr>
+              <a:t>Y</a:t>
+            </a:r>
+            <a:r>
+              <a:rPr lang="zh-TW" altLang="en-US" dirty="0" smtClean="0">
+                <a:solidFill>
+                  <a:schemeClr val="tx1"/>
+                </a:solidFill>
+              </a:rPr>
+              <a:t>值</a:t>
+            </a:r>
+            <a:endParaRPr lang="zh-TW" altLang="en-US" dirty="0">
+              <a:solidFill>
+                <a:schemeClr val="tx1"/>
+              </a:solidFill>
+            </a:endParaRPr>
+          </a:p>
+        </p:txBody>
+      </p:sp>
+      <p:sp>
+        <p:nvSpPr>
+          <p:cNvPr id="35" name="矩形 34"/>
+          <p:cNvSpPr/>
+          <p:nvPr/>
+        </p:nvSpPr>
+        <p:spPr>
+          <a:xfrm>
+            <a:off x="8939334" y="245277"/>
+            <a:ext cx="743305" cy="339173"/>
+          </a:xfrm>
+          <a:prstGeom prst="rect">
+            <a:avLst/>
+          </a:prstGeom>
+          <a:solidFill>
+            <a:srgbClr val="FFFFFF"/>
+          </a:solidFill>
+        </p:spPr>
+        <p:style>
+          <a:lnRef idx="2">
+            <a:schemeClr val="accent1">
+              <a:shade val="50000"/>
+            </a:schemeClr>
+          </a:lnRef>
+          <a:fillRef idx="1">
+            <a:schemeClr val="accent1"/>
+          </a:fillRef>
+          <a:effectRef idx="0">
+            <a:schemeClr val="accent1"/>
+          </a:effectRef>
+          <a:fontRef idx="minor">
+            <a:schemeClr val="lt1"/>
+          </a:fontRef>
+        </p:style>
+        <p:txBody>
+          <a:bodyPr rtlCol="0" anchor="ctr"/>
+          <a:lstStyle/>
+          <a:p>
+            <a:pPr algn="ctr"/>
+            <a:r>
+              <a:rPr lang="en-US" altLang="zh-TW" dirty="0" smtClean="0">
+                <a:solidFill>
+                  <a:schemeClr val="tx1"/>
+                </a:solidFill>
+              </a:rPr>
+              <a:t>YES</a:t>
+            </a:r>
+            <a:endParaRPr lang="zh-TW" altLang="en-US" dirty="0">
+              <a:solidFill>
+                <a:schemeClr val="tx1"/>
+              </a:solidFill>
+            </a:endParaRPr>
+          </a:p>
+        </p:txBody>
+      </p:sp>
+      <p:sp>
+        <p:nvSpPr>
+          <p:cNvPr id="37" name="矩形 36"/>
+          <p:cNvSpPr/>
+          <p:nvPr/>
+        </p:nvSpPr>
+        <p:spPr>
+          <a:xfrm>
+            <a:off x="2845868" y="287686"/>
+            <a:ext cx="743305" cy="339173"/>
+          </a:xfrm>
+          <a:prstGeom prst="rect">
+            <a:avLst/>
+          </a:prstGeom>
+          <a:solidFill>
+            <a:srgbClr val="FFFFFF"/>
+          </a:solidFill>
+        </p:spPr>
+        <p:style>
+          <a:lnRef idx="2">
+            <a:schemeClr val="accent1">
+              <a:shade val="50000"/>
+            </a:schemeClr>
+          </a:lnRef>
+          <a:fillRef idx="1">
+            <a:schemeClr val="accent1"/>
+          </a:fillRef>
+          <a:effectRef idx="0">
+            <a:schemeClr val="accent1"/>
+          </a:effectRef>
+          <a:fontRef idx="minor">
+            <a:schemeClr val="lt1"/>
+          </a:fontRef>
+        </p:style>
+        <p:txBody>
+          <a:bodyPr rtlCol="0" anchor="ctr"/>
+          <a:lstStyle/>
+          <a:p>
+            <a:pPr algn="ctr"/>
+            <a:r>
+              <a:rPr lang="en-US" altLang="zh-TW" dirty="0" smtClean="0">
+                <a:solidFill>
+                  <a:schemeClr val="tx1"/>
+                </a:solidFill>
+              </a:rPr>
+              <a:t>NO</a:t>
+            </a:r>
+            <a:endParaRPr lang="zh-TW" altLang="en-US" dirty="0">
+              <a:solidFill>
+                <a:schemeClr val="tx1"/>
+              </a:solidFill>
+            </a:endParaRPr>
+          </a:p>
+        </p:txBody>
+      </p:sp>
+      <p:sp>
+        <p:nvSpPr>
+          <p:cNvPr id="57" name="流程圖: 決策 56"/>
+          <p:cNvSpPr/>
+          <p:nvPr/>
+        </p:nvSpPr>
+        <p:spPr>
+          <a:xfrm>
+            <a:off x="8487233" y="3927201"/>
+            <a:ext cx="3134116" cy="925059"/>
+          </a:xfrm>
+          <a:prstGeom prst="flowChartDecision">
+            <a:avLst/>
+          </a:prstGeom>
+          <a:solidFill>
+            <a:schemeClr val="bg1"/>
+          </a:solidFill>
+        </p:spPr>
+        <p:style>
+          <a:lnRef idx="2">
+            <a:schemeClr val="accent1">
+              <a:shade val="50000"/>
+            </a:schemeClr>
+          </a:lnRef>
+          <a:fillRef idx="1">
+            <a:schemeClr val="accent1"/>
+          </a:fillRef>
+          <a:effectRef idx="0">
+            <a:schemeClr val="accent1"/>
+          </a:effectRef>
+          <a:fontRef idx="minor">
+            <a:schemeClr val="lt1"/>
+          </a:fontRef>
+        </p:style>
+        <p:txBody>
+          <a:bodyPr rtlCol="0" anchor="t"/>
+          <a:lstStyle/>
+          <a:p>
+            <a:endParaRPr lang="zh-TW" altLang="en-US" dirty="0">
+              <a:solidFill>
+                <a:schemeClr val="tx1"/>
+              </a:solidFill>
+            </a:endParaRPr>
+          </a:p>
+        </p:txBody>
+      </p:sp>
+      <p:sp>
+        <p:nvSpPr>
+          <p:cNvPr id="58" name="矩形 57"/>
+          <p:cNvSpPr/>
+          <p:nvPr/>
+        </p:nvSpPr>
+        <p:spPr>
+          <a:xfrm>
+            <a:off x="8649430" y="4202401"/>
+            <a:ext cx="2970663" cy="369332"/>
+          </a:xfrm>
+          <a:prstGeom prst="rect">
+            <a:avLst/>
+          </a:prstGeom>
+        </p:spPr>
+        <p:txBody>
+          <a:bodyPr wrap="square">
+            <a:spAutoFit/>
+          </a:bodyPr>
+          <a:lstStyle/>
+          <a:p>
+            <a:r>
+              <a:rPr lang="en-US" altLang="zh-TW" dirty="0" smtClean="0">
+                <a:solidFill>
+                  <a:schemeClr val="tx1"/>
+                </a:solidFill>
+              </a:rPr>
+              <a:t>If  |Y –</a:t>
+            </a:r>
+            <a:r>
+              <a:rPr lang="zh-TW" altLang="en-US" dirty="0" smtClean="0">
+                <a:solidFill>
+                  <a:schemeClr val="tx1"/>
+                </a:solidFill>
+                <a:sym typeface="Wingdings" panose="05000000000000000000" pitchFamily="2" charset="2"/>
+              </a:rPr>
+              <a:t>自己</a:t>
+            </a:r>
+            <a:r>
+              <a:rPr lang="en-US" altLang="zh-TW" dirty="0" smtClean="0">
+                <a:solidFill>
+                  <a:schemeClr val="tx1"/>
+                </a:solidFill>
+              </a:rPr>
+              <a:t>Platform Y| &gt; 195</a:t>
+            </a:r>
+            <a:endParaRPr lang="zh-TW" altLang="en-US" dirty="0">
+              <a:solidFill>
+                <a:schemeClr val="tx1"/>
+              </a:solidFill>
+            </a:endParaRPr>
+          </a:p>
+        </p:txBody>
+      </p:sp>
+      <p:sp>
+        <p:nvSpPr>
+          <p:cNvPr id="59" name="流程圖: 決策 58"/>
+          <p:cNvSpPr/>
+          <p:nvPr/>
+        </p:nvSpPr>
+        <p:spPr>
+          <a:xfrm>
+            <a:off x="820160" y="3769958"/>
+            <a:ext cx="3134116" cy="1040025"/>
+          </a:xfrm>
+          <a:prstGeom prst="flowChartDecision">
+            <a:avLst/>
+          </a:prstGeom>
+          <a:solidFill>
+            <a:schemeClr val="bg1"/>
+          </a:solidFill>
+        </p:spPr>
+        <p:style>
+          <a:lnRef idx="2">
+            <a:schemeClr val="accent1">
+              <a:shade val="50000"/>
+            </a:schemeClr>
+          </a:lnRef>
+          <a:fillRef idx="1">
+            <a:schemeClr val="accent1"/>
+          </a:fillRef>
+          <a:effectRef idx="0">
+            <a:schemeClr val="accent1"/>
+          </a:effectRef>
+          <a:fontRef idx="minor">
+            <a:schemeClr val="lt1"/>
+          </a:fontRef>
+        </p:style>
+        <p:txBody>
+          <a:bodyPr rtlCol="0" anchor="t"/>
+          <a:lstStyle/>
+          <a:p>
+            <a:endParaRPr lang="zh-TW" altLang="en-US" dirty="0">
+              <a:solidFill>
+                <a:schemeClr val="tx1"/>
+              </a:solidFill>
+            </a:endParaRPr>
+          </a:p>
+        </p:txBody>
+      </p:sp>
+      <p:sp>
+        <p:nvSpPr>
+          <p:cNvPr id="60" name="矩形 59"/>
+          <p:cNvSpPr/>
+          <p:nvPr/>
+        </p:nvSpPr>
+        <p:spPr>
+          <a:xfrm>
+            <a:off x="901885" y="4105304"/>
+            <a:ext cx="2970663" cy="369332"/>
+          </a:xfrm>
+          <a:prstGeom prst="rect">
+            <a:avLst/>
+          </a:prstGeom>
+        </p:spPr>
+        <p:txBody>
+          <a:bodyPr wrap="square">
+            <a:spAutoFit/>
+          </a:bodyPr>
+          <a:lstStyle/>
+          <a:p>
+            <a:r>
+              <a:rPr lang="en-US" altLang="zh-TW" dirty="0" smtClean="0">
+                <a:solidFill>
+                  <a:schemeClr val="tx1"/>
+                </a:solidFill>
+              </a:rPr>
+              <a:t>If  |Y –</a:t>
+            </a:r>
+            <a:r>
+              <a:rPr lang="zh-TW" altLang="en-US" dirty="0" smtClean="0">
+                <a:solidFill>
+                  <a:schemeClr val="tx1"/>
+                </a:solidFill>
+                <a:sym typeface="Wingdings" panose="05000000000000000000" pitchFamily="2" charset="2"/>
+              </a:rPr>
+              <a:t>自己</a:t>
+            </a:r>
+            <a:r>
+              <a:rPr lang="en-US" altLang="zh-TW" dirty="0" smtClean="0">
+                <a:solidFill>
+                  <a:schemeClr val="tx1"/>
+                </a:solidFill>
+              </a:rPr>
+              <a:t>Platform Y| &gt; 195</a:t>
+            </a:r>
+            <a:endParaRPr lang="zh-TW" altLang="en-US" dirty="0">
+              <a:solidFill>
+                <a:schemeClr val="tx1"/>
+              </a:solidFill>
+            </a:endParaRPr>
+          </a:p>
+        </p:txBody>
+      </p:sp>
+      <p:cxnSp>
+        <p:nvCxnSpPr>
+          <p:cNvPr id="65" name="肘形接點 64"/>
+          <p:cNvCxnSpPr>
+            <a:stCxn id="59" idx="3"/>
+            <a:endCxn id="11" idx="1"/>
+          </p:cNvCxnSpPr>
+          <p:nvPr/>
+        </p:nvCxnSpPr>
+        <p:spPr>
+          <a:xfrm flipV="1">
+            <a:off x="3954276" y="1305852"/>
+            <a:ext cx="5152503" cy="2984119"/>
+          </a:xfrm>
+          <a:prstGeom prst="bentConnector3">
+            <a:avLst>
+              <a:gd name="adj1" fmla="val 50000"/>
+            </a:avLst>
+          </a:prstGeom>
+          <a:ln w="38100">
+            <a:solidFill>
+              <a:srgbClr val="7030A0"/>
+            </a:solidFill>
+            <a:tailEnd type="triangle"/>
+          </a:ln>
+        </p:spPr>
+        <p:style>
+          <a:lnRef idx="1">
+            <a:schemeClr val="accent1"/>
+          </a:lnRef>
+          <a:fillRef idx="0">
+            <a:schemeClr val="accent1"/>
+          </a:fillRef>
+          <a:effectRef idx="0">
+            <a:schemeClr val="accent1"/>
+          </a:effectRef>
+          <a:fontRef idx="minor">
+            <a:schemeClr val="tx1"/>
+          </a:fontRef>
+        </p:style>
+      </p:cxnSp>
+      <p:sp>
+        <p:nvSpPr>
+          <p:cNvPr id="64" name="矩形 63"/>
+          <p:cNvSpPr/>
+          <p:nvPr/>
+        </p:nvSpPr>
+        <p:spPr>
+          <a:xfrm>
+            <a:off x="4382349" y="4093106"/>
+            <a:ext cx="743305" cy="339173"/>
+          </a:xfrm>
+          <a:prstGeom prst="rect">
+            <a:avLst/>
+          </a:prstGeom>
+          <a:solidFill>
+            <a:schemeClr val="bg1"/>
+          </a:solidFill>
+          <a:ln>
+            <a:solidFill>
+              <a:srgbClr val="7030A0"/>
+            </a:solidFill>
+          </a:ln>
+        </p:spPr>
+        <p:style>
+          <a:lnRef idx="2">
+            <a:schemeClr val="accent1">
+              <a:shade val="50000"/>
+            </a:schemeClr>
+          </a:lnRef>
+          <a:fillRef idx="1">
+            <a:schemeClr val="accent1"/>
+          </a:fillRef>
+          <a:effectRef idx="0">
+            <a:schemeClr val="accent1"/>
+          </a:effectRef>
+          <a:fontRef idx="minor">
+            <a:schemeClr val="lt1"/>
+          </a:fontRef>
+        </p:style>
+        <p:txBody>
+          <a:bodyPr rtlCol="0" anchor="ctr"/>
+          <a:lstStyle/>
+          <a:p>
+            <a:pPr algn="ctr"/>
+            <a:r>
+              <a:rPr lang="en-US" altLang="zh-TW" dirty="0" smtClean="0">
+                <a:solidFill>
+                  <a:schemeClr val="tx1"/>
+                </a:solidFill>
+              </a:rPr>
+              <a:t>YES</a:t>
+            </a:r>
+            <a:endParaRPr lang="zh-TW" altLang="en-US" dirty="0">
+              <a:solidFill>
+                <a:schemeClr val="tx1"/>
+              </a:solidFill>
+            </a:endParaRPr>
+          </a:p>
+        </p:txBody>
+      </p:sp>
+      <p:cxnSp>
+        <p:nvCxnSpPr>
+          <p:cNvPr id="68" name="肘形接點 67"/>
+          <p:cNvCxnSpPr>
+            <a:stCxn id="57" idx="1"/>
+            <a:endCxn id="30" idx="3"/>
+          </p:cNvCxnSpPr>
+          <p:nvPr/>
+        </p:nvCxnSpPr>
+        <p:spPr>
+          <a:xfrm rot="10800000">
+            <a:off x="3299657" y="1305853"/>
+            <a:ext cx="5187576" cy="3083879"/>
+          </a:xfrm>
+          <a:prstGeom prst="bentConnector3">
+            <a:avLst>
+              <a:gd name="adj1" fmla="val 50000"/>
+            </a:avLst>
+          </a:prstGeom>
+          <a:ln w="38100">
+            <a:solidFill>
+              <a:srgbClr val="FF0000"/>
+            </a:solidFill>
+            <a:tailEnd type="triangle"/>
+          </a:ln>
+        </p:spPr>
+        <p:style>
+          <a:lnRef idx="1">
+            <a:schemeClr val="accent1"/>
+          </a:lnRef>
+          <a:fillRef idx="0">
+            <a:schemeClr val="accent1"/>
+          </a:fillRef>
+          <a:effectRef idx="0">
+            <a:schemeClr val="accent1"/>
+          </a:effectRef>
+          <a:fontRef idx="minor">
+            <a:schemeClr val="tx1"/>
+          </a:fontRef>
+        </p:style>
+      </p:cxnSp>
+      <p:sp>
+        <p:nvSpPr>
+          <p:cNvPr id="63" name="矩形 62"/>
+          <p:cNvSpPr/>
+          <p:nvPr/>
+        </p:nvSpPr>
+        <p:spPr>
+          <a:xfrm>
+            <a:off x="7186375" y="4194409"/>
+            <a:ext cx="743305" cy="339173"/>
+          </a:xfrm>
+          <a:prstGeom prst="rect">
+            <a:avLst/>
+          </a:prstGeom>
+          <a:solidFill>
+            <a:srgbClr val="FFFFFF"/>
+          </a:solidFill>
+          <a:ln>
+            <a:solidFill>
+              <a:srgbClr val="FF0000"/>
+            </a:solidFill>
+          </a:ln>
+        </p:spPr>
+        <p:style>
+          <a:lnRef idx="2">
+            <a:schemeClr val="accent1">
+              <a:shade val="50000"/>
+            </a:schemeClr>
+          </a:lnRef>
+          <a:fillRef idx="1">
+            <a:schemeClr val="accent1"/>
+          </a:fillRef>
+          <a:effectRef idx="0">
+            <a:schemeClr val="accent1"/>
+          </a:effectRef>
+          <a:fontRef idx="minor">
+            <a:schemeClr val="lt1"/>
+          </a:fontRef>
+        </p:style>
+        <p:txBody>
+          <a:bodyPr rtlCol="0" anchor="ctr"/>
+          <a:lstStyle/>
+          <a:p>
+            <a:pPr algn="ctr"/>
+            <a:r>
+              <a:rPr lang="en-US" altLang="zh-TW" dirty="0" smtClean="0">
+                <a:solidFill>
+                  <a:schemeClr val="tx1"/>
+                </a:solidFill>
+              </a:rPr>
+              <a:t>YES</a:t>
+            </a:r>
+            <a:endParaRPr lang="zh-TW" altLang="en-US" dirty="0">
+              <a:solidFill>
+                <a:schemeClr val="tx1"/>
+              </a:solidFill>
+            </a:endParaRPr>
+          </a:p>
+        </p:txBody>
+      </p:sp>
+      <p:cxnSp>
+        <p:nvCxnSpPr>
+          <p:cNvPr id="98" name="肘形接點 97"/>
+          <p:cNvCxnSpPr>
+            <a:stCxn id="59" idx="2"/>
+            <a:endCxn id="130" idx="0"/>
+          </p:cNvCxnSpPr>
+          <p:nvPr/>
+        </p:nvCxnSpPr>
+        <p:spPr>
+          <a:xfrm rot="16200000" flipH="1">
+            <a:off x="2124509" y="5072691"/>
+            <a:ext cx="535016" cy="9599"/>
+          </a:xfrm>
+          <a:prstGeom prst="bentConnector3">
+            <a:avLst>
+              <a:gd name="adj1" fmla="val 50000"/>
+            </a:avLst>
+          </a:prstGeom>
+          <a:ln>
+            <a:tailEnd type="triangle"/>
+          </a:ln>
+        </p:spPr>
+        <p:style>
+          <a:lnRef idx="1">
+            <a:schemeClr val="accent1"/>
+          </a:lnRef>
+          <a:fillRef idx="0">
+            <a:schemeClr val="accent1"/>
+          </a:fillRef>
+          <a:effectRef idx="0">
+            <a:schemeClr val="accent1"/>
+          </a:effectRef>
+          <a:fontRef idx="minor">
+            <a:schemeClr val="tx1"/>
+          </a:fontRef>
+        </p:style>
+      </p:cxnSp>
+      <p:sp>
+        <p:nvSpPr>
+          <p:cNvPr id="96" name="矩形 95"/>
+          <p:cNvSpPr/>
+          <p:nvPr/>
+        </p:nvSpPr>
+        <p:spPr>
+          <a:xfrm>
+            <a:off x="2048282" y="4871914"/>
+            <a:ext cx="743305" cy="339173"/>
+          </a:xfrm>
+          <a:prstGeom prst="rect">
+            <a:avLst/>
+          </a:prstGeom>
+          <a:solidFill>
+            <a:srgbClr val="FFFFFF"/>
+          </a:solidFill>
+        </p:spPr>
+        <p:style>
+          <a:lnRef idx="2">
+            <a:schemeClr val="accent1">
+              <a:shade val="50000"/>
+            </a:schemeClr>
+          </a:lnRef>
+          <a:fillRef idx="1">
+            <a:schemeClr val="accent1"/>
+          </a:fillRef>
+          <a:effectRef idx="0">
+            <a:schemeClr val="accent1"/>
+          </a:effectRef>
+          <a:fontRef idx="minor">
+            <a:schemeClr val="lt1"/>
+          </a:fontRef>
+        </p:style>
+        <p:txBody>
+          <a:bodyPr rtlCol="0" anchor="ctr"/>
+          <a:lstStyle/>
+          <a:p>
+            <a:pPr algn="ctr"/>
+            <a:r>
+              <a:rPr lang="en-US" altLang="zh-TW" dirty="0">
+                <a:solidFill>
+                  <a:schemeClr val="tx1"/>
+                </a:solidFill>
+              </a:rPr>
+              <a:t>NO</a:t>
+            </a:r>
+            <a:endParaRPr lang="zh-TW" altLang="en-US" dirty="0">
+              <a:solidFill>
+                <a:schemeClr val="tx1"/>
+              </a:solidFill>
+            </a:endParaRPr>
+          </a:p>
+        </p:txBody>
+      </p:sp>
+      <p:sp>
+        <p:nvSpPr>
+          <p:cNvPr id="102" name="矩形 101"/>
+          <p:cNvSpPr/>
+          <p:nvPr/>
+        </p:nvSpPr>
+        <p:spPr>
+          <a:xfrm>
+            <a:off x="7752369" y="5356523"/>
+            <a:ext cx="4603845" cy="1188992"/>
+          </a:xfrm>
+          <a:prstGeom prst="rect">
+            <a:avLst/>
+          </a:prstGeom>
+          <a:solidFill>
+            <a:schemeClr val="bg1"/>
+          </a:solidFill>
+        </p:spPr>
+        <p:style>
+          <a:lnRef idx="2">
+            <a:schemeClr val="accent1">
+              <a:shade val="50000"/>
+            </a:schemeClr>
+          </a:lnRef>
+          <a:fillRef idx="1">
+            <a:schemeClr val="accent1"/>
+          </a:fillRef>
+          <a:effectRef idx="0">
+            <a:schemeClr val="accent1"/>
+          </a:effectRef>
+          <a:fontRef idx="minor">
+            <a:schemeClr val="lt1"/>
+          </a:fontRef>
+        </p:style>
+        <p:txBody>
+          <a:bodyPr rtlCol="0" anchor="ctr"/>
+          <a:lstStyle/>
+          <a:p>
+            <a:pPr algn="ctr"/>
+            <a:r>
+              <a:rPr lang="zh-TW" altLang="en-US" dirty="0" smtClean="0">
+                <a:solidFill>
+                  <a:schemeClr val="tx1"/>
+                </a:solidFill>
+              </a:rPr>
+              <a:t>用</a:t>
+            </a:r>
+            <a:r>
+              <a:rPr lang="en-US" altLang="zh-TW" dirty="0" err="1" smtClean="0">
+                <a:solidFill>
+                  <a:schemeClr val="tx1"/>
+                </a:solidFill>
+              </a:rPr>
+              <a:t>Ball_Speed</a:t>
+            </a:r>
+            <a:r>
+              <a:rPr lang="zh-TW" altLang="en-US" dirty="0" smtClean="0">
+                <a:solidFill>
+                  <a:schemeClr val="tx1"/>
+                </a:solidFill>
+              </a:rPr>
+              <a:t>算出 </a:t>
+            </a:r>
+            <a:r>
+              <a:rPr lang="en-US" altLang="zh-TW" dirty="0" smtClean="0">
+                <a:solidFill>
+                  <a:schemeClr val="tx1"/>
+                </a:solidFill>
+              </a:rPr>
+              <a:t>Y</a:t>
+            </a:r>
+            <a:r>
+              <a:rPr lang="en-US" altLang="zh-TW" dirty="0" smtClean="0">
+                <a:solidFill>
+                  <a:schemeClr val="tx1"/>
+                </a:solidFill>
+                <a:sym typeface="Wingdings" panose="05000000000000000000" pitchFamily="2" charset="2"/>
+              </a:rPr>
+              <a:t>:</a:t>
+            </a:r>
+            <a:r>
+              <a:rPr lang="zh-TW" altLang="en-US" dirty="0" smtClean="0">
+                <a:solidFill>
+                  <a:schemeClr val="tx1"/>
+                </a:solidFill>
+                <a:sym typeface="Wingdings" panose="05000000000000000000" pitchFamily="2" charset="2"/>
+              </a:rPr>
+              <a:t> </a:t>
+            </a:r>
+            <a:r>
+              <a:rPr lang="en-US" altLang="zh-TW" dirty="0" smtClean="0">
+                <a:solidFill>
+                  <a:schemeClr val="tx1"/>
+                </a:solidFill>
+                <a:sym typeface="Wingdings" panose="05000000000000000000" pitchFamily="2" charset="2"/>
+              </a:rPr>
+              <a:t>(</a:t>
+            </a:r>
+            <a:r>
+              <a:rPr lang="zh-TW" altLang="en-US" dirty="0" smtClean="0">
+                <a:solidFill>
+                  <a:schemeClr val="tx1"/>
+                </a:solidFill>
+                <a:sym typeface="Wingdings" panose="05000000000000000000" pitchFamily="2" charset="2"/>
+              </a:rPr>
+              <a:t>自己</a:t>
+            </a:r>
+            <a:r>
+              <a:rPr lang="en-US" altLang="zh-TW" dirty="0" smtClean="0">
+                <a:solidFill>
+                  <a:schemeClr val="tx1"/>
+                </a:solidFill>
+              </a:rPr>
+              <a:t>Platform Y)</a:t>
+            </a:r>
+            <a:r>
+              <a:rPr lang="zh-TW" altLang="en-US" dirty="0" smtClean="0">
+                <a:solidFill>
+                  <a:schemeClr val="tx1"/>
+                </a:solidFill>
+              </a:rPr>
+              <a:t>時的</a:t>
+            </a:r>
+            <a:r>
+              <a:rPr lang="en-US" altLang="zh-TW" dirty="0" smtClean="0">
+                <a:solidFill>
+                  <a:schemeClr val="tx1"/>
+                </a:solidFill>
+              </a:rPr>
+              <a:t>X</a:t>
+            </a:r>
+            <a:r>
+              <a:rPr lang="zh-TW" altLang="en-US" dirty="0" smtClean="0">
+                <a:solidFill>
+                  <a:schemeClr val="tx1"/>
+                </a:solidFill>
+              </a:rPr>
+              <a:t>值</a:t>
+            </a:r>
+            <a:endParaRPr lang="en-US" altLang="zh-TW" dirty="0" smtClean="0">
+              <a:solidFill>
+                <a:schemeClr val="tx1"/>
+              </a:solidFill>
+            </a:endParaRPr>
+          </a:p>
+          <a:p>
+            <a:pPr algn="ctr"/>
+            <a:r>
+              <a:rPr lang="zh-TW" altLang="en-US" dirty="0" smtClean="0">
+                <a:solidFill>
+                  <a:schemeClr val="tx1"/>
+                </a:solidFill>
+              </a:rPr>
+              <a:t>存入</a:t>
+            </a:r>
+            <a:r>
+              <a:rPr lang="en-US" altLang="zh-TW" b="1" dirty="0" err="1" smtClean="0">
+                <a:solidFill>
+                  <a:schemeClr val="tx1"/>
+                </a:solidFill>
+              </a:rPr>
+              <a:t>Me_hit_x</a:t>
+            </a:r>
+            <a:endParaRPr lang="en-US" altLang="zh-TW" dirty="0" smtClean="0">
+              <a:solidFill>
+                <a:schemeClr val="tx1"/>
+              </a:solidFill>
+            </a:endParaRPr>
+          </a:p>
+          <a:p>
+            <a:pPr algn="ctr"/>
+            <a:r>
+              <a:rPr lang="en-US" altLang="zh-TW" b="1" dirty="0" err="1" smtClean="0">
+                <a:solidFill>
+                  <a:schemeClr val="tx1"/>
+                </a:solidFill>
+              </a:rPr>
+              <a:t>Me_hit_direction_right</a:t>
+            </a:r>
+            <a:r>
+              <a:rPr lang="en-US" altLang="zh-TW" b="1" dirty="0" smtClean="0">
+                <a:solidFill>
+                  <a:schemeClr val="tx1"/>
+                </a:solidFill>
+              </a:rPr>
+              <a:t> = 0</a:t>
+            </a:r>
+            <a:endParaRPr lang="zh-TW" altLang="en-US" b="1" dirty="0" smtClean="0">
+              <a:solidFill>
+                <a:schemeClr val="tx1"/>
+              </a:solidFill>
+            </a:endParaRPr>
+          </a:p>
+        </p:txBody>
+      </p:sp>
+      <p:cxnSp>
+        <p:nvCxnSpPr>
+          <p:cNvPr id="110" name="肘形接點 109"/>
+          <p:cNvCxnSpPr>
+            <a:stCxn id="57" idx="2"/>
+            <a:endCxn id="102" idx="0"/>
+          </p:cNvCxnSpPr>
+          <p:nvPr/>
+        </p:nvCxnSpPr>
+        <p:spPr>
+          <a:xfrm rot="16200000" flipH="1">
+            <a:off x="9802160" y="5104390"/>
+            <a:ext cx="504263" cy="1"/>
+          </a:xfrm>
+          <a:prstGeom prst="bentConnector3">
+            <a:avLst>
+              <a:gd name="adj1" fmla="val 50000"/>
+            </a:avLst>
+          </a:prstGeom>
+          <a:ln>
+            <a:tailEnd type="triangle"/>
+          </a:ln>
+        </p:spPr>
+        <p:style>
+          <a:lnRef idx="1">
+            <a:schemeClr val="accent1"/>
+          </a:lnRef>
+          <a:fillRef idx="0">
+            <a:schemeClr val="accent1"/>
+          </a:fillRef>
+          <a:effectRef idx="0">
+            <a:schemeClr val="accent1"/>
+          </a:effectRef>
+          <a:fontRef idx="minor">
+            <a:schemeClr val="tx1"/>
+          </a:fontRef>
+        </p:style>
+      </p:cxnSp>
+      <p:sp>
+        <p:nvSpPr>
+          <p:cNvPr id="97" name="矩形 96"/>
+          <p:cNvSpPr/>
+          <p:nvPr/>
+        </p:nvSpPr>
+        <p:spPr>
+          <a:xfrm>
+            <a:off x="9682639" y="4883203"/>
+            <a:ext cx="743305" cy="339173"/>
+          </a:xfrm>
+          <a:prstGeom prst="rect">
+            <a:avLst/>
+          </a:prstGeom>
+          <a:solidFill>
+            <a:srgbClr val="FFFFFF"/>
+          </a:solidFill>
+        </p:spPr>
+        <p:style>
+          <a:lnRef idx="2">
+            <a:schemeClr val="accent1">
+              <a:shade val="50000"/>
+            </a:schemeClr>
+          </a:lnRef>
+          <a:fillRef idx="1">
+            <a:schemeClr val="accent1"/>
+          </a:fillRef>
+          <a:effectRef idx="0">
+            <a:schemeClr val="accent1"/>
+          </a:effectRef>
+          <a:fontRef idx="minor">
+            <a:schemeClr val="lt1"/>
+          </a:fontRef>
+        </p:style>
+        <p:txBody>
+          <a:bodyPr rtlCol="0" anchor="ctr"/>
+          <a:lstStyle/>
+          <a:p>
+            <a:pPr algn="ctr"/>
+            <a:r>
+              <a:rPr lang="en-US" altLang="zh-TW" dirty="0">
+                <a:solidFill>
+                  <a:schemeClr val="tx1"/>
+                </a:solidFill>
+              </a:rPr>
+              <a:t>NO</a:t>
+            </a:r>
+            <a:endParaRPr lang="zh-TW" altLang="en-US" dirty="0">
+              <a:solidFill>
+                <a:schemeClr val="tx1"/>
+              </a:solidFill>
+            </a:endParaRPr>
+          </a:p>
+        </p:txBody>
+      </p:sp>
+      <p:sp>
+        <p:nvSpPr>
+          <p:cNvPr id="130" name="矩形 129"/>
+          <p:cNvSpPr/>
+          <p:nvPr/>
+        </p:nvSpPr>
+        <p:spPr>
+          <a:xfrm>
+            <a:off x="94894" y="5344999"/>
+            <a:ext cx="4603845" cy="1198006"/>
+          </a:xfrm>
+          <a:prstGeom prst="rect">
+            <a:avLst/>
+          </a:prstGeom>
+          <a:solidFill>
+            <a:schemeClr val="bg1"/>
+          </a:solidFill>
+        </p:spPr>
+        <p:style>
+          <a:lnRef idx="2">
+            <a:schemeClr val="accent1">
+              <a:shade val="50000"/>
+            </a:schemeClr>
+          </a:lnRef>
+          <a:fillRef idx="1">
+            <a:schemeClr val="accent1"/>
+          </a:fillRef>
+          <a:effectRef idx="0">
+            <a:schemeClr val="accent1"/>
+          </a:effectRef>
+          <a:fontRef idx="minor">
+            <a:schemeClr val="lt1"/>
+          </a:fontRef>
+        </p:style>
+        <p:txBody>
+          <a:bodyPr rtlCol="0" anchor="ctr"/>
+          <a:lstStyle/>
+          <a:p>
+            <a:pPr algn="ctr"/>
+            <a:r>
+              <a:rPr lang="zh-TW" altLang="en-US" dirty="0" smtClean="0">
+                <a:solidFill>
+                  <a:schemeClr val="tx1"/>
+                </a:solidFill>
+              </a:rPr>
+              <a:t>用</a:t>
+            </a:r>
+            <a:r>
+              <a:rPr lang="en-US" altLang="zh-TW" dirty="0" err="1" smtClean="0">
+                <a:solidFill>
+                  <a:schemeClr val="tx1"/>
+                </a:solidFill>
+              </a:rPr>
+              <a:t>Ball_Speed</a:t>
+            </a:r>
+            <a:r>
+              <a:rPr lang="zh-TW" altLang="en-US" dirty="0" smtClean="0">
+                <a:solidFill>
+                  <a:schemeClr val="tx1"/>
+                </a:solidFill>
+              </a:rPr>
+              <a:t>算出 </a:t>
+            </a:r>
+            <a:r>
+              <a:rPr lang="en-US" altLang="zh-TW" dirty="0" smtClean="0">
+                <a:solidFill>
+                  <a:schemeClr val="tx1"/>
+                </a:solidFill>
+              </a:rPr>
+              <a:t>Y</a:t>
+            </a:r>
+            <a:r>
+              <a:rPr lang="en-US" altLang="zh-TW" dirty="0" smtClean="0">
+                <a:solidFill>
+                  <a:schemeClr val="tx1"/>
+                </a:solidFill>
+                <a:sym typeface="Wingdings" panose="05000000000000000000" pitchFamily="2" charset="2"/>
+              </a:rPr>
+              <a:t>:</a:t>
+            </a:r>
+            <a:r>
+              <a:rPr lang="zh-TW" altLang="en-US" dirty="0" smtClean="0">
+                <a:solidFill>
+                  <a:schemeClr val="tx1"/>
+                </a:solidFill>
+                <a:sym typeface="Wingdings" panose="05000000000000000000" pitchFamily="2" charset="2"/>
+              </a:rPr>
+              <a:t> </a:t>
+            </a:r>
+            <a:r>
+              <a:rPr lang="en-US" altLang="zh-TW" dirty="0" smtClean="0">
+                <a:solidFill>
+                  <a:schemeClr val="tx1"/>
+                </a:solidFill>
+                <a:sym typeface="Wingdings" panose="05000000000000000000" pitchFamily="2" charset="2"/>
+              </a:rPr>
+              <a:t>(</a:t>
+            </a:r>
+            <a:r>
+              <a:rPr lang="zh-TW" altLang="en-US" dirty="0" smtClean="0">
+                <a:solidFill>
+                  <a:schemeClr val="tx1"/>
+                </a:solidFill>
+                <a:sym typeface="Wingdings" panose="05000000000000000000" pitchFamily="2" charset="2"/>
+              </a:rPr>
+              <a:t>自己</a:t>
+            </a:r>
+            <a:r>
+              <a:rPr lang="en-US" altLang="zh-TW" dirty="0" smtClean="0">
+                <a:solidFill>
+                  <a:schemeClr val="tx1"/>
+                </a:solidFill>
+              </a:rPr>
+              <a:t>Platform Y)</a:t>
+            </a:r>
+            <a:r>
+              <a:rPr lang="zh-TW" altLang="en-US" dirty="0" smtClean="0">
+                <a:solidFill>
+                  <a:schemeClr val="tx1"/>
+                </a:solidFill>
+              </a:rPr>
+              <a:t>時的</a:t>
+            </a:r>
+            <a:r>
+              <a:rPr lang="en-US" altLang="zh-TW" dirty="0" smtClean="0">
+                <a:solidFill>
+                  <a:schemeClr val="tx1"/>
+                </a:solidFill>
+              </a:rPr>
+              <a:t>X</a:t>
+            </a:r>
+            <a:r>
+              <a:rPr lang="zh-TW" altLang="en-US" dirty="0" smtClean="0">
+                <a:solidFill>
+                  <a:schemeClr val="tx1"/>
+                </a:solidFill>
+              </a:rPr>
+              <a:t>值</a:t>
+            </a:r>
+            <a:endParaRPr lang="en-US" altLang="zh-TW" dirty="0" smtClean="0">
+              <a:solidFill>
+                <a:schemeClr val="tx1"/>
+              </a:solidFill>
+            </a:endParaRPr>
+          </a:p>
+          <a:p>
+            <a:pPr algn="ctr"/>
+            <a:r>
+              <a:rPr lang="zh-TW" altLang="en-US" dirty="0" smtClean="0">
+                <a:solidFill>
+                  <a:schemeClr val="tx1"/>
+                </a:solidFill>
+              </a:rPr>
+              <a:t>存入</a:t>
+            </a:r>
+            <a:r>
+              <a:rPr lang="en-US" altLang="zh-TW" b="1" dirty="0" err="1" smtClean="0">
+                <a:solidFill>
+                  <a:schemeClr val="tx1"/>
+                </a:solidFill>
+              </a:rPr>
+              <a:t>Me_hit_x</a:t>
+            </a:r>
+            <a:endParaRPr lang="en-US" altLang="zh-TW" dirty="0" smtClean="0">
+              <a:solidFill>
+                <a:schemeClr val="tx1"/>
+              </a:solidFill>
+            </a:endParaRPr>
+          </a:p>
+          <a:p>
+            <a:pPr algn="ctr"/>
+            <a:r>
+              <a:rPr lang="en-US" altLang="zh-TW" b="1" dirty="0" err="1" smtClean="0">
+                <a:solidFill>
+                  <a:schemeClr val="tx1"/>
+                </a:solidFill>
+              </a:rPr>
+              <a:t>Me_hit_direction_right</a:t>
+            </a:r>
+            <a:r>
+              <a:rPr lang="en-US" altLang="zh-TW" b="1" dirty="0" smtClean="0">
+                <a:solidFill>
+                  <a:schemeClr val="tx1"/>
+                </a:solidFill>
+              </a:rPr>
+              <a:t> = 1</a:t>
+            </a:r>
+            <a:endParaRPr lang="zh-TW" altLang="en-US" b="1" dirty="0" smtClean="0">
+              <a:solidFill>
+                <a:schemeClr val="tx1"/>
+              </a:solidFill>
+            </a:endParaRPr>
+          </a:p>
+        </p:txBody>
+      </p:sp>
+      <p:sp>
+        <p:nvSpPr>
+          <p:cNvPr id="138" name="流程圖: 決策 137"/>
+          <p:cNvSpPr/>
+          <p:nvPr/>
+        </p:nvSpPr>
+        <p:spPr>
+          <a:xfrm>
+            <a:off x="5258298" y="5848066"/>
+            <a:ext cx="2238233" cy="982639"/>
+          </a:xfrm>
+          <a:prstGeom prst="flowChartDecision">
+            <a:avLst/>
+          </a:prstGeom>
+          <a:solidFill>
+            <a:schemeClr val="bg1"/>
+          </a:solidFill>
+        </p:spPr>
+        <p:style>
+          <a:lnRef idx="2">
+            <a:schemeClr val="accent1">
+              <a:shade val="50000"/>
+            </a:schemeClr>
+          </a:lnRef>
+          <a:fillRef idx="1">
+            <a:schemeClr val="accent1"/>
+          </a:fillRef>
+          <a:effectRef idx="0">
+            <a:schemeClr val="accent1"/>
+          </a:effectRef>
+          <a:fontRef idx="minor">
+            <a:schemeClr val="lt1"/>
+          </a:fontRef>
+        </p:style>
+        <p:txBody>
+          <a:bodyPr rtlCol="0" anchor="ctr"/>
+          <a:lstStyle/>
+          <a:p>
+            <a:pPr algn="ctr"/>
+            <a:endParaRPr lang="zh-TW" altLang="en-US" dirty="0">
+              <a:solidFill>
+                <a:schemeClr val="tx1"/>
+              </a:solidFill>
+            </a:endParaRPr>
+          </a:p>
+        </p:txBody>
+      </p:sp>
+      <p:sp>
+        <p:nvSpPr>
+          <p:cNvPr id="139" name="矩形 138"/>
+          <p:cNvSpPr/>
+          <p:nvPr/>
+        </p:nvSpPr>
+        <p:spPr>
+          <a:xfrm>
+            <a:off x="4105854" y="298863"/>
+            <a:ext cx="4223015" cy="369332"/>
+          </a:xfrm>
+          <a:prstGeom prst="rect">
+            <a:avLst/>
+          </a:prstGeom>
+        </p:spPr>
+        <p:txBody>
+          <a:bodyPr wrap="none">
+            <a:spAutoFit/>
+          </a:bodyPr>
+          <a:lstStyle/>
+          <a:p>
+            <a:pPr algn="ctr"/>
+            <a:r>
+              <a:rPr lang="en-US" altLang="zh-TW" b="1" dirty="0" err="1" smtClean="0">
+                <a:solidFill>
+                  <a:schemeClr val="tx1"/>
+                </a:solidFill>
+              </a:rPr>
+              <a:t>Opponent_strike_back_direction_right</a:t>
+            </a:r>
+            <a:r>
+              <a:rPr lang="en-US" altLang="zh-TW" b="1" dirty="0" smtClean="0">
+                <a:solidFill>
+                  <a:schemeClr val="tx1"/>
+                </a:solidFill>
+              </a:rPr>
+              <a:t> = 1</a:t>
+            </a:r>
+            <a:endParaRPr lang="zh-TW" altLang="en-US" b="1" dirty="0" smtClean="0">
+              <a:solidFill>
+                <a:schemeClr val="tx1"/>
+              </a:solidFill>
+            </a:endParaRPr>
+          </a:p>
+        </p:txBody>
+      </p:sp>
+      <p:cxnSp>
+        <p:nvCxnSpPr>
+          <p:cNvPr id="140" name="肘形接點 139"/>
+          <p:cNvCxnSpPr>
+            <a:stCxn id="130" idx="3"/>
+            <a:endCxn id="138" idx="0"/>
+          </p:cNvCxnSpPr>
+          <p:nvPr/>
+        </p:nvCxnSpPr>
+        <p:spPr>
+          <a:xfrm flipV="1">
+            <a:off x="4698739" y="5848066"/>
+            <a:ext cx="1678676" cy="95936"/>
+          </a:xfrm>
+          <a:prstGeom prst="bentConnector4">
+            <a:avLst>
+              <a:gd name="adj1" fmla="val 16667"/>
+              <a:gd name="adj2" fmla="val 350528"/>
+            </a:avLst>
+          </a:prstGeom>
+          <a:ln>
+            <a:tailEnd type="triangle"/>
+          </a:ln>
+        </p:spPr>
+        <p:style>
+          <a:lnRef idx="1">
+            <a:schemeClr val="accent1"/>
+          </a:lnRef>
+          <a:fillRef idx="0">
+            <a:schemeClr val="accent1"/>
+          </a:fillRef>
+          <a:effectRef idx="0">
+            <a:schemeClr val="accent1"/>
+          </a:effectRef>
+          <a:fontRef idx="minor">
+            <a:schemeClr val="tx1"/>
+          </a:fontRef>
+        </p:style>
+      </p:cxnSp>
+      <p:cxnSp>
+        <p:nvCxnSpPr>
+          <p:cNvPr id="143" name="肘形接點 142"/>
+          <p:cNvCxnSpPr>
+            <a:stCxn id="102" idx="1"/>
+            <a:endCxn id="138" idx="0"/>
+          </p:cNvCxnSpPr>
+          <p:nvPr/>
+        </p:nvCxnSpPr>
+        <p:spPr>
+          <a:xfrm rot="10800000">
+            <a:off x="6377415" y="5848067"/>
+            <a:ext cx="1374954" cy="102953"/>
+          </a:xfrm>
+          <a:prstGeom prst="bentConnector4">
+            <a:avLst>
+              <a:gd name="adj1" fmla="val 9304"/>
+              <a:gd name="adj2" fmla="val 322043"/>
+            </a:avLst>
+          </a:prstGeom>
+          <a:ln>
+            <a:tailEnd type="triangle"/>
+          </a:ln>
+        </p:spPr>
+        <p:style>
+          <a:lnRef idx="1">
+            <a:schemeClr val="accent1"/>
+          </a:lnRef>
+          <a:fillRef idx="0">
+            <a:schemeClr val="accent1"/>
+          </a:fillRef>
+          <a:effectRef idx="0">
+            <a:schemeClr val="accent1"/>
+          </a:effectRef>
+          <a:fontRef idx="minor">
+            <a:schemeClr val="tx1"/>
+          </a:fontRef>
+        </p:style>
+      </p:cxnSp>
+      <p:sp>
+        <p:nvSpPr>
+          <p:cNvPr id="137" name="矩形 136"/>
+          <p:cNvSpPr/>
+          <p:nvPr/>
+        </p:nvSpPr>
+        <p:spPr>
+          <a:xfrm>
+            <a:off x="4349703" y="6173673"/>
+            <a:ext cx="3704183" cy="369332"/>
+          </a:xfrm>
+          <a:prstGeom prst="rect">
+            <a:avLst/>
+          </a:prstGeom>
+        </p:spPr>
+        <p:txBody>
+          <a:bodyPr wrap="square">
+            <a:spAutoFit/>
+          </a:bodyPr>
+          <a:lstStyle/>
+          <a:p>
+            <a:pPr algn="ctr"/>
+            <a:r>
+              <a:rPr lang="en-US" altLang="zh-TW" b="1" dirty="0" err="1" smtClean="0">
+                <a:solidFill>
+                  <a:schemeClr val="tx1"/>
+                </a:solidFill>
+              </a:rPr>
+              <a:t>Me_hit_direction_right</a:t>
+            </a:r>
+            <a:r>
+              <a:rPr lang="en-US" altLang="zh-TW" b="1" dirty="0" smtClean="0">
+                <a:solidFill>
+                  <a:schemeClr val="tx1"/>
+                </a:solidFill>
+              </a:rPr>
+              <a:t> = 1</a:t>
+            </a:r>
+            <a:endParaRPr lang="zh-TW" altLang="en-US" b="1" dirty="0" smtClean="0">
+              <a:solidFill>
+                <a:schemeClr val="tx1"/>
+              </a:solidFill>
+            </a:endParaRPr>
+          </a:p>
+        </p:txBody>
+      </p:sp>
+      <p:sp>
+        <p:nvSpPr>
+          <p:cNvPr id="45" name="流程圖: 決策 44"/>
+          <p:cNvSpPr/>
+          <p:nvPr/>
+        </p:nvSpPr>
+        <p:spPr>
+          <a:xfrm>
+            <a:off x="913649" y="1992558"/>
+            <a:ext cx="3250914" cy="1335938"/>
+          </a:xfrm>
+          <a:prstGeom prst="flowChartDecision">
+            <a:avLst/>
+          </a:prstGeom>
+          <a:solidFill>
+            <a:schemeClr val="bg1"/>
+          </a:solidFill>
+        </p:spPr>
+        <p:style>
+          <a:lnRef idx="2">
+            <a:schemeClr val="accent1">
+              <a:shade val="50000"/>
+            </a:schemeClr>
+          </a:lnRef>
+          <a:fillRef idx="1">
+            <a:schemeClr val="accent1"/>
+          </a:fillRef>
+          <a:effectRef idx="0">
+            <a:schemeClr val="accent1"/>
+          </a:effectRef>
+          <a:fontRef idx="minor">
+            <a:schemeClr val="lt1"/>
+          </a:fontRef>
+        </p:style>
+        <p:txBody>
+          <a:bodyPr rtlCol="0" anchor="t"/>
+          <a:lstStyle/>
+          <a:p>
+            <a:endParaRPr lang="zh-TW" altLang="en-US" dirty="0">
+              <a:solidFill>
+                <a:schemeClr val="tx1"/>
+              </a:solidFill>
+            </a:endParaRPr>
+          </a:p>
+        </p:txBody>
+      </p:sp>
+      <p:cxnSp>
+        <p:nvCxnSpPr>
+          <p:cNvPr id="47" name="肘形接點 46"/>
+          <p:cNvCxnSpPr>
+            <a:stCxn id="30" idx="2"/>
+            <a:endCxn id="45" idx="0"/>
+          </p:cNvCxnSpPr>
+          <p:nvPr/>
+        </p:nvCxnSpPr>
+        <p:spPr>
+          <a:xfrm rot="16200000" flipH="1">
+            <a:off x="2453199" y="1906650"/>
+            <a:ext cx="171503" cy="311"/>
+          </a:xfrm>
+          <a:prstGeom prst="bentConnector3">
+            <a:avLst>
+              <a:gd name="adj1" fmla="val 50000"/>
+            </a:avLst>
+          </a:prstGeom>
+          <a:ln>
+            <a:tailEnd type="triangle"/>
+          </a:ln>
+        </p:spPr>
+        <p:style>
+          <a:lnRef idx="1">
+            <a:schemeClr val="accent1"/>
+          </a:lnRef>
+          <a:fillRef idx="0">
+            <a:schemeClr val="accent1"/>
+          </a:fillRef>
+          <a:effectRef idx="0">
+            <a:schemeClr val="accent1"/>
+          </a:effectRef>
+          <a:fontRef idx="minor">
+            <a:schemeClr val="tx1"/>
+          </a:fontRef>
+        </p:style>
+      </p:cxnSp>
+      <p:sp>
+        <p:nvSpPr>
+          <p:cNvPr id="51" name="流程圖: 決策 50"/>
+          <p:cNvSpPr/>
+          <p:nvPr/>
+        </p:nvSpPr>
+        <p:spPr>
+          <a:xfrm>
+            <a:off x="8245388" y="1966225"/>
+            <a:ext cx="3250914" cy="1335938"/>
+          </a:xfrm>
+          <a:prstGeom prst="flowChartDecision">
+            <a:avLst/>
+          </a:prstGeom>
+          <a:solidFill>
+            <a:schemeClr val="bg1"/>
+          </a:solidFill>
+        </p:spPr>
+        <p:style>
+          <a:lnRef idx="2">
+            <a:schemeClr val="accent1">
+              <a:shade val="50000"/>
+            </a:schemeClr>
+          </a:lnRef>
+          <a:fillRef idx="1">
+            <a:schemeClr val="accent1"/>
+          </a:fillRef>
+          <a:effectRef idx="0">
+            <a:schemeClr val="accent1"/>
+          </a:effectRef>
+          <a:fontRef idx="minor">
+            <a:schemeClr val="lt1"/>
+          </a:fontRef>
+        </p:style>
+        <p:txBody>
+          <a:bodyPr rtlCol="0" anchor="t"/>
+          <a:lstStyle/>
+          <a:p>
+            <a:endParaRPr lang="zh-TW" altLang="en-US" dirty="0">
+              <a:solidFill>
+                <a:schemeClr val="tx1"/>
+              </a:solidFill>
+            </a:endParaRPr>
+          </a:p>
+        </p:txBody>
+      </p:sp>
+      <p:cxnSp>
+        <p:nvCxnSpPr>
+          <p:cNvPr id="52" name="肘形接點 51"/>
+          <p:cNvCxnSpPr>
+            <a:endCxn id="51" idx="0"/>
+          </p:cNvCxnSpPr>
+          <p:nvPr/>
+        </p:nvCxnSpPr>
+        <p:spPr>
+          <a:xfrm rot="16200000" flipH="1">
+            <a:off x="9784938" y="1880317"/>
+            <a:ext cx="171503" cy="311"/>
+          </a:xfrm>
+          <a:prstGeom prst="bentConnector3">
+            <a:avLst>
+              <a:gd name="adj1" fmla="val 50000"/>
+            </a:avLst>
+          </a:prstGeom>
+          <a:ln>
+            <a:tailEnd type="triangle"/>
+          </a:ln>
+        </p:spPr>
+        <p:style>
+          <a:lnRef idx="1">
+            <a:schemeClr val="accent1"/>
+          </a:lnRef>
+          <a:fillRef idx="0">
+            <a:schemeClr val="accent1"/>
+          </a:fillRef>
+          <a:effectRef idx="0">
+            <a:schemeClr val="accent1"/>
+          </a:effectRef>
+          <a:fontRef idx="minor">
+            <a:schemeClr val="tx1"/>
+          </a:fontRef>
+        </p:style>
+      </p:cxnSp>
+      <p:cxnSp>
+        <p:nvCxnSpPr>
+          <p:cNvPr id="54" name="肘形接點 53"/>
+          <p:cNvCxnSpPr>
+            <a:stCxn id="51" idx="3"/>
+          </p:cNvCxnSpPr>
+          <p:nvPr/>
+        </p:nvCxnSpPr>
+        <p:spPr>
+          <a:xfrm>
+            <a:off x="11496302" y="2634194"/>
+            <a:ext cx="390898" cy="2719818"/>
+          </a:xfrm>
+          <a:prstGeom prst="bentConnector2">
+            <a:avLst/>
+          </a:prstGeom>
+          <a:ln w="38100">
+            <a:tailEnd type="triangle"/>
+          </a:ln>
+        </p:spPr>
+        <p:style>
+          <a:lnRef idx="1">
+            <a:schemeClr val="accent1"/>
+          </a:lnRef>
+          <a:fillRef idx="0">
+            <a:schemeClr val="accent1"/>
+          </a:fillRef>
+          <a:effectRef idx="0">
+            <a:schemeClr val="accent1"/>
+          </a:effectRef>
+          <a:fontRef idx="minor">
+            <a:schemeClr val="tx1"/>
+          </a:fontRef>
+        </p:style>
+      </p:cxnSp>
+      <p:cxnSp>
+        <p:nvCxnSpPr>
+          <p:cNvPr id="61" name="肘形接點 60"/>
+          <p:cNvCxnSpPr>
+            <a:stCxn id="45" idx="1"/>
+          </p:cNvCxnSpPr>
+          <p:nvPr/>
+        </p:nvCxnSpPr>
+        <p:spPr>
+          <a:xfrm rot="10800000" flipV="1">
+            <a:off x="431713" y="2660526"/>
+            <a:ext cx="481936" cy="2733277"/>
+          </a:xfrm>
+          <a:prstGeom prst="bentConnector2">
+            <a:avLst/>
+          </a:prstGeom>
+          <a:ln w="38100">
+            <a:tailEnd type="triangle"/>
+          </a:ln>
+        </p:spPr>
+        <p:style>
+          <a:lnRef idx="1">
+            <a:schemeClr val="accent1"/>
+          </a:lnRef>
+          <a:fillRef idx="0">
+            <a:schemeClr val="accent1"/>
+          </a:fillRef>
+          <a:effectRef idx="0">
+            <a:schemeClr val="accent1"/>
+          </a:effectRef>
+          <a:fontRef idx="minor">
+            <a:schemeClr val="tx1"/>
+          </a:fontRef>
+        </p:style>
+      </p:cxnSp>
+      <p:cxnSp>
+        <p:nvCxnSpPr>
+          <p:cNvPr id="62" name="肘形接點 61"/>
+          <p:cNvCxnSpPr>
+            <a:stCxn id="45" idx="2"/>
+            <a:endCxn id="59" idx="0"/>
+          </p:cNvCxnSpPr>
+          <p:nvPr/>
+        </p:nvCxnSpPr>
+        <p:spPr>
+          <a:xfrm rot="5400000">
+            <a:off x="2242431" y="3473283"/>
+            <a:ext cx="441462" cy="151888"/>
+          </a:xfrm>
+          <a:prstGeom prst="bentConnector3">
+            <a:avLst>
+              <a:gd name="adj1" fmla="val 50000"/>
+            </a:avLst>
+          </a:prstGeom>
+          <a:ln>
+            <a:tailEnd type="triangle"/>
+          </a:ln>
+        </p:spPr>
+        <p:style>
+          <a:lnRef idx="1">
+            <a:schemeClr val="accent1"/>
+          </a:lnRef>
+          <a:fillRef idx="0">
+            <a:schemeClr val="accent1"/>
+          </a:fillRef>
+          <a:effectRef idx="0">
+            <a:schemeClr val="accent1"/>
+          </a:effectRef>
+          <a:fontRef idx="minor">
+            <a:schemeClr val="tx1"/>
+          </a:fontRef>
+        </p:style>
+      </p:cxnSp>
+      <p:cxnSp>
+        <p:nvCxnSpPr>
+          <p:cNvPr id="66" name="肘形接點 65"/>
+          <p:cNvCxnSpPr>
+            <a:stCxn id="51" idx="2"/>
+            <a:endCxn id="57" idx="0"/>
+          </p:cNvCxnSpPr>
+          <p:nvPr/>
+        </p:nvCxnSpPr>
+        <p:spPr>
+          <a:xfrm rot="16200000" flipH="1">
+            <a:off x="9650049" y="3522959"/>
+            <a:ext cx="625038" cy="183446"/>
+          </a:xfrm>
+          <a:prstGeom prst="bentConnector3">
+            <a:avLst>
+              <a:gd name="adj1" fmla="val 50000"/>
+            </a:avLst>
+          </a:prstGeom>
+          <a:ln>
+            <a:tailEnd type="triangle"/>
+          </a:ln>
+        </p:spPr>
+        <p:style>
+          <a:lnRef idx="1">
+            <a:schemeClr val="accent1"/>
+          </a:lnRef>
+          <a:fillRef idx="0">
+            <a:schemeClr val="accent1"/>
+          </a:fillRef>
+          <a:effectRef idx="0">
+            <a:schemeClr val="accent1"/>
+          </a:effectRef>
+          <a:fontRef idx="minor">
+            <a:schemeClr val="tx1"/>
+          </a:fontRef>
+        </p:style>
+      </p:cxnSp>
+      <p:sp>
+        <p:nvSpPr>
+          <p:cNvPr id="67" name="矩形 66"/>
+          <p:cNvSpPr/>
+          <p:nvPr/>
+        </p:nvSpPr>
+        <p:spPr>
+          <a:xfrm>
+            <a:off x="9643326" y="3425780"/>
+            <a:ext cx="743305" cy="339173"/>
+          </a:xfrm>
+          <a:prstGeom prst="rect">
+            <a:avLst/>
+          </a:prstGeom>
+          <a:solidFill>
+            <a:srgbClr val="FFFFFF"/>
+          </a:solidFill>
+        </p:spPr>
+        <p:style>
+          <a:lnRef idx="2">
+            <a:schemeClr val="accent1">
+              <a:shade val="50000"/>
+            </a:schemeClr>
+          </a:lnRef>
+          <a:fillRef idx="1">
+            <a:schemeClr val="accent1"/>
+          </a:fillRef>
+          <a:effectRef idx="0">
+            <a:schemeClr val="accent1"/>
+          </a:effectRef>
+          <a:fontRef idx="minor">
+            <a:schemeClr val="lt1"/>
+          </a:fontRef>
+        </p:style>
+        <p:txBody>
+          <a:bodyPr rtlCol="0" anchor="ctr"/>
+          <a:lstStyle/>
+          <a:p>
+            <a:pPr algn="ctr"/>
+            <a:r>
+              <a:rPr lang="en-US" altLang="zh-TW" dirty="0">
+                <a:solidFill>
+                  <a:schemeClr val="tx1"/>
+                </a:solidFill>
+              </a:rPr>
+              <a:t>NO</a:t>
+            </a:r>
+            <a:endParaRPr lang="zh-TW" altLang="en-US" dirty="0">
+              <a:solidFill>
+                <a:schemeClr val="tx1"/>
+              </a:solidFill>
+            </a:endParaRPr>
+          </a:p>
+        </p:txBody>
+      </p:sp>
+      <p:sp>
+        <p:nvSpPr>
+          <p:cNvPr id="69" name="矩形 68"/>
+          <p:cNvSpPr/>
+          <p:nvPr/>
+        </p:nvSpPr>
+        <p:spPr>
+          <a:xfrm>
+            <a:off x="2489965" y="3393058"/>
+            <a:ext cx="743305" cy="339173"/>
+          </a:xfrm>
+          <a:prstGeom prst="rect">
+            <a:avLst/>
+          </a:prstGeom>
+          <a:solidFill>
+            <a:srgbClr val="FFFFFF"/>
+          </a:solidFill>
+        </p:spPr>
+        <p:style>
+          <a:lnRef idx="2">
+            <a:schemeClr val="accent1">
+              <a:shade val="50000"/>
+            </a:schemeClr>
+          </a:lnRef>
+          <a:fillRef idx="1">
+            <a:schemeClr val="accent1"/>
+          </a:fillRef>
+          <a:effectRef idx="0">
+            <a:schemeClr val="accent1"/>
+          </a:effectRef>
+          <a:fontRef idx="minor">
+            <a:schemeClr val="lt1"/>
+          </a:fontRef>
+        </p:style>
+        <p:txBody>
+          <a:bodyPr rtlCol="0" anchor="ctr"/>
+          <a:lstStyle/>
+          <a:p>
+            <a:pPr algn="ctr"/>
+            <a:r>
+              <a:rPr lang="en-US" altLang="zh-TW" dirty="0">
+                <a:solidFill>
+                  <a:schemeClr val="tx1"/>
+                </a:solidFill>
+              </a:rPr>
+              <a:t>NO</a:t>
+            </a:r>
+            <a:endParaRPr lang="zh-TW" altLang="en-US" dirty="0">
+              <a:solidFill>
+                <a:schemeClr val="tx1"/>
+              </a:solidFill>
+            </a:endParaRPr>
+          </a:p>
+        </p:txBody>
+      </p:sp>
+      <p:sp>
+        <p:nvSpPr>
+          <p:cNvPr id="40" name="矩形 39"/>
+          <p:cNvSpPr/>
+          <p:nvPr/>
+        </p:nvSpPr>
+        <p:spPr>
+          <a:xfrm>
+            <a:off x="8128088" y="2193995"/>
+            <a:ext cx="3490189" cy="923330"/>
+          </a:xfrm>
+          <a:prstGeom prst="rect">
+            <a:avLst/>
+          </a:prstGeom>
+        </p:spPr>
+        <p:txBody>
+          <a:bodyPr wrap="square">
+            <a:spAutoFit/>
+          </a:bodyPr>
+          <a:lstStyle/>
+          <a:p>
+            <a:pPr algn="ctr"/>
+            <a:r>
+              <a:rPr lang="en-US" altLang="zh-TW" dirty="0" smtClean="0">
+                <a:solidFill>
+                  <a:schemeClr val="tx1"/>
+                </a:solidFill>
+              </a:rPr>
+              <a:t>If  Y</a:t>
+            </a:r>
+            <a:r>
+              <a:rPr lang="zh-TW" altLang="en-US" dirty="0" smtClean="0">
+                <a:solidFill>
+                  <a:schemeClr val="tx1"/>
+                </a:solidFill>
+              </a:rPr>
+              <a:t> </a:t>
+            </a:r>
+            <a:r>
+              <a:rPr lang="en-US" altLang="zh-TW" dirty="0" smtClean="0">
+                <a:solidFill>
+                  <a:schemeClr val="tx1"/>
+                </a:solidFill>
+              </a:rPr>
+              <a:t>&gt;=1P</a:t>
+            </a:r>
+            <a:r>
+              <a:rPr lang="zh-TW" altLang="en-US" dirty="0" smtClean="0">
+                <a:solidFill>
+                  <a:schemeClr val="tx1"/>
+                </a:solidFill>
+              </a:rPr>
+              <a:t>自己</a:t>
+            </a:r>
+            <a:r>
+              <a:rPr lang="en-US" altLang="zh-TW" dirty="0" smtClean="0">
+                <a:solidFill>
+                  <a:schemeClr val="tx1"/>
+                </a:solidFill>
+              </a:rPr>
+              <a:t>Platform Y:</a:t>
+            </a:r>
+            <a:r>
+              <a:rPr lang="zh-TW" altLang="en-US" dirty="0" smtClean="0">
+                <a:solidFill>
+                  <a:schemeClr val="tx1"/>
+                </a:solidFill>
+              </a:rPr>
+              <a:t> </a:t>
+            </a:r>
+            <a:r>
+              <a:rPr lang="en-US" altLang="zh-TW" dirty="0" smtClean="0">
+                <a:solidFill>
+                  <a:schemeClr val="tx1"/>
+                </a:solidFill>
+              </a:rPr>
+              <a:t>415</a:t>
+            </a:r>
+            <a:r>
+              <a:rPr lang="zh-TW" altLang="en-US" dirty="0" smtClean="0">
+                <a:solidFill>
+                  <a:schemeClr val="tx1"/>
+                </a:solidFill>
+              </a:rPr>
+              <a:t> </a:t>
+            </a:r>
+            <a:endParaRPr lang="en-US" altLang="zh-TW" dirty="0" smtClean="0">
+              <a:solidFill>
+                <a:schemeClr val="tx1"/>
+              </a:solidFill>
+            </a:endParaRPr>
+          </a:p>
+          <a:p>
+            <a:pPr algn="ctr"/>
+            <a:r>
+              <a:rPr lang="en-US" altLang="zh-TW" dirty="0" smtClean="0">
+                <a:solidFill>
+                  <a:schemeClr val="tx1"/>
+                </a:solidFill>
+              </a:rPr>
+              <a:t>or </a:t>
+            </a:r>
+          </a:p>
+          <a:p>
+            <a:pPr algn="ctr"/>
+            <a:r>
+              <a:rPr lang="en-US" altLang="zh-TW" dirty="0" smtClean="0">
+                <a:solidFill>
+                  <a:schemeClr val="tx1"/>
+                </a:solidFill>
+              </a:rPr>
+              <a:t>Y &lt;= 2P </a:t>
+            </a:r>
+            <a:r>
+              <a:rPr lang="zh-TW" altLang="en-US" dirty="0" smtClean="0">
+                <a:solidFill>
+                  <a:schemeClr val="tx1"/>
+                </a:solidFill>
+              </a:rPr>
+              <a:t>自己</a:t>
+            </a:r>
+            <a:r>
+              <a:rPr lang="en-US" altLang="zh-TW" dirty="0" smtClean="0">
+                <a:solidFill>
+                  <a:schemeClr val="tx1"/>
+                </a:solidFill>
+              </a:rPr>
+              <a:t>Platform Y</a:t>
+            </a:r>
+            <a:r>
+              <a:rPr lang="en-US" altLang="zh-TW" dirty="0" smtClean="0"/>
+              <a:t>:</a:t>
+            </a:r>
+            <a:r>
+              <a:rPr lang="zh-TW" altLang="en-US" dirty="0" smtClean="0"/>
+              <a:t> </a:t>
+            </a:r>
+            <a:r>
+              <a:rPr lang="en-US" altLang="zh-TW" dirty="0" smtClean="0"/>
+              <a:t>80</a:t>
+            </a:r>
+            <a:endParaRPr lang="zh-TW" altLang="en-US" dirty="0">
+              <a:solidFill>
+                <a:schemeClr val="tx1"/>
+              </a:solidFill>
+            </a:endParaRPr>
+          </a:p>
+        </p:txBody>
+      </p:sp>
+      <p:sp>
+        <p:nvSpPr>
+          <p:cNvPr id="41" name="矩形 40"/>
+          <p:cNvSpPr/>
+          <p:nvPr/>
+        </p:nvSpPr>
+        <p:spPr>
+          <a:xfrm>
+            <a:off x="1085548" y="2222352"/>
+            <a:ext cx="3490189" cy="923330"/>
+          </a:xfrm>
+          <a:prstGeom prst="rect">
+            <a:avLst/>
+          </a:prstGeom>
+        </p:spPr>
+        <p:txBody>
+          <a:bodyPr wrap="square">
+            <a:spAutoFit/>
+          </a:bodyPr>
+          <a:lstStyle/>
+          <a:p>
+            <a:pPr algn="ctr"/>
+            <a:r>
+              <a:rPr lang="en-US" altLang="zh-TW" dirty="0" smtClean="0">
+                <a:solidFill>
+                  <a:schemeClr val="tx1"/>
+                </a:solidFill>
+              </a:rPr>
+              <a:t>If  Y</a:t>
+            </a:r>
+            <a:r>
+              <a:rPr lang="zh-TW" altLang="en-US" dirty="0" smtClean="0">
+                <a:solidFill>
+                  <a:schemeClr val="tx1"/>
+                </a:solidFill>
+              </a:rPr>
+              <a:t> </a:t>
+            </a:r>
+            <a:r>
+              <a:rPr lang="en-US" altLang="zh-TW" dirty="0" smtClean="0">
+                <a:solidFill>
+                  <a:schemeClr val="tx1"/>
+                </a:solidFill>
+              </a:rPr>
+              <a:t>&gt;=1P</a:t>
+            </a:r>
+            <a:r>
+              <a:rPr lang="zh-TW" altLang="en-US" dirty="0" smtClean="0">
+                <a:solidFill>
+                  <a:schemeClr val="tx1"/>
+                </a:solidFill>
+              </a:rPr>
+              <a:t>自己</a:t>
+            </a:r>
+            <a:r>
+              <a:rPr lang="en-US" altLang="zh-TW" dirty="0" smtClean="0">
+                <a:solidFill>
+                  <a:schemeClr val="tx1"/>
+                </a:solidFill>
+              </a:rPr>
+              <a:t>Platform Y:</a:t>
+            </a:r>
+            <a:r>
+              <a:rPr lang="zh-TW" altLang="en-US" dirty="0" smtClean="0">
+                <a:solidFill>
+                  <a:schemeClr val="tx1"/>
+                </a:solidFill>
+              </a:rPr>
+              <a:t> </a:t>
+            </a:r>
+            <a:r>
+              <a:rPr lang="en-US" altLang="zh-TW" dirty="0" smtClean="0">
+                <a:solidFill>
+                  <a:schemeClr val="tx1"/>
+                </a:solidFill>
+              </a:rPr>
+              <a:t>415</a:t>
+            </a:r>
+            <a:r>
+              <a:rPr lang="zh-TW" altLang="en-US" dirty="0" smtClean="0">
+                <a:solidFill>
+                  <a:schemeClr val="tx1"/>
+                </a:solidFill>
+              </a:rPr>
+              <a:t> </a:t>
+            </a:r>
+            <a:endParaRPr lang="en-US" altLang="zh-TW" dirty="0" smtClean="0">
+              <a:solidFill>
+                <a:schemeClr val="tx1"/>
+              </a:solidFill>
+            </a:endParaRPr>
+          </a:p>
+          <a:p>
+            <a:pPr algn="ctr"/>
+            <a:r>
+              <a:rPr lang="en-US" altLang="zh-TW" dirty="0" smtClean="0">
+                <a:solidFill>
+                  <a:schemeClr val="tx1"/>
+                </a:solidFill>
+              </a:rPr>
+              <a:t>or </a:t>
+            </a:r>
+          </a:p>
+          <a:p>
+            <a:pPr algn="ctr"/>
+            <a:r>
+              <a:rPr lang="en-US" altLang="zh-TW" dirty="0" smtClean="0">
+                <a:solidFill>
+                  <a:schemeClr val="tx1"/>
+                </a:solidFill>
+              </a:rPr>
+              <a:t>Y &lt;= 2P </a:t>
+            </a:r>
+            <a:r>
+              <a:rPr lang="zh-TW" altLang="en-US" dirty="0" smtClean="0">
+                <a:solidFill>
+                  <a:schemeClr val="tx1"/>
+                </a:solidFill>
+              </a:rPr>
+              <a:t>自己</a:t>
+            </a:r>
+            <a:r>
+              <a:rPr lang="en-US" altLang="zh-TW" dirty="0" smtClean="0">
+                <a:solidFill>
+                  <a:schemeClr val="tx1"/>
+                </a:solidFill>
+              </a:rPr>
+              <a:t>Platform Y</a:t>
+            </a:r>
+            <a:r>
+              <a:rPr lang="en-US" altLang="zh-TW" dirty="0" smtClean="0"/>
+              <a:t>:</a:t>
+            </a:r>
+            <a:r>
+              <a:rPr lang="zh-TW" altLang="en-US" dirty="0" smtClean="0"/>
+              <a:t> </a:t>
+            </a:r>
+            <a:r>
+              <a:rPr lang="en-US" altLang="zh-TW" dirty="0" smtClean="0"/>
+              <a:t>80</a:t>
+            </a:r>
+            <a:endParaRPr lang="zh-TW" altLang="en-US" dirty="0">
+              <a:solidFill>
+                <a:schemeClr val="tx1"/>
+              </a:solidFill>
+            </a:endParaRPr>
+          </a:p>
+        </p:txBody>
+      </p:sp>
+      <p:sp>
+        <p:nvSpPr>
+          <p:cNvPr id="42" name="矩形 41"/>
+          <p:cNvSpPr/>
+          <p:nvPr/>
+        </p:nvSpPr>
+        <p:spPr>
+          <a:xfrm>
+            <a:off x="11442074" y="3013503"/>
+            <a:ext cx="743305" cy="339173"/>
+          </a:xfrm>
+          <a:prstGeom prst="rect">
+            <a:avLst/>
+          </a:prstGeom>
+          <a:solidFill>
+            <a:srgbClr val="FFFFFF"/>
+          </a:solidFill>
+        </p:spPr>
+        <p:style>
+          <a:lnRef idx="2">
+            <a:schemeClr val="accent1">
+              <a:shade val="50000"/>
+            </a:schemeClr>
+          </a:lnRef>
+          <a:fillRef idx="1">
+            <a:schemeClr val="accent1"/>
+          </a:fillRef>
+          <a:effectRef idx="0">
+            <a:schemeClr val="accent1"/>
+          </a:effectRef>
+          <a:fontRef idx="minor">
+            <a:schemeClr val="lt1"/>
+          </a:fontRef>
+        </p:style>
+        <p:txBody>
+          <a:bodyPr rtlCol="0" anchor="ctr"/>
+          <a:lstStyle/>
+          <a:p>
+            <a:pPr algn="ctr"/>
+            <a:r>
+              <a:rPr lang="en-US" altLang="zh-TW" dirty="0" smtClean="0">
+                <a:solidFill>
+                  <a:schemeClr val="tx1"/>
+                </a:solidFill>
+              </a:rPr>
+              <a:t>YES</a:t>
+            </a:r>
+            <a:endParaRPr lang="zh-TW" altLang="en-US" dirty="0">
+              <a:solidFill>
+                <a:schemeClr val="tx1"/>
+              </a:solidFill>
+            </a:endParaRPr>
+          </a:p>
+        </p:txBody>
+      </p:sp>
+      <p:sp>
+        <p:nvSpPr>
+          <p:cNvPr id="43" name="矩形 42"/>
+          <p:cNvSpPr/>
+          <p:nvPr/>
+        </p:nvSpPr>
+        <p:spPr>
+          <a:xfrm>
+            <a:off x="44064" y="3049671"/>
+            <a:ext cx="743305" cy="339173"/>
+          </a:xfrm>
+          <a:prstGeom prst="rect">
+            <a:avLst/>
+          </a:prstGeom>
+          <a:solidFill>
+            <a:srgbClr val="FFFFFF"/>
+          </a:solidFill>
+        </p:spPr>
+        <p:style>
+          <a:lnRef idx="2">
+            <a:schemeClr val="accent1">
+              <a:shade val="50000"/>
+            </a:schemeClr>
+          </a:lnRef>
+          <a:fillRef idx="1">
+            <a:schemeClr val="accent1"/>
+          </a:fillRef>
+          <a:effectRef idx="0">
+            <a:schemeClr val="accent1"/>
+          </a:effectRef>
+          <a:fontRef idx="minor">
+            <a:schemeClr val="lt1"/>
+          </a:fontRef>
+        </p:style>
+        <p:txBody>
+          <a:bodyPr rtlCol="0" anchor="ctr"/>
+          <a:lstStyle/>
+          <a:p>
+            <a:pPr algn="ctr"/>
+            <a:r>
+              <a:rPr lang="en-US" altLang="zh-TW" dirty="0" smtClean="0">
+                <a:solidFill>
+                  <a:schemeClr val="tx1"/>
+                </a:solidFill>
+              </a:rPr>
+              <a:t>YES</a:t>
+            </a:r>
+            <a:endParaRPr lang="zh-TW" altLang="en-US" dirty="0">
+              <a:solidFill>
+                <a:schemeClr val="tx1"/>
+              </a:solidFill>
+            </a:endParaRPr>
+          </a:p>
+        </p:txBody>
+      </p:sp>
+    </p:spTree>
+    <p:extLst>
+      <p:ext uri="{BB962C8B-B14F-4D97-AF65-F5344CB8AC3E}">
+        <p14:creationId xmlns:p14="http://schemas.microsoft.com/office/powerpoint/2010/main" val="1120290212"/>
+      </p:ext>
+    </p:extLst>
+  </p:cSld>
+  <p:clrMapOvr>
+    <a:masterClrMapping/>
+  </p:clrMapOvr>
+  <p:timing>
+    <p:tnLst>
+      <p:par>
+        <p:cTn id="1" dur="indefinite" restart="never" nodeType="tmRoot"/>
+      </p:par>
+    </p:tnLst>
+  </p:timing>
 </p:sld>
 </file>
 
@@ -4814,6 +11179,14 @@
           <a:p>
             <a:pPr lvl="0"/>
             <a:r>
+              <a:rPr lang="zh-TW" altLang="en-US" kern="100" dirty="0" smtClean="0">
+                <a:latin typeface="Calibri" panose="020F0502020204030204" pitchFamily="34" charset="0"/>
+                <a:ea typeface="微軟正黑體" panose="020B0604030504040204" pitchFamily="34" charset="-120"/>
+                <a:cs typeface="Times New Roman" panose="02020603050405020304" pitchFamily="18" charset="0"/>
+              </a:rPr>
+              <a:t>*</a:t>
+            </a:r>
+            <a:r>
               <a:rPr lang="zh-TW" altLang="zh-TW" kern="100" dirty="0" smtClean="0">
                 <a:latin typeface="Calibri" panose="020F0502020204030204" pitchFamily="34" charset="0"/>
                 <a:ea typeface="微軟正黑體" panose="020B0604030504040204" pitchFamily="34" charset="-120"/>
@@ -4857,14 +11230,21 @@
                 <a:ea typeface="微軟正黑體" panose="020B0604030504040204" pitchFamily="34" charset="-120"/>
                 <a:cs typeface="Times New Roman" panose="02020603050405020304" pitchFamily="18" charset="0"/>
               </a:rPr>
-              <a:t>對手擊球</a:t>
+              <a:t>對手</a:t>
             </a:r>
             <a:r>
               <a:rPr lang="zh-TW" altLang="zh-TW" dirty="0" smtClean="0">
                 <a:ea typeface="微軟正黑體" panose="020B0604030504040204" pitchFamily="34" charset="-120"/>
                 <a:cs typeface="Times New Roman" panose="02020603050405020304" pitchFamily="18" charset="0"/>
               </a:rPr>
-              <a:t>角度</a:t>
+              <a:t>擊球</a:t>
+            </a:r>
+            <a:r>
+              <a:rPr lang="zh-TW" altLang="en-US" dirty="0">
+                <a:ea typeface="微軟正黑體" panose="020B0604030504040204" pitchFamily="34" charset="-120"/>
+                <a:cs typeface="Times New Roman" panose="02020603050405020304" pitchFamily="18" charset="0"/>
+              </a:rPr>
+              <a:t>點</a:t>
             </a:r>
             <a:endParaRPr lang="en-US" altLang="zh-TW" dirty="0" smtClean="0">
               <a:ea typeface="微軟正黑體" panose="020B0604030504040204" pitchFamily="34" charset="-120"/>
@@ -4872,27 +11252,6 @@
             </a:endParaRPr>
           </a:p>
           <a:p>
-            <a:pPr lvl="0"/>
-            <a:r>
-              <a:rPr lang="zh-TW" altLang="zh-TW" dirty="0">
-                <a:latin typeface="微軟正黑體" panose="020B0604030504040204" pitchFamily="34" charset="-120"/>
-                <a:ea typeface="微軟正黑體" panose="020B0604030504040204" pitchFamily="34" charset="-120"/>
-              </a:rPr>
-              <a:t>找出對手最難擊球的地點 例如</a:t>
-            </a:r>
-            <a:r>
-              <a:rPr lang="zh-TW" altLang="zh-TW" dirty="0" smtClean="0">
-                <a:latin typeface="微軟正黑體" panose="020B0604030504040204" pitchFamily="34" charset="-120"/>
-                <a:ea typeface="微軟正黑體" panose="020B0604030504040204" pitchFamily="34" charset="-120"/>
-              </a:rPr>
-              <a:t>對角線</a:t>
-            </a:r>
-            <a:endParaRPr lang="en-US" altLang="zh-TW" dirty="0" smtClean="0">
-              <a:latin typeface="微軟正黑體" panose="020B0604030504040204" pitchFamily="34" charset="-120"/>
-              <a:ea typeface="微軟正黑體" panose="020B0604030504040204" pitchFamily="34" charset="-120"/>
-            </a:endParaRPr>
-          </a:p>
-          <a:p>
             <a:r>
               <a:rPr lang="en-US" altLang="zh-TW" kern="100" dirty="0" smtClean="0">
                 <a:latin typeface="微軟正黑體" panose="020B0604030504040204" pitchFamily="34" charset="-120"/>
@@ -4901,14 +11260,15 @@
               </a:rPr>
               <a:t>FPS&gt;35</a:t>
             </a:r>
-            <a:endParaRPr lang="en-US" altLang="zh-TW" dirty="0" smtClean="0">
+            <a:endParaRPr lang="en-US" altLang="zh-TW" kern="100" dirty="0" smtClean="0">
               <a:latin typeface="微軟正黑體" panose="020B0604030504040204" pitchFamily="34" charset="-120"/>
               <a:ea typeface="微軟正黑體" panose="020B0604030504040204" pitchFamily="34" charset="-120"/>
+              <a:cs typeface="Times New Roman" panose="02020603050405020304" pitchFamily="18" charset="0"/>
             </a:endParaRPr>
           </a:p>
           <a:p>
             <a:r>
-              <a:rPr lang="zh-TW" altLang="zh-TW" dirty="0" smtClean="0">
+              <a:rPr lang="zh-TW" altLang="zh-TW" dirty="0">
                 <a:latin typeface="微軟正黑體" panose="020B0604030504040204" pitchFamily="34" charset="-120"/>
                 <a:ea typeface="微軟正黑體" panose="020B0604030504040204" pitchFamily="34" charset="-120"/>
               </a:rPr>
@@ -4956,6 +11316,13 @@
   <p:clrMapOvr>
     <a:masterClrMapping/>
   </p:clrMapOvr>
+  <p:timing>
+    <p:tnLst>
+      <p:par>
+        <p:cTn id="1" dur="indefinite" restart="never" nodeType="tmRoot"/>
+      </p:par>
+    </p:tnLst>
+  </p:timing>
 </p:sld>
 </file>
 
@@ -4993,11 +11360,11 @@
           <a:p>
             <a:r>
               <a:rPr lang="zh-TW" altLang="en-US" dirty="0"/>
-              <a:t>效能</a:t>
+              <a:t>環境</a:t>
             </a:r>
             <a:r>
               <a:rPr lang="zh-TW" altLang="en-US" dirty="0" smtClean="0"/>
-              <a:t>限制</a:t>
+              <a:t>需求</a:t>
             </a:r>
             <a:endParaRPr lang="zh-TW" altLang="en-US" dirty="0"/>
           </a:p>
@@ -5073,6 +11440,13 @@
   <p:clrMapOvr>
     <a:masterClrMapping/>
   </p:clrMapOvr>
+  <p:timing>
+    <p:tnLst>
+      <p:par>
+        <p:cTn id="1" dur="indefinite" restart="never" nodeType="tmRoot"/>
+      </p:par>
+    </p:tnLst>
+  </p:timing>
 </p:sld>
 </file>
 
@@ -5109,7 +11483,7 @@
           <a:lstStyle/>
           <a:p>
             <a:r>
-              <a:rPr lang="zh-TW" altLang="en-US" dirty="0" smtClean="0"/>
+              <a:rPr lang="zh-TW" altLang="en-US" dirty="0"/>
               <a:t>分析</a:t>
             </a:r>
             <a:r>
@@ -5117,8 +11491,8 @@
               <a:t>(</a:t>
             </a:r>
             <a:r>
-              <a:rPr lang="zh-TW" altLang="en-US" dirty="0" smtClean="0"/>
-              <a:t>功能模組</a:t>
+              <a:rPr lang="zh-TW" altLang="en-US" dirty="0"/>
+              <a:t>功能</a:t>
             </a:r>
             <a:r>
               <a:rPr lang="en-US" altLang="zh-TW" dirty="0" smtClean="0"/>
@@ -5138,408 +11512,266 @@
             <p:ph idx="1"/>
           </p:nvPr>
         </p:nvSpPr>
-        <p:spPr/>
-        <p:txBody>
-          <a:bodyPr/>
-          <a:lstStyle/>
-          <a:p>
-            <a:r>
-              <a:rPr lang="zh-TW" altLang="en-US" dirty="0" smtClean="0"/>
-              <a:t>訓練模型程式 </a:t>
-            </a:r>
-            <a:r>
-              <a:rPr lang="en-US" altLang="zh-TW" dirty="0" smtClean="0"/>
-              <a:t>:</a:t>
-            </a:r>
-            <a:r>
-              <a:rPr lang="zh-TW" altLang="en-US" dirty="0" smtClean="0"/>
-              <a:t> </a:t>
-            </a:r>
-            <a:endParaRPr lang="en-US" altLang="zh-TW" dirty="0" smtClean="0"/>
-          </a:p>
-          <a:p>
-            <a:pPr lvl="1"/>
-            <a:r>
-              <a:rPr lang="zh-TW" altLang="en-US" dirty="0" smtClean="0"/>
-              <a:t>利用機器學習訓練出一個有效的模型</a:t>
-            </a:r>
-            <a:endParaRPr lang="en-US" altLang="zh-TW" dirty="0" smtClean="0"/>
-          </a:p>
-          <a:p>
-            <a:endParaRPr lang="en-US" altLang="zh-TW" dirty="0"/>
-          </a:p>
-          <a:p>
-            <a:endParaRPr lang="en-US" altLang="zh-TW" dirty="0" smtClean="0"/>
-          </a:p>
-          <a:p>
-            <a:r>
-              <a:rPr lang="zh-TW" altLang="en-US" dirty="0" smtClean="0"/>
-              <a:t>執行模型程式</a:t>
-            </a:r>
-            <a:endParaRPr lang="en-US" altLang="zh-TW" dirty="0" smtClean="0"/>
-          </a:p>
-          <a:p>
-            <a:pPr lvl="1"/>
-            <a:endParaRPr lang="zh-TW" altLang="en-US" dirty="0"/>
-          </a:p>
-        </p:txBody>
-      </p:sp>
-      <p:pic>
-        <p:nvPicPr>
-          <p:cNvPr id="4" name="圖片 3"/>
-          <p:cNvPicPr>
-            <a:picLocks noChangeAspect="1"/>
-          </p:cNvPicPr>
-          <p:nvPr/>
-        </p:nvPicPr>
-        <p:blipFill>
-          <a:blip r:embed="rId2">
-            <a:extLst>
-              <a:ext uri="{28A0092B-C50C-407E-A947-70E740481C1C}">
-                <a14:useLocalDpi xmlns:a14="http://schemas.microsoft.com/office/drawing/2010/main" val="0"/>
-              </a:ext>
-            </a:extLst>
-          </a:blip>
-          <a:stretch>
-            <a:fillRect/>
-          </a:stretch>
-        </p:blipFill>
-        <p:spPr>
-          <a:xfrm>
-            <a:off x="3880181" y="2947921"/>
-            <a:ext cx="3629532" cy="962159"/>
-          </a:xfrm>
-          <a:prstGeom prst="rect">
-            <a:avLst/>
-          </a:prstGeom>
-        </p:spPr>
-      </p:pic>
-      <p:sp>
-        <p:nvSpPr>
-          <p:cNvPr id="5" name="矩形 4"/>
-          <p:cNvSpPr/>
-          <p:nvPr/>
-        </p:nvSpPr>
-        <p:spPr>
-          <a:xfrm>
-            <a:off x="2821402" y="4371033"/>
-            <a:ext cx="2117558" cy="942471"/>
-          </a:xfrm>
-          <a:prstGeom prst="rect">
-            <a:avLst/>
-          </a:prstGeom>
-        </p:spPr>
-        <p:style>
-          <a:lnRef idx="2">
-            <a:schemeClr val="dk1">
-              <a:shade val="50000"/>
-            </a:schemeClr>
-          </a:lnRef>
-          <a:fillRef idx="1">
-            <a:schemeClr val="dk1"/>
-          </a:fillRef>
-          <a:effectRef idx="0">
-            <a:schemeClr val="dk1"/>
-          </a:effectRef>
-          <a:fontRef idx="minor">
-            <a:schemeClr val="lt1"/>
-          </a:fontRef>
-        </p:style>
-        <p:txBody>
-          <a:bodyPr rtlCol="0" anchor="ctr"/>
-          <a:lstStyle/>
-          <a:p>
-            <a:pPr algn="ctr"/>
-            <a:r>
-              <a:rPr lang="zh-TW" altLang="en-US" dirty="0" smtClean="0"/>
-              <a:t>訓練模型</a:t>
-            </a:r>
-            <a:endParaRPr lang="zh-TW" altLang="en-US" dirty="0"/>
-          </a:p>
-        </p:txBody>
-      </p:sp>
-      <p:sp>
-        <p:nvSpPr>
-          <p:cNvPr id="6" name="矩形 5"/>
-          <p:cNvSpPr/>
-          <p:nvPr/>
-        </p:nvSpPr>
-        <p:spPr>
-          <a:xfrm>
-            <a:off x="6308783" y="4371032"/>
-            <a:ext cx="2117558" cy="942471"/>
-          </a:xfrm>
-          <a:prstGeom prst="rect">
-            <a:avLst/>
-          </a:prstGeom>
-        </p:spPr>
-        <p:style>
-          <a:lnRef idx="2">
-            <a:schemeClr val="dk1">
-              <a:shade val="50000"/>
-            </a:schemeClr>
-          </a:lnRef>
-          <a:fillRef idx="1">
-            <a:schemeClr val="dk1"/>
-          </a:fillRef>
-          <a:effectRef idx="0">
-            <a:schemeClr val="dk1"/>
-          </a:effectRef>
-          <a:fontRef idx="minor">
-            <a:schemeClr val="lt1"/>
-          </a:fontRef>
-        </p:style>
-        <p:txBody>
-          <a:bodyPr rtlCol="0" anchor="ctr"/>
-          <a:lstStyle/>
-          <a:p>
-            <a:pPr algn="ctr"/>
-            <a:r>
-              <a:rPr lang="zh-TW" altLang="en-US" dirty="0" smtClean="0"/>
-              <a:t>比賽對</a:t>
-            </a:r>
-            <a:r>
-              <a:rPr lang="zh-TW" altLang="en-US" dirty="0"/>
-              <a:t>打</a:t>
-            </a:r>
-          </a:p>
-        </p:txBody>
-      </p:sp>
-      <p:cxnSp>
-        <p:nvCxnSpPr>
-          <p:cNvPr id="8" name="直線單箭頭接點 7"/>
-          <p:cNvCxnSpPr/>
-          <p:nvPr/>
-        </p:nvCxnSpPr>
-        <p:spPr>
-          <a:xfrm flipV="1">
-            <a:off x="4966743" y="4823776"/>
-            <a:ext cx="1314256" cy="1"/>
-          </a:xfrm>
-          <a:prstGeom prst="straightConnector1">
-            <a:avLst/>
-          </a:prstGeom>
-          <a:ln>
-            <a:tailEnd type="triangle"/>
-          </a:ln>
-        </p:spPr>
-        <p:style>
-          <a:lnRef idx="3">
-            <a:schemeClr val="dk1"/>
-          </a:lnRef>
-          <a:fillRef idx="0">
-            <a:schemeClr val="dk1"/>
-          </a:fillRef>
-          <a:effectRef idx="2">
-            <a:schemeClr val="dk1"/>
-          </a:effectRef>
-          <a:fontRef idx="minor">
-            <a:schemeClr val="tx1"/>
-          </a:fontRef>
-        </p:style>
-      </p:cxnSp>
-      <p:sp>
-        <p:nvSpPr>
-          <p:cNvPr id="13" name="文字方塊 12"/>
-          <p:cNvSpPr txBox="1"/>
-          <p:nvPr/>
-        </p:nvSpPr>
-        <p:spPr>
-          <a:xfrm>
-            <a:off x="4966743" y="4195936"/>
-            <a:ext cx="1107996" cy="646331"/>
-          </a:xfrm>
-          <a:prstGeom prst="rect">
-            <a:avLst/>
-          </a:prstGeom>
-          <a:noFill/>
-        </p:spPr>
-        <p:txBody>
-          <a:bodyPr wrap="none" rtlCol="0">
-            <a:spAutoFit/>
+        <p:spPr>
+          <a:xfrm>
+            <a:off x="1451579" y="2015733"/>
+            <a:ext cx="9603275" cy="4285480"/>
+          </a:xfrm>
+        </p:spPr>
+        <p:txBody>
+          <a:bodyPr>
+            <a:normAutofit lnSpcReduction="10000"/>
           </a:bodyPr>
           <a:lstStyle/>
           <a:p>
-            <a:r>
-              <a:rPr lang="zh-TW" altLang="en-US" dirty="0" smtClean="0"/>
-              <a:t>提供預測</a:t>
-            </a:r>
-            <a:endParaRPr lang="en-US" altLang="zh-TW" dirty="0" smtClean="0"/>
-          </a:p>
-          <a:p>
-            <a:r>
-              <a:rPr lang="zh-TW" altLang="en-US" dirty="0" smtClean="0"/>
-              <a:t>模型</a:t>
-            </a:r>
-            <a:endParaRPr lang="zh-TW" altLang="en-US" dirty="0"/>
-          </a:p>
-        </p:txBody>
-      </p:sp>
-      <p:cxnSp>
-        <p:nvCxnSpPr>
-          <p:cNvPr id="35" name="接點: 肘形 9">
-            <a:extLst>
-              <a:ext uri="{FF2B5EF4-FFF2-40B4-BE49-F238E27FC236}">
-                <a16:creationId xmlns:a16="http://schemas.microsoft.com/office/drawing/2014/main" id="{2BE72E6F-2EFF-4DB6-99BE-7431F1E0ED61}"/>
-              </a:ext>
-            </a:extLst>
-          </p:cNvPr>
-          <p:cNvCxnSpPr>
-            <a:cxnSpLocks/>
-          </p:cNvCxnSpPr>
-          <p:nvPr/>
-        </p:nvCxnSpPr>
-        <p:spPr>
-          <a:xfrm rot="5400000" flipH="1">
-            <a:off x="2928149" y="4750569"/>
-            <a:ext cx="504825" cy="773885"/>
-          </a:xfrm>
-          <a:prstGeom prst="bentConnector4">
-            <a:avLst>
-              <a:gd name="adj1" fmla="val -89772"/>
-              <a:gd name="adj2" fmla="val 200019"/>
-            </a:avLst>
-          </a:prstGeom>
-          <a:ln>
-            <a:tailEnd type="triangle"/>
-          </a:ln>
-        </p:spPr>
-        <p:style>
-          <a:lnRef idx="3">
-            <a:schemeClr val="dk1"/>
-          </a:lnRef>
-          <a:fillRef idx="0">
-            <a:schemeClr val="dk1"/>
-          </a:fillRef>
-          <a:effectRef idx="2">
-            <a:schemeClr val="dk1"/>
-          </a:effectRef>
-          <a:fontRef idx="minor">
-            <a:schemeClr val="tx1"/>
-          </a:fontRef>
-        </p:style>
-      </p:cxnSp>
-      <p:sp>
-        <p:nvSpPr>
-          <p:cNvPr id="41" name="文字方塊 40"/>
-          <p:cNvSpPr txBox="1"/>
-          <p:nvPr/>
-        </p:nvSpPr>
-        <p:spPr>
-          <a:xfrm>
-            <a:off x="2140468" y="5405125"/>
-            <a:ext cx="1586457" cy="369332"/>
-          </a:xfrm>
-          <a:prstGeom prst="rect">
-            <a:avLst/>
-          </a:prstGeom>
-          <a:noFill/>
-        </p:spPr>
-        <p:txBody>
-          <a:bodyPr wrap="square" rtlCol="0">
-            <a:spAutoFit/>
-          </a:bodyPr>
-          <a:lstStyle/>
-          <a:p>
-            <a:r>
-              <a:rPr lang="zh-TW" altLang="en-US" dirty="0" smtClean="0"/>
-              <a:t>修</a:t>
-            </a:r>
-            <a:r>
-              <a:rPr lang="zh-TW" altLang="en-US" dirty="0"/>
-              <a:t>正</a:t>
-            </a:r>
-            <a:r>
-              <a:rPr lang="zh-TW" altLang="en-US" dirty="0" smtClean="0"/>
-              <a:t>模型</a:t>
-            </a:r>
-            <a:endParaRPr lang="zh-TW" altLang="en-US" dirty="0"/>
-          </a:p>
-        </p:txBody>
-      </p:sp>
-      <p:cxnSp>
-        <p:nvCxnSpPr>
-          <p:cNvPr id="47" name="接點: 肘形 14">
-            <a:extLst>
-              <a:ext uri="{FF2B5EF4-FFF2-40B4-BE49-F238E27FC236}">
-                <a16:creationId xmlns:a16="http://schemas.microsoft.com/office/drawing/2014/main" id="{DCE996EA-6BE7-48D1-94AB-7FEFED8E685F}"/>
-              </a:ext>
-            </a:extLst>
-          </p:cNvPr>
-          <p:cNvCxnSpPr>
-            <a:cxnSpLocks/>
-          </p:cNvCxnSpPr>
-          <p:nvPr/>
-        </p:nvCxnSpPr>
-        <p:spPr>
-          <a:xfrm rot="10800000" flipV="1">
-            <a:off x="3709655" y="5420611"/>
-            <a:ext cx="3800058" cy="384771"/>
-          </a:xfrm>
-          <a:prstGeom prst="bentConnector3">
-            <a:avLst>
-              <a:gd name="adj1" fmla="val 186"/>
-            </a:avLst>
-          </a:prstGeom>
-          <a:ln>
-            <a:tailEnd type="triangle"/>
-          </a:ln>
-        </p:spPr>
-        <p:style>
-          <a:lnRef idx="3">
-            <a:schemeClr val="dk1"/>
-          </a:lnRef>
-          <a:fillRef idx="0">
-            <a:schemeClr val="dk1"/>
-          </a:fillRef>
-          <a:effectRef idx="2">
-            <a:schemeClr val="dk1"/>
-          </a:effectRef>
-          <a:fontRef idx="minor">
-            <a:schemeClr val="tx1"/>
-          </a:fontRef>
-        </p:style>
-      </p:cxnSp>
-      <p:sp>
-        <p:nvSpPr>
-          <p:cNvPr id="53" name="文字方塊 52"/>
-          <p:cNvSpPr txBox="1"/>
-          <p:nvPr/>
-        </p:nvSpPr>
-        <p:spPr>
-          <a:xfrm>
-            <a:off x="4256550" y="5416327"/>
-            <a:ext cx="2628041" cy="369332"/>
-          </a:xfrm>
-          <a:prstGeom prst="rect">
-            <a:avLst/>
-          </a:prstGeom>
-          <a:noFill/>
-        </p:spPr>
-        <p:txBody>
-          <a:bodyPr wrap="square" rtlCol="0">
-            <a:spAutoFit/>
-          </a:bodyPr>
-          <a:lstStyle/>
-          <a:p>
-            <a:r>
-              <a:rPr lang="zh-TW" altLang="en-US" dirty="0" smtClean="0"/>
-              <a:t>依據對打結果修正模型</a:t>
-            </a:r>
-            <a:endParaRPr lang="zh-TW" altLang="en-US" dirty="0"/>
+            <a:pPr lvl="0"/>
+            <a:r>
+              <a:rPr lang="zh-TW" altLang="zh-TW" sz="1400" dirty="0">
+                <a:ea typeface="微軟正黑體" panose="020B0604030504040204" pitchFamily="34" charset="-120"/>
+                <a:cs typeface="Times New Roman" panose="02020603050405020304" pitchFamily="18" charset="0"/>
+              </a:rPr>
+              <a:t>板子能以最快的方式到達</a:t>
+            </a:r>
+            <a:r>
+              <a:rPr lang="zh-TW" altLang="zh-TW" sz="1400" dirty="0" smtClean="0">
+                <a:ea typeface="微軟正黑體" panose="020B0604030504040204" pitchFamily="34" charset="-120"/>
+                <a:cs typeface="Times New Roman" panose="02020603050405020304" pitchFamily="18" charset="0"/>
+              </a:rPr>
+              <a:t>定點</a:t>
+            </a:r>
+            <a:endParaRPr lang="en-US" altLang="zh-TW" sz="1400" dirty="0" smtClean="0">
+              <a:ea typeface="微軟正黑體" panose="020B0604030504040204" pitchFamily="34" charset="-120"/>
+              <a:cs typeface="Times New Roman" panose="02020603050405020304" pitchFamily="18" charset="0"/>
+            </a:endParaRPr>
+          </a:p>
+          <a:p>
+            <a:pPr marL="457200" lvl="1" indent="0">
+              <a:buNone/>
+            </a:pPr>
+            <a:r>
+              <a:rPr lang="zh-TW" altLang="en-US" sz="1400" dirty="0" smtClean="0">
+                <a:ea typeface="微軟正黑體" panose="020B0604030504040204" pitchFamily="34" charset="-120"/>
+                <a:cs typeface="Times New Roman" panose="02020603050405020304" pitchFamily="18" charset="0"/>
+              </a:rPr>
+              <a:t>：在擊球後即計算下一次的接球點</a:t>
+            </a:r>
+            <a:endParaRPr lang="en-US" altLang="zh-TW" sz="1400" dirty="0" smtClean="0">
+              <a:ea typeface="微軟正黑體" panose="020B0604030504040204" pitchFamily="34" charset="-120"/>
+              <a:cs typeface="Times New Roman" panose="02020603050405020304" pitchFamily="18" charset="0"/>
+            </a:endParaRPr>
+          </a:p>
+          <a:p>
+            <a:pPr marL="457200" lvl="1" indent="0">
+              <a:buNone/>
+            </a:pPr>
+            <a:r>
+              <a:rPr lang="en-US" altLang="zh-TW" sz="1400" dirty="0">
+                <a:ea typeface="微軟正黑體" panose="020B0604030504040204" pitchFamily="34" charset="-120"/>
+                <a:cs typeface="Times New Roman" panose="02020603050405020304" pitchFamily="18" charset="0"/>
+              </a:rPr>
+              <a:t>	</a:t>
+            </a:r>
+            <a:r>
+              <a:rPr lang="zh-TW" altLang="en-US" sz="1400" dirty="0" smtClean="0">
+                <a:ea typeface="微軟正黑體" panose="020B0604030504040204" pitchFamily="34" charset="-120"/>
+                <a:cs typeface="Times New Roman" panose="02020603050405020304" pitchFamily="18" charset="0"/>
+              </a:rPr>
+              <a:t>優點：接球位置準確</a:t>
+            </a:r>
+            <a:endParaRPr lang="en-US" altLang="zh-TW" sz="1400" dirty="0">
+              <a:ea typeface="微軟正黑體" panose="020B0604030504040204" pitchFamily="34" charset="-120"/>
+              <a:cs typeface="Times New Roman" panose="02020603050405020304" pitchFamily="18" charset="0"/>
+            </a:endParaRPr>
+          </a:p>
+          <a:p>
+            <a:pPr marL="457200" lvl="1" indent="0">
+              <a:buNone/>
+            </a:pPr>
+            <a:r>
+              <a:rPr lang="en-US" altLang="zh-TW" sz="1400" dirty="0" smtClean="0">
+                <a:ea typeface="微軟正黑體" panose="020B0604030504040204" pitchFamily="34" charset="-120"/>
+                <a:cs typeface="Times New Roman" panose="02020603050405020304" pitchFamily="18" charset="0"/>
+              </a:rPr>
+              <a:t>	</a:t>
+            </a:r>
+            <a:r>
+              <a:rPr lang="zh-TW" altLang="en-US" sz="1400" dirty="0" smtClean="0">
+                <a:ea typeface="微軟正黑體" panose="020B0604030504040204" pitchFamily="34" charset="-120"/>
+                <a:cs typeface="Times New Roman" panose="02020603050405020304" pitchFamily="18" charset="0"/>
+              </a:rPr>
+              <a:t>缺點：運算量較龐大，硬體可能無法來得及完成運算</a:t>
+            </a:r>
+            <a:endParaRPr lang="en-US" altLang="zh-TW" sz="1400" dirty="0">
+              <a:ea typeface="微軟正黑體" panose="020B0604030504040204" pitchFamily="34" charset="-120"/>
+              <a:cs typeface="Times New Roman" panose="02020603050405020304" pitchFamily="18" charset="0"/>
+            </a:endParaRPr>
+          </a:p>
+          <a:p>
+            <a:pPr lvl="0"/>
+            <a:r>
+              <a:rPr lang="zh-TW" altLang="en-US" sz="1400" kern="100" dirty="0">
+                <a:latin typeface="Calibri" panose="020F0502020204030204" pitchFamily="34" charset="0"/>
+                <a:ea typeface="微軟正黑體" panose="020B0604030504040204" pitchFamily="34" charset="-120"/>
+                <a:cs typeface="Times New Roman" panose="02020603050405020304" pitchFamily="18" charset="0"/>
+              </a:rPr>
+              <a:t>*</a:t>
+            </a:r>
+            <a:r>
+              <a:rPr lang="zh-TW" altLang="zh-TW" sz="1400" kern="100" dirty="0">
+                <a:latin typeface="Calibri" panose="020F0502020204030204" pitchFamily="34" charset="0"/>
+                <a:ea typeface="微軟正黑體" panose="020B0604030504040204" pitchFamily="34" charset="-120"/>
+                <a:cs typeface="Times New Roman" panose="02020603050405020304" pitchFamily="18" charset="0"/>
+              </a:rPr>
+              <a:t>擊球後回到</a:t>
+            </a:r>
+            <a:r>
+              <a:rPr lang="zh-TW" altLang="zh-TW" sz="1400" kern="100" dirty="0" smtClean="0">
+                <a:latin typeface="Calibri" panose="020F0502020204030204" pitchFamily="34" charset="0"/>
+                <a:ea typeface="微軟正黑體" panose="020B0604030504040204" pitchFamily="34" charset="-120"/>
+                <a:cs typeface="Times New Roman" panose="02020603050405020304" pitchFamily="18" charset="0"/>
+              </a:rPr>
+              <a:t>中心點</a:t>
+            </a:r>
+            <a:endParaRPr lang="en-US" altLang="zh-TW" sz="1400" kern="100" dirty="0" smtClean="0">
+              <a:latin typeface="Calibri" panose="020F0502020204030204" pitchFamily="34" charset="0"/>
+              <a:ea typeface="微軟正黑體" panose="020B0604030504040204" pitchFamily="34" charset="-120"/>
+              <a:cs typeface="Times New Roman" panose="02020603050405020304" pitchFamily="18" charset="0"/>
+            </a:endParaRPr>
+          </a:p>
+          <a:p>
+            <a:pPr marL="457200" lvl="1" indent="0">
+              <a:buNone/>
+            </a:pPr>
+            <a:r>
+              <a:rPr lang="zh-TW" altLang="en-US" sz="1400" kern="100" dirty="0" smtClean="0">
+                <a:latin typeface="Calibri" panose="020F0502020204030204" pitchFamily="34" charset="0"/>
+                <a:ea typeface="微軟正黑體" panose="020B0604030504040204" pitchFamily="34" charset="-120"/>
+                <a:cs typeface="Times New Roman" panose="02020603050405020304" pitchFamily="18" charset="0"/>
+              </a:rPr>
+              <a:t>：*若擊球後即可計算下一次接球點，則無需回到中心點；但若來不及運算，則回到中心點，可能會增加不必要的移動，但可減少運算量，且不會因移動距離過大接不到球，一種折衷的方式。</a:t>
+            </a:r>
+            <a:endParaRPr lang="en-US" altLang="zh-TW" sz="1400" kern="100" dirty="0">
+              <a:latin typeface="Calibri" panose="020F0502020204030204" pitchFamily="34" charset="0"/>
+              <a:ea typeface="微軟正黑體" panose="020B0604030504040204" pitchFamily="34" charset="-120"/>
+              <a:cs typeface="Times New Roman" panose="02020603050405020304" pitchFamily="18" charset="0"/>
+            </a:endParaRPr>
+          </a:p>
+          <a:p>
+            <a:pPr lvl="0"/>
+            <a:r>
+              <a:rPr lang="zh-TW" altLang="zh-TW" sz="1400" dirty="0">
+                <a:ea typeface="微軟正黑體" panose="020B0604030504040204" pitchFamily="34" charset="-120"/>
+                <a:cs typeface="Times New Roman" panose="02020603050405020304" pitchFamily="18" charset="0"/>
+              </a:rPr>
+              <a:t>預測對手擊球</a:t>
+            </a:r>
+            <a:r>
+              <a:rPr lang="zh-TW" altLang="en-US" sz="1400" dirty="0" smtClean="0">
+                <a:ea typeface="微軟正黑體" panose="020B0604030504040204" pitchFamily="34" charset="-120"/>
+                <a:cs typeface="Times New Roman" panose="02020603050405020304" pitchFamily="18" charset="0"/>
+              </a:rPr>
+              <a:t>點</a:t>
+            </a:r>
+            <a:endParaRPr lang="en-US" altLang="zh-TW" sz="1400" dirty="0" smtClean="0">
+              <a:ea typeface="微軟正黑體" panose="020B0604030504040204" pitchFamily="34" charset="-120"/>
+              <a:cs typeface="Times New Roman" panose="02020603050405020304" pitchFamily="18" charset="0"/>
+            </a:endParaRPr>
+          </a:p>
+          <a:p>
+            <a:pPr marL="457200" lvl="1" indent="0">
+              <a:buNone/>
+            </a:pPr>
+            <a:r>
+              <a:rPr lang="zh-TW" altLang="en-US" sz="1400" dirty="0" smtClean="0">
+                <a:ea typeface="微軟正黑體" panose="020B0604030504040204" pitchFamily="34" charset="-120"/>
+                <a:cs typeface="Times New Roman" panose="02020603050405020304" pitchFamily="18" charset="0"/>
+              </a:rPr>
+              <a:t>：此為第一項的需求之一，因為遊戲設計會導致預測接球點產生誤差，因此透過預測對手擊球點減少預測誤差</a:t>
+            </a:r>
+            <a:endParaRPr lang="en-US" altLang="zh-TW" sz="1400" dirty="0">
+              <a:ea typeface="微軟正黑體" panose="020B0604030504040204" pitchFamily="34" charset="-120"/>
+              <a:cs typeface="Times New Roman" panose="02020603050405020304" pitchFamily="18" charset="0"/>
+            </a:endParaRPr>
+          </a:p>
+          <a:p>
+            <a:r>
+              <a:rPr lang="en-US" altLang="zh-TW" sz="1400" kern="100" dirty="0" smtClean="0">
+                <a:latin typeface="微軟正黑體" panose="020B0604030504040204" pitchFamily="34" charset="-120"/>
+                <a:ea typeface="微軟正黑體" panose="020B0604030504040204" pitchFamily="34" charset="-120"/>
+                <a:cs typeface="Times New Roman" panose="02020603050405020304" pitchFamily="18" charset="0"/>
+              </a:rPr>
+              <a:t>FPS&gt;35</a:t>
+            </a:r>
+          </a:p>
+          <a:p>
+            <a:pPr marL="457200" lvl="1" indent="0">
+              <a:buNone/>
+            </a:pPr>
+            <a:r>
+              <a:rPr lang="zh-TW" altLang="en-US" sz="1400" kern="100" dirty="0" smtClean="0">
+                <a:latin typeface="微軟正黑體" panose="020B0604030504040204" pitchFamily="34" charset="-120"/>
+                <a:ea typeface="微軟正黑體" panose="020B0604030504040204" pitchFamily="34" charset="-120"/>
+                <a:cs typeface="Times New Roman" panose="02020603050405020304" pitchFamily="18" charset="0"/>
+              </a:rPr>
+              <a:t>：盡量減少運算量</a:t>
+            </a:r>
+            <a:endParaRPr lang="en-US" altLang="zh-TW" sz="1400" kern="100" dirty="0">
+              <a:latin typeface="微軟正黑體" panose="020B0604030504040204" pitchFamily="34" charset="-120"/>
+              <a:ea typeface="微軟正黑體" panose="020B0604030504040204" pitchFamily="34" charset="-120"/>
+              <a:cs typeface="Times New Roman" panose="02020603050405020304" pitchFamily="18" charset="0"/>
+            </a:endParaRPr>
+          </a:p>
+          <a:p>
+            <a:r>
+              <a:rPr lang="zh-TW" altLang="zh-TW" sz="1400" dirty="0">
+                <a:latin typeface="微軟正黑體" panose="020B0604030504040204" pitchFamily="34" charset="-120"/>
+                <a:ea typeface="微軟正黑體" panose="020B0604030504040204" pitchFamily="34" charset="-120"/>
+              </a:rPr>
+              <a:t>使用</a:t>
+            </a:r>
+            <a:r>
+              <a:rPr lang="en-US" altLang="zh-TW" sz="1400" dirty="0" smtClean="0">
+                <a:latin typeface="微軟正黑體" panose="020B0604030504040204" pitchFamily="34" charset="-120"/>
+                <a:ea typeface="微軟正黑體" panose="020B0604030504040204" pitchFamily="34" charset="-120"/>
+              </a:rPr>
+              <a:t>KNN</a:t>
+            </a:r>
+          </a:p>
+          <a:p>
+            <a:pPr marL="457200" lvl="1" indent="0">
+              <a:buNone/>
+            </a:pPr>
+            <a:r>
+              <a:rPr lang="zh-TW" altLang="en-US" sz="1400" dirty="0" smtClean="0">
+                <a:latin typeface="微軟正黑體" panose="020B0604030504040204" pitchFamily="34" charset="-120"/>
+                <a:ea typeface="微軟正黑體" panose="020B0604030504040204" pitchFamily="34" charset="-120"/>
+              </a:rPr>
+              <a:t>：簡單、有效</a:t>
+            </a:r>
+            <a:endParaRPr lang="en-US" altLang="zh-TW" sz="1400" dirty="0">
+              <a:latin typeface="微軟正黑體" panose="020B0604030504040204" pitchFamily="34" charset="-120"/>
+              <a:ea typeface="微軟正黑體" panose="020B0604030504040204" pitchFamily="34" charset="-120"/>
+            </a:endParaRPr>
           </a:p>
         </p:txBody>
       </p:sp>
     </p:spTree>
     <p:extLst>
       <p:ext uri="{BB962C8B-B14F-4D97-AF65-F5344CB8AC3E}">
-        <p14:creationId xmlns:p14="http://schemas.microsoft.com/office/powerpoint/2010/main" val="2079295921"/>
+        <p14:creationId xmlns:p14="http://schemas.microsoft.com/office/powerpoint/2010/main" val="1759206276"/>
       </p:ext>
     </p:extLst>
   </p:cSld>
   <p:clrMapOvr>
     <a:masterClrMapping/>
   </p:clrMapOvr>
+  <p:timing>
+    <p:tnLst>
+      <p:par>
+        <p:cTn id="1" dur="indefinite" restart="never" nodeType="tmRoot"/>
+      </p:par>
+    </p:tnLst>
+  </p:timing>
 </p:sld>
 </file>
 
@@ -5586,6 +11818,136 @@
             <a:r>
               <a:rPr lang="zh-TW" altLang="en-US" dirty="0" smtClean="0"/>
               <a:t>物件參數</a:t>
+            </a:r>
+            <a:r>
+              <a:rPr lang="en-US" altLang="zh-TW" dirty="0" smtClean="0"/>
+              <a:t>)</a:t>
+            </a:r>
+            <a:endParaRPr lang="zh-TW" altLang="en-US" dirty="0"/>
+          </a:p>
+        </p:txBody>
+      </p:sp>
+      <p:pic>
+        <p:nvPicPr>
+          <p:cNvPr id="4" name="內容版面配置區 3"/>
+          <p:cNvPicPr>
+            <a:picLocks noGrp="1" noChangeAspect="1"/>
+          </p:cNvPicPr>
+          <p:nvPr>
+            <p:ph idx="1"/>
+          </p:nvPr>
+        </p:nvPicPr>
+        <p:blipFill rotWithShape="1">
+          <a:blip r:embed="rId2">
+            <a:extLst>
+              <a:ext uri="{28A0092B-C50C-407E-A947-70E740481C1C}">
+                <a14:useLocalDpi xmlns:a14="http://schemas.microsoft.com/office/drawing/2010/main" val="0"/>
+              </a:ext>
+            </a:extLst>
+          </a:blip>
+          <a:srcRect r="1273" b="7062"/>
+          <a:stretch/>
+        </p:blipFill>
+        <p:spPr>
+          <a:xfrm>
+            <a:off x="3456842" y="2162315"/>
+            <a:ext cx="7069386" cy="3505153"/>
+          </a:xfrm>
+        </p:spPr>
+      </p:pic>
+      <p:pic>
+        <p:nvPicPr>
+          <p:cNvPr id="5" name="圖片 4">
+            <a:extLst>
+              <a:ext uri="{FF2B5EF4-FFF2-40B4-BE49-F238E27FC236}">
+                <a16:creationId xmlns:a16="http://schemas.microsoft.com/office/drawing/2014/main" id="{0D0D7CBF-01B5-461B-B9CD-2537E22F1EE6}"/>
+              </a:ext>
+            </a:extLst>
+          </p:cNvPr>
+          <p:cNvPicPr>
+            <a:picLocks noChangeAspect="1"/>
+          </p:cNvPicPr>
+          <p:nvPr/>
+        </p:nvPicPr>
+        <p:blipFill>
+          <a:blip r:embed="rId3"/>
+          <a:stretch>
+            <a:fillRect/>
+          </a:stretch>
+        </p:blipFill>
+        <p:spPr>
+          <a:xfrm>
+            <a:off x="1451579" y="1862837"/>
+            <a:ext cx="1612463" cy="4246685"/>
+          </a:xfrm>
+          <a:prstGeom prst="rect">
+            <a:avLst/>
+          </a:prstGeom>
+        </p:spPr>
+      </p:pic>
+    </p:spTree>
+    <p:extLst>
+      <p:ext uri="{BB962C8B-B14F-4D97-AF65-F5344CB8AC3E}">
+        <p14:creationId xmlns:p14="http://schemas.microsoft.com/office/powerpoint/2010/main" val="151880371"/>
+      </p:ext>
+    </p:extLst>
+  </p:cSld>
+  <p:clrMapOvr>
+    <a:masterClrMapping/>
+  </p:clrMapOvr>
+  <p:timing>
+    <p:tnLst>
+      <p:par>
+        <p:cTn id="1" dur="indefinite" restart="never" nodeType="tmRoot"/>
+      </p:par>
+    </p:tnLst>
+  </p:timing>
+</p:sld>
+</file>
+
+<file path=ppt/slides/slide6.xml><?xml version="1.0" encoding="utf-8"?>
+<p:sld xmlns:a="http://schemas.openxmlformats.org/drawingml/2006/main" xmlns:r="http://schemas.openxmlformats.org/officeDocument/2006/relationships" xmlns:p="http://schemas.openxmlformats.org/presentationml/2006/main">
+  <p:cSld>
+    <p:spTree>
+      <p:nvGrpSpPr>
+        <p:cNvPr id="1" name=""/>
+        <p:cNvGrpSpPr/>
+        <p:nvPr/>
+      </p:nvGrpSpPr>
+      <p:grpSpPr>
+        <a:xfrm>
+          <a:off x="0" y="0"/>
+          <a:ext cx="0" cy="0"/>
+          <a:chOff x="0" y="0"/>
+          <a:chExt cx="0" cy="0"/>
+        </a:xfrm>
+      </p:grpSpPr>
+      <p:sp>
+        <p:nvSpPr>
+          <p:cNvPr id="2" name="標題 1"/>
+          <p:cNvSpPr>
+            <a:spLocks noGrp="1"/>
+          </p:cNvSpPr>
+          <p:nvPr>
+            <p:ph type="title"/>
+          </p:nvPr>
+        </p:nvSpPr>
+        <p:spPr/>
+        <p:txBody>
+          <a:bodyPr/>
+          <a:lstStyle/>
+          <a:p>
+            <a:r>
+              <a:rPr lang="zh-TW" altLang="en-US" dirty="0" smtClean="0"/>
+              <a:t>分析</a:t>
+            </a:r>
+            <a:r>
+              <a:rPr lang="en-US" altLang="zh-TW" dirty="0" smtClean="0"/>
+              <a:t>(</a:t>
+            </a:r>
+            <a:r>
+              <a:rPr lang="zh-TW" altLang="en-US" dirty="0" smtClean="0"/>
+              <a:t>遊戲流程圖</a:t>
             </a:r>
             <a:r>
               <a:rPr lang="en-US" altLang="zh-TW" dirty="0" smtClean="0"/>
@@ -5619,8 +11981,8 @@
         </p:blipFill>
         <p:spPr>
           <a:xfrm>
-            <a:off x="3456842" y="2162315"/>
-            <a:ext cx="6420746" cy="3381847"/>
+            <a:off x="3287862" y="1862837"/>
+            <a:ext cx="3965531" cy="4255768"/>
           </a:xfrm>
         </p:spPr>
       </p:pic>
@@ -5657,137 +12019,20 @@
     </p:spTree>
     <p:extLst>
       <p:ext uri="{BB962C8B-B14F-4D97-AF65-F5344CB8AC3E}">
-        <p14:creationId xmlns:p14="http://schemas.microsoft.com/office/powerpoint/2010/main" val="1067500860"/>
+        <p14:creationId xmlns:p14="http://schemas.microsoft.com/office/powerpoint/2010/main" val="1279905613"/>
       </p:ext>
     </p:extLst>
   </p:cSld>
   <p:clrMapOvr>
     <a:masterClrMapping/>
   </p:clrMapOvr>
-</p:sld>
-</file>
-
-<file path=ppt/slides/slide6.xml><?xml version="1.0" encoding="utf-8"?>
-<p:sld xmlns:a="http://schemas.openxmlformats.org/drawingml/2006/main" xmlns:r="http://schemas.openxmlformats.org/officeDocument/2006/relationships" xmlns:p="http://schemas.openxmlformats.org/presentationml/2006/main">
-  <p:cSld>
-    <p:spTree>
-      <p:nvGrpSpPr>
-        <p:cNvPr id="1" name=""/>
-        <p:cNvGrpSpPr/>
-        <p:nvPr/>
-      </p:nvGrpSpPr>
-      <p:grpSpPr>
-        <a:xfrm>
-          <a:off x="0" y="0"/>
-          <a:ext cx="0" cy="0"/>
-          <a:chOff x="0" y="0"/>
-          <a:chExt cx="0" cy="0"/>
-        </a:xfrm>
-      </p:grpSpPr>
-      <p:sp>
-        <p:nvSpPr>
-          <p:cNvPr id="2" name="標題 1"/>
-          <p:cNvSpPr>
-            <a:spLocks noGrp="1"/>
-          </p:cNvSpPr>
-          <p:nvPr>
-            <p:ph type="title"/>
-          </p:nvPr>
-        </p:nvSpPr>
-        <p:spPr/>
-        <p:txBody>
-          <a:bodyPr/>
-          <a:lstStyle/>
-          <a:p>
-            <a:r>
-              <a:rPr lang="zh-TW" altLang="en-US" dirty="0" smtClean="0"/>
-              <a:t>分析</a:t>
-            </a:r>
-            <a:r>
-              <a:rPr lang="en-US" altLang="zh-TW" dirty="0" smtClean="0"/>
-              <a:t>(</a:t>
-            </a:r>
-            <a:r>
-              <a:rPr lang="zh-TW" altLang="en-US" dirty="0" smtClean="0"/>
-              <a:t>遊戲流程圖</a:t>
-            </a:r>
-            <a:r>
-              <a:rPr lang="en-US" altLang="zh-TW" dirty="0" smtClean="0"/>
-              <a:t>)</a:t>
-            </a:r>
-            <a:endParaRPr lang="zh-TW" altLang="en-US" dirty="0"/>
-          </a:p>
-        </p:txBody>
-      </p:sp>
-      <p:pic>
-        <p:nvPicPr>
-          <p:cNvPr id="4" name="內容版面配置區 3"/>
-          <p:cNvPicPr>
-            <a:picLocks noGrp="1" noChangeAspect="1"/>
-          </p:cNvPicPr>
-          <p:nvPr>
-            <p:ph idx="1"/>
-          </p:nvPr>
-        </p:nvPicPr>
-        <p:blipFill>
-          <a:blip r:embed="rId2">
-            <a:extLst>
-              <a:ext uri="{28A0092B-C50C-407E-A947-70E740481C1C}">
-                <a14:useLocalDpi xmlns:a14="http://schemas.microsoft.com/office/drawing/2010/main" val="0"/>
-              </a:ext>
-            </a:extLst>
-          </a:blip>
-          <a:stretch>
-            <a:fillRect/>
-          </a:stretch>
-        </p:blipFill>
-        <p:spPr>
-          <a:xfrm>
-            <a:off x="3535467" y="1963391"/>
-            <a:ext cx="3863372" cy="4146131"/>
-          </a:xfrm>
-        </p:spPr>
-      </p:pic>
-      <p:pic>
-        <p:nvPicPr>
-          <p:cNvPr id="5" name="圖片 4">
-            <a:extLst>
-              <a:ext uri="{FF2B5EF4-FFF2-40B4-BE49-F238E27FC236}">
-                <a16:creationId xmlns:a16="http://schemas.microsoft.com/office/drawing/2014/main" id="{0D0D7CBF-01B5-461B-B9CD-2537E22F1EE6}"/>
-              </a:ext>
-            </a:extLst>
-          </p:cNvPr>
-          <p:cNvPicPr>
-            <a:picLocks noChangeAspect="1"/>
-          </p:cNvPicPr>
-          <p:nvPr/>
-        </p:nvPicPr>
-        <p:blipFill>
-          <a:blip r:embed="rId3"/>
-          <a:stretch>
-            <a:fillRect/>
-          </a:stretch>
-        </p:blipFill>
-        <p:spPr>
-          <a:xfrm>
-            <a:off x="1451579" y="1862837"/>
-            <a:ext cx="1612463" cy="4246685"/>
-          </a:xfrm>
-          <a:prstGeom prst="rect">
-            <a:avLst/>
-          </a:prstGeom>
-        </p:spPr>
-      </p:pic>
-    </p:spTree>
-    <p:extLst>
-      <p:ext uri="{BB962C8B-B14F-4D97-AF65-F5344CB8AC3E}">
-        <p14:creationId xmlns:p14="http://schemas.microsoft.com/office/powerpoint/2010/main" val="1652133463"/>
-      </p:ext>
-    </p:extLst>
-  </p:cSld>
-  <p:clrMapOvr>
-    <a:masterClrMapping/>
-  </p:clrMapOvr>
+  <p:timing>
+    <p:tnLst>
+      <p:par>
+        <p:cTn id="1" dur="indefinite" restart="never" nodeType="tmRoot"/>
+      </p:par>
+    </p:tnLst>
+  </p:timing>
 </p:sld>
 </file>
 
@@ -5808,25 +12053,6 @@
           <a:chExt cx="0" cy="0"/>
         </a:xfrm>
       </p:grpSpPr>
-      <p:sp>
-        <p:nvSpPr>
-          <p:cNvPr id="3" name="內容版面配置區 2"/>
-          <p:cNvSpPr>
-            <a:spLocks noGrp="1"/>
-          </p:cNvSpPr>
-          <p:nvPr>
-            <p:ph idx="1"/>
-          </p:nvPr>
-        </p:nvSpPr>
-        <p:spPr/>
-        <p:txBody>
-          <a:bodyPr/>
-          <a:lstStyle/>
-          <a:p>
-            <a:endParaRPr lang="zh-TW" altLang="en-US"/>
-          </a:p>
-        </p:txBody>
-      </p:sp>
       <p:pic>
         <p:nvPicPr>
           <p:cNvPr id="4" name="圖片 3"/>
@@ -5843,7 +12069,7 @@
         </p:blipFill>
         <p:spPr>
           <a:xfrm>
-            <a:off x="3157591" y="1853754"/>
+            <a:off x="3157591" y="2043906"/>
             <a:ext cx="6191250" cy="1495425"/>
           </a:xfrm>
           <a:prstGeom prst="rect">
@@ -5919,13 +12145,20 @@
     </p:spTree>
     <p:extLst>
       <p:ext uri="{BB962C8B-B14F-4D97-AF65-F5344CB8AC3E}">
-        <p14:creationId xmlns:p14="http://schemas.microsoft.com/office/powerpoint/2010/main" val="3197398451"/>
+        <p14:creationId xmlns:p14="http://schemas.microsoft.com/office/powerpoint/2010/main" val="3264890458"/>
       </p:ext>
     </p:extLst>
   </p:cSld>
   <p:clrMapOvr>
     <a:masterClrMapping/>
   </p:clrMapOvr>
+  <p:timing>
+    <p:tnLst>
+      <p:par>
+        <p:cTn id="1" dur="indefinite" restart="never" nodeType="tmRoot"/>
+      </p:par>
+    </p:tnLst>
+  </p:timing>
 </p:sld>
 </file>
 
@@ -5948,6 +12181,41 @@
       </p:grpSpPr>
       <p:sp>
         <p:nvSpPr>
+          <p:cNvPr id="2" name="標題 1"/>
+          <p:cNvSpPr>
+            <a:spLocks noGrp="1"/>
+          </p:cNvSpPr>
+          <p:nvPr>
+            <p:ph type="title"/>
+          </p:nvPr>
+        </p:nvSpPr>
+        <p:spPr/>
+        <p:txBody>
+          <a:bodyPr/>
+          <a:lstStyle/>
+          <a:p>
+            <a:r>
+              <a:rPr lang="zh-TW" altLang="en-US" dirty="0" smtClean="0"/>
+              <a:t>分析</a:t>
+            </a:r>
+            <a:r>
+              <a:rPr lang="en-US" altLang="zh-TW" dirty="0" smtClean="0"/>
+              <a:t>(</a:t>
+            </a:r>
+            <a:r>
+              <a:rPr lang="zh-TW" altLang="en-US" dirty="0" smtClean="0"/>
+              <a:t>功能模組</a:t>
+            </a:r>
+            <a:r>
+              <a:rPr lang="en-US" altLang="zh-TW" dirty="0" smtClean="0"/>
+              <a:t>)</a:t>
+            </a:r>
+            <a:endParaRPr lang="zh-TW" altLang="en-US" dirty="0"/>
+          </a:p>
+        </p:txBody>
+      </p:sp>
+      <p:sp>
+        <p:nvSpPr>
           <p:cNvPr id="3" name="內容版面配置區 2"/>
           <p:cNvSpPr>
             <a:spLocks noGrp="1"/>
@@ -5963,85 +12231,386 @@
           <a:p>
             <a:r>
               <a:rPr lang="zh-TW" altLang="en-US" dirty="0" smtClean="0"/>
-              <a:t>訓練方法</a:t>
+              <a:t>訓練模型程式 </a:t>
+            </a:r>
+            <a:r>
+              <a:rPr lang="en-US" altLang="zh-TW" dirty="0" smtClean="0"/>
+              <a:t>:</a:t>
+            </a:r>
+            <a:r>
+              <a:rPr lang="zh-TW" altLang="en-US" dirty="0" smtClean="0"/>
+              <a:t> </a:t>
             </a:r>
             <a:endParaRPr lang="en-US" altLang="zh-TW" dirty="0" smtClean="0"/>
           </a:p>
           <a:p>
             <a:pPr lvl="1"/>
             <a:r>
+              <a:rPr lang="zh-TW" altLang="en-US" dirty="0" smtClean="0"/>
+              <a:t>利用機器學習訓練出一個有效的模型</a:t>
+            </a:r>
+            <a:endParaRPr lang="en-US" altLang="zh-TW" dirty="0" smtClean="0"/>
+          </a:p>
+          <a:p>
+            <a:endParaRPr lang="en-US" altLang="zh-TW" dirty="0"/>
+          </a:p>
+          <a:p>
+            <a:endParaRPr lang="en-US" altLang="zh-TW" dirty="0" smtClean="0"/>
+          </a:p>
+          <a:p>
+            <a:r>
+              <a:rPr lang="zh-TW" altLang="en-US" dirty="0" smtClean="0"/>
+              <a:t>執行模型程式</a:t>
+            </a:r>
+            <a:endParaRPr lang="en-US" altLang="zh-TW" dirty="0" smtClean="0"/>
+          </a:p>
+          <a:p>
+            <a:pPr lvl="1"/>
+            <a:endParaRPr lang="zh-TW" altLang="en-US" dirty="0"/>
+          </a:p>
+        </p:txBody>
+      </p:sp>
+      <p:pic>
+        <p:nvPicPr>
+          <p:cNvPr id="4" name="圖片 3"/>
+          <p:cNvPicPr>
+            <a:picLocks noChangeAspect="1"/>
+          </p:cNvPicPr>
+          <p:nvPr/>
+        </p:nvPicPr>
+        <p:blipFill>
+          <a:blip r:embed="rId2">
+            <a:extLst>
+              <a:ext uri="{28A0092B-C50C-407E-A947-70E740481C1C}">
+                <a14:useLocalDpi xmlns:a14="http://schemas.microsoft.com/office/drawing/2010/main" val="0"/>
+              </a:ext>
+            </a:extLst>
+          </a:blip>
+          <a:stretch>
+            <a:fillRect/>
+          </a:stretch>
+        </p:blipFill>
+        <p:spPr>
+          <a:xfrm>
+            <a:off x="3880181" y="2947921"/>
+            <a:ext cx="3629532" cy="962159"/>
+          </a:xfrm>
+          <a:prstGeom prst="rect">
+            <a:avLst/>
+          </a:prstGeom>
+        </p:spPr>
+      </p:pic>
+      <p:sp>
+        <p:nvSpPr>
+          <p:cNvPr id="5" name="矩形 4"/>
+          <p:cNvSpPr/>
+          <p:nvPr/>
+        </p:nvSpPr>
+        <p:spPr>
+          <a:xfrm>
+            <a:off x="2821402" y="4371033"/>
+            <a:ext cx="2117558" cy="942471"/>
+          </a:xfrm>
+          <a:prstGeom prst="rect">
+            <a:avLst/>
+          </a:prstGeom>
+        </p:spPr>
+        <p:style>
+          <a:lnRef idx="2">
+            <a:schemeClr val="dk1">
+              <a:shade val="50000"/>
+            </a:schemeClr>
+          </a:lnRef>
+          <a:fillRef idx="1">
+            <a:schemeClr val="dk1"/>
+          </a:fillRef>
+          <a:effectRef idx="0">
+            <a:schemeClr val="dk1"/>
+          </a:effectRef>
+          <a:fontRef idx="minor">
+            <a:schemeClr val="lt1"/>
+          </a:fontRef>
+        </p:style>
+        <p:txBody>
+          <a:bodyPr rtlCol="0" anchor="ctr"/>
+          <a:lstStyle/>
+          <a:p>
+            <a:pPr algn="ctr"/>
+            <a:r>
+              <a:rPr lang="zh-TW" altLang="en-US" dirty="0" smtClean="0"/>
+              <a:t>訓練模型</a:t>
+            </a:r>
+            <a:endParaRPr lang="zh-TW" altLang="en-US" dirty="0"/>
+          </a:p>
+        </p:txBody>
+      </p:sp>
+      <p:sp>
+        <p:nvSpPr>
+          <p:cNvPr id="6" name="矩形 5"/>
+          <p:cNvSpPr/>
+          <p:nvPr/>
+        </p:nvSpPr>
+        <p:spPr>
+          <a:xfrm>
+            <a:off x="6308783" y="4371032"/>
+            <a:ext cx="2117558" cy="942471"/>
+          </a:xfrm>
+          <a:prstGeom prst="rect">
+            <a:avLst/>
+          </a:prstGeom>
+        </p:spPr>
+        <p:style>
+          <a:lnRef idx="2">
+            <a:schemeClr val="dk1">
+              <a:shade val="50000"/>
+            </a:schemeClr>
+          </a:lnRef>
+          <a:fillRef idx="1">
+            <a:schemeClr val="dk1"/>
+          </a:fillRef>
+          <a:effectRef idx="0">
+            <a:schemeClr val="dk1"/>
+          </a:effectRef>
+          <a:fontRef idx="minor">
+            <a:schemeClr val="lt1"/>
+          </a:fontRef>
+        </p:style>
+        <p:txBody>
+          <a:bodyPr rtlCol="0" anchor="ctr"/>
+          <a:lstStyle/>
+          <a:p>
+            <a:pPr algn="ctr"/>
+            <a:r>
+              <a:rPr lang="zh-TW" altLang="en-US" dirty="0" smtClean="0"/>
+              <a:t>比賽對</a:t>
+            </a:r>
+            <a:r>
               <a:rPr lang="zh-TW" altLang="en-US" dirty="0"/>
-              <a:t>目前選用</a:t>
-            </a:r>
-            <a:r>
-              <a:rPr lang="en-US" altLang="zh-TW" dirty="0"/>
-              <a:t>KNN</a:t>
+              <a:t>打</a:t>
+            </a:r>
+          </a:p>
+        </p:txBody>
+      </p:sp>
+      <p:cxnSp>
+        <p:nvCxnSpPr>
+          <p:cNvPr id="8" name="直線單箭頭接點 7"/>
+          <p:cNvCxnSpPr/>
+          <p:nvPr/>
+        </p:nvCxnSpPr>
+        <p:spPr>
+          <a:xfrm flipV="1">
+            <a:off x="4966743" y="4823776"/>
+            <a:ext cx="1314256" cy="1"/>
+          </a:xfrm>
+          <a:prstGeom prst="straightConnector1">
+            <a:avLst/>
+          </a:prstGeom>
+          <a:ln>
+            <a:tailEnd type="triangle"/>
+          </a:ln>
+        </p:spPr>
+        <p:style>
+          <a:lnRef idx="3">
+            <a:schemeClr val="dk1"/>
+          </a:lnRef>
+          <a:fillRef idx="0">
+            <a:schemeClr val="dk1"/>
+          </a:fillRef>
+          <a:effectRef idx="2">
+            <a:schemeClr val="dk1"/>
+          </a:effectRef>
+          <a:fontRef idx="minor">
+            <a:schemeClr val="tx1"/>
+          </a:fontRef>
+        </p:style>
+      </p:cxnSp>
+      <p:sp>
+        <p:nvSpPr>
+          <p:cNvPr id="13" name="文字方塊 12"/>
+          <p:cNvSpPr txBox="1"/>
+          <p:nvPr/>
+        </p:nvSpPr>
+        <p:spPr>
+          <a:xfrm>
+            <a:off x="4966743" y="4195936"/>
+            <a:ext cx="1107996" cy="646331"/>
+          </a:xfrm>
+          <a:prstGeom prst="rect">
+            <a:avLst/>
+          </a:prstGeom>
+          <a:noFill/>
+        </p:spPr>
+        <p:txBody>
+          <a:bodyPr wrap="none" rtlCol="0">
+            <a:spAutoFit/>
+          </a:bodyPr>
+          <a:lstStyle/>
+          <a:p>
+            <a:r>
+              <a:rPr lang="zh-TW" altLang="en-US" dirty="0" smtClean="0"/>
+              <a:t>提供預測</a:t>
+            </a:r>
+            <a:endParaRPr lang="en-US" altLang="zh-TW" dirty="0" smtClean="0"/>
+          </a:p>
+          <a:p>
+            <a:r>
+              <a:rPr lang="zh-TW" altLang="en-US" dirty="0" smtClean="0"/>
+              <a:t>模型</a:t>
+            </a:r>
+            <a:endParaRPr lang="zh-TW" altLang="en-US" dirty="0"/>
+          </a:p>
+        </p:txBody>
+      </p:sp>
+      <p:cxnSp>
+        <p:nvCxnSpPr>
+          <p:cNvPr id="35" name="接點: 肘形 9">
+            <a:extLst>
+              <a:ext uri="{FF2B5EF4-FFF2-40B4-BE49-F238E27FC236}">
+                <a16:creationId xmlns:a16="http://schemas.microsoft.com/office/drawing/2014/main" id="{2BE72E6F-2EFF-4DB6-99BE-7431F1E0ED61}"/>
+              </a:ext>
+            </a:extLst>
+          </p:cNvPr>
+          <p:cNvCxnSpPr>
+            <a:cxnSpLocks/>
+          </p:cNvCxnSpPr>
+          <p:nvPr/>
+        </p:nvCxnSpPr>
+        <p:spPr>
+          <a:xfrm rot="5400000" flipH="1">
+            <a:off x="2928149" y="4750569"/>
+            <a:ext cx="504825" cy="773885"/>
+          </a:xfrm>
+          <a:prstGeom prst="bentConnector4">
+            <a:avLst>
+              <a:gd name="adj1" fmla="val -89772"/>
+              <a:gd name="adj2" fmla="val 200019"/>
+            </a:avLst>
+          </a:prstGeom>
+          <a:ln>
+            <a:tailEnd type="triangle"/>
+          </a:ln>
+        </p:spPr>
+        <p:style>
+          <a:lnRef idx="3">
+            <a:schemeClr val="dk1"/>
+          </a:lnRef>
+          <a:fillRef idx="0">
+            <a:schemeClr val="dk1"/>
+          </a:fillRef>
+          <a:effectRef idx="2">
+            <a:schemeClr val="dk1"/>
+          </a:effectRef>
+          <a:fontRef idx="minor">
+            <a:schemeClr val="tx1"/>
+          </a:fontRef>
+        </p:style>
+      </p:cxnSp>
+      <p:sp>
+        <p:nvSpPr>
+          <p:cNvPr id="41" name="文字方塊 40"/>
+          <p:cNvSpPr txBox="1"/>
+          <p:nvPr/>
+        </p:nvSpPr>
+        <p:spPr>
+          <a:xfrm>
+            <a:off x="2140468" y="5405125"/>
+            <a:ext cx="1586457" cy="369332"/>
+          </a:xfrm>
+          <a:prstGeom prst="rect">
+            <a:avLst/>
+          </a:prstGeom>
+          <a:noFill/>
+        </p:spPr>
+        <p:txBody>
+          <a:bodyPr wrap="square" rtlCol="0">
+            <a:spAutoFit/>
+          </a:bodyPr>
+          <a:lstStyle/>
+          <a:p>
+            <a:r>
+              <a:rPr lang="zh-TW" altLang="en-US" dirty="0" smtClean="0"/>
+              <a:t>修</a:t>
             </a:r>
             <a:r>
               <a:rPr lang="zh-TW" altLang="en-US" dirty="0"/>
-              <a:t>演算法來作</a:t>
+              <a:t>正</a:t>
             </a:r>
             <a:r>
               <a:rPr lang="zh-TW" altLang="en-US" dirty="0" smtClean="0"/>
-              <a:t>訓練</a:t>
-            </a:r>
-            <a:endParaRPr lang="en-US" altLang="zh-TW" dirty="0"/>
-          </a:p>
+              <a:t>模型</a:t>
+            </a:r>
+            <a:endParaRPr lang="zh-TW" altLang="en-US" dirty="0"/>
+          </a:p>
+        </p:txBody>
+      </p:sp>
+      <p:cxnSp>
+        <p:nvCxnSpPr>
+          <p:cNvPr id="47" name="接點: 肘形 14">
+            <a:extLst>
+              <a:ext uri="{FF2B5EF4-FFF2-40B4-BE49-F238E27FC236}">
+                <a16:creationId xmlns:a16="http://schemas.microsoft.com/office/drawing/2014/main" id="{DCE996EA-6BE7-48D1-94AB-7FEFED8E685F}"/>
+              </a:ext>
+            </a:extLst>
+          </p:cNvPr>
+          <p:cNvCxnSpPr>
+            <a:cxnSpLocks/>
+          </p:cNvCxnSpPr>
+          <p:nvPr/>
+        </p:nvCxnSpPr>
+        <p:spPr>
+          <a:xfrm rot="10800000" flipV="1">
+            <a:off x="3709655" y="5420611"/>
+            <a:ext cx="3800058" cy="384771"/>
+          </a:xfrm>
+          <a:prstGeom prst="bentConnector3">
+            <a:avLst>
+              <a:gd name="adj1" fmla="val 186"/>
+            </a:avLst>
+          </a:prstGeom>
+          <a:ln>
+            <a:tailEnd type="triangle"/>
+          </a:ln>
+        </p:spPr>
+        <p:style>
+          <a:lnRef idx="3">
+            <a:schemeClr val="dk1"/>
+          </a:lnRef>
+          <a:fillRef idx="0">
+            <a:schemeClr val="dk1"/>
+          </a:fillRef>
+          <a:effectRef idx="2">
+            <a:schemeClr val="dk1"/>
+          </a:effectRef>
+          <a:fontRef idx="minor">
+            <a:schemeClr val="tx1"/>
+          </a:fontRef>
+        </p:style>
+      </p:cxnSp>
+      <p:sp>
+        <p:nvSpPr>
+          <p:cNvPr id="53" name="文字方塊 52"/>
+          <p:cNvSpPr txBox="1"/>
+          <p:nvPr/>
+        </p:nvSpPr>
+        <p:spPr>
+          <a:xfrm>
+            <a:off x="4256550" y="5416327"/>
+            <a:ext cx="2628041" cy="369332"/>
+          </a:xfrm>
+          <a:prstGeom prst="rect">
+            <a:avLst/>
+          </a:prstGeom>
+          <a:noFill/>
+        </p:spPr>
+        <p:txBody>
+          <a:bodyPr wrap="square" rtlCol="0">
+            <a:spAutoFit/>
+          </a:bodyPr>
+          <a:lstStyle/>
           <a:p>
             <a:r>
               <a:rPr lang="zh-TW" altLang="en-US" dirty="0" smtClean="0"/>
-              <a:t>訓練資料來源</a:t>
-            </a:r>
-            <a:endParaRPr lang="en-US" altLang="zh-TW" dirty="0" smtClean="0"/>
-          </a:p>
-          <a:p>
-            <a:pPr lvl="1"/>
-            <a:r>
-              <a:rPr lang="zh-TW" altLang="en-US" dirty="0" smtClean="0"/>
-              <a:t>利用</a:t>
-            </a:r>
-            <a:r>
-              <a:rPr lang="en-US" altLang="zh-TW" dirty="0" smtClean="0"/>
-              <a:t>rule-base </a:t>
-            </a:r>
-            <a:r>
-              <a:rPr lang="zh-TW" altLang="en-US" dirty="0" smtClean="0"/>
-              <a:t>提供大量的有效樣本，並根據需求做調整</a:t>
-            </a:r>
-            <a:endParaRPr lang="en-US" altLang="zh-TW" dirty="0" smtClean="0"/>
-          </a:p>
-        </p:txBody>
-      </p:sp>
-      <p:sp>
-        <p:nvSpPr>
-          <p:cNvPr id="4" name="標題 1"/>
-          <p:cNvSpPr>
-            <a:spLocks noGrp="1"/>
-          </p:cNvSpPr>
-          <p:nvPr>
-            <p:ph type="title"/>
-          </p:nvPr>
-        </p:nvSpPr>
-        <p:spPr/>
-        <p:txBody>
-          <a:bodyPr/>
-          <a:lstStyle/>
-          <a:p>
-            <a:r>
-              <a:rPr lang="zh-TW" altLang="en-US" dirty="0" smtClean="0"/>
-              <a:t>分析</a:t>
-            </a:r>
-            <a:r>
-              <a:rPr lang="en-US" altLang="zh-TW" dirty="0" smtClean="0"/>
-              <a:t>(</a:t>
-            </a:r>
-            <a:r>
-              <a:rPr lang="zh-TW" altLang="en-US" dirty="0" smtClean="0"/>
-              <a:t>實現方法</a:t>
-            </a:r>
-            <a:r>
-              <a:rPr lang="en-US" altLang="zh-TW" dirty="0" smtClean="0"/>
-              <a:t>)</a:t>
+              <a:t>依據對打結果修正模型</a:t>
             </a:r>
             <a:endParaRPr lang="zh-TW" altLang="en-US" dirty="0"/>
           </a:p>
@@ -6050,13 +12619,20 @@
     </p:spTree>
     <p:extLst>
       <p:ext uri="{BB962C8B-B14F-4D97-AF65-F5344CB8AC3E}">
-        <p14:creationId xmlns:p14="http://schemas.microsoft.com/office/powerpoint/2010/main" val="3801130603"/>
+        <p14:creationId xmlns:p14="http://schemas.microsoft.com/office/powerpoint/2010/main" val="344233306"/>
       </p:ext>
     </p:extLst>
   </p:cSld>
   <p:clrMapOvr>
     <a:masterClrMapping/>
   </p:clrMapOvr>
+  <p:timing>
+    <p:tnLst>
+      <p:par>
+        <p:cTn id="1" dur="indefinite" restart="never" nodeType="tmRoot"/>
+      </p:par>
+    </p:tnLst>
+  </p:timing>
 </p:sld>
 </file>
 
@@ -6094,64 +12670,52 @@
           <a:p>
             <a:r>
               <a:rPr lang="zh-TW" altLang="en-US" dirty="0" smtClean="0"/>
-              <a:t>根據</a:t>
+              <a:t>訓練方法</a:t>
+            </a:r>
+            <a:endParaRPr lang="en-US" altLang="zh-TW" dirty="0" smtClean="0"/>
+          </a:p>
+          <a:p>
+            <a:pPr lvl="1"/>
+            <a:r>
+              <a:rPr lang="zh-TW" altLang="en-US" dirty="0"/>
+              <a:t>目前選用</a:t>
+            </a:r>
+            <a:r>
+              <a:rPr lang="en-US" altLang="zh-TW" dirty="0"/>
+              <a:t>KNN</a:t>
+            </a:r>
+            <a:r>
+              <a:rPr lang="zh-TW" altLang="en-US" dirty="0"/>
+              <a:t>演算法來作</a:t>
+            </a:r>
+            <a:r>
+              <a:rPr lang="zh-TW" altLang="en-US" dirty="0" smtClean="0"/>
+              <a:t>訓練</a:t>
+            </a:r>
+            <a:endParaRPr lang="en-US" altLang="zh-TW" dirty="0"/>
+          </a:p>
+          <a:p>
+            <a:r>
+              <a:rPr lang="zh-TW" altLang="en-US" dirty="0" smtClean="0"/>
+              <a:t>訓練資料來源</a:t>
+            </a:r>
+            <a:endParaRPr lang="en-US" altLang="zh-TW" dirty="0" smtClean="0"/>
+          </a:p>
+          <a:p>
+            <a:pPr lvl="1"/>
+            <a:r>
+              <a:rPr lang="zh-TW" altLang="en-US" dirty="0" smtClean="0"/>
+              <a:t>利用</a:t>
             </a:r>
             <a:r>
               <a:rPr lang="en-US" altLang="zh-TW" dirty="0" smtClean="0"/>
-              <a:t>1P</a:t>
+              <a:t>rule-base </a:t>
             </a:r>
             <a:r>
               <a:rPr lang="zh-TW" altLang="en-US" dirty="0" smtClean="0"/>
-              <a:t>或</a:t>
-            </a:r>
-            <a:r>
-              <a:rPr lang="en-US" altLang="zh-TW" dirty="0" smtClean="0"/>
-              <a:t>2P</a:t>
-            </a:r>
-            <a:r>
-              <a:rPr lang="zh-TW" altLang="en-US" dirty="0" smtClean="0"/>
-              <a:t>決定不同的</a:t>
-            </a:r>
-            <a:r>
-              <a:rPr lang="en-US" altLang="zh-TW" dirty="0" smtClean="0"/>
-              <a:t>rule-base</a:t>
-            </a:r>
-            <a:endParaRPr lang="en-US" altLang="zh-TW" dirty="0"/>
-          </a:p>
-          <a:p>
-            <a:r>
-              <a:rPr lang="zh-TW" altLang="en-US" dirty="0" smtClean="0"/>
-              <a:t>以</a:t>
-            </a:r>
-            <a:r>
-              <a:rPr lang="en-US" altLang="zh-TW" dirty="0" smtClean="0"/>
-              <a:t>1p</a:t>
-            </a:r>
-            <a:r>
-              <a:rPr lang="zh-TW" altLang="en-US" dirty="0" smtClean="0"/>
-              <a:t>為例，在球下降時計算對手擊球點並預計球落點</a:t>
+              <a:t>提供大量的有效樣本，並根據需求做調整</a:t>
             </a:r>
             <a:endParaRPr lang="en-US" altLang="zh-TW" dirty="0" smtClean="0"/>
-          </a:p>
-          <a:p>
-            <a:r>
-              <a:rPr lang="zh-TW" altLang="en-US" dirty="0" smtClean="0"/>
-              <a:t>推估平板哪個擊球點擊球出去的球距離對手上個擊球點最遠</a:t>
-            </a:r>
-            <a:endParaRPr lang="en-US" altLang="zh-TW" dirty="0" smtClean="0"/>
-          </a:p>
-          <a:p>
-            <a:r>
-              <a:rPr lang="zh-TW" altLang="en-US" dirty="0" smtClean="0"/>
-              <a:t>擊球完後回到中心點</a:t>
-            </a:r>
-            <a:endParaRPr lang="en-US" altLang="zh-TW" dirty="0" smtClean="0"/>
-          </a:p>
-          <a:p>
-            <a:endParaRPr lang="en-US" altLang="zh-TW" dirty="0" smtClean="0"/>
-          </a:p>
-          <a:p>
-            <a:endParaRPr lang="zh-TW" altLang="en-US" dirty="0"/>
           </a:p>
         </p:txBody>
       </p:sp>
@@ -6176,7 +12740,15 @@
             </a:r>
             <a:r>
               <a:rPr lang="en-US" altLang="zh-TW" dirty="0" smtClean="0"/>
-              <a:t>(rule-base)</a:t>
+              <a:t>(</a:t>
+            </a:r>
+            <a:r>
+              <a:rPr lang="zh-TW" altLang="en-US" dirty="0" smtClean="0"/>
+              <a:t>實現方法</a:t>
+            </a:r>
+            <a:r>
+              <a:rPr lang="en-US" altLang="zh-TW" dirty="0" smtClean="0"/>
+              <a:t>)</a:t>
             </a:r>
             <a:endParaRPr lang="zh-TW" altLang="en-US" dirty="0"/>
           </a:p>
@@ -6185,13 +12757,20 @@
     </p:spTree>
     <p:extLst>
       <p:ext uri="{BB962C8B-B14F-4D97-AF65-F5344CB8AC3E}">
-        <p14:creationId xmlns:p14="http://schemas.microsoft.com/office/powerpoint/2010/main" val="1680171740"/>
+        <p14:creationId xmlns:p14="http://schemas.microsoft.com/office/powerpoint/2010/main" val="481076332"/>
       </p:ext>
     </p:extLst>
   </p:cSld>
   <p:clrMapOvr>
     <a:masterClrMapping/>
   </p:clrMapOvr>
+  <p:timing>
+    <p:tnLst>
+      <p:par>
+        <p:cTn id="1" dur="indefinite" restart="never" nodeType="tmRoot"/>
+      </p:par>
+    </p:tnLst>
+  </p:timing>
 </p:sld>
 </file>
 

--- a/專案管理.pptx
+++ b/專案管理.pptx
@@ -4019,6 +4019,22 @@
               <a:rPr lang="zh-TW" altLang="en-US" dirty="0" smtClean="0"/>
               <a:t>模型</a:t>
             </a:r>
+            <a:endParaRPr lang="en-US" altLang="zh-TW" dirty="0" smtClean="0"/>
+          </a:p>
+          <a:p>
+            <a:pPr algn="ctr"/>
+            <a:r>
+              <a:rPr lang="en-US" altLang="zh-TW" dirty="0" smtClean="0"/>
+              <a:t>(</a:t>
+            </a:r>
+            <a:r>
+              <a:rPr lang="zh-TW" altLang="en-US" smtClean="0"/>
+              <a:t>比賽</a:t>
+            </a:r>
+            <a:r>
+              <a:rPr lang="en-US" altLang="zh-TW" smtClean="0"/>
+              <a:t>)</a:t>
+            </a:r>
             <a:endParaRPr lang="zh-TW" altLang="en-US" dirty="0"/>
           </a:p>
         </p:txBody>
@@ -4080,6 +4096,14 @@
             <a:r>
               <a:rPr lang="zh-TW" altLang="en-US" dirty="0" smtClean="0"/>
               <a:t>模型</a:t>
+            </a:r>
+            <a:endParaRPr lang="en-US" altLang="zh-TW" dirty="0" smtClean="0"/>
+          </a:p>
+          <a:p>
+            <a:pPr algn="ctr"/>
+            <a:r>
+              <a:rPr lang="en-US" altLang="zh-TW" dirty="0" smtClean="0"/>
+              <a:t>(rule-base)</a:t>
             </a:r>
             <a:endParaRPr lang="zh-TW" altLang="en-US" dirty="0"/>
           </a:p>
@@ -11260,11 +11284,6 @@
               </a:rPr>
               <a:t>FPS&gt;35</a:t>
             </a:r>
-            <a:endParaRPr lang="en-US" altLang="zh-TW" kern="100" dirty="0" smtClean="0">
-              <a:latin typeface="微軟正黑體" panose="020B0604030504040204" pitchFamily="34" charset="-120"/>
-              <a:ea typeface="微軟正黑體" panose="020B0604030504040204" pitchFamily="34" charset="-120"/>
-              <a:cs typeface="Times New Roman" panose="02020603050405020304" pitchFamily="18" charset="0"/>
-            </a:endParaRPr>
           </a:p>
           <a:p>
             <a:r>

--- a/專案管理.pptx
+++ b/專案管理.pptx
@@ -17,8 +17,9 @@
     <p:sldId id="277" r:id="rId11"/>
     <p:sldId id="278" r:id="rId12"/>
     <p:sldId id="269" r:id="rId13"/>
-    <p:sldId id="267" r:id="rId14"/>
-    <p:sldId id="268" r:id="rId15"/>
+    <p:sldId id="280" r:id="rId14"/>
+    <p:sldId id="279" r:id="rId15"/>
+    <p:sldId id="281" r:id="rId16"/>
   </p:sldIdLst>
   <p:sldSz cx="12192000" cy="6858000"/>
   <p:notesSz cx="6858000" cy="9144000"/>
@@ -138,8 +139,9 @@
         <p14:section name="設計" id="{A5AC7A5E-6DC7-45FA-9848-F182725E5AC2}">
           <p14:sldIdLst>
             <p14:sldId id="269"/>
-            <p14:sldId id="267"/>
-            <p14:sldId id="268"/>
+            <p14:sldId id="280"/>
+            <p14:sldId id="279"/>
+            <p14:sldId id="281"/>
           </p14:sldIdLst>
         </p14:section>
       </p14:sectionLst>
@@ -290,7 +292,7 @@
           <a:p>
             <a:fld id="{48A87A34-81AB-432B-8DAE-1953F412C126}" type="datetimeFigureOut">
               <a:rPr lang="en-US" dirty="0"/>
-              <a:t>12/11/2019</a:t>
+              <a:t>1/8/2020</a:t>
             </a:fld>
             <a:endParaRPr lang="en-US" dirty="0"/>
           </a:p>
@@ -496,7 +498,7 @@
           <a:p>
             <a:fld id="{48A87A34-81AB-432B-8DAE-1953F412C126}" type="datetimeFigureOut">
               <a:rPr lang="en-US" dirty="0"/>
-              <a:t>12/11/2019</a:t>
+              <a:t>1/8/2020</a:t>
             </a:fld>
             <a:endParaRPr lang="en-US" dirty="0"/>
           </a:p>
@@ -706,7 +708,7 @@
           <a:p>
             <a:fld id="{48A87A34-81AB-432B-8DAE-1953F412C126}" type="datetimeFigureOut">
               <a:rPr lang="en-US" dirty="0"/>
-              <a:t>12/11/2019</a:t>
+              <a:t>1/8/2020</a:t>
             </a:fld>
             <a:endParaRPr lang="en-US" dirty="0"/>
           </a:p>
@@ -902,7 +904,7 @@
           <a:p>
             <a:fld id="{48A87A34-81AB-432B-8DAE-1953F412C126}" type="datetimeFigureOut">
               <a:rPr lang="en-US" dirty="0"/>
-              <a:t>12/11/2019</a:t>
+              <a:t>1/8/2020</a:t>
             </a:fld>
             <a:endParaRPr lang="en-US" dirty="0"/>
           </a:p>
@@ -1176,7 +1178,7 @@
           <a:p>
             <a:fld id="{48A87A34-81AB-432B-8DAE-1953F412C126}" type="datetimeFigureOut">
               <a:rPr lang="en-US" dirty="0"/>
-              <a:t>12/11/2019</a:t>
+              <a:t>1/8/2020</a:t>
             </a:fld>
             <a:endParaRPr lang="en-US" dirty="0"/>
           </a:p>
@@ -1439,7 +1441,7 @@
           <a:p>
             <a:fld id="{48A87A34-81AB-432B-8DAE-1953F412C126}" type="datetimeFigureOut">
               <a:rPr lang="en-US" dirty="0"/>
-              <a:t>12/11/2019</a:t>
+              <a:t>1/8/2020</a:t>
             </a:fld>
             <a:endParaRPr lang="en-US" dirty="0"/>
           </a:p>
@@ -1850,7 +1852,7 @@
           <a:p>
             <a:fld id="{48A87A34-81AB-432B-8DAE-1953F412C126}" type="datetimeFigureOut">
               <a:rPr lang="en-US" dirty="0"/>
-              <a:t>12/11/2019</a:t>
+              <a:t>1/8/2020</a:t>
             </a:fld>
             <a:endParaRPr lang="en-US" dirty="0"/>
           </a:p>
@@ -1994,7 +1996,7 @@
           <a:p>
             <a:fld id="{48A87A34-81AB-432B-8DAE-1953F412C126}" type="datetimeFigureOut">
               <a:rPr lang="en-US" dirty="0"/>
-              <a:t>12/11/2019</a:t>
+              <a:t>1/8/2020</a:t>
             </a:fld>
             <a:endParaRPr lang="en-US" dirty="0"/>
           </a:p>
@@ -2115,7 +2117,7 @@
           <a:p>
             <a:fld id="{48A87A34-81AB-432B-8DAE-1953F412C126}" type="datetimeFigureOut">
               <a:rPr lang="en-US" dirty="0"/>
-              <a:t>12/11/2019</a:t>
+              <a:t>1/8/2020</a:t>
             </a:fld>
             <a:endParaRPr lang="en-US" dirty="0"/>
           </a:p>
@@ -2361,7 +2363,7 @@
           <a:p>
             <a:fld id="{48A87A34-81AB-432B-8DAE-1953F412C126}" type="datetimeFigureOut">
               <a:rPr lang="en-US" dirty="0"/>
-              <a:t>12/11/2019</a:t>
+              <a:t>1/8/2020</a:t>
             </a:fld>
             <a:endParaRPr lang="en-US" dirty="0"/>
           </a:p>
@@ -2802,7 +2804,7 @@
             <a:fld id="{48A87A34-81AB-432B-8DAE-1953F412C126}" type="datetimeFigureOut">
               <a:rPr lang="en-US" dirty="0"/>
               <a:pPr/>
-              <a:t>12/11/2019</a:t>
+              <a:t>1/8/2020</a:t>
             </a:fld>
             <a:endParaRPr lang="en-US" dirty="0"/>
           </a:p>
@@ -3124,7 +3126,7 @@
             <a:fld id="{48A87A34-81AB-432B-8DAE-1953F412C126}" type="datetimeFigureOut">
               <a:rPr lang="en-US" dirty="0"/>
               <a:pPr/>
-              <a:t>12/11/2019</a:t>
+              <a:t>1/8/2020</a:t>
             </a:fld>
             <a:endParaRPr lang="en-US" dirty="0"/>
           </a:p>
@@ -4795,1209 +4797,36 @@
           </a:p>
         </p:txBody>
       </p:sp>
-      <p:cxnSp>
-        <p:nvCxnSpPr>
-          <p:cNvPr id="30" name="肘形接點 29"/>
-          <p:cNvCxnSpPr>
-            <a:stCxn id="35" idx="3"/>
-            <a:endCxn id="39" idx="0"/>
-          </p:cNvCxnSpPr>
+      <p:pic>
+        <p:nvPicPr>
+          <p:cNvPr id="4" name="圖片 3"/>
+          <p:cNvPicPr>
+            <a:picLocks noChangeAspect="1"/>
+          </p:cNvPicPr>
           <p:nvPr/>
-        </p:nvCxnSpPr>
-        <p:spPr>
-          <a:xfrm flipV="1">
-            <a:off x="4116974" y="1872723"/>
-            <a:ext cx="4194465" cy="490538"/>
-          </a:xfrm>
-          <a:prstGeom prst="bentConnector4">
-            <a:avLst>
-              <a:gd name="adj1" fmla="val 43011"/>
-              <a:gd name="adj2" fmla="val 146602"/>
-            </a:avLst>
-          </a:prstGeom>
-          <a:ln w="38100">
-            <a:tailEnd type="triangle"/>
-          </a:ln>
-        </p:spPr>
-        <p:style>
-          <a:lnRef idx="1">
-            <a:schemeClr val="accent1"/>
-          </a:lnRef>
-          <a:fillRef idx="0">
-            <a:schemeClr val="accent1"/>
-          </a:fillRef>
-          <a:effectRef idx="0">
-            <a:schemeClr val="accent1"/>
-          </a:effectRef>
-          <a:fontRef idx="minor">
-            <a:schemeClr val="tx1"/>
-          </a:fontRef>
-        </p:style>
-      </p:cxnSp>
-      <p:sp>
-        <p:nvSpPr>
-          <p:cNvPr id="31" name="矩形 30"/>
-          <p:cNvSpPr/>
-          <p:nvPr/>
-        </p:nvSpPr>
-        <p:spPr>
-          <a:xfrm>
-            <a:off x="2133792" y="1503649"/>
-            <a:ext cx="2705179" cy="1470878"/>
+        </p:nvPicPr>
+        <p:blipFill>
+          <a:blip r:embed="rId2">
+            <a:extLst>
+              <a:ext uri="{28A0092B-C50C-407E-A947-70E740481C1C}">
+                <a14:useLocalDpi xmlns:a14="http://schemas.microsoft.com/office/drawing/2010/main" val="0"/>
+              </a:ext>
+            </a:extLst>
+          </a:blip>
+          <a:stretch>
+            <a:fillRect/>
+          </a:stretch>
+        </p:blipFill>
+        <p:spPr>
+          <a:xfrm>
+            <a:off x="1412400" y="1023041"/>
+            <a:ext cx="8671644" cy="4971682"/>
           </a:xfrm>
           <a:prstGeom prst="rect">
             <a:avLst/>
           </a:prstGeom>
-          <a:noFill/>
-        </p:spPr>
-        <p:style>
-          <a:lnRef idx="2">
-            <a:schemeClr val="accent1">
-              <a:shade val="50000"/>
-            </a:schemeClr>
-          </a:lnRef>
-          <a:fillRef idx="1">
-            <a:schemeClr val="accent1"/>
-          </a:fillRef>
-          <a:effectRef idx="0">
-            <a:schemeClr val="accent1"/>
-          </a:effectRef>
-          <a:fontRef idx="minor">
-            <a:schemeClr val="lt1"/>
-          </a:fontRef>
-        </p:style>
-        <p:txBody>
-          <a:bodyPr rtlCol="0" anchor="ctr"/>
-          <a:lstStyle/>
-          <a:p>
-            <a:pPr algn="ctr"/>
-            <a:endParaRPr lang="zh-TW" altLang="en-US" dirty="0">
-              <a:solidFill>
-                <a:schemeClr val="tx1"/>
-              </a:solidFill>
-            </a:endParaRPr>
-          </a:p>
-        </p:txBody>
-      </p:sp>
-      <p:sp>
-        <p:nvSpPr>
-          <p:cNvPr id="32" name="文字方塊 31"/>
-          <p:cNvSpPr txBox="1"/>
-          <p:nvPr/>
-        </p:nvSpPr>
-        <p:spPr>
-          <a:xfrm>
-            <a:off x="8662080" y="1372235"/>
-            <a:ext cx="1853520" cy="369332"/>
-          </a:xfrm>
-          <a:prstGeom prst="rect">
-            <a:avLst/>
-          </a:prstGeom>
-          <a:noFill/>
-        </p:spPr>
-        <p:txBody>
-          <a:bodyPr wrap="square" rtlCol="0">
-            <a:spAutoFit/>
-          </a:bodyPr>
-          <a:lstStyle/>
-          <a:p>
-            <a:r>
-              <a:rPr lang="zh-TW" altLang="en-US" dirty="0" smtClean="0"/>
-              <a:t>球打向對手狀態</a:t>
-            </a:r>
-            <a:endParaRPr lang="zh-TW" altLang="en-US" dirty="0"/>
-          </a:p>
-        </p:txBody>
-      </p:sp>
-      <p:sp>
-        <p:nvSpPr>
-          <p:cNvPr id="33" name="文字方塊 32"/>
-          <p:cNvSpPr txBox="1"/>
-          <p:nvPr/>
-        </p:nvSpPr>
-        <p:spPr>
-          <a:xfrm>
-            <a:off x="1962381" y="1567328"/>
-            <a:ext cx="1524000" cy="369332"/>
-          </a:xfrm>
-          <a:prstGeom prst="rect">
-            <a:avLst/>
-          </a:prstGeom>
-          <a:noFill/>
-        </p:spPr>
-        <p:txBody>
-          <a:bodyPr wrap="square" rtlCol="0">
-            <a:spAutoFit/>
-          </a:bodyPr>
-          <a:lstStyle/>
-          <a:p>
-            <a:pPr algn="ctr"/>
-            <a:r>
-              <a:rPr lang="zh-TW" altLang="en-US" dirty="0" smtClean="0"/>
-              <a:t>初始狀態</a:t>
-            </a:r>
-            <a:endParaRPr lang="zh-TW" altLang="en-US" dirty="0"/>
-          </a:p>
-        </p:txBody>
-      </p:sp>
-      <p:sp>
-        <p:nvSpPr>
-          <p:cNvPr id="34" name="矩形 33"/>
-          <p:cNvSpPr/>
-          <p:nvPr/>
-        </p:nvSpPr>
-        <p:spPr>
-          <a:xfrm>
-            <a:off x="6858000" y="1228802"/>
-            <a:ext cx="3657600" cy="2351979"/>
-          </a:xfrm>
-          <a:prstGeom prst="rect">
-            <a:avLst/>
-          </a:prstGeom>
-          <a:noFill/>
-        </p:spPr>
-        <p:style>
-          <a:lnRef idx="2">
-            <a:schemeClr val="accent1">
-              <a:shade val="50000"/>
-            </a:schemeClr>
-          </a:lnRef>
-          <a:fillRef idx="1">
-            <a:schemeClr val="accent1"/>
-          </a:fillRef>
-          <a:effectRef idx="0">
-            <a:schemeClr val="accent1"/>
-          </a:effectRef>
-          <a:fontRef idx="minor">
-            <a:schemeClr val="lt1"/>
-          </a:fontRef>
-        </p:style>
-        <p:txBody>
-          <a:bodyPr rtlCol="0" anchor="ctr"/>
-          <a:lstStyle/>
-          <a:p>
-            <a:pPr algn="ctr"/>
-            <a:endParaRPr lang="zh-TW" altLang="en-US" dirty="0">
-              <a:solidFill>
-                <a:schemeClr val="tx1"/>
-              </a:solidFill>
-            </a:endParaRPr>
-          </a:p>
-        </p:txBody>
-      </p:sp>
-      <p:sp>
-        <p:nvSpPr>
-          <p:cNvPr id="35" name="流程圖: 決策 34"/>
-          <p:cNvSpPr/>
-          <p:nvPr/>
-        </p:nvSpPr>
-        <p:spPr>
-          <a:xfrm>
-            <a:off x="2471972" y="1911205"/>
-            <a:ext cx="1645002" cy="904111"/>
-          </a:xfrm>
-          <a:prstGeom prst="flowChartDecision">
-            <a:avLst/>
-          </a:prstGeom>
-        </p:spPr>
-        <p:style>
-          <a:lnRef idx="2">
-            <a:schemeClr val="accent1">
-              <a:shade val="50000"/>
-            </a:schemeClr>
-          </a:lnRef>
-          <a:fillRef idx="1">
-            <a:schemeClr val="accent1"/>
-          </a:fillRef>
-          <a:effectRef idx="0">
-            <a:schemeClr val="accent1"/>
-          </a:effectRef>
-          <a:fontRef idx="minor">
-            <a:schemeClr val="lt1"/>
-          </a:fontRef>
-        </p:style>
-        <p:txBody>
-          <a:bodyPr rtlCol="0" anchor="ctr"/>
-          <a:lstStyle/>
-          <a:p>
-            <a:pPr algn="ctr"/>
-            <a:r>
-              <a:rPr lang="zh-TW" altLang="en-US" b="1" dirty="0" smtClean="0"/>
-              <a:t>自己發球</a:t>
-            </a:r>
-            <a:endParaRPr lang="zh-TW" altLang="en-US" dirty="0"/>
-          </a:p>
-        </p:txBody>
-      </p:sp>
-      <p:sp>
-        <p:nvSpPr>
-          <p:cNvPr id="36" name="矩形 35"/>
-          <p:cNvSpPr/>
-          <p:nvPr/>
-        </p:nvSpPr>
-        <p:spPr>
-          <a:xfrm>
-            <a:off x="5558585" y="2193674"/>
-            <a:ext cx="743305" cy="339173"/>
-          </a:xfrm>
-          <a:prstGeom prst="rect">
-            <a:avLst/>
-          </a:prstGeom>
-          <a:solidFill>
-            <a:schemeClr val="bg1"/>
-          </a:solidFill>
-          <a:ln w="38100">
-            <a:tailEnd type="triangle"/>
-          </a:ln>
-        </p:spPr>
-        <p:style>
-          <a:lnRef idx="1">
-            <a:schemeClr val="accent1"/>
-          </a:lnRef>
-          <a:fillRef idx="0">
-            <a:schemeClr val="accent1"/>
-          </a:fillRef>
-          <a:effectRef idx="0">
-            <a:schemeClr val="accent1"/>
-          </a:effectRef>
-          <a:fontRef idx="minor">
-            <a:schemeClr val="tx1"/>
-          </a:fontRef>
-        </p:style>
-        <p:txBody>
-          <a:bodyPr rtlCol="0" anchor="ctr"/>
-          <a:lstStyle/>
-          <a:p>
-            <a:pPr algn="ctr"/>
-            <a:r>
-              <a:rPr lang="en-US" altLang="zh-TW" dirty="0">
-                <a:solidFill>
-                  <a:schemeClr val="tx1"/>
-                </a:solidFill>
-              </a:rPr>
-              <a:t>YES</a:t>
-            </a:r>
-            <a:endParaRPr lang="zh-TW" altLang="en-US" dirty="0">
-              <a:solidFill>
-                <a:schemeClr val="tx1"/>
-              </a:solidFill>
-            </a:endParaRPr>
-          </a:p>
-        </p:txBody>
-      </p:sp>
-      <p:sp>
-        <p:nvSpPr>
-          <p:cNvPr id="37" name="矩形 36"/>
-          <p:cNvSpPr/>
-          <p:nvPr/>
-        </p:nvSpPr>
-        <p:spPr>
-          <a:xfrm>
-            <a:off x="3294473" y="4094885"/>
-            <a:ext cx="3285210" cy="2201800"/>
-          </a:xfrm>
-          <a:prstGeom prst="rect">
-            <a:avLst/>
-          </a:prstGeom>
-          <a:noFill/>
-        </p:spPr>
-        <p:style>
-          <a:lnRef idx="2">
-            <a:schemeClr val="accent1">
-              <a:shade val="50000"/>
-            </a:schemeClr>
-          </a:lnRef>
-          <a:fillRef idx="1">
-            <a:schemeClr val="accent1"/>
-          </a:fillRef>
-          <a:effectRef idx="0">
-            <a:schemeClr val="accent1"/>
-          </a:effectRef>
-          <a:fontRef idx="minor">
-            <a:schemeClr val="lt1"/>
-          </a:fontRef>
-        </p:style>
-        <p:txBody>
-          <a:bodyPr rtlCol="0" anchor="ctr"/>
-          <a:lstStyle/>
-          <a:p>
-            <a:pPr algn="ctr"/>
-            <a:endParaRPr lang="zh-TW" altLang="en-US" dirty="0">
-              <a:solidFill>
-                <a:schemeClr val="tx1"/>
-              </a:solidFill>
-            </a:endParaRPr>
-          </a:p>
-        </p:txBody>
-      </p:sp>
-      <p:sp>
-        <p:nvSpPr>
-          <p:cNvPr id="38" name="文字方塊 37"/>
-          <p:cNvSpPr txBox="1"/>
-          <p:nvPr/>
-        </p:nvSpPr>
-        <p:spPr>
-          <a:xfrm>
-            <a:off x="3337517" y="4267357"/>
-            <a:ext cx="1853520" cy="369332"/>
-          </a:xfrm>
-          <a:prstGeom prst="rect">
-            <a:avLst/>
-          </a:prstGeom>
-          <a:noFill/>
-        </p:spPr>
-        <p:txBody>
-          <a:bodyPr wrap="square" rtlCol="0">
-            <a:spAutoFit/>
-          </a:bodyPr>
-          <a:lstStyle/>
-          <a:p>
-            <a:pPr algn="ctr"/>
-            <a:r>
-              <a:rPr lang="zh-TW" altLang="en-US" dirty="0" smtClean="0">
-                <a:solidFill>
-                  <a:schemeClr val="tx1"/>
-                </a:solidFill>
-              </a:rPr>
-              <a:t>球打向自己狀態</a:t>
-            </a:r>
-            <a:endParaRPr lang="zh-TW" altLang="en-US" dirty="0">
-              <a:solidFill>
-                <a:schemeClr val="tx1"/>
-              </a:solidFill>
-            </a:endParaRPr>
-          </a:p>
-        </p:txBody>
-      </p:sp>
-      <p:sp>
-        <p:nvSpPr>
-          <p:cNvPr id="39" name="流程圖: 程序 38"/>
-          <p:cNvSpPr/>
-          <p:nvPr/>
-        </p:nvSpPr>
-        <p:spPr>
-          <a:xfrm>
-            <a:off x="7725156" y="1872723"/>
-            <a:ext cx="1172565" cy="732730"/>
-          </a:xfrm>
-          <a:prstGeom prst="flowChartProcess">
-            <a:avLst/>
-          </a:prstGeom>
-          <a:solidFill>
-            <a:srgbClr val="FFFFFF"/>
-          </a:solidFill>
-          <a:ln>
-            <a:solidFill>
-              <a:schemeClr val="tx1"/>
-            </a:solidFill>
-          </a:ln>
-        </p:spPr>
-        <p:style>
-          <a:lnRef idx="2">
-            <a:schemeClr val="accent1">
-              <a:shade val="50000"/>
-            </a:schemeClr>
-          </a:lnRef>
-          <a:fillRef idx="1">
-            <a:schemeClr val="accent1"/>
-          </a:fillRef>
-          <a:effectRef idx="0">
-            <a:schemeClr val="accent1"/>
-          </a:effectRef>
-          <a:fontRef idx="minor">
-            <a:schemeClr val="lt1"/>
-          </a:fontRef>
-        </p:style>
-        <p:txBody>
-          <a:bodyPr rtlCol="0" anchor="ctr"/>
-          <a:lstStyle/>
-          <a:p>
-            <a:pPr algn="ctr"/>
-            <a:endParaRPr lang="zh-TW" altLang="en-US">
-              <a:solidFill>
-                <a:schemeClr val="bg1"/>
-              </a:solidFill>
-            </a:endParaRPr>
-          </a:p>
-        </p:txBody>
-      </p:sp>
-      <p:sp>
-        <p:nvSpPr>
-          <p:cNvPr id="40" name="流程圖: 程序 39"/>
-          <p:cNvSpPr/>
-          <p:nvPr/>
-        </p:nvSpPr>
-        <p:spPr>
-          <a:xfrm>
-            <a:off x="7877556" y="2025123"/>
-            <a:ext cx="1172565" cy="732730"/>
-          </a:xfrm>
-          <a:prstGeom prst="flowChartProcess">
-            <a:avLst/>
-          </a:prstGeom>
-          <a:solidFill>
-            <a:srgbClr val="FFFFFF"/>
-          </a:solidFill>
-          <a:ln>
-            <a:solidFill>
-              <a:schemeClr val="tx1"/>
-            </a:solidFill>
-          </a:ln>
-        </p:spPr>
-        <p:style>
-          <a:lnRef idx="2">
-            <a:schemeClr val="accent1">
-              <a:shade val="50000"/>
-            </a:schemeClr>
-          </a:lnRef>
-          <a:fillRef idx="1">
-            <a:schemeClr val="accent1"/>
-          </a:fillRef>
-          <a:effectRef idx="0">
-            <a:schemeClr val="accent1"/>
-          </a:effectRef>
-          <a:fontRef idx="minor">
-            <a:schemeClr val="lt1"/>
-          </a:fontRef>
-        </p:style>
-        <p:txBody>
-          <a:bodyPr rtlCol="0" anchor="ctr"/>
-          <a:lstStyle/>
-          <a:p>
-            <a:pPr algn="ctr"/>
-            <a:endParaRPr lang="zh-TW" altLang="en-US">
-              <a:solidFill>
-                <a:schemeClr val="bg1"/>
-              </a:solidFill>
-            </a:endParaRPr>
-          </a:p>
-        </p:txBody>
-      </p:sp>
-      <p:sp>
-        <p:nvSpPr>
-          <p:cNvPr id="41" name="流程圖: 程序 40"/>
-          <p:cNvSpPr/>
-          <p:nvPr/>
-        </p:nvSpPr>
-        <p:spPr>
-          <a:xfrm>
-            <a:off x="8029956" y="2177523"/>
-            <a:ext cx="1172565" cy="732730"/>
-          </a:xfrm>
-          <a:prstGeom prst="flowChartProcess">
-            <a:avLst/>
-          </a:prstGeom>
-          <a:solidFill>
-            <a:srgbClr val="FFFFFF"/>
-          </a:solidFill>
-          <a:ln>
-            <a:solidFill>
-              <a:schemeClr val="tx1"/>
-            </a:solidFill>
-          </a:ln>
-        </p:spPr>
-        <p:style>
-          <a:lnRef idx="2">
-            <a:schemeClr val="accent1">
-              <a:shade val="50000"/>
-            </a:schemeClr>
-          </a:lnRef>
-          <a:fillRef idx="1">
-            <a:schemeClr val="accent1"/>
-          </a:fillRef>
-          <a:effectRef idx="0">
-            <a:schemeClr val="accent1"/>
-          </a:effectRef>
-          <a:fontRef idx="minor">
-            <a:schemeClr val="lt1"/>
-          </a:fontRef>
-        </p:style>
-        <p:txBody>
-          <a:bodyPr rtlCol="0" anchor="ctr"/>
-          <a:lstStyle/>
-          <a:p>
-            <a:pPr algn="ctr"/>
-            <a:endParaRPr lang="zh-TW" altLang="en-US">
-              <a:solidFill>
-                <a:schemeClr val="bg1"/>
-              </a:solidFill>
-            </a:endParaRPr>
-          </a:p>
-        </p:txBody>
-      </p:sp>
-      <p:sp>
-        <p:nvSpPr>
-          <p:cNvPr id="42" name="流程圖: 程序 41"/>
-          <p:cNvSpPr/>
-          <p:nvPr/>
-        </p:nvSpPr>
-        <p:spPr>
-          <a:xfrm>
-            <a:off x="8182356" y="2329923"/>
-            <a:ext cx="1172565" cy="732730"/>
-          </a:xfrm>
-          <a:prstGeom prst="flowChartProcess">
-            <a:avLst/>
-          </a:prstGeom>
-          <a:solidFill>
-            <a:srgbClr val="FFFFFF"/>
-          </a:solidFill>
-          <a:ln>
-            <a:solidFill>
-              <a:schemeClr val="tx1"/>
-            </a:solidFill>
-          </a:ln>
-        </p:spPr>
-        <p:style>
-          <a:lnRef idx="2">
-            <a:schemeClr val="accent1">
-              <a:shade val="50000"/>
-            </a:schemeClr>
-          </a:lnRef>
-          <a:fillRef idx="1">
-            <a:schemeClr val="accent1"/>
-          </a:fillRef>
-          <a:effectRef idx="0">
-            <a:schemeClr val="accent1"/>
-          </a:effectRef>
-          <a:fontRef idx="minor">
-            <a:schemeClr val="lt1"/>
-          </a:fontRef>
-        </p:style>
-        <p:txBody>
-          <a:bodyPr rtlCol="0" anchor="ctr"/>
-          <a:lstStyle/>
-          <a:p>
-            <a:pPr algn="ctr"/>
-            <a:endParaRPr lang="zh-TW" altLang="en-US">
-              <a:solidFill>
-                <a:schemeClr val="bg1"/>
-              </a:solidFill>
-            </a:endParaRPr>
-          </a:p>
-        </p:txBody>
-      </p:sp>
-      <p:sp>
-        <p:nvSpPr>
-          <p:cNvPr id="43" name="流程圖: 程序 42"/>
-          <p:cNvSpPr/>
-          <p:nvPr/>
-        </p:nvSpPr>
-        <p:spPr>
-          <a:xfrm>
-            <a:off x="8334756" y="2482323"/>
-            <a:ext cx="1172565" cy="732730"/>
-          </a:xfrm>
-          <a:prstGeom prst="flowChartProcess">
-            <a:avLst/>
-          </a:prstGeom>
-          <a:solidFill>
-            <a:srgbClr val="FFFFFF"/>
-          </a:solidFill>
-          <a:ln>
-            <a:solidFill>
-              <a:schemeClr val="tx1"/>
-            </a:solidFill>
-          </a:ln>
-        </p:spPr>
-        <p:style>
-          <a:lnRef idx="2">
-            <a:schemeClr val="accent1">
-              <a:shade val="50000"/>
-            </a:schemeClr>
-          </a:lnRef>
-          <a:fillRef idx="1">
-            <a:schemeClr val="accent1"/>
-          </a:fillRef>
-          <a:effectRef idx="0">
-            <a:schemeClr val="accent1"/>
-          </a:effectRef>
-          <a:fontRef idx="minor">
-            <a:schemeClr val="lt1"/>
-          </a:fontRef>
-        </p:style>
-        <p:txBody>
-          <a:bodyPr rtlCol="0" anchor="ctr"/>
-          <a:lstStyle/>
-          <a:p>
-            <a:pPr algn="ctr"/>
-            <a:endParaRPr lang="zh-TW" altLang="en-US">
-              <a:solidFill>
-                <a:schemeClr val="bg1"/>
-              </a:solidFill>
-            </a:endParaRPr>
-          </a:p>
-        </p:txBody>
-      </p:sp>
-      <p:sp>
-        <p:nvSpPr>
-          <p:cNvPr id="44" name="流程圖: 程序 43"/>
-          <p:cNvSpPr/>
-          <p:nvPr/>
-        </p:nvSpPr>
-        <p:spPr>
-          <a:xfrm>
-            <a:off x="4275891" y="4702474"/>
-            <a:ext cx="1172565" cy="732730"/>
-          </a:xfrm>
-          <a:prstGeom prst="flowChartProcess">
-            <a:avLst/>
-          </a:prstGeom>
-          <a:solidFill>
-            <a:srgbClr val="FFFFFF"/>
-          </a:solidFill>
-          <a:ln>
-            <a:solidFill>
-              <a:schemeClr val="tx1"/>
-            </a:solidFill>
-          </a:ln>
-        </p:spPr>
-        <p:style>
-          <a:lnRef idx="2">
-            <a:schemeClr val="accent1">
-              <a:shade val="50000"/>
-            </a:schemeClr>
-          </a:lnRef>
-          <a:fillRef idx="1">
-            <a:schemeClr val="accent1"/>
-          </a:fillRef>
-          <a:effectRef idx="0">
-            <a:schemeClr val="accent1"/>
-          </a:effectRef>
-          <a:fontRef idx="minor">
-            <a:schemeClr val="lt1"/>
-          </a:fontRef>
-        </p:style>
-        <p:txBody>
-          <a:bodyPr rtlCol="0" anchor="ctr"/>
-          <a:lstStyle/>
-          <a:p>
-            <a:pPr algn="ctr"/>
-            <a:endParaRPr lang="zh-TW" altLang="en-US">
-              <a:solidFill>
-                <a:schemeClr val="bg1"/>
-              </a:solidFill>
-            </a:endParaRPr>
-          </a:p>
-        </p:txBody>
-      </p:sp>
-      <p:sp>
-        <p:nvSpPr>
-          <p:cNvPr id="45" name="流程圖: 程序 44"/>
-          <p:cNvSpPr/>
-          <p:nvPr/>
-        </p:nvSpPr>
-        <p:spPr>
-          <a:xfrm>
-            <a:off x="4428291" y="4854874"/>
-            <a:ext cx="1172565" cy="732730"/>
-          </a:xfrm>
-          <a:prstGeom prst="flowChartProcess">
-            <a:avLst/>
-          </a:prstGeom>
-          <a:solidFill>
-            <a:srgbClr val="FFFFFF"/>
-          </a:solidFill>
-          <a:ln>
-            <a:solidFill>
-              <a:schemeClr val="tx1"/>
-            </a:solidFill>
-          </a:ln>
-        </p:spPr>
-        <p:style>
-          <a:lnRef idx="2">
-            <a:schemeClr val="accent1">
-              <a:shade val="50000"/>
-            </a:schemeClr>
-          </a:lnRef>
-          <a:fillRef idx="1">
-            <a:schemeClr val="accent1"/>
-          </a:fillRef>
-          <a:effectRef idx="0">
-            <a:schemeClr val="accent1"/>
-          </a:effectRef>
-          <a:fontRef idx="minor">
-            <a:schemeClr val="lt1"/>
-          </a:fontRef>
-        </p:style>
-        <p:txBody>
-          <a:bodyPr rtlCol="0" anchor="ctr"/>
-          <a:lstStyle/>
-          <a:p>
-            <a:pPr algn="ctr"/>
-            <a:endParaRPr lang="zh-TW" altLang="en-US">
-              <a:solidFill>
-                <a:schemeClr val="bg1"/>
-              </a:solidFill>
-            </a:endParaRPr>
-          </a:p>
-        </p:txBody>
-      </p:sp>
-      <p:sp>
-        <p:nvSpPr>
-          <p:cNvPr id="46" name="流程圖: 程序 45"/>
-          <p:cNvSpPr/>
-          <p:nvPr/>
-        </p:nvSpPr>
-        <p:spPr>
-          <a:xfrm>
-            <a:off x="4580691" y="5007274"/>
-            <a:ext cx="1172565" cy="732730"/>
-          </a:xfrm>
-          <a:prstGeom prst="flowChartProcess">
-            <a:avLst/>
-          </a:prstGeom>
-          <a:solidFill>
-            <a:srgbClr val="FFFFFF"/>
-          </a:solidFill>
-          <a:ln>
-            <a:solidFill>
-              <a:schemeClr val="tx1"/>
-            </a:solidFill>
-          </a:ln>
-        </p:spPr>
-        <p:style>
-          <a:lnRef idx="2">
-            <a:schemeClr val="accent1">
-              <a:shade val="50000"/>
-            </a:schemeClr>
-          </a:lnRef>
-          <a:fillRef idx="1">
-            <a:schemeClr val="accent1"/>
-          </a:fillRef>
-          <a:effectRef idx="0">
-            <a:schemeClr val="accent1"/>
-          </a:effectRef>
-          <a:fontRef idx="minor">
-            <a:schemeClr val="lt1"/>
-          </a:fontRef>
-        </p:style>
-        <p:txBody>
-          <a:bodyPr rtlCol="0" anchor="ctr"/>
-          <a:lstStyle/>
-          <a:p>
-            <a:pPr algn="ctr"/>
-            <a:endParaRPr lang="zh-TW" altLang="en-US">
-              <a:solidFill>
-                <a:schemeClr val="bg1"/>
-              </a:solidFill>
-            </a:endParaRPr>
-          </a:p>
-        </p:txBody>
-      </p:sp>
-      <p:sp>
-        <p:nvSpPr>
-          <p:cNvPr id="47" name="流程圖: 程序 46"/>
-          <p:cNvSpPr/>
-          <p:nvPr/>
-        </p:nvSpPr>
-        <p:spPr>
-          <a:xfrm>
-            <a:off x="4733091" y="5159674"/>
-            <a:ext cx="1172565" cy="732730"/>
-          </a:xfrm>
-          <a:prstGeom prst="flowChartProcess">
-            <a:avLst/>
-          </a:prstGeom>
-          <a:solidFill>
-            <a:srgbClr val="FFFFFF"/>
-          </a:solidFill>
-          <a:ln>
-            <a:solidFill>
-              <a:schemeClr val="tx1"/>
-            </a:solidFill>
-          </a:ln>
-        </p:spPr>
-        <p:style>
-          <a:lnRef idx="2">
-            <a:schemeClr val="accent1">
-              <a:shade val="50000"/>
-            </a:schemeClr>
-          </a:lnRef>
-          <a:fillRef idx="1">
-            <a:schemeClr val="accent1"/>
-          </a:fillRef>
-          <a:effectRef idx="0">
-            <a:schemeClr val="accent1"/>
-          </a:effectRef>
-          <a:fontRef idx="minor">
-            <a:schemeClr val="lt1"/>
-          </a:fontRef>
-        </p:style>
-        <p:txBody>
-          <a:bodyPr rtlCol="0" anchor="ctr"/>
-          <a:lstStyle/>
-          <a:p>
-            <a:pPr algn="ctr"/>
-            <a:endParaRPr lang="zh-TW" altLang="en-US">
-              <a:solidFill>
-                <a:schemeClr val="bg1"/>
-              </a:solidFill>
-            </a:endParaRPr>
-          </a:p>
-        </p:txBody>
-      </p:sp>
-      <p:sp>
-        <p:nvSpPr>
-          <p:cNvPr id="48" name="流程圖: 程序 47"/>
-          <p:cNvSpPr/>
-          <p:nvPr/>
-        </p:nvSpPr>
-        <p:spPr>
-          <a:xfrm>
-            <a:off x="4885491" y="5312074"/>
-            <a:ext cx="1172565" cy="732730"/>
-          </a:xfrm>
-          <a:prstGeom prst="flowChartProcess">
-            <a:avLst/>
-          </a:prstGeom>
-          <a:solidFill>
-            <a:srgbClr val="FFFFFF"/>
-          </a:solidFill>
-          <a:ln>
-            <a:solidFill>
-              <a:schemeClr val="tx1"/>
-            </a:solidFill>
-          </a:ln>
-        </p:spPr>
-        <p:style>
-          <a:lnRef idx="2">
-            <a:schemeClr val="accent1">
-              <a:shade val="50000"/>
-            </a:schemeClr>
-          </a:lnRef>
-          <a:fillRef idx="1">
-            <a:schemeClr val="accent1"/>
-          </a:fillRef>
-          <a:effectRef idx="0">
-            <a:schemeClr val="accent1"/>
-          </a:effectRef>
-          <a:fontRef idx="minor">
-            <a:schemeClr val="lt1"/>
-          </a:fontRef>
-        </p:style>
-        <p:txBody>
-          <a:bodyPr rtlCol="0" anchor="ctr"/>
-          <a:lstStyle/>
-          <a:p>
-            <a:pPr algn="ctr"/>
-            <a:endParaRPr lang="zh-TW" altLang="en-US">
-              <a:solidFill>
-                <a:schemeClr val="bg1"/>
-              </a:solidFill>
-            </a:endParaRPr>
-          </a:p>
-        </p:txBody>
-      </p:sp>
-      <p:sp>
-        <p:nvSpPr>
-          <p:cNvPr id="49" name="流程圖: 程序 48"/>
-          <p:cNvSpPr/>
-          <p:nvPr/>
-        </p:nvSpPr>
-        <p:spPr>
-          <a:xfrm>
-            <a:off x="7877556" y="2134566"/>
-            <a:ext cx="1477365" cy="657380"/>
-          </a:xfrm>
-          <a:prstGeom prst="flowChartProcess">
-            <a:avLst/>
-          </a:prstGeom>
-          <a:solidFill>
-            <a:schemeClr val="bg1"/>
-          </a:solidFill>
-          <a:ln>
-            <a:solidFill>
-              <a:schemeClr val="tx1"/>
-            </a:solidFill>
-          </a:ln>
-        </p:spPr>
-        <p:style>
-          <a:lnRef idx="2">
-            <a:schemeClr val="accent1">
-              <a:shade val="50000"/>
-            </a:schemeClr>
-          </a:lnRef>
-          <a:fillRef idx="1">
-            <a:schemeClr val="accent1"/>
-          </a:fillRef>
-          <a:effectRef idx="0">
-            <a:schemeClr val="accent1"/>
-          </a:effectRef>
-          <a:fontRef idx="minor">
-            <a:schemeClr val="lt1"/>
-          </a:fontRef>
-        </p:style>
-        <p:txBody>
-          <a:bodyPr rtlCol="0" anchor="ctr"/>
-          <a:lstStyle/>
-          <a:p>
-            <a:pPr algn="ctr"/>
-            <a:r>
-              <a:rPr lang="en-US" altLang="zh-TW" dirty="0" smtClean="0">
-                <a:solidFill>
-                  <a:schemeClr val="tx1"/>
-                </a:solidFill>
-              </a:rPr>
-              <a:t>Platform</a:t>
-            </a:r>
-          </a:p>
-          <a:p>
-            <a:pPr algn="ctr"/>
-            <a:r>
-              <a:rPr lang="zh-TW" altLang="en-US" dirty="0" smtClean="0">
-                <a:solidFill>
-                  <a:schemeClr val="tx1"/>
-                </a:solidFill>
-              </a:rPr>
-              <a:t>控制規則</a:t>
-            </a:r>
-            <a:endParaRPr lang="zh-TW" altLang="en-US" dirty="0">
-              <a:solidFill>
-                <a:schemeClr val="tx1"/>
-              </a:solidFill>
-            </a:endParaRPr>
-          </a:p>
-        </p:txBody>
-      </p:sp>
-      <p:sp>
-        <p:nvSpPr>
-          <p:cNvPr id="50" name="流程圖: 程序 49"/>
-          <p:cNvSpPr/>
-          <p:nvPr/>
-        </p:nvSpPr>
-        <p:spPr>
-          <a:xfrm>
-            <a:off x="4619304" y="5044949"/>
-            <a:ext cx="1172565" cy="657380"/>
-          </a:xfrm>
-          <a:prstGeom prst="flowChartProcess">
-            <a:avLst/>
-          </a:prstGeom>
-          <a:solidFill>
-            <a:schemeClr val="bg1"/>
-          </a:solidFill>
-          <a:ln>
-            <a:solidFill>
-              <a:schemeClr val="tx1"/>
-            </a:solidFill>
-          </a:ln>
-        </p:spPr>
-        <p:style>
-          <a:lnRef idx="2">
-            <a:schemeClr val="accent1">
-              <a:shade val="50000"/>
-            </a:schemeClr>
-          </a:lnRef>
-          <a:fillRef idx="1">
-            <a:schemeClr val="accent1"/>
-          </a:fillRef>
-          <a:effectRef idx="0">
-            <a:schemeClr val="accent1"/>
-          </a:effectRef>
-          <a:fontRef idx="minor">
-            <a:schemeClr val="lt1"/>
-          </a:fontRef>
-        </p:style>
-        <p:txBody>
-          <a:bodyPr rtlCol="0" anchor="ctr"/>
-          <a:lstStyle/>
-          <a:p>
-            <a:pPr algn="ctr"/>
-            <a:r>
-              <a:rPr lang="en-US" altLang="zh-TW" dirty="0" smtClean="0">
-                <a:solidFill>
-                  <a:schemeClr val="tx1"/>
-                </a:solidFill>
-              </a:rPr>
-              <a:t>Platform</a:t>
-            </a:r>
-            <a:r>
-              <a:rPr lang="zh-TW" altLang="en-US" dirty="0" smtClean="0">
-                <a:solidFill>
-                  <a:schemeClr val="tx1"/>
-                </a:solidFill>
-              </a:rPr>
-              <a:t>控制規則</a:t>
-            </a:r>
-            <a:endParaRPr lang="zh-TW" altLang="en-US" dirty="0">
-              <a:solidFill>
-                <a:schemeClr val="tx1"/>
-              </a:solidFill>
-            </a:endParaRPr>
-          </a:p>
-        </p:txBody>
-      </p:sp>
-      <p:cxnSp>
-        <p:nvCxnSpPr>
-          <p:cNvPr id="51" name="肘形接點 50"/>
-          <p:cNvCxnSpPr>
-            <a:stCxn id="50" idx="2"/>
-            <a:endCxn id="39" idx="1"/>
-          </p:cNvCxnSpPr>
-          <p:nvPr/>
-        </p:nvCxnSpPr>
-        <p:spPr>
-          <a:xfrm rot="5400000" flipH="1" flipV="1">
-            <a:off x="4733750" y="2710924"/>
-            <a:ext cx="3463241" cy="2519569"/>
-          </a:xfrm>
-          <a:prstGeom prst="bentConnector4">
-            <a:avLst>
-              <a:gd name="adj1" fmla="val -6601"/>
-              <a:gd name="adj2" fmla="val 61635"/>
-            </a:avLst>
-          </a:prstGeom>
-          <a:ln w="38100">
-            <a:solidFill>
-              <a:srgbClr val="7030A0"/>
-            </a:solidFill>
-            <a:tailEnd type="triangle"/>
-          </a:ln>
-        </p:spPr>
-        <p:style>
-          <a:lnRef idx="1">
-            <a:schemeClr val="accent1"/>
-          </a:lnRef>
-          <a:fillRef idx="0">
-            <a:schemeClr val="accent1"/>
-          </a:fillRef>
-          <a:effectRef idx="0">
-            <a:schemeClr val="accent1"/>
-          </a:effectRef>
-          <a:fontRef idx="minor">
-            <a:schemeClr val="tx1"/>
-          </a:fontRef>
-        </p:style>
-      </p:cxnSp>
-      <p:cxnSp>
-        <p:nvCxnSpPr>
-          <p:cNvPr id="52" name="肘形接點 51"/>
-          <p:cNvCxnSpPr>
-            <a:stCxn id="49" idx="2"/>
-          </p:cNvCxnSpPr>
-          <p:nvPr/>
-        </p:nvCxnSpPr>
-        <p:spPr>
-          <a:xfrm rot="5400000">
-            <a:off x="6424058" y="1611229"/>
-            <a:ext cx="1011465" cy="3372899"/>
-          </a:xfrm>
-          <a:prstGeom prst="bentConnector2">
-            <a:avLst/>
-          </a:prstGeom>
-          <a:ln w="38100">
-            <a:solidFill>
-              <a:srgbClr val="FF0000"/>
-            </a:solidFill>
-            <a:tailEnd type="triangle"/>
-          </a:ln>
-        </p:spPr>
-        <p:style>
-          <a:lnRef idx="1">
-            <a:schemeClr val="accent1"/>
-          </a:lnRef>
-          <a:fillRef idx="0">
-            <a:schemeClr val="accent1"/>
-          </a:fillRef>
-          <a:effectRef idx="0">
-            <a:schemeClr val="accent1"/>
-          </a:effectRef>
-          <a:fontRef idx="minor">
-            <a:schemeClr val="tx1"/>
-          </a:fontRef>
-        </p:style>
-      </p:cxnSp>
-      <p:cxnSp>
-        <p:nvCxnSpPr>
-          <p:cNvPr id="53" name="肘形接點 52"/>
-          <p:cNvCxnSpPr>
-            <a:stCxn id="35" idx="2"/>
-            <a:endCxn id="50" idx="0"/>
-          </p:cNvCxnSpPr>
-          <p:nvPr/>
-        </p:nvCxnSpPr>
-        <p:spPr>
-          <a:xfrm rot="16200000" flipH="1">
-            <a:off x="3135214" y="2974575"/>
-            <a:ext cx="2229633" cy="1911114"/>
-          </a:xfrm>
-          <a:prstGeom prst="bentConnector3">
-            <a:avLst>
-              <a:gd name="adj1" fmla="val 50000"/>
-            </a:avLst>
-          </a:prstGeom>
-          <a:ln w="38100">
-            <a:tailEnd type="triangle"/>
-          </a:ln>
-        </p:spPr>
-        <p:style>
-          <a:lnRef idx="1">
-            <a:schemeClr val="accent1"/>
-          </a:lnRef>
-          <a:fillRef idx="0">
-            <a:schemeClr val="accent1"/>
-          </a:fillRef>
-          <a:effectRef idx="0">
-            <a:schemeClr val="accent1"/>
-          </a:effectRef>
-          <a:fontRef idx="minor">
-            <a:schemeClr val="tx1"/>
-          </a:fontRef>
-        </p:style>
-      </p:cxnSp>
-      <p:sp>
-        <p:nvSpPr>
-          <p:cNvPr id="54" name="矩形 53"/>
-          <p:cNvSpPr/>
-          <p:nvPr/>
-        </p:nvSpPr>
-        <p:spPr>
-          <a:xfrm>
-            <a:off x="2854106" y="3178209"/>
-            <a:ext cx="1091665" cy="386740"/>
-          </a:xfrm>
-          <a:prstGeom prst="rect">
-            <a:avLst/>
-          </a:prstGeom>
-          <a:solidFill>
-            <a:schemeClr val="bg1"/>
-          </a:solidFill>
-          <a:ln w="38100">
-            <a:tailEnd type="triangle"/>
-          </a:ln>
-        </p:spPr>
-        <p:style>
-          <a:lnRef idx="1">
-            <a:schemeClr val="accent1"/>
-          </a:lnRef>
-          <a:fillRef idx="0">
-            <a:schemeClr val="accent1"/>
-          </a:fillRef>
-          <a:effectRef idx="0">
-            <a:schemeClr val="accent1"/>
-          </a:effectRef>
-          <a:fontRef idx="minor">
-            <a:schemeClr val="tx1"/>
-          </a:fontRef>
-        </p:style>
-        <p:txBody>
-          <a:bodyPr rtlCol="0" anchor="ctr"/>
-          <a:lstStyle/>
-          <a:p>
-            <a:pPr algn="ctr"/>
-            <a:r>
-              <a:rPr lang="en-US" altLang="zh-TW" dirty="0" smtClean="0"/>
-              <a:t>NO</a:t>
-            </a:r>
-            <a:endParaRPr lang="zh-TW" altLang="en-US" dirty="0">
-              <a:solidFill>
-                <a:schemeClr val="tx1"/>
-              </a:solidFill>
-            </a:endParaRPr>
-          </a:p>
-        </p:txBody>
-      </p:sp>
+        </p:spPr>
+      </p:pic>
     </p:spTree>
     <p:extLst>
       <p:ext uri="{BB962C8B-B14F-4D97-AF65-F5344CB8AC3E}">
@@ -6037,2557 +4866,72 @@
       </p:grpSpPr>
       <p:sp>
         <p:nvSpPr>
-          <p:cNvPr id="3" name="流程圖: 決策 2"/>
-          <p:cNvSpPr>
-            <a:spLocks noChangeAspect="1"/>
-          </p:cNvSpPr>
+          <p:cNvPr id="2" name="標題 1"/>
+          <p:cNvSpPr>
+            <a:spLocks noGrp="1"/>
+          </p:cNvSpPr>
+          <p:nvPr>
+            <p:ph type="title" idx="4294967295"/>
+          </p:nvPr>
+        </p:nvSpPr>
+        <p:spPr>
+          <a:xfrm>
+            <a:off x="1044090" y="460874"/>
+            <a:ext cx="10515600" cy="1325562"/>
+          </a:xfrm>
+        </p:spPr>
+        <p:txBody>
+          <a:bodyPr>
+            <a:normAutofit/>
+          </a:bodyPr>
+          <a:lstStyle/>
+          <a:p>
+            <a:r>
+              <a:rPr lang="zh-TW" altLang="en-US" sz="3200" dirty="0" smtClean="0"/>
+              <a:t>設計</a:t>
+            </a:r>
+            <a:r>
+              <a:rPr lang="en-US" altLang="zh-TW" sz="3200" dirty="0" smtClean="0"/>
+              <a:t>(RULE-BASE)</a:t>
+            </a:r>
+            <a:endParaRPr lang="zh-TW" altLang="en-US" sz="3200" dirty="0"/>
+          </a:p>
+        </p:txBody>
+      </p:sp>
+      <p:pic>
+        <p:nvPicPr>
+          <p:cNvPr id="4" name="圖片 3"/>
+          <p:cNvPicPr>
+            <a:picLocks noChangeAspect="1"/>
+          </p:cNvPicPr>
           <p:nvPr/>
-        </p:nvSpPr>
-        <p:spPr>
-          <a:xfrm>
-            <a:off x="5040777" y="-12976"/>
-            <a:ext cx="2238241" cy="982654"/>
-          </a:xfrm>
-          <a:prstGeom prst="flowChartDecision">
-            <a:avLst/>
-          </a:prstGeom>
-          <a:solidFill>
-            <a:schemeClr val="bg1"/>
-          </a:solidFill>
-        </p:spPr>
-        <p:style>
-          <a:lnRef idx="2">
-            <a:schemeClr val="accent1">
-              <a:shade val="50000"/>
-            </a:schemeClr>
-          </a:lnRef>
-          <a:fillRef idx="1">
-            <a:schemeClr val="accent1"/>
-          </a:fillRef>
-          <a:effectRef idx="0">
-            <a:schemeClr val="accent1"/>
-          </a:effectRef>
-          <a:fontRef idx="minor">
-            <a:schemeClr val="lt1"/>
-          </a:fontRef>
-        </p:style>
-        <p:txBody>
-          <a:bodyPr rtlCol="0" anchor="ctr"/>
-          <a:lstStyle/>
-          <a:p>
-            <a:pPr algn="ctr"/>
-            <a:endParaRPr lang="zh-TW" altLang="en-US" dirty="0">
-              <a:solidFill>
-                <a:schemeClr val="tx1"/>
-              </a:solidFill>
-            </a:endParaRPr>
-          </a:p>
-        </p:txBody>
-      </p:sp>
-      <p:cxnSp>
-        <p:nvCxnSpPr>
-          <p:cNvPr id="21" name="肘形接點 20"/>
-          <p:cNvCxnSpPr>
-            <a:cxnSpLocks noChangeAspect="1"/>
-            <a:stCxn id="3" idx="3"/>
-            <a:endCxn id="11" idx="0"/>
-          </p:cNvCxnSpPr>
-          <p:nvPr/>
-        </p:nvCxnSpPr>
-        <p:spPr>
-          <a:xfrm>
-            <a:off x="7279010" y="478357"/>
-            <a:ext cx="2578390" cy="312299"/>
-          </a:xfrm>
-          <a:prstGeom prst="bentConnector2">
-            <a:avLst/>
-          </a:prstGeom>
-          <a:ln>
-            <a:tailEnd type="triangle"/>
-          </a:ln>
-        </p:spPr>
-        <p:style>
-          <a:lnRef idx="1">
-            <a:schemeClr val="accent1"/>
-          </a:lnRef>
-          <a:fillRef idx="0">
-            <a:schemeClr val="accent1"/>
-          </a:fillRef>
-          <a:effectRef idx="0">
-            <a:schemeClr val="accent1"/>
-          </a:effectRef>
-          <a:fontRef idx="minor">
-            <a:schemeClr val="tx1"/>
-          </a:fontRef>
-        </p:style>
-      </p:cxnSp>
-      <p:cxnSp>
-        <p:nvCxnSpPr>
-          <p:cNvPr id="27" name="肘形接點 26"/>
-          <p:cNvCxnSpPr>
-            <a:cxnSpLocks noChangeAspect="1"/>
-            <a:endCxn id="30" idx="0"/>
-          </p:cNvCxnSpPr>
-          <p:nvPr/>
-        </p:nvCxnSpPr>
-        <p:spPr>
-          <a:xfrm rot="10800000" flipV="1">
-            <a:off x="2538790" y="510287"/>
-            <a:ext cx="2545304" cy="280365"/>
-          </a:xfrm>
-          <a:prstGeom prst="bentConnector2">
-            <a:avLst/>
-          </a:prstGeom>
-          <a:ln>
-            <a:tailEnd type="triangle"/>
-          </a:ln>
-        </p:spPr>
-        <p:style>
-          <a:lnRef idx="1">
-            <a:schemeClr val="accent1"/>
-          </a:lnRef>
-          <a:fillRef idx="0">
-            <a:schemeClr val="accent1"/>
-          </a:fillRef>
-          <a:effectRef idx="0">
-            <a:schemeClr val="accent1"/>
-          </a:effectRef>
-          <a:fontRef idx="minor">
-            <a:schemeClr val="tx1"/>
-          </a:fontRef>
-        </p:style>
-      </p:cxnSp>
-      <p:sp>
-        <p:nvSpPr>
-          <p:cNvPr id="11" name="流程圖: 程序 10"/>
-          <p:cNvSpPr>
-            <a:spLocks noChangeAspect="1"/>
-          </p:cNvSpPr>
-          <p:nvPr/>
-        </p:nvSpPr>
-        <p:spPr>
-          <a:xfrm>
-            <a:off x="9106781" y="790645"/>
-            <a:ext cx="1501249" cy="1030408"/>
-          </a:xfrm>
-          <a:prstGeom prst="flowChartProcess">
-            <a:avLst/>
-          </a:prstGeom>
-          <a:solidFill>
-            <a:schemeClr val="bg1"/>
-          </a:solidFill>
-        </p:spPr>
-        <p:style>
-          <a:lnRef idx="2">
-            <a:schemeClr val="accent1">
-              <a:shade val="50000"/>
-            </a:schemeClr>
-          </a:lnRef>
-          <a:fillRef idx="1">
-            <a:schemeClr val="accent1"/>
-          </a:fillRef>
-          <a:effectRef idx="0">
-            <a:schemeClr val="accent1"/>
-          </a:effectRef>
-          <a:fontRef idx="minor">
-            <a:schemeClr val="lt1"/>
-          </a:fontRef>
-        </p:style>
-        <p:txBody>
-          <a:bodyPr rtlCol="0" anchor="ctr"/>
-          <a:lstStyle/>
-          <a:p>
-            <a:pPr algn="ctr"/>
-            <a:r>
-              <a:rPr lang="zh-TW" altLang="en-US" dirty="0" smtClean="0">
-                <a:solidFill>
-                  <a:schemeClr val="tx1"/>
-                </a:solidFill>
-              </a:rPr>
-              <a:t>用</a:t>
-            </a:r>
-            <a:r>
-              <a:rPr lang="en-US" altLang="zh-TW" dirty="0" err="1" smtClean="0">
-                <a:solidFill>
-                  <a:schemeClr val="tx1"/>
-                </a:solidFill>
-              </a:rPr>
-              <a:t>Ball_Speed</a:t>
-            </a:r>
-            <a:endParaRPr lang="en-US" altLang="zh-TW" dirty="0" smtClean="0">
-              <a:solidFill>
-                <a:schemeClr val="tx1"/>
-              </a:solidFill>
-            </a:endParaRPr>
-          </a:p>
-          <a:p>
-            <a:pPr algn="ctr"/>
-            <a:r>
-              <a:rPr lang="zh-TW" altLang="en-US" dirty="0" smtClean="0">
-                <a:solidFill>
-                  <a:schemeClr val="tx1"/>
-                </a:solidFill>
-              </a:rPr>
-              <a:t>算出</a:t>
-            </a:r>
-            <a:r>
-              <a:rPr lang="en-US" altLang="zh-TW" dirty="0" smtClean="0">
-                <a:solidFill>
-                  <a:schemeClr val="tx1"/>
-                </a:solidFill>
-              </a:rPr>
-              <a:t>X:195</a:t>
-            </a:r>
-            <a:r>
-              <a:rPr lang="zh-TW" altLang="en-US" dirty="0" smtClean="0">
-                <a:solidFill>
-                  <a:schemeClr val="tx1"/>
-                </a:solidFill>
-              </a:rPr>
-              <a:t>時</a:t>
-            </a:r>
-            <a:endParaRPr lang="en-US" altLang="zh-TW" dirty="0" smtClean="0">
-              <a:solidFill>
-                <a:schemeClr val="tx1"/>
-              </a:solidFill>
-            </a:endParaRPr>
-          </a:p>
-          <a:p>
-            <a:pPr algn="ctr"/>
-            <a:r>
-              <a:rPr lang="en-US" altLang="zh-TW" dirty="0" smtClean="0">
-                <a:solidFill>
-                  <a:schemeClr val="tx1"/>
-                </a:solidFill>
-              </a:rPr>
-              <a:t>Y</a:t>
-            </a:r>
-            <a:r>
-              <a:rPr lang="zh-TW" altLang="en-US" dirty="0" smtClean="0">
-                <a:solidFill>
-                  <a:schemeClr val="tx1"/>
-                </a:solidFill>
-              </a:rPr>
-              <a:t>值</a:t>
-            </a:r>
-            <a:endParaRPr lang="zh-TW" altLang="en-US" dirty="0">
-              <a:solidFill>
-                <a:schemeClr val="tx1"/>
-              </a:solidFill>
-            </a:endParaRPr>
-          </a:p>
-        </p:txBody>
-      </p:sp>
-      <p:sp>
-        <p:nvSpPr>
-          <p:cNvPr id="30" name="流程圖: 程序 29"/>
-          <p:cNvSpPr>
-            <a:spLocks noChangeAspect="1"/>
-          </p:cNvSpPr>
-          <p:nvPr/>
-        </p:nvSpPr>
-        <p:spPr>
-          <a:xfrm>
-            <a:off x="1777942" y="790644"/>
-            <a:ext cx="1521740" cy="1030409"/>
-          </a:xfrm>
-          <a:prstGeom prst="flowChartProcess">
-            <a:avLst/>
-          </a:prstGeom>
-          <a:solidFill>
-            <a:schemeClr val="bg1"/>
-          </a:solidFill>
-        </p:spPr>
-        <p:style>
-          <a:lnRef idx="2">
-            <a:schemeClr val="accent1">
-              <a:shade val="50000"/>
-            </a:schemeClr>
-          </a:lnRef>
-          <a:fillRef idx="1">
-            <a:schemeClr val="accent1"/>
-          </a:fillRef>
-          <a:effectRef idx="0">
-            <a:schemeClr val="accent1"/>
-          </a:effectRef>
-          <a:fontRef idx="minor">
-            <a:schemeClr val="lt1"/>
-          </a:fontRef>
-        </p:style>
-        <p:txBody>
-          <a:bodyPr rtlCol="0" anchor="ctr"/>
-          <a:lstStyle/>
-          <a:p>
-            <a:pPr algn="ctr"/>
-            <a:r>
-              <a:rPr lang="zh-TW" altLang="en-US" dirty="0" smtClean="0">
-                <a:solidFill>
-                  <a:schemeClr val="tx1"/>
-                </a:solidFill>
-              </a:rPr>
-              <a:t>用</a:t>
-            </a:r>
-            <a:r>
-              <a:rPr lang="en-US" altLang="zh-TW" dirty="0" err="1" smtClean="0">
-                <a:solidFill>
-                  <a:schemeClr val="tx1"/>
-                </a:solidFill>
-              </a:rPr>
-              <a:t>Ball_Speed</a:t>
-            </a:r>
-            <a:r>
-              <a:rPr lang="zh-TW" altLang="en-US" dirty="0" smtClean="0">
-                <a:solidFill>
-                  <a:schemeClr val="tx1"/>
-                </a:solidFill>
-              </a:rPr>
-              <a:t>算</a:t>
-            </a:r>
-            <a:r>
-              <a:rPr lang="en-US" altLang="zh-TW" dirty="0" smtClean="0">
-                <a:solidFill>
-                  <a:schemeClr val="tx1"/>
-                </a:solidFill>
-              </a:rPr>
-              <a:t>X:0</a:t>
-            </a:r>
-            <a:r>
-              <a:rPr lang="zh-TW" altLang="en-US" dirty="0" smtClean="0">
-                <a:solidFill>
-                  <a:schemeClr val="tx1"/>
-                </a:solidFill>
-              </a:rPr>
-              <a:t>時</a:t>
-            </a:r>
-            <a:endParaRPr lang="en-US" altLang="zh-TW" dirty="0" smtClean="0">
-              <a:solidFill>
-                <a:schemeClr val="tx1"/>
-              </a:solidFill>
-            </a:endParaRPr>
-          </a:p>
-          <a:p>
-            <a:pPr algn="ctr"/>
-            <a:r>
-              <a:rPr lang="en-US" altLang="zh-TW" dirty="0" smtClean="0">
-                <a:solidFill>
-                  <a:schemeClr val="tx1"/>
-                </a:solidFill>
-              </a:rPr>
-              <a:t>Y</a:t>
-            </a:r>
-            <a:r>
-              <a:rPr lang="zh-TW" altLang="en-US" dirty="0" smtClean="0">
-                <a:solidFill>
-                  <a:schemeClr val="tx1"/>
-                </a:solidFill>
-              </a:rPr>
-              <a:t>值</a:t>
-            </a:r>
-            <a:endParaRPr lang="zh-TW" altLang="en-US" dirty="0">
-              <a:solidFill>
-                <a:schemeClr val="tx1"/>
-              </a:solidFill>
-            </a:endParaRPr>
-          </a:p>
-        </p:txBody>
-      </p:sp>
-      <p:sp>
-        <p:nvSpPr>
-          <p:cNvPr id="35" name="矩形 34"/>
-          <p:cNvSpPr>
-            <a:spLocks noChangeAspect="1"/>
-          </p:cNvSpPr>
-          <p:nvPr/>
-        </p:nvSpPr>
-        <p:spPr>
-          <a:xfrm>
-            <a:off x="8939341" y="245273"/>
-            <a:ext cx="743307" cy="339165"/>
+        </p:nvPicPr>
+        <p:blipFill>
+          <a:blip r:embed="rId2">
+            <a:extLst>
+              <a:ext uri="{28A0092B-C50C-407E-A947-70E740481C1C}">
+                <a14:useLocalDpi xmlns:a14="http://schemas.microsoft.com/office/drawing/2010/main" val="0"/>
+              </a:ext>
+            </a:extLst>
+          </a:blip>
+          <a:stretch>
+            <a:fillRect/>
+          </a:stretch>
+        </p:blipFill>
+        <p:spPr>
+          <a:xfrm>
+            <a:off x="1412401" y="1023041"/>
+            <a:ext cx="8671641" cy="4971682"/>
           </a:xfrm>
           <a:prstGeom prst="rect">
             <a:avLst/>
           </a:prstGeom>
-          <a:solidFill>
-            <a:srgbClr val="FFFFFF"/>
-          </a:solidFill>
-        </p:spPr>
-        <p:style>
-          <a:lnRef idx="2">
-            <a:schemeClr val="accent1">
-              <a:shade val="50000"/>
-            </a:schemeClr>
-          </a:lnRef>
-          <a:fillRef idx="1">
-            <a:schemeClr val="accent1"/>
-          </a:fillRef>
-          <a:effectRef idx="0">
-            <a:schemeClr val="accent1"/>
-          </a:effectRef>
-          <a:fontRef idx="minor">
-            <a:schemeClr val="lt1"/>
-          </a:fontRef>
-        </p:style>
-        <p:txBody>
-          <a:bodyPr rtlCol="0" anchor="ctr"/>
-          <a:lstStyle/>
-          <a:p>
-            <a:pPr algn="ctr"/>
-            <a:r>
-              <a:rPr lang="en-US" altLang="zh-TW" dirty="0" smtClean="0">
-                <a:solidFill>
-                  <a:schemeClr val="tx1"/>
-                </a:solidFill>
-              </a:rPr>
-              <a:t>YES</a:t>
-            </a:r>
-            <a:endParaRPr lang="zh-TW" altLang="en-US" dirty="0">
-              <a:solidFill>
-                <a:schemeClr val="tx1"/>
-              </a:solidFill>
-            </a:endParaRPr>
-          </a:p>
-        </p:txBody>
-      </p:sp>
-      <p:sp>
-        <p:nvSpPr>
-          <p:cNvPr id="37" name="矩形 36"/>
-          <p:cNvSpPr>
-            <a:spLocks noChangeAspect="1"/>
-          </p:cNvSpPr>
-          <p:nvPr/>
-        </p:nvSpPr>
-        <p:spPr>
-          <a:xfrm>
-            <a:off x="2845875" y="287682"/>
-            <a:ext cx="743307" cy="339165"/>
-          </a:xfrm>
-          <a:prstGeom prst="rect">
-            <a:avLst/>
-          </a:prstGeom>
-          <a:solidFill>
-            <a:srgbClr val="FFFFFF"/>
-          </a:solidFill>
-        </p:spPr>
-        <p:style>
-          <a:lnRef idx="2">
-            <a:schemeClr val="accent1">
-              <a:shade val="50000"/>
-            </a:schemeClr>
-          </a:lnRef>
-          <a:fillRef idx="1">
-            <a:schemeClr val="accent1"/>
-          </a:fillRef>
-          <a:effectRef idx="0">
-            <a:schemeClr val="accent1"/>
-          </a:effectRef>
-          <a:fontRef idx="minor">
-            <a:schemeClr val="lt1"/>
-          </a:fontRef>
-        </p:style>
-        <p:txBody>
-          <a:bodyPr rtlCol="0" anchor="ctr"/>
-          <a:lstStyle/>
-          <a:p>
-            <a:pPr algn="ctr"/>
-            <a:r>
-              <a:rPr lang="en-US" altLang="zh-TW" dirty="0" smtClean="0">
-                <a:solidFill>
-                  <a:schemeClr val="tx1"/>
-                </a:solidFill>
-              </a:rPr>
-              <a:t>NO</a:t>
-            </a:r>
-            <a:endParaRPr lang="zh-TW" altLang="en-US" dirty="0">
-              <a:solidFill>
-                <a:schemeClr val="tx1"/>
-              </a:solidFill>
-            </a:endParaRPr>
-          </a:p>
-        </p:txBody>
-      </p:sp>
-      <p:sp>
-        <p:nvSpPr>
-          <p:cNvPr id="57" name="流程圖: 決策 56"/>
-          <p:cNvSpPr>
-            <a:spLocks noChangeAspect="1"/>
-          </p:cNvSpPr>
-          <p:nvPr/>
-        </p:nvSpPr>
-        <p:spPr>
-          <a:xfrm>
-            <a:off x="8487242" y="3927204"/>
-            <a:ext cx="3134124" cy="925062"/>
-          </a:xfrm>
-          <a:prstGeom prst="flowChartDecision">
-            <a:avLst/>
-          </a:prstGeom>
-          <a:solidFill>
-            <a:schemeClr val="bg1"/>
-          </a:solidFill>
-        </p:spPr>
-        <p:style>
-          <a:lnRef idx="2">
-            <a:schemeClr val="accent1">
-              <a:shade val="50000"/>
-            </a:schemeClr>
-          </a:lnRef>
-          <a:fillRef idx="1">
-            <a:schemeClr val="accent1"/>
-          </a:fillRef>
-          <a:effectRef idx="0">
-            <a:schemeClr val="accent1"/>
-          </a:effectRef>
-          <a:fontRef idx="minor">
-            <a:schemeClr val="lt1"/>
-          </a:fontRef>
-        </p:style>
-        <p:txBody>
-          <a:bodyPr rtlCol="0" anchor="t"/>
-          <a:lstStyle/>
-          <a:p>
-            <a:endParaRPr lang="zh-TW" altLang="en-US" dirty="0">
-              <a:solidFill>
-                <a:schemeClr val="tx1"/>
-              </a:solidFill>
-            </a:endParaRPr>
-          </a:p>
-        </p:txBody>
-      </p:sp>
-      <p:sp>
-        <p:nvSpPr>
-          <p:cNvPr id="58" name="矩形 57"/>
-          <p:cNvSpPr>
-            <a:spLocks noChangeAspect="1"/>
-          </p:cNvSpPr>
-          <p:nvPr/>
-        </p:nvSpPr>
-        <p:spPr>
-          <a:xfrm>
-            <a:off x="8649431" y="4202412"/>
-            <a:ext cx="2970662" cy="369350"/>
-          </a:xfrm>
-          <a:prstGeom prst="rect">
-            <a:avLst/>
-          </a:prstGeom>
-        </p:spPr>
-        <p:txBody>
-          <a:bodyPr wrap="square">
-            <a:spAutoFit/>
-          </a:bodyPr>
-          <a:lstStyle/>
-          <a:p>
-            <a:r>
-              <a:rPr lang="en-US" altLang="zh-TW" dirty="0" smtClean="0">
-                <a:solidFill>
-                  <a:schemeClr val="tx1"/>
-                </a:solidFill>
-              </a:rPr>
-              <a:t>If  |Y –</a:t>
-            </a:r>
-            <a:r>
-              <a:rPr lang="zh-TW" altLang="en-US" dirty="0" smtClean="0">
-                <a:solidFill>
-                  <a:schemeClr val="tx1"/>
-                </a:solidFill>
-                <a:sym typeface="Wingdings" panose="05000000000000000000" pitchFamily="2" charset="2"/>
-              </a:rPr>
-              <a:t>自己</a:t>
-            </a:r>
-            <a:r>
-              <a:rPr lang="en-US" altLang="zh-TW" dirty="0" smtClean="0">
-                <a:solidFill>
-                  <a:schemeClr val="tx1"/>
-                </a:solidFill>
-              </a:rPr>
-              <a:t>Platform Y| &gt; 195</a:t>
-            </a:r>
-            <a:endParaRPr lang="zh-TW" altLang="en-US" dirty="0">
-              <a:solidFill>
-                <a:schemeClr val="tx1"/>
-              </a:solidFill>
-            </a:endParaRPr>
-          </a:p>
-        </p:txBody>
-      </p:sp>
-      <p:sp>
-        <p:nvSpPr>
-          <p:cNvPr id="59" name="流程圖: 決策 58"/>
-          <p:cNvSpPr>
-            <a:spLocks noChangeAspect="1"/>
-          </p:cNvSpPr>
-          <p:nvPr/>
-        </p:nvSpPr>
-        <p:spPr>
-          <a:xfrm>
-            <a:off x="820169" y="3769954"/>
-            <a:ext cx="3134124" cy="1040033"/>
-          </a:xfrm>
-          <a:prstGeom prst="flowChartDecision">
-            <a:avLst/>
-          </a:prstGeom>
-          <a:solidFill>
-            <a:schemeClr val="bg1"/>
-          </a:solidFill>
-        </p:spPr>
-        <p:style>
-          <a:lnRef idx="2">
-            <a:schemeClr val="accent1">
-              <a:shade val="50000"/>
-            </a:schemeClr>
-          </a:lnRef>
-          <a:fillRef idx="1">
-            <a:schemeClr val="accent1"/>
-          </a:fillRef>
-          <a:effectRef idx="0">
-            <a:schemeClr val="accent1"/>
-          </a:effectRef>
-          <a:fontRef idx="minor">
-            <a:schemeClr val="lt1"/>
-          </a:fontRef>
-        </p:style>
-        <p:txBody>
-          <a:bodyPr rtlCol="0" anchor="t"/>
-          <a:lstStyle/>
-          <a:p>
-            <a:endParaRPr lang="zh-TW" altLang="en-US" dirty="0">
-              <a:solidFill>
-                <a:schemeClr val="tx1"/>
-              </a:solidFill>
-            </a:endParaRPr>
-          </a:p>
-        </p:txBody>
-      </p:sp>
-      <p:sp>
-        <p:nvSpPr>
-          <p:cNvPr id="60" name="矩形 59"/>
-          <p:cNvSpPr>
-            <a:spLocks noChangeAspect="1"/>
-          </p:cNvSpPr>
-          <p:nvPr/>
-        </p:nvSpPr>
-        <p:spPr>
-          <a:xfrm>
-            <a:off x="901886" y="4105315"/>
-            <a:ext cx="2970662" cy="369350"/>
-          </a:xfrm>
-          <a:prstGeom prst="rect">
-            <a:avLst/>
-          </a:prstGeom>
-        </p:spPr>
-        <p:txBody>
-          <a:bodyPr wrap="square">
-            <a:spAutoFit/>
-          </a:bodyPr>
-          <a:lstStyle/>
-          <a:p>
-            <a:r>
-              <a:rPr lang="en-US" altLang="zh-TW" dirty="0" smtClean="0">
-                <a:solidFill>
-                  <a:schemeClr val="tx1"/>
-                </a:solidFill>
-              </a:rPr>
-              <a:t>If  |Y –</a:t>
-            </a:r>
-            <a:r>
-              <a:rPr lang="zh-TW" altLang="en-US" dirty="0" smtClean="0">
-                <a:solidFill>
-                  <a:schemeClr val="tx1"/>
-                </a:solidFill>
-                <a:sym typeface="Wingdings" panose="05000000000000000000" pitchFamily="2" charset="2"/>
-              </a:rPr>
-              <a:t>自己</a:t>
-            </a:r>
-            <a:r>
-              <a:rPr lang="en-US" altLang="zh-TW" dirty="0" smtClean="0">
-                <a:solidFill>
-                  <a:schemeClr val="tx1"/>
-                </a:solidFill>
-              </a:rPr>
-              <a:t>Platform Y| &gt; 195</a:t>
-            </a:r>
-            <a:endParaRPr lang="zh-TW" altLang="en-US" dirty="0">
-              <a:solidFill>
-                <a:schemeClr val="tx1"/>
-              </a:solidFill>
-            </a:endParaRPr>
-          </a:p>
-        </p:txBody>
-      </p:sp>
-      <p:cxnSp>
-        <p:nvCxnSpPr>
-          <p:cNvPr id="65" name="肘形接點 64"/>
-          <p:cNvCxnSpPr>
-            <a:cxnSpLocks noChangeAspect="1"/>
-            <a:stCxn id="59" idx="3"/>
-            <a:endCxn id="11" idx="1"/>
-          </p:cNvCxnSpPr>
-          <p:nvPr/>
-        </p:nvCxnSpPr>
-        <p:spPr>
-          <a:xfrm flipV="1">
-            <a:off x="3954281" y="1305860"/>
-            <a:ext cx="5152501" cy="2984130"/>
-          </a:xfrm>
-          <a:prstGeom prst="bentConnector3">
-            <a:avLst>
-              <a:gd name="adj1" fmla="val 50000"/>
-            </a:avLst>
-          </a:prstGeom>
-          <a:ln w="38100">
-            <a:solidFill>
-              <a:srgbClr val="7030A0"/>
-            </a:solidFill>
-            <a:tailEnd type="triangle"/>
-          </a:ln>
-        </p:spPr>
-        <p:style>
-          <a:lnRef idx="1">
-            <a:schemeClr val="accent1"/>
-          </a:lnRef>
-          <a:fillRef idx="0">
-            <a:schemeClr val="accent1"/>
-          </a:fillRef>
-          <a:effectRef idx="0">
-            <a:schemeClr val="accent1"/>
-          </a:effectRef>
-          <a:fontRef idx="minor">
-            <a:schemeClr val="tx1"/>
-          </a:fontRef>
-        </p:style>
-      </p:cxnSp>
-      <p:sp>
-        <p:nvSpPr>
-          <p:cNvPr id="64" name="矩形 63"/>
-          <p:cNvSpPr>
-            <a:spLocks noChangeAspect="1"/>
-          </p:cNvSpPr>
-          <p:nvPr/>
-        </p:nvSpPr>
-        <p:spPr>
-          <a:xfrm>
-            <a:off x="4382356" y="4093102"/>
-            <a:ext cx="743307" cy="339165"/>
-          </a:xfrm>
-          <a:prstGeom prst="rect">
-            <a:avLst/>
-          </a:prstGeom>
-          <a:solidFill>
-            <a:schemeClr val="bg1"/>
-          </a:solidFill>
-          <a:ln>
-            <a:solidFill>
-              <a:srgbClr val="7030A0"/>
-            </a:solidFill>
-          </a:ln>
-        </p:spPr>
-        <p:style>
-          <a:lnRef idx="2">
-            <a:schemeClr val="accent1">
-              <a:shade val="50000"/>
-            </a:schemeClr>
-          </a:lnRef>
-          <a:fillRef idx="1">
-            <a:schemeClr val="accent1"/>
-          </a:fillRef>
-          <a:effectRef idx="0">
-            <a:schemeClr val="accent1"/>
-          </a:effectRef>
-          <a:fontRef idx="minor">
-            <a:schemeClr val="lt1"/>
-          </a:fontRef>
-        </p:style>
-        <p:txBody>
-          <a:bodyPr rtlCol="0" anchor="ctr"/>
-          <a:lstStyle/>
-          <a:p>
-            <a:pPr algn="ctr"/>
-            <a:r>
-              <a:rPr lang="en-US" altLang="zh-TW" dirty="0" smtClean="0">
-                <a:solidFill>
-                  <a:schemeClr val="tx1"/>
-                </a:solidFill>
-              </a:rPr>
-              <a:t>YES</a:t>
-            </a:r>
-            <a:endParaRPr lang="zh-TW" altLang="en-US" dirty="0">
-              <a:solidFill>
-                <a:schemeClr val="tx1"/>
-              </a:solidFill>
-            </a:endParaRPr>
-          </a:p>
-        </p:txBody>
-      </p:sp>
-      <p:cxnSp>
-        <p:nvCxnSpPr>
-          <p:cNvPr id="68" name="肘形接點 67"/>
-          <p:cNvCxnSpPr>
-            <a:cxnSpLocks noChangeAspect="1"/>
-            <a:stCxn id="57" idx="1"/>
-            <a:endCxn id="30" idx="3"/>
-          </p:cNvCxnSpPr>
-          <p:nvPr/>
-        </p:nvCxnSpPr>
-        <p:spPr>
-          <a:xfrm rot="10800000">
-            <a:off x="3299658" y="1305848"/>
-            <a:ext cx="5187576" cy="3083876"/>
-          </a:xfrm>
-          <a:prstGeom prst="bentConnector3">
-            <a:avLst>
-              <a:gd name="adj1" fmla="val 50000"/>
-            </a:avLst>
-          </a:prstGeom>
-          <a:ln w="38100">
-            <a:solidFill>
-              <a:srgbClr val="FF0000"/>
-            </a:solidFill>
-            <a:tailEnd type="triangle"/>
-          </a:ln>
-        </p:spPr>
-        <p:style>
-          <a:lnRef idx="1">
-            <a:schemeClr val="accent1"/>
-          </a:lnRef>
-          <a:fillRef idx="0">
-            <a:schemeClr val="accent1"/>
-          </a:fillRef>
-          <a:effectRef idx="0">
-            <a:schemeClr val="accent1"/>
-          </a:effectRef>
-          <a:fontRef idx="minor">
-            <a:schemeClr val="tx1"/>
-          </a:fontRef>
-        </p:style>
-      </p:cxnSp>
-      <p:sp>
-        <p:nvSpPr>
-          <p:cNvPr id="63" name="矩形 62"/>
-          <p:cNvSpPr>
-            <a:spLocks noChangeAspect="1"/>
-          </p:cNvSpPr>
-          <p:nvPr/>
-        </p:nvSpPr>
-        <p:spPr>
-          <a:xfrm>
-            <a:off x="7186382" y="4194405"/>
-            <a:ext cx="743307" cy="339165"/>
-          </a:xfrm>
-          <a:prstGeom prst="rect">
-            <a:avLst/>
-          </a:prstGeom>
-          <a:solidFill>
-            <a:srgbClr val="FFFFFF"/>
-          </a:solidFill>
-          <a:ln>
-            <a:solidFill>
-              <a:srgbClr val="FF0000"/>
-            </a:solidFill>
-          </a:ln>
-        </p:spPr>
-        <p:style>
-          <a:lnRef idx="2">
-            <a:schemeClr val="accent1">
-              <a:shade val="50000"/>
-            </a:schemeClr>
-          </a:lnRef>
-          <a:fillRef idx="1">
-            <a:schemeClr val="accent1"/>
-          </a:fillRef>
-          <a:effectRef idx="0">
-            <a:schemeClr val="accent1"/>
-          </a:effectRef>
-          <a:fontRef idx="minor">
-            <a:schemeClr val="lt1"/>
-          </a:fontRef>
-        </p:style>
-        <p:txBody>
-          <a:bodyPr rtlCol="0" anchor="ctr"/>
-          <a:lstStyle/>
-          <a:p>
-            <a:pPr algn="ctr"/>
-            <a:r>
-              <a:rPr lang="en-US" altLang="zh-TW" dirty="0" smtClean="0">
-                <a:solidFill>
-                  <a:schemeClr val="tx1"/>
-                </a:solidFill>
-              </a:rPr>
-              <a:t>YES</a:t>
-            </a:r>
-            <a:endParaRPr lang="zh-TW" altLang="en-US" dirty="0">
-              <a:solidFill>
-                <a:schemeClr val="tx1"/>
-              </a:solidFill>
-            </a:endParaRPr>
-          </a:p>
-        </p:txBody>
-      </p:sp>
-      <p:cxnSp>
-        <p:nvCxnSpPr>
-          <p:cNvPr id="98" name="肘形接點 97"/>
-          <p:cNvCxnSpPr>
-            <a:cxnSpLocks noChangeAspect="1"/>
-            <a:stCxn id="59" idx="2"/>
-            <a:endCxn id="130" idx="0"/>
-          </p:cNvCxnSpPr>
-          <p:nvPr/>
-        </p:nvCxnSpPr>
-        <p:spPr>
-          <a:xfrm rot="16200000" flipH="1">
-            <a:off x="2124500" y="5072691"/>
-            <a:ext cx="535022" cy="9599"/>
-          </a:xfrm>
-          <a:prstGeom prst="bentConnector3">
-            <a:avLst>
-              <a:gd name="adj1" fmla="val 50000"/>
-            </a:avLst>
-          </a:prstGeom>
-          <a:ln>
-            <a:tailEnd type="triangle"/>
-          </a:ln>
-        </p:spPr>
-        <p:style>
-          <a:lnRef idx="1">
-            <a:schemeClr val="accent1"/>
-          </a:lnRef>
-          <a:fillRef idx="0">
-            <a:schemeClr val="accent1"/>
-          </a:fillRef>
-          <a:effectRef idx="0">
-            <a:schemeClr val="accent1"/>
-          </a:effectRef>
-          <a:fontRef idx="minor">
-            <a:schemeClr val="tx1"/>
-          </a:fontRef>
-        </p:style>
-      </p:cxnSp>
-      <p:sp>
-        <p:nvSpPr>
-          <p:cNvPr id="96" name="矩形 95"/>
-          <p:cNvSpPr>
-            <a:spLocks noChangeAspect="1"/>
-          </p:cNvSpPr>
-          <p:nvPr/>
-        </p:nvSpPr>
-        <p:spPr>
-          <a:xfrm>
-            <a:off x="2048289" y="4871910"/>
-            <a:ext cx="743307" cy="339165"/>
-          </a:xfrm>
-          <a:prstGeom prst="rect">
-            <a:avLst/>
-          </a:prstGeom>
-          <a:solidFill>
-            <a:srgbClr val="FFFFFF"/>
-          </a:solidFill>
-        </p:spPr>
-        <p:style>
-          <a:lnRef idx="2">
-            <a:schemeClr val="accent1">
-              <a:shade val="50000"/>
-            </a:schemeClr>
-          </a:lnRef>
-          <a:fillRef idx="1">
-            <a:schemeClr val="accent1"/>
-          </a:fillRef>
-          <a:effectRef idx="0">
-            <a:schemeClr val="accent1"/>
-          </a:effectRef>
-          <a:fontRef idx="minor">
-            <a:schemeClr val="lt1"/>
-          </a:fontRef>
-        </p:style>
-        <p:txBody>
-          <a:bodyPr rtlCol="0" anchor="ctr"/>
-          <a:lstStyle/>
-          <a:p>
-            <a:pPr algn="ctr"/>
-            <a:r>
-              <a:rPr lang="en-US" altLang="zh-TW" dirty="0">
-                <a:solidFill>
-                  <a:schemeClr val="tx1"/>
-                </a:solidFill>
-              </a:rPr>
-              <a:t>NO</a:t>
-            </a:r>
-            <a:endParaRPr lang="zh-TW" altLang="en-US" dirty="0">
-              <a:solidFill>
-                <a:schemeClr val="tx1"/>
-              </a:solidFill>
-            </a:endParaRPr>
-          </a:p>
-        </p:txBody>
-      </p:sp>
-      <p:sp>
-        <p:nvSpPr>
-          <p:cNvPr id="102" name="矩形 101"/>
-          <p:cNvSpPr>
-            <a:spLocks noChangeAspect="1"/>
-          </p:cNvSpPr>
-          <p:nvPr/>
-        </p:nvSpPr>
-        <p:spPr>
-          <a:xfrm>
-            <a:off x="7752369" y="5356521"/>
-            <a:ext cx="4603847" cy="1188987"/>
-          </a:xfrm>
-          <a:prstGeom prst="rect">
-            <a:avLst/>
-          </a:prstGeom>
-          <a:solidFill>
-            <a:schemeClr val="bg1"/>
-          </a:solidFill>
-        </p:spPr>
-        <p:style>
-          <a:lnRef idx="2">
-            <a:schemeClr val="accent1">
-              <a:shade val="50000"/>
-            </a:schemeClr>
-          </a:lnRef>
-          <a:fillRef idx="1">
-            <a:schemeClr val="accent1"/>
-          </a:fillRef>
-          <a:effectRef idx="0">
-            <a:schemeClr val="accent1"/>
-          </a:effectRef>
-          <a:fontRef idx="minor">
-            <a:schemeClr val="lt1"/>
-          </a:fontRef>
-        </p:style>
-        <p:txBody>
-          <a:bodyPr rtlCol="0" anchor="ctr"/>
-          <a:lstStyle/>
-          <a:p>
-            <a:pPr algn="ctr"/>
-            <a:r>
-              <a:rPr lang="zh-TW" altLang="en-US" dirty="0" smtClean="0">
-                <a:solidFill>
-                  <a:schemeClr val="tx1"/>
-                </a:solidFill>
-              </a:rPr>
-              <a:t>用</a:t>
-            </a:r>
-            <a:r>
-              <a:rPr lang="en-US" altLang="zh-TW" dirty="0" err="1" smtClean="0">
-                <a:solidFill>
-                  <a:schemeClr val="tx1"/>
-                </a:solidFill>
-              </a:rPr>
-              <a:t>Ball_Speed</a:t>
-            </a:r>
-            <a:r>
-              <a:rPr lang="zh-TW" altLang="en-US" dirty="0" smtClean="0">
-                <a:solidFill>
-                  <a:schemeClr val="tx1"/>
-                </a:solidFill>
-              </a:rPr>
-              <a:t>算出 </a:t>
-            </a:r>
-            <a:r>
-              <a:rPr lang="en-US" altLang="zh-TW" dirty="0" smtClean="0">
-                <a:solidFill>
-                  <a:schemeClr val="tx1"/>
-                </a:solidFill>
-              </a:rPr>
-              <a:t>Y</a:t>
-            </a:r>
-            <a:r>
-              <a:rPr lang="en-US" altLang="zh-TW" dirty="0" smtClean="0">
-                <a:solidFill>
-                  <a:schemeClr val="tx1"/>
-                </a:solidFill>
-                <a:sym typeface="Wingdings" panose="05000000000000000000" pitchFamily="2" charset="2"/>
-              </a:rPr>
-              <a:t>:</a:t>
-            </a:r>
-            <a:r>
-              <a:rPr lang="zh-TW" altLang="en-US" dirty="0" smtClean="0">
-                <a:solidFill>
-                  <a:schemeClr val="tx1"/>
-                </a:solidFill>
-                <a:sym typeface="Wingdings" panose="05000000000000000000" pitchFamily="2" charset="2"/>
-              </a:rPr>
-              <a:t> </a:t>
-            </a:r>
-            <a:r>
-              <a:rPr lang="en-US" altLang="zh-TW" dirty="0" smtClean="0">
-                <a:solidFill>
-                  <a:schemeClr val="tx1"/>
-                </a:solidFill>
-                <a:sym typeface="Wingdings" panose="05000000000000000000" pitchFamily="2" charset="2"/>
-              </a:rPr>
-              <a:t>(</a:t>
-            </a:r>
-            <a:r>
-              <a:rPr lang="zh-TW" altLang="en-US" dirty="0" smtClean="0">
-                <a:solidFill>
-                  <a:schemeClr val="tx1"/>
-                </a:solidFill>
-                <a:sym typeface="Wingdings" panose="05000000000000000000" pitchFamily="2" charset="2"/>
-              </a:rPr>
-              <a:t>自己</a:t>
-            </a:r>
-            <a:r>
-              <a:rPr lang="en-US" altLang="zh-TW" dirty="0" smtClean="0">
-                <a:solidFill>
-                  <a:schemeClr val="tx1"/>
-                </a:solidFill>
-              </a:rPr>
-              <a:t>Platform Y)</a:t>
-            </a:r>
-            <a:r>
-              <a:rPr lang="zh-TW" altLang="en-US" dirty="0" smtClean="0">
-                <a:solidFill>
-                  <a:schemeClr val="tx1"/>
-                </a:solidFill>
-              </a:rPr>
-              <a:t>時的</a:t>
-            </a:r>
-            <a:r>
-              <a:rPr lang="en-US" altLang="zh-TW" dirty="0" smtClean="0">
-                <a:solidFill>
-                  <a:schemeClr val="tx1"/>
-                </a:solidFill>
-              </a:rPr>
-              <a:t>X</a:t>
-            </a:r>
-            <a:r>
-              <a:rPr lang="zh-TW" altLang="en-US" dirty="0" smtClean="0">
-                <a:solidFill>
-                  <a:schemeClr val="tx1"/>
-                </a:solidFill>
-              </a:rPr>
-              <a:t>值</a:t>
-            </a:r>
-            <a:endParaRPr lang="en-US" altLang="zh-TW" dirty="0" smtClean="0">
-              <a:solidFill>
-                <a:schemeClr val="tx1"/>
-              </a:solidFill>
-            </a:endParaRPr>
-          </a:p>
-          <a:p>
-            <a:pPr algn="ctr"/>
-            <a:r>
-              <a:rPr lang="zh-TW" altLang="en-US" dirty="0" smtClean="0">
-                <a:solidFill>
-                  <a:schemeClr val="tx1"/>
-                </a:solidFill>
-              </a:rPr>
-              <a:t>存入</a:t>
-            </a:r>
-            <a:r>
-              <a:rPr lang="en-US" altLang="zh-TW" b="1" dirty="0" err="1" smtClean="0">
-                <a:solidFill>
-                  <a:schemeClr val="tx1"/>
-                </a:solidFill>
-              </a:rPr>
-              <a:t>Opponent_strike_back_x</a:t>
-            </a:r>
-            <a:endParaRPr lang="en-US" altLang="zh-TW" dirty="0" smtClean="0">
-              <a:solidFill>
-                <a:schemeClr val="tx1"/>
-              </a:solidFill>
-            </a:endParaRPr>
-          </a:p>
-          <a:p>
-            <a:pPr algn="ctr"/>
-            <a:r>
-              <a:rPr lang="en-US" altLang="zh-TW" b="1" dirty="0" err="1" smtClean="0">
-                <a:solidFill>
-                  <a:schemeClr val="tx1"/>
-                </a:solidFill>
-              </a:rPr>
-              <a:t>Opponent_strike_back_direction_right</a:t>
-            </a:r>
-            <a:r>
-              <a:rPr lang="en-US" altLang="zh-TW" b="1" dirty="0" smtClean="0">
-                <a:solidFill>
-                  <a:schemeClr val="tx1"/>
-                </a:solidFill>
-              </a:rPr>
-              <a:t> = 0</a:t>
-            </a:r>
-            <a:endParaRPr lang="zh-TW" altLang="en-US" b="1" dirty="0" smtClean="0">
-              <a:solidFill>
-                <a:schemeClr val="tx1"/>
-              </a:solidFill>
-            </a:endParaRPr>
-          </a:p>
-        </p:txBody>
-      </p:sp>
-      <p:cxnSp>
-        <p:nvCxnSpPr>
-          <p:cNvPr id="110" name="肘形接點 109"/>
-          <p:cNvCxnSpPr>
-            <a:cxnSpLocks noChangeAspect="1"/>
-            <a:stCxn id="57" idx="2"/>
-            <a:endCxn id="102" idx="0"/>
-          </p:cNvCxnSpPr>
-          <p:nvPr/>
-        </p:nvCxnSpPr>
-        <p:spPr>
-          <a:xfrm rot="16200000" flipH="1">
-            <a:off x="9802165" y="5104388"/>
-            <a:ext cx="504253" cy="1"/>
-          </a:xfrm>
-          <a:prstGeom prst="bentConnector3">
-            <a:avLst>
-              <a:gd name="adj1" fmla="val 50000"/>
-            </a:avLst>
-          </a:prstGeom>
-          <a:ln>
-            <a:tailEnd type="triangle"/>
-          </a:ln>
-        </p:spPr>
-        <p:style>
-          <a:lnRef idx="1">
-            <a:schemeClr val="accent1"/>
-          </a:lnRef>
-          <a:fillRef idx="0">
-            <a:schemeClr val="accent1"/>
-          </a:fillRef>
-          <a:effectRef idx="0">
-            <a:schemeClr val="accent1"/>
-          </a:effectRef>
-          <a:fontRef idx="minor">
-            <a:schemeClr val="tx1"/>
-          </a:fontRef>
-        </p:style>
-      </p:cxnSp>
-      <p:sp>
-        <p:nvSpPr>
-          <p:cNvPr id="97" name="矩形 96"/>
-          <p:cNvSpPr>
-            <a:spLocks noChangeAspect="1"/>
-          </p:cNvSpPr>
-          <p:nvPr/>
-        </p:nvSpPr>
-        <p:spPr>
-          <a:xfrm>
-            <a:off x="9682646" y="4883199"/>
-            <a:ext cx="743307" cy="339165"/>
-          </a:xfrm>
-          <a:prstGeom prst="rect">
-            <a:avLst/>
-          </a:prstGeom>
-          <a:solidFill>
-            <a:srgbClr val="FFFFFF"/>
-          </a:solidFill>
-        </p:spPr>
-        <p:style>
-          <a:lnRef idx="2">
-            <a:schemeClr val="accent1">
-              <a:shade val="50000"/>
-            </a:schemeClr>
-          </a:lnRef>
-          <a:fillRef idx="1">
-            <a:schemeClr val="accent1"/>
-          </a:fillRef>
-          <a:effectRef idx="0">
-            <a:schemeClr val="accent1"/>
-          </a:effectRef>
-          <a:fontRef idx="minor">
-            <a:schemeClr val="lt1"/>
-          </a:fontRef>
-        </p:style>
-        <p:txBody>
-          <a:bodyPr rtlCol="0" anchor="ctr"/>
-          <a:lstStyle/>
-          <a:p>
-            <a:pPr algn="ctr"/>
-            <a:r>
-              <a:rPr lang="en-US" altLang="zh-TW" dirty="0">
-                <a:solidFill>
-                  <a:schemeClr val="tx1"/>
-                </a:solidFill>
-              </a:rPr>
-              <a:t>NO</a:t>
-            </a:r>
-            <a:endParaRPr lang="zh-TW" altLang="en-US" dirty="0">
-              <a:solidFill>
-                <a:schemeClr val="tx1"/>
-              </a:solidFill>
-            </a:endParaRPr>
-          </a:p>
-        </p:txBody>
-      </p:sp>
-      <p:sp>
-        <p:nvSpPr>
-          <p:cNvPr id="130" name="矩形 129"/>
-          <p:cNvSpPr>
-            <a:spLocks noChangeAspect="1"/>
-          </p:cNvSpPr>
-          <p:nvPr/>
-        </p:nvSpPr>
-        <p:spPr>
-          <a:xfrm>
-            <a:off x="94894" y="5344994"/>
-            <a:ext cx="4603847" cy="1198010"/>
-          </a:xfrm>
-          <a:prstGeom prst="rect">
-            <a:avLst/>
-          </a:prstGeom>
-          <a:solidFill>
-            <a:schemeClr val="bg1"/>
-          </a:solidFill>
-        </p:spPr>
-        <p:style>
-          <a:lnRef idx="2">
-            <a:schemeClr val="accent1">
-              <a:shade val="50000"/>
-            </a:schemeClr>
-          </a:lnRef>
-          <a:fillRef idx="1">
-            <a:schemeClr val="accent1"/>
-          </a:fillRef>
-          <a:effectRef idx="0">
-            <a:schemeClr val="accent1"/>
-          </a:effectRef>
-          <a:fontRef idx="minor">
-            <a:schemeClr val="lt1"/>
-          </a:fontRef>
-        </p:style>
-        <p:txBody>
-          <a:bodyPr rtlCol="0" anchor="ctr"/>
-          <a:lstStyle/>
-          <a:p>
-            <a:pPr algn="ctr"/>
-            <a:r>
-              <a:rPr lang="zh-TW" altLang="en-US" dirty="0" smtClean="0">
-                <a:solidFill>
-                  <a:schemeClr val="tx1"/>
-                </a:solidFill>
-              </a:rPr>
-              <a:t>用</a:t>
-            </a:r>
-            <a:r>
-              <a:rPr lang="en-US" altLang="zh-TW" dirty="0" err="1" smtClean="0">
-                <a:solidFill>
-                  <a:schemeClr val="tx1"/>
-                </a:solidFill>
-              </a:rPr>
-              <a:t>Ball_Speed</a:t>
-            </a:r>
-            <a:r>
-              <a:rPr lang="zh-TW" altLang="en-US" dirty="0" smtClean="0">
-                <a:solidFill>
-                  <a:schemeClr val="tx1"/>
-                </a:solidFill>
-              </a:rPr>
-              <a:t>算出 </a:t>
-            </a:r>
-            <a:r>
-              <a:rPr lang="en-US" altLang="zh-TW" dirty="0" smtClean="0">
-                <a:solidFill>
-                  <a:schemeClr val="tx1"/>
-                </a:solidFill>
-              </a:rPr>
-              <a:t>Y</a:t>
-            </a:r>
-            <a:r>
-              <a:rPr lang="en-US" altLang="zh-TW" dirty="0" smtClean="0">
-                <a:solidFill>
-                  <a:schemeClr val="tx1"/>
-                </a:solidFill>
-                <a:sym typeface="Wingdings" panose="05000000000000000000" pitchFamily="2" charset="2"/>
-              </a:rPr>
-              <a:t>:</a:t>
-            </a:r>
-            <a:r>
-              <a:rPr lang="zh-TW" altLang="en-US" dirty="0" smtClean="0">
-                <a:solidFill>
-                  <a:schemeClr val="tx1"/>
-                </a:solidFill>
-                <a:sym typeface="Wingdings" panose="05000000000000000000" pitchFamily="2" charset="2"/>
-              </a:rPr>
-              <a:t> </a:t>
-            </a:r>
-            <a:r>
-              <a:rPr lang="en-US" altLang="zh-TW" dirty="0" smtClean="0">
-                <a:solidFill>
-                  <a:schemeClr val="tx1"/>
-                </a:solidFill>
-                <a:sym typeface="Wingdings" panose="05000000000000000000" pitchFamily="2" charset="2"/>
-              </a:rPr>
-              <a:t>(</a:t>
-            </a:r>
-            <a:r>
-              <a:rPr lang="zh-TW" altLang="en-US" dirty="0" smtClean="0">
-                <a:solidFill>
-                  <a:schemeClr val="tx1"/>
-                </a:solidFill>
-              </a:rPr>
-              <a:t>對手</a:t>
-            </a:r>
-            <a:r>
-              <a:rPr lang="en-US" altLang="zh-TW" dirty="0" smtClean="0">
-                <a:solidFill>
-                  <a:schemeClr val="tx1"/>
-                </a:solidFill>
-              </a:rPr>
-              <a:t>Platform Y)</a:t>
-            </a:r>
-            <a:r>
-              <a:rPr lang="zh-TW" altLang="en-US" dirty="0" smtClean="0">
-                <a:solidFill>
-                  <a:schemeClr val="tx1"/>
-                </a:solidFill>
-              </a:rPr>
-              <a:t>時的</a:t>
-            </a:r>
-            <a:r>
-              <a:rPr lang="en-US" altLang="zh-TW" dirty="0" smtClean="0">
-                <a:solidFill>
-                  <a:schemeClr val="tx1"/>
-                </a:solidFill>
-              </a:rPr>
-              <a:t>X</a:t>
-            </a:r>
-            <a:r>
-              <a:rPr lang="zh-TW" altLang="en-US" dirty="0" smtClean="0">
-                <a:solidFill>
-                  <a:schemeClr val="tx1"/>
-                </a:solidFill>
-              </a:rPr>
-              <a:t>值</a:t>
-            </a:r>
-            <a:endParaRPr lang="en-US" altLang="zh-TW" dirty="0" smtClean="0">
-              <a:solidFill>
-                <a:schemeClr val="tx1"/>
-              </a:solidFill>
-            </a:endParaRPr>
-          </a:p>
-          <a:p>
-            <a:pPr algn="ctr"/>
-            <a:r>
-              <a:rPr lang="zh-TW" altLang="en-US" dirty="0" smtClean="0">
-                <a:solidFill>
-                  <a:schemeClr val="tx1"/>
-                </a:solidFill>
-              </a:rPr>
-              <a:t>存入</a:t>
-            </a:r>
-            <a:r>
-              <a:rPr lang="en-US" altLang="zh-TW" b="1" dirty="0" err="1" smtClean="0">
-                <a:solidFill>
-                  <a:schemeClr val="tx1"/>
-                </a:solidFill>
-              </a:rPr>
-              <a:t>Opponent_strike_back_x</a:t>
-            </a:r>
-            <a:endParaRPr lang="en-US" altLang="zh-TW" dirty="0" smtClean="0">
-              <a:solidFill>
-                <a:schemeClr val="tx1"/>
-              </a:solidFill>
-            </a:endParaRPr>
-          </a:p>
-          <a:p>
-            <a:pPr algn="ctr"/>
-            <a:r>
-              <a:rPr lang="en-US" altLang="zh-TW" b="1" dirty="0" err="1" smtClean="0">
-                <a:solidFill>
-                  <a:schemeClr val="tx1"/>
-                </a:solidFill>
-              </a:rPr>
-              <a:t>Opponent_strike_back_direction_right</a:t>
-            </a:r>
-            <a:r>
-              <a:rPr lang="en-US" altLang="zh-TW" b="1" dirty="0" smtClean="0">
-                <a:solidFill>
-                  <a:schemeClr val="tx1"/>
-                </a:solidFill>
-              </a:rPr>
-              <a:t> = 1</a:t>
-            </a:r>
-            <a:endParaRPr lang="zh-TW" altLang="en-US" b="1" dirty="0" smtClean="0">
-              <a:solidFill>
-                <a:schemeClr val="tx1"/>
-              </a:solidFill>
-            </a:endParaRPr>
-          </a:p>
-        </p:txBody>
-      </p:sp>
-      <p:sp>
-        <p:nvSpPr>
-          <p:cNvPr id="138" name="流程圖: 決策 137"/>
-          <p:cNvSpPr>
-            <a:spLocks noChangeAspect="1"/>
-          </p:cNvSpPr>
-          <p:nvPr/>
-        </p:nvSpPr>
-        <p:spPr>
-          <a:xfrm>
-            <a:off x="5258295" y="5848060"/>
-            <a:ext cx="2238241" cy="982654"/>
-          </a:xfrm>
-          <a:prstGeom prst="flowChartDecision">
-            <a:avLst/>
-          </a:prstGeom>
-          <a:solidFill>
-            <a:schemeClr val="bg1"/>
-          </a:solidFill>
-        </p:spPr>
-        <p:style>
-          <a:lnRef idx="2">
-            <a:schemeClr val="accent1">
-              <a:shade val="50000"/>
-            </a:schemeClr>
-          </a:lnRef>
-          <a:fillRef idx="1">
-            <a:schemeClr val="accent1"/>
-          </a:fillRef>
-          <a:effectRef idx="0">
-            <a:schemeClr val="accent1"/>
-          </a:effectRef>
-          <a:fontRef idx="minor">
-            <a:schemeClr val="lt1"/>
-          </a:fontRef>
-        </p:style>
-        <p:txBody>
-          <a:bodyPr rtlCol="0" anchor="ctr"/>
-          <a:lstStyle/>
-          <a:p>
-            <a:pPr algn="ctr"/>
-            <a:endParaRPr lang="zh-TW" altLang="en-US" dirty="0">
-              <a:solidFill>
-                <a:schemeClr val="tx1"/>
-              </a:solidFill>
-            </a:endParaRPr>
-          </a:p>
-        </p:txBody>
-      </p:sp>
-      <p:cxnSp>
-        <p:nvCxnSpPr>
-          <p:cNvPr id="140" name="肘形接點 139"/>
-          <p:cNvCxnSpPr>
-            <a:cxnSpLocks noChangeAspect="1"/>
-            <a:stCxn id="130" idx="3"/>
-            <a:endCxn id="138" idx="0"/>
-          </p:cNvCxnSpPr>
-          <p:nvPr/>
-        </p:nvCxnSpPr>
-        <p:spPr>
-          <a:xfrm flipV="1">
-            <a:off x="4698745" y="5848080"/>
-            <a:ext cx="1678666" cy="95959"/>
-          </a:xfrm>
-          <a:prstGeom prst="bentConnector4">
-            <a:avLst>
-              <a:gd name="adj1" fmla="val 16667"/>
-              <a:gd name="adj2" fmla="val 350528"/>
-            </a:avLst>
-          </a:prstGeom>
-          <a:ln>
-            <a:tailEnd type="triangle"/>
-          </a:ln>
-        </p:spPr>
-        <p:style>
-          <a:lnRef idx="1">
-            <a:schemeClr val="accent1"/>
-          </a:lnRef>
-          <a:fillRef idx="0">
-            <a:schemeClr val="accent1"/>
-          </a:fillRef>
-          <a:effectRef idx="0">
-            <a:schemeClr val="accent1"/>
-          </a:effectRef>
-          <a:fontRef idx="minor">
-            <a:schemeClr val="tx1"/>
-          </a:fontRef>
-        </p:style>
-      </p:cxnSp>
-      <p:cxnSp>
-        <p:nvCxnSpPr>
-          <p:cNvPr id="143" name="肘形接點 142"/>
-          <p:cNvCxnSpPr>
-            <a:cxnSpLocks noChangeAspect="1"/>
-            <a:stCxn id="102" idx="1"/>
-            <a:endCxn id="138" idx="0"/>
-          </p:cNvCxnSpPr>
-          <p:nvPr/>
-        </p:nvCxnSpPr>
-        <p:spPr>
-          <a:xfrm rot="10800000">
-            <a:off x="6377418" y="5848054"/>
-            <a:ext cx="1374950" cy="102961"/>
-          </a:xfrm>
-          <a:prstGeom prst="bentConnector4">
-            <a:avLst>
-              <a:gd name="adj1" fmla="val 9304"/>
-              <a:gd name="adj2" fmla="val 322043"/>
-            </a:avLst>
-          </a:prstGeom>
-          <a:ln>
-            <a:tailEnd type="triangle"/>
-          </a:ln>
-        </p:spPr>
-        <p:style>
-          <a:lnRef idx="1">
-            <a:schemeClr val="accent1"/>
-          </a:lnRef>
-          <a:fillRef idx="0">
-            <a:schemeClr val="accent1"/>
-          </a:fillRef>
-          <a:effectRef idx="0">
-            <a:schemeClr val="accent1"/>
-          </a:effectRef>
-          <a:fontRef idx="minor">
-            <a:schemeClr val="tx1"/>
-          </a:fontRef>
-        </p:style>
-      </p:cxnSp>
-      <p:sp>
-        <p:nvSpPr>
-          <p:cNvPr id="45" name="流程圖: 決策 44"/>
-          <p:cNvSpPr>
-            <a:spLocks noChangeAspect="1"/>
-          </p:cNvSpPr>
-          <p:nvPr/>
-        </p:nvSpPr>
-        <p:spPr>
-          <a:xfrm>
-            <a:off x="913657" y="1992564"/>
-            <a:ext cx="3250917" cy="1335942"/>
-          </a:xfrm>
-          <a:prstGeom prst="flowChartDecision">
-            <a:avLst/>
-          </a:prstGeom>
-          <a:solidFill>
-            <a:schemeClr val="bg1"/>
-          </a:solidFill>
-        </p:spPr>
-        <p:style>
-          <a:lnRef idx="2">
-            <a:schemeClr val="accent1">
-              <a:shade val="50000"/>
-            </a:schemeClr>
-          </a:lnRef>
-          <a:fillRef idx="1">
-            <a:schemeClr val="accent1"/>
-          </a:fillRef>
-          <a:effectRef idx="0">
-            <a:schemeClr val="accent1"/>
-          </a:effectRef>
-          <a:fontRef idx="minor">
-            <a:schemeClr val="lt1"/>
-          </a:fontRef>
-        </p:style>
-        <p:txBody>
-          <a:bodyPr rtlCol="0" anchor="t"/>
-          <a:lstStyle/>
-          <a:p>
-            <a:endParaRPr lang="zh-TW" altLang="en-US" dirty="0">
-              <a:solidFill>
-                <a:schemeClr val="tx1"/>
-              </a:solidFill>
-            </a:endParaRPr>
-          </a:p>
-        </p:txBody>
-      </p:sp>
-      <p:sp>
-        <p:nvSpPr>
-          <p:cNvPr id="46" name="矩形 45"/>
-          <p:cNvSpPr>
-            <a:spLocks noChangeAspect="1"/>
-          </p:cNvSpPr>
-          <p:nvPr/>
-        </p:nvSpPr>
-        <p:spPr>
-          <a:xfrm>
-            <a:off x="1085544" y="2222361"/>
-            <a:ext cx="3490186" cy="923343"/>
-          </a:xfrm>
-          <a:prstGeom prst="rect">
-            <a:avLst/>
-          </a:prstGeom>
-        </p:spPr>
-        <p:txBody>
-          <a:bodyPr wrap="square">
-            <a:spAutoFit/>
-          </a:bodyPr>
-          <a:lstStyle/>
-          <a:p>
-            <a:pPr algn="ctr"/>
-            <a:r>
-              <a:rPr lang="en-US" altLang="zh-TW" dirty="0" smtClean="0">
-                <a:solidFill>
-                  <a:schemeClr val="tx1"/>
-                </a:solidFill>
-              </a:rPr>
-              <a:t>If  Y</a:t>
-            </a:r>
-            <a:r>
-              <a:rPr lang="zh-TW" altLang="en-US" dirty="0" smtClean="0">
-                <a:solidFill>
-                  <a:schemeClr val="tx1"/>
-                </a:solidFill>
-              </a:rPr>
-              <a:t> </a:t>
-            </a:r>
-            <a:r>
-              <a:rPr lang="en-US" altLang="zh-TW" dirty="0" smtClean="0">
-                <a:solidFill>
-                  <a:schemeClr val="tx1"/>
-                </a:solidFill>
-              </a:rPr>
-              <a:t>&gt;=1P</a:t>
-            </a:r>
-            <a:r>
-              <a:rPr lang="zh-TW" altLang="en-US" dirty="0" smtClean="0">
-                <a:solidFill>
-                  <a:schemeClr val="tx1"/>
-                </a:solidFill>
-              </a:rPr>
-              <a:t>自己</a:t>
-            </a:r>
-            <a:r>
-              <a:rPr lang="en-US" altLang="zh-TW" dirty="0" smtClean="0">
-                <a:solidFill>
-                  <a:schemeClr val="tx1"/>
-                </a:solidFill>
-              </a:rPr>
-              <a:t>Platform Y:</a:t>
-            </a:r>
-            <a:r>
-              <a:rPr lang="zh-TW" altLang="en-US" dirty="0" smtClean="0">
-                <a:solidFill>
-                  <a:schemeClr val="tx1"/>
-                </a:solidFill>
-              </a:rPr>
-              <a:t> </a:t>
-            </a:r>
-            <a:r>
-              <a:rPr lang="en-US" altLang="zh-TW" dirty="0" smtClean="0">
-                <a:solidFill>
-                  <a:schemeClr val="tx1"/>
-                </a:solidFill>
-              </a:rPr>
-              <a:t>415</a:t>
-            </a:r>
-            <a:r>
-              <a:rPr lang="zh-TW" altLang="en-US" dirty="0" smtClean="0">
-                <a:solidFill>
-                  <a:schemeClr val="tx1"/>
-                </a:solidFill>
-              </a:rPr>
-              <a:t> </a:t>
-            </a:r>
-            <a:endParaRPr lang="en-US" altLang="zh-TW" dirty="0" smtClean="0">
-              <a:solidFill>
-                <a:schemeClr val="tx1"/>
-              </a:solidFill>
-            </a:endParaRPr>
-          </a:p>
-          <a:p>
-            <a:pPr algn="ctr"/>
-            <a:r>
-              <a:rPr lang="en-US" altLang="zh-TW" dirty="0" smtClean="0">
-                <a:solidFill>
-                  <a:schemeClr val="tx1"/>
-                </a:solidFill>
-              </a:rPr>
-              <a:t>or </a:t>
-            </a:r>
-          </a:p>
-          <a:p>
-            <a:pPr algn="ctr"/>
-            <a:r>
-              <a:rPr lang="en-US" altLang="zh-TW" dirty="0" smtClean="0">
-                <a:solidFill>
-                  <a:schemeClr val="tx1"/>
-                </a:solidFill>
-              </a:rPr>
-              <a:t>Y &lt;= 2P </a:t>
-            </a:r>
-            <a:r>
-              <a:rPr lang="zh-TW" altLang="en-US" dirty="0" smtClean="0">
-                <a:solidFill>
-                  <a:schemeClr val="tx1"/>
-                </a:solidFill>
-              </a:rPr>
-              <a:t>自己</a:t>
-            </a:r>
-            <a:r>
-              <a:rPr lang="en-US" altLang="zh-TW" dirty="0" smtClean="0">
-                <a:solidFill>
-                  <a:schemeClr val="tx1"/>
-                </a:solidFill>
-              </a:rPr>
-              <a:t>Platform Y</a:t>
-            </a:r>
-            <a:r>
-              <a:rPr lang="en-US" altLang="zh-TW" dirty="0" smtClean="0"/>
-              <a:t>:</a:t>
-            </a:r>
-            <a:r>
-              <a:rPr lang="zh-TW" altLang="en-US" dirty="0" smtClean="0"/>
-              <a:t> </a:t>
-            </a:r>
-            <a:r>
-              <a:rPr lang="en-US" altLang="zh-TW" dirty="0" smtClean="0"/>
-              <a:t>80</a:t>
-            </a:r>
-            <a:endParaRPr lang="zh-TW" altLang="en-US" dirty="0">
-              <a:solidFill>
-                <a:schemeClr val="tx1"/>
-              </a:solidFill>
-            </a:endParaRPr>
-          </a:p>
-        </p:txBody>
-      </p:sp>
-      <p:cxnSp>
-        <p:nvCxnSpPr>
-          <p:cNvPr id="47" name="肘形接點 46"/>
-          <p:cNvCxnSpPr>
-            <a:cxnSpLocks noChangeAspect="1"/>
-            <a:stCxn id="30" idx="2"/>
-            <a:endCxn id="45" idx="0"/>
-          </p:cNvCxnSpPr>
-          <p:nvPr/>
-        </p:nvCxnSpPr>
-        <p:spPr>
-          <a:xfrm rot="16200000" flipH="1">
-            <a:off x="2453206" y="1906643"/>
-            <a:ext cx="171503" cy="311"/>
-          </a:xfrm>
-          <a:prstGeom prst="bentConnector3">
-            <a:avLst>
-              <a:gd name="adj1" fmla="val 50000"/>
-            </a:avLst>
-          </a:prstGeom>
-          <a:ln>
-            <a:tailEnd type="triangle"/>
-          </a:ln>
-        </p:spPr>
-        <p:style>
-          <a:lnRef idx="1">
-            <a:schemeClr val="accent1"/>
-          </a:lnRef>
-          <a:fillRef idx="0">
-            <a:schemeClr val="accent1"/>
-          </a:fillRef>
-          <a:effectRef idx="0">
-            <a:schemeClr val="accent1"/>
-          </a:effectRef>
-          <a:fontRef idx="minor">
-            <a:schemeClr val="tx1"/>
-          </a:fontRef>
-        </p:style>
-      </p:cxnSp>
-      <p:sp>
-        <p:nvSpPr>
-          <p:cNvPr id="51" name="流程圖: 決策 50"/>
-          <p:cNvSpPr>
-            <a:spLocks noChangeAspect="1"/>
-          </p:cNvSpPr>
-          <p:nvPr/>
-        </p:nvSpPr>
-        <p:spPr>
-          <a:xfrm>
-            <a:off x="8245396" y="1966231"/>
-            <a:ext cx="3250917" cy="1335942"/>
-          </a:xfrm>
-          <a:prstGeom prst="flowChartDecision">
-            <a:avLst/>
-          </a:prstGeom>
-          <a:solidFill>
-            <a:schemeClr val="bg1"/>
-          </a:solidFill>
-        </p:spPr>
-        <p:style>
-          <a:lnRef idx="2">
-            <a:schemeClr val="accent1">
-              <a:shade val="50000"/>
-            </a:schemeClr>
-          </a:lnRef>
-          <a:fillRef idx="1">
-            <a:schemeClr val="accent1"/>
-          </a:fillRef>
-          <a:effectRef idx="0">
-            <a:schemeClr val="accent1"/>
-          </a:effectRef>
-          <a:fontRef idx="minor">
-            <a:schemeClr val="lt1"/>
-          </a:fontRef>
-        </p:style>
-        <p:txBody>
-          <a:bodyPr rtlCol="0" anchor="t"/>
-          <a:lstStyle/>
-          <a:p>
-            <a:endParaRPr lang="zh-TW" altLang="en-US" dirty="0">
-              <a:solidFill>
-                <a:schemeClr val="tx1"/>
-              </a:solidFill>
-            </a:endParaRPr>
-          </a:p>
-        </p:txBody>
-      </p:sp>
-      <p:cxnSp>
-        <p:nvCxnSpPr>
-          <p:cNvPr id="52" name="肘形接點 51"/>
-          <p:cNvCxnSpPr>
-            <a:cxnSpLocks noChangeAspect="1"/>
-            <a:endCxn id="51" idx="0"/>
-          </p:cNvCxnSpPr>
-          <p:nvPr/>
-        </p:nvCxnSpPr>
-        <p:spPr>
-          <a:xfrm rot="16200000" flipH="1">
-            <a:off x="9784945" y="1880310"/>
-            <a:ext cx="171503" cy="311"/>
-          </a:xfrm>
-          <a:prstGeom prst="bentConnector3">
-            <a:avLst>
-              <a:gd name="adj1" fmla="val 50000"/>
-            </a:avLst>
-          </a:prstGeom>
-          <a:ln>
-            <a:tailEnd type="triangle"/>
-          </a:ln>
-        </p:spPr>
-        <p:style>
-          <a:lnRef idx="1">
-            <a:schemeClr val="accent1"/>
-          </a:lnRef>
-          <a:fillRef idx="0">
-            <a:schemeClr val="accent1"/>
-          </a:fillRef>
-          <a:effectRef idx="0">
-            <a:schemeClr val="accent1"/>
-          </a:effectRef>
-          <a:fontRef idx="minor">
-            <a:schemeClr val="tx1"/>
-          </a:fontRef>
-        </p:style>
-      </p:cxnSp>
-      <p:cxnSp>
-        <p:nvCxnSpPr>
-          <p:cNvPr id="54" name="肘形接點 53"/>
-          <p:cNvCxnSpPr>
-            <a:cxnSpLocks noChangeAspect="1"/>
-            <a:stCxn id="51" idx="3"/>
-          </p:cNvCxnSpPr>
-          <p:nvPr/>
-        </p:nvCxnSpPr>
-        <p:spPr>
-          <a:xfrm>
-            <a:off x="11496309" y="2634191"/>
-            <a:ext cx="390898" cy="2719823"/>
-          </a:xfrm>
-          <a:prstGeom prst="bentConnector2">
-            <a:avLst/>
-          </a:prstGeom>
-          <a:ln w="38100">
-            <a:tailEnd type="triangle"/>
-          </a:ln>
-        </p:spPr>
-        <p:style>
-          <a:lnRef idx="1">
-            <a:schemeClr val="accent1"/>
-          </a:lnRef>
-          <a:fillRef idx="0">
-            <a:schemeClr val="accent1"/>
-          </a:fillRef>
-          <a:effectRef idx="0">
-            <a:schemeClr val="accent1"/>
-          </a:effectRef>
-          <a:fontRef idx="minor">
-            <a:schemeClr val="tx1"/>
-          </a:fontRef>
-        </p:style>
-      </p:cxnSp>
-      <p:cxnSp>
-        <p:nvCxnSpPr>
-          <p:cNvPr id="61" name="肘形接點 60"/>
-          <p:cNvCxnSpPr>
-            <a:cxnSpLocks noChangeAspect="1"/>
-            <a:stCxn id="45" idx="1"/>
-          </p:cNvCxnSpPr>
-          <p:nvPr/>
-        </p:nvCxnSpPr>
-        <p:spPr>
-          <a:xfrm rot="10800000" flipV="1">
-            <a:off x="431676" y="2660526"/>
-            <a:ext cx="481961" cy="2733271"/>
-          </a:xfrm>
-          <a:prstGeom prst="bentConnector2">
-            <a:avLst/>
-          </a:prstGeom>
-          <a:ln w="38100">
-            <a:tailEnd type="triangle"/>
-          </a:ln>
-        </p:spPr>
-        <p:style>
-          <a:lnRef idx="1">
-            <a:schemeClr val="accent1"/>
-          </a:lnRef>
-          <a:fillRef idx="0">
-            <a:schemeClr val="accent1"/>
-          </a:fillRef>
-          <a:effectRef idx="0">
-            <a:schemeClr val="accent1"/>
-          </a:effectRef>
-          <a:fontRef idx="minor">
-            <a:schemeClr val="tx1"/>
-          </a:fontRef>
-        </p:style>
-      </p:cxnSp>
-      <p:cxnSp>
-        <p:nvCxnSpPr>
-          <p:cNvPr id="62" name="肘形接點 61"/>
-          <p:cNvCxnSpPr>
-            <a:cxnSpLocks noChangeAspect="1"/>
-            <a:stCxn id="45" idx="2"/>
-            <a:endCxn id="59" idx="0"/>
-          </p:cNvCxnSpPr>
-          <p:nvPr/>
-        </p:nvCxnSpPr>
-        <p:spPr>
-          <a:xfrm rot="5400000">
-            <a:off x="2242429" y="3473287"/>
-            <a:ext cx="441461" cy="151884"/>
-          </a:xfrm>
-          <a:prstGeom prst="bentConnector3">
-            <a:avLst>
-              <a:gd name="adj1" fmla="val 50000"/>
-            </a:avLst>
-          </a:prstGeom>
-          <a:ln>
-            <a:tailEnd type="triangle"/>
-          </a:ln>
-        </p:spPr>
-        <p:style>
-          <a:lnRef idx="1">
-            <a:schemeClr val="accent1"/>
-          </a:lnRef>
-          <a:fillRef idx="0">
-            <a:schemeClr val="accent1"/>
-          </a:fillRef>
-          <a:effectRef idx="0">
-            <a:schemeClr val="accent1"/>
-          </a:effectRef>
-          <a:fontRef idx="minor">
-            <a:schemeClr val="tx1"/>
-          </a:fontRef>
-        </p:style>
-      </p:cxnSp>
-      <p:cxnSp>
-        <p:nvCxnSpPr>
-          <p:cNvPr id="66" name="肘形接點 65"/>
-          <p:cNvCxnSpPr>
-            <a:cxnSpLocks noChangeAspect="1"/>
-            <a:stCxn id="51" idx="2"/>
-            <a:endCxn id="57" idx="0"/>
-          </p:cNvCxnSpPr>
-          <p:nvPr/>
-        </p:nvCxnSpPr>
-        <p:spPr>
-          <a:xfrm rot="16200000" flipH="1">
-            <a:off x="9650050" y="3522951"/>
-            <a:ext cx="625043" cy="183462"/>
-          </a:xfrm>
-          <a:prstGeom prst="bentConnector3">
-            <a:avLst>
-              <a:gd name="adj1" fmla="val 50000"/>
-            </a:avLst>
-          </a:prstGeom>
-          <a:ln>
-            <a:tailEnd type="triangle"/>
-          </a:ln>
-        </p:spPr>
-        <p:style>
-          <a:lnRef idx="1">
-            <a:schemeClr val="accent1"/>
-          </a:lnRef>
-          <a:fillRef idx="0">
-            <a:schemeClr val="accent1"/>
-          </a:fillRef>
-          <a:effectRef idx="0">
-            <a:schemeClr val="accent1"/>
-          </a:effectRef>
-          <a:fontRef idx="minor">
-            <a:schemeClr val="tx1"/>
-          </a:fontRef>
-        </p:style>
-      </p:cxnSp>
-      <p:sp>
-        <p:nvSpPr>
-          <p:cNvPr id="67" name="矩形 66"/>
-          <p:cNvSpPr>
-            <a:spLocks noChangeAspect="1"/>
-          </p:cNvSpPr>
-          <p:nvPr/>
-        </p:nvSpPr>
-        <p:spPr>
-          <a:xfrm>
-            <a:off x="9643333" y="3425776"/>
-            <a:ext cx="743307" cy="339165"/>
-          </a:xfrm>
-          <a:prstGeom prst="rect">
-            <a:avLst/>
-          </a:prstGeom>
-          <a:solidFill>
-            <a:srgbClr val="FFFFFF"/>
-          </a:solidFill>
-        </p:spPr>
-        <p:style>
-          <a:lnRef idx="2">
-            <a:schemeClr val="accent1">
-              <a:shade val="50000"/>
-            </a:schemeClr>
-          </a:lnRef>
-          <a:fillRef idx="1">
-            <a:schemeClr val="accent1"/>
-          </a:fillRef>
-          <a:effectRef idx="0">
-            <a:schemeClr val="accent1"/>
-          </a:effectRef>
-          <a:fontRef idx="minor">
-            <a:schemeClr val="lt1"/>
-          </a:fontRef>
-        </p:style>
-        <p:txBody>
-          <a:bodyPr rtlCol="0" anchor="ctr"/>
-          <a:lstStyle/>
-          <a:p>
-            <a:pPr algn="ctr"/>
-            <a:r>
-              <a:rPr lang="en-US" altLang="zh-TW" dirty="0">
-                <a:solidFill>
-                  <a:schemeClr val="tx1"/>
-                </a:solidFill>
-              </a:rPr>
-              <a:t>NO</a:t>
-            </a:r>
-            <a:endParaRPr lang="zh-TW" altLang="en-US" dirty="0">
-              <a:solidFill>
-                <a:schemeClr val="tx1"/>
-              </a:solidFill>
-            </a:endParaRPr>
-          </a:p>
-        </p:txBody>
-      </p:sp>
-      <p:sp>
-        <p:nvSpPr>
-          <p:cNvPr id="69" name="矩形 68"/>
-          <p:cNvSpPr>
-            <a:spLocks noChangeAspect="1"/>
-          </p:cNvSpPr>
-          <p:nvPr/>
-        </p:nvSpPr>
-        <p:spPr>
-          <a:xfrm>
-            <a:off x="2489972" y="3393054"/>
-            <a:ext cx="743307" cy="339165"/>
-          </a:xfrm>
-          <a:prstGeom prst="rect">
-            <a:avLst/>
-          </a:prstGeom>
-          <a:solidFill>
-            <a:srgbClr val="FFFFFF"/>
-          </a:solidFill>
-        </p:spPr>
-        <p:style>
-          <a:lnRef idx="2">
-            <a:schemeClr val="accent1">
-              <a:shade val="50000"/>
-            </a:schemeClr>
-          </a:lnRef>
-          <a:fillRef idx="1">
-            <a:schemeClr val="accent1"/>
-          </a:fillRef>
-          <a:effectRef idx="0">
-            <a:schemeClr val="accent1"/>
-          </a:effectRef>
-          <a:fontRef idx="minor">
-            <a:schemeClr val="lt1"/>
-          </a:fontRef>
-        </p:style>
-        <p:txBody>
-          <a:bodyPr rtlCol="0" anchor="ctr"/>
-          <a:lstStyle/>
-          <a:p>
-            <a:pPr algn="ctr"/>
-            <a:r>
-              <a:rPr lang="en-US" altLang="zh-TW" dirty="0">
-                <a:solidFill>
-                  <a:schemeClr val="tx1"/>
-                </a:solidFill>
-              </a:rPr>
-              <a:t>NO</a:t>
-            </a:r>
-            <a:endParaRPr lang="zh-TW" altLang="en-US" dirty="0">
-              <a:solidFill>
-                <a:schemeClr val="tx1"/>
-              </a:solidFill>
-            </a:endParaRPr>
-          </a:p>
-        </p:txBody>
-      </p:sp>
-      <p:sp>
-        <p:nvSpPr>
-          <p:cNvPr id="70" name="矩形 69"/>
-          <p:cNvSpPr>
-            <a:spLocks noChangeAspect="1"/>
-          </p:cNvSpPr>
-          <p:nvPr/>
-        </p:nvSpPr>
-        <p:spPr>
-          <a:xfrm>
-            <a:off x="4401089" y="248881"/>
-            <a:ext cx="3704180" cy="369350"/>
-          </a:xfrm>
-          <a:prstGeom prst="rect">
-            <a:avLst/>
-          </a:prstGeom>
-        </p:spPr>
-        <p:txBody>
-          <a:bodyPr wrap="square">
-            <a:spAutoFit/>
-          </a:bodyPr>
-          <a:lstStyle/>
-          <a:p>
-            <a:pPr algn="ctr"/>
-            <a:r>
-              <a:rPr lang="en-US" altLang="zh-TW" b="1" dirty="0" err="1" smtClean="0">
-                <a:solidFill>
-                  <a:schemeClr val="tx1"/>
-                </a:solidFill>
-              </a:rPr>
-              <a:t>Me_hit_direction_right</a:t>
-            </a:r>
-            <a:r>
-              <a:rPr lang="en-US" altLang="zh-TW" b="1" dirty="0" smtClean="0">
-                <a:solidFill>
-                  <a:schemeClr val="tx1"/>
-                </a:solidFill>
-              </a:rPr>
-              <a:t> = 1</a:t>
-            </a:r>
-            <a:endParaRPr lang="zh-TW" altLang="en-US" b="1" dirty="0" smtClean="0">
-              <a:solidFill>
-                <a:schemeClr val="tx1"/>
-              </a:solidFill>
-            </a:endParaRPr>
-          </a:p>
-        </p:txBody>
-      </p:sp>
-      <p:sp>
-        <p:nvSpPr>
-          <p:cNvPr id="71" name="矩形 70"/>
-          <p:cNvSpPr>
-            <a:spLocks noChangeAspect="1"/>
-          </p:cNvSpPr>
-          <p:nvPr/>
-        </p:nvSpPr>
-        <p:spPr>
-          <a:xfrm>
-            <a:off x="4264212" y="6373331"/>
-            <a:ext cx="4223023" cy="369350"/>
-          </a:xfrm>
-          <a:prstGeom prst="rect">
-            <a:avLst/>
-          </a:prstGeom>
-        </p:spPr>
-        <p:txBody>
-          <a:bodyPr wrap="none">
-            <a:spAutoFit/>
-          </a:bodyPr>
-          <a:lstStyle/>
-          <a:p>
-            <a:pPr algn="ctr"/>
-            <a:r>
-              <a:rPr lang="en-US" altLang="zh-TW" b="1" dirty="0" err="1" smtClean="0">
-                <a:solidFill>
-                  <a:schemeClr val="tx1"/>
-                </a:solidFill>
-              </a:rPr>
-              <a:t>Opponent_strike_back_direction_right</a:t>
-            </a:r>
-            <a:r>
-              <a:rPr lang="en-US" altLang="zh-TW" b="1" dirty="0" smtClean="0">
-                <a:solidFill>
-                  <a:schemeClr val="tx1"/>
-                </a:solidFill>
-              </a:rPr>
-              <a:t> = 1</a:t>
-            </a:r>
-            <a:endParaRPr lang="zh-TW" altLang="en-US" b="1" dirty="0" smtClean="0">
-              <a:solidFill>
-                <a:schemeClr val="tx1"/>
-              </a:solidFill>
-            </a:endParaRPr>
-          </a:p>
-        </p:txBody>
-      </p:sp>
-      <p:sp>
-        <p:nvSpPr>
-          <p:cNvPr id="40" name="矩形 39"/>
-          <p:cNvSpPr>
-            <a:spLocks noChangeAspect="1"/>
-          </p:cNvSpPr>
-          <p:nvPr/>
-        </p:nvSpPr>
-        <p:spPr>
-          <a:xfrm>
-            <a:off x="8006109" y="2241607"/>
-            <a:ext cx="3490186" cy="923343"/>
-          </a:xfrm>
-          <a:prstGeom prst="rect">
-            <a:avLst/>
-          </a:prstGeom>
-        </p:spPr>
-        <p:txBody>
-          <a:bodyPr wrap="square">
-            <a:spAutoFit/>
-          </a:bodyPr>
-          <a:lstStyle/>
-          <a:p>
-            <a:pPr algn="ctr"/>
-            <a:r>
-              <a:rPr lang="en-US" altLang="zh-TW" dirty="0" smtClean="0">
-                <a:solidFill>
-                  <a:schemeClr val="tx1"/>
-                </a:solidFill>
-              </a:rPr>
-              <a:t>If  Y</a:t>
-            </a:r>
-            <a:r>
-              <a:rPr lang="zh-TW" altLang="en-US" dirty="0" smtClean="0">
-                <a:solidFill>
-                  <a:schemeClr val="tx1"/>
-                </a:solidFill>
-              </a:rPr>
-              <a:t> </a:t>
-            </a:r>
-            <a:r>
-              <a:rPr lang="en-US" altLang="zh-TW" dirty="0" smtClean="0">
-                <a:solidFill>
-                  <a:schemeClr val="tx1"/>
-                </a:solidFill>
-              </a:rPr>
-              <a:t>&gt;=1P</a:t>
-            </a:r>
-            <a:r>
-              <a:rPr lang="zh-TW" altLang="en-US" dirty="0" smtClean="0">
-                <a:solidFill>
-                  <a:schemeClr val="tx1"/>
-                </a:solidFill>
-              </a:rPr>
-              <a:t>自己</a:t>
-            </a:r>
-            <a:r>
-              <a:rPr lang="en-US" altLang="zh-TW" dirty="0" smtClean="0">
-                <a:solidFill>
-                  <a:schemeClr val="tx1"/>
-                </a:solidFill>
-              </a:rPr>
-              <a:t>Platform Y:</a:t>
-            </a:r>
-            <a:r>
-              <a:rPr lang="zh-TW" altLang="en-US" dirty="0" smtClean="0">
-                <a:solidFill>
-                  <a:schemeClr val="tx1"/>
-                </a:solidFill>
-              </a:rPr>
-              <a:t> </a:t>
-            </a:r>
-            <a:r>
-              <a:rPr lang="en-US" altLang="zh-TW" dirty="0" smtClean="0">
-                <a:solidFill>
-                  <a:schemeClr val="tx1"/>
-                </a:solidFill>
-              </a:rPr>
-              <a:t>415</a:t>
-            </a:r>
-            <a:r>
-              <a:rPr lang="zh-TW" altLang="en-US" dirty="0" smtClean="0">
-                <a:solidFill>
-                  <a:schemeClr val="tx1"/>
-                </a:solidFill>
-              </a:rPr>
-              <a:t> </a:t>
-            </a:r>
-            <a:endParaRPr lang="en-US" altLang="zh-TW" dirty="0" smtClean="0">
-              <a:solidFill>
-                <a:schemeClr val="tx1"/>
-              </a:solidFill>
-            </a:endParaRPr>
-          </a:p>
-          <a:p>
-            <a:pPr algn="ctr"/>
-            <a:r>
-              <a:rPr lang="en-US" altLang="zh-TW" dirty="0" smtClean="0">
-                <a:solidFill>
-                  <a:schemeClr val="tx1"/>
-                </a:solidFill>
-              </a:rPr>
-              <a:t>or </a:t>
-            </a:r>
-          </a:p>
-          <a:p>
-            <a:pPr algn="ctr"/>
-            <a:r>
-              <a:rPr lang="en-US" altLang="zh-TW" dirty="0" smtClean="0">
-                <a:solidFill>
-                  <a:schemeClr val="tx1"/>
-                </a:solidFill>
-              </a:rPr>
-              <a:t>Y &lt;= 2P </a:t>
-            </a:r>
-            <a:r>
-              <a:rPr lang="zh-TW" altLang="en-US" dirty="0" smtClean="0">
-                <a:solidFill>
-                  <a:schemeClr val="tx1"/>
-                </a:solidFill>
-              </a:rPr>
-              <a:t>自己</a:t>
-            </a:r>
-            <a:r>
-              <a:rPr lang="en-US" altLang="zh-TW" dirty="0" smtClean="0">
-                <a:solidFill>
-                  <a:schemeClr val="tx1"/>
-                </a:solidFill>
-              </a:rPr>
-              <a:t>Platform Y</a:t>
-            </a:r>
-            <a:r>
-              <a:rPr lang="en-US" altLang="zh-TW" dirty="0" smtClean="0"/>
-              <a:t>:</a:t>
-            </a:r>
-            <a:r>
-              <a:rPr lang="zh-TW" altLang="en-US" dirty="0" smtClean="0"/>
-              <a:t> </a:t>
-            </a:r>
-            <a:r>
-              <a:rPr lang="en-US" altLang="zh-TW" dirty="0" smtClean="0"/>
-              <a:t>80</a:t>
-            </a:r>
-            <a:endParaRPr lang="zh-TW" altLang="en-US" dirty="0">
-              <a:solidFill>
-                <a:schemeClr val="tx1"/>
-              </a:solidFill>
-            </a:endParaRPr>
-          </a:p>
-        </p:txBody>
-      </p:sp>
-      <p:sp>
-        <p:nvSpPr>
-          <p:cNvPr id="41" name="矩形 40"/>
-          <p:cNvSpPr>
-            <a:spLocks noChangeAspect="1"/>
-          </p:cNvSpPr>
-          <p:nvPr/>
-        </p:nvSpPr>
-        <p:spPr>
-          <a:xfrm>
-            <a:off x="88506" y="3065351"/>
-            <a:ext cx="743307" cy="339165"/>
-          </a:xfrm>
-          <a:prstGeom prst="rect">
-            <a:avLst/>
-          </a:prstGeom>
-          <a:solidFill>
-            <a:srgbClr val="FFFFFF"/>
-          </a:solidFill>
-        </p:spPr>
-        <p:style>
-          <a:lnRef idx="2">
-            <a:schemeClr val="accent1">
-              <a:shade val="50000"/>
-            </a:schemeClr>
-          </a:lnRef>
-          <a:fillRef idx="1">
-            <a:schemeClr val="accent1"/>
-          </a:fillRef>
-          <a:effectRef idx="0">
-            <a:schemeClr val="accent1"/>
-          </a:effectRef>
-          <a:fontRef idx="minor">
-            <a:schemeClr val="lt1"/>
-          </a:fontRef>
-        </p:style>
-        <p:txBody>
-          <a:bodyPr rtlCol="0" anchor="ctr"/>
-          <a:lstStyle/>
-          <a:p>
-            <a:pPr algn="ctr"/>
-            <a:r>
-              <a:rPr lang="en-US" altLang="zh-TW" dirty="0" smtClean="0">
-                <a:solidFill>
-                  <a:schemeClr val="tx1"/>
-                </a:solidFill>
-              </a:rPr>
-              <a:t>YES</a:t>
-            </a:r>
-            <a:endParaRPr lang="zh-TW" altLang="en-US" dirty="0">
-              <a:solidFill>
-                <a:schemeClr val="tx1"/>
-              </a:solidFill>
-            </a:endParaRPr>
-          </a:p>
-        </p:txBody>
-      </p:sp>
-      <p:sp>
-        <p:nvSpPr>
-          <p:cNvPr id="42" name="矩形 41"/>
-          <p:cNvSpPr>
-            <a:spLocks noChangeAspect="1"/>
-          </p:cNvSpPr>
-          <p:nvPr/>
-        </p:nvSpPr>
-        <p:spPr>
-          <a:xfrm>
-            <a:off x="11413586" y="3061554"/>
-            <a:ext cx="743307" cy="339165"/>
-          </a:xfrm>
-          <a:prstGeom prst="rect">
-            <a:avLst/>
-          </a:prstGeom>
-          <a:solidFill>
-            <a:srgbClr val="FFFFFF"/>
-          </a:solidFill>
-        </p:spPr>
-        <p:style>
-          <a:lnRef idx="2">
-            <a:schemeClr val="accent1">
-              <a:shade val="50000"/>
-            </a:schemeClr>
-          </a:lnRef>
-          <a:fillRef idx="1">
-            <a:schemeClr val="accent1"/>
-          </a:fillRef>
-          <a:effectRef idx="0">
-            <a:schemeClr val="accent1"/>
-          </a:effectRef>
-          <a:fontRef idx="minor">
-            <a:schemeClr val="lt1"/>
-          </a:fontRef>
-        </p:style>
-        <p:txBody>
-          <a:bodyPr rtlCol="0" anchor="ctr"/>
-          <a:lstStyle/>
-          <a:p>
-            <a:pPr algn="ctr"/>
-            <a:r>
-              <a:rPr lang="en-US" altLang="zh-TW" dirty="0" smtClean="0">
-                <a:solidFill>
-                  <a:schemeClr val="tx1"/>
-                </a:solidFill>
-              </a:rPr>
-              <a:t>YES</a:t>
-            </a:r>
-            <a:endParaRPr lang="zh-TW" altLang="en-US" dirty="0">
-              <a:solidFill>
-                <a:schemeClr val="tx1"/>
-              </a:solidFill>
-            </a:endParaRPr>
-          </a:p>
-        </p:txBody>
-      </p:sp>
+        </p:spPr>
+      </p:pic>
     </p:spTree>
     <p:extLst>
       <p:ext uri="{BB962C8B-B14F-4D97-AF65-F5344CB8AC3E}">
-        <p14:creationId xmlns:p14="http://schemas.microsoft.com/office/powerpoint/2010/main" val="3239999634"/>
+        <p14:creationId xmlns:p14="http://schemas.microsoft.com/office/powerpoint/2010/main" val="3766060765"/>
       </p:ext>
     </p:extLst>
   </p:cSld>
@@ -8623,21 +4967,26 @@
       </p:grpSpPr>
       <p:sp>
         <p:nvSpPr>
-          <p:cNvPr id="3" name="流程圖: 決策 2"/>
+          <p:cNvPr id="41" name="矩形 40"/>
           <p:cNvSpPr/>
           <p:nvPr/>
         </p:nvSpPr>
         <p:spPr>
           <a:xfrm>
-            <a:off x="5040780" y="-12970"/>
-            <a:ext cx="2238233" cy="982639"/>
-          </a:xfrm>
-          <a:prstGeom prst="flowChartDecision">
+            <a:off x="5019926" y="2269471"/>
+            <a:ext cx="6784208" cy="2287878"/>
+          </a:xfrm>
+          <a:prstGeom prst="rect">
             <a:avLst/>
           </a:prstGeom>
           <a:solidFill>
-            <a:schemeClr val="bg1"/>
+            <a:srgbClr val="92D050"/>
           </a:solidFill>
+          <a:ln>
+            <a:solidFill>
+              <a:schemeClr val="tx1"/>
+            </a:solidFill>
+          </a:ln>
         </p:spPr>
         <p:style>
           <a:lnRef idx="2">
@@ -8660,29 +5009,538 @@
           <a:lstStyle/>
           <a:p>
             <a:pPr algn="ctr"/>
-            <a:endParaRPr lang="zh-TW" altLang="en-US" dirty="0">
+            <a:endParaRPr lang="zh-TW" altLang="en-US" dirty="0"/>
+          </a:p>
+        </p:txBody>
+      </p:sp>
+      <p:sp>
+        <p:nvSpPr>
+          <p:cNvPr id="2" name="標題 1"/>
+          <p:cNvSpPr>
+            <a:spLocks noGrp="1"/>
+          </p:cNvSpPr>
+          <p:nvPr>
+            <p:ph type="title" idx="4294967295"/>
+          </p:nvPr>
+        </p:nvSpPr>
+        <p:spPr>
+          <a:xfrm>
+            <a:off x="1044090" y="460874"/>
+            <a:ext cx="10515600" cy="1325562"/>
+          </a:xfrm>
+        </p:spPr>
+        <p:txBody>
+          <a:bodyPr>
+            <a:normAutofit/>
+          </a:bodyPr>
+          <a:lstStyle/>
+          <a:p>
+            <a:r>
+              <a:rPr lang="zh-TW" altLang="en-US" sz="3200" dirty="0" smtClean="0"/>
+              <a:t>設計</a:t>
+            </a:r>
+            <a:r>
+              <a:rPr lang="en-US" altLang="zh-TW" sz="3200" dirty="0" smtClean="0"/>
+              <a:t>(</a:t>
+            </a:r>
+            <a:r>
+              <a:rPr lang="en-US" altLang="zh-TW" dirty="0" smtClean="0"/>
+              <a:t>KNN</a:t>
+            </a:r>
+            <a:r>
+              <a:rPr lang="en-US" altLang="zh-TW" sz="3200" dirty="0" smtClean="0"/>
+              <a:t>)</a:t>
+            </a:r>
+            <a:endParaRPr lang="zh-TW" altLang="en-US" sz="3200" dirty="0"/>
+          </a:p>
+        </p:txBody>
+      </p:sp>
+      <p:sp>
+        <p:nvSpPr>
+          <p:cNvPr id="3" name="矩形 2"/>
+          <p:cNvSpPr/>
+          <p:nvPr/>
+        </p:nvSpPr>
+        <p:spPr>
+          <a:xfrm>
+            <a:off x="263693" y="2716293"/>
+            <a:ext cx="1376127" cy="697117"/>
+          </a:xfrm>
+          <a:prstGeom prst="rect">
+            <a:avLst/>
+          </a:prstGeom>
+          <a:solidFill>
+            <a:srgbClr val="FFC000"/>
+          </a:solidFill>
+          <a:ln>
+            <a:noFill/>
+          </a:ln>
+        </p:spPr>
+        <p:style>
+          <a:lnRef idx="2">
+            <a:schemeClr val="accent1">
+              <a:shade val="50000"/>
+            </a:schemeClr>
+          </a:lnRef>
+          <a:fillRef idx="1">
+            <a:schemeClr val="accent1"/>
+          </a:fillRef>
+          <a:effectRef idx="0">
+            <a:schemeClr val="accent1"/>
+          </a:effectRef>
+          <a:fontRef idx="minor">
+            <a:schemeClr val="lt1"/>
+          </a:fontRef>
+        </p:style>
+        <p:txBody>
+          <a:bodyPr rtlCol="0" anchor="ctr"/>
+          <a:lstStyle/>
+          <a:p>
+            <a:pPr algn="ctr"/>
+            <a:r>
+              <a:rPr lang="zh-TW" altLang="en-US" sz="1050" b="1" dirty="0" smtClean="0">
+                <a:solidFill>
+                  <a:schemeClr val="tx1"/>
+                </a:solidFill>
+                <a:latin typeface="微軟正黑體" panose="020B0604030504040204" pitchFamily="34" charset="-120"/>
+                <a:ea typeface="微軟正黑體" panose="020B0604030504040204" pitchFamily="34" charset="-120"/>
+              </a:rPr>
+              <a:t>從</a:t>
+            </a:r>
+            <a:r>
+              <a:rPr lang="en-US" altLang="zh-TW" sz="1050" b="1" dirty="0" smtClean="0">
+                <a:solidFill>
+                  <a:schemeClr val="tx1"/>
+                </a:solidFill>
+                <a:latin typeface="微軟正黑體" panose="020B0604030504040204" pitchFamily="34" charset="-120"/>
+                <a:ea typeface="微軟正黑體" panose="020B0604030504040204" pitchFamily="34" charset="-120"/>
+              </a:rPr>
+              <a:t>pickle</a:t>
+            </a:r>
+            <a:r>
+              <a:rPr lang="zh-TW" altLang="en-US" sz="1050" b="1" dirty="0" smtClean="0">
+                <a:solidFill>
+                  <a:schemeClr val="tx1"/>
+                </a:solidFill>
+                <a:latin typeface="微軟正黑體" panose="020B0604030504040204" pitchFamily="34" charset="-120"/>
+                <a:ea typeface="微軟正黑體" panose="020B0604030504040204" pitchFamily="34" charset="-120"/>
+              </a:rPr>
+              <a:t>檔匯入訓練資料</a:t>
+            </a:r>
+            <a:r>
+              <a:rPr lang="en-US" altLang="zh-TW" sz="1050" b="1" dirty="0" smtClean="0">
+                <a:solidFill>
+                  <a:schemeClr val="tx1"/>
+                </a:solidFill>
+                <a:latin typeface="微軟正黑體" panose="020B0604030504040204" pitchFamily="34" charset="-120"/>
+                <a:ea typeface="微軟正黑體" panose="020B0604030504040204" pitchFamily="34" charset="-120"/>
+              </a:rPr>
+              <a:t>(</a:t>
+            </a:r>
+            <a:r>
+              <a:rPr lang="en-US" altLang="zh-TW" sz="1050" b="1" dirty="0" err="1" smtClean="0">
+                <a:solidFill>
+                  <a:schemeClr val="tx1"/>
+                </a:solidFill>
+                <a:latin typeface="微軟正黑體" panose="020B0604030504040204" pitchFamily="34" charset="-120"/>
+                <a:ea typeface="微軟正黑體" panose="020B0604030504040204" pitchFamily="34" charset="-120"/>
+              </a:rPr>
+              <a:t>dataSet</a:t>
+            </a:r>
+            <a:r>
+              <a:rPr lang="en-US" altLang="zh-TW" sz="1050" b="1" dirty="0" smtClean="0">
+                <a:solidFill>
+                  <a:schemeClr val="tx1"/>
+                </a:solidFill>
+                <a:latin typeface="微軟正黑體" panose="020B0604030504040204" pitchFamily="34" charset="-120"/>
+                <a:ea typeface="微軟正黑體" panose="020B0604030504040204" pitchFamily="34" charset="-120"/>
+              </a:rPr>
+              <a:t>)</a:t>
+            </a:r>
+            <a:r>
+              <a:rPr lang="zh-TW" altLang="en-US" sz="1050" b="1" dirty="0" smtClean="0">
+                <a:solidFill>
+                  <a:schemeClr val="tx1"/>
+                </a:solidFill>
+                <a:latin typeface="微軟正黑體" panose="020B0604030504040204" pitchFamily="34" charset="-120"/>
+                <a:ea typeface="微軟正黑體" panose="020B0604030504040204" pitchFamily="34" charset="-120"/>
+              </a:rPr>
+              <a:t>與訓練資料的類別</a:t>
+            </a:r>
+            <a:r>
+              <a:rPr lang="en-US" altLang="zh-TW" sz="1050" b="1" dirty="0" smtClean="0">
+                <a:solidFill>
+                  <a:schemeClr val="tx1"/>
+                </a:solidFill>
+                <a:latin typeface="微軟正黑體" panose="020B0604030504040204" pitchFamily="34" charset="-120"/>
+                <a:ea typeface="微軟正黑體" panose="020B0604030504040204" pitchFamily="34" charset="-120"/>
+              </a:rPr>
+              <a:t>(label)</a:t>
+            </a:r>
+            <a:endParaRPr lang="zh-TW" altLang="en-US" sz="1050" b="1" dirty="0">
               <a:solidFill>
                 <a:schemeClr val="tx1"/>
               </a:solidFill>
+              <a:latin typeface="微軟正黑體" panose="020B0604030504040204" pitchFamily="34" charset="-120"/>
+              <a:ea typeface="微軟正黑體" panose="020B0604030504040204" pitchFamily="34" charset="-120"/>
+            </a:endParaRPr>
+          </a:p>
+        </p:txBody>
+      </p:sp>
+      <p:sp>
+        <p:nvSpPr>
+          <p:cNvPr id="7" name="矩形 6"/>
+          <p:cNvSpPr/>
+          <p:nvPr/>
+        </p:nvSpPr>
+        <p:spPr>
+          <a:xfrm>
+            <a:off x="5237208" y="2716294"/>
+            <a:ext cx="1376127" cy="697117"/>
+          </a:xfrm>
+          <a:prstGeom prst="rect">
+            <a:avLst/>
+          </a:prstGeom>
+          <a:solidFill>
+            <a:srgbClr val="FFC000"/>
+          </a:solidFill>
+          <a:ln>
+            <a:noFill/>
+          </a:ln>
+        </p:spPr>
+        <p:style>
+          <a:lnRef idx="2">
+            <a:schemeClr val="accent1">
+              <a:shade val="50000"/>
+            </a:schemeClr>
+          </a:lnRef>
+          <a:fillRef idx="1">
+            <a:schemeClr val="accent1"/>
+          </a:fillRef>
+          <a:effectRef idx="0">
+            <a:schemeClr val="accent1"/>
+          </a:effectRef>
+          <a:fontRef idx="minor">
+            <a:schemeClr val="lt1"/>
+          </a:fontRef>
+        </p:style>
+        <p:txBody>
+          <a:bodyPr rtlCol="0" anchor="ctr"/>
+          <a:lstStyle/>
+          <a:p>
+            <a:pPr algn="ctr"/>
+            <a:r>
+              <a:rPr lang="zh-TW" altLang="en-US" sz="1400" b="1" dirty="0" smtClean="0">
+                <a:solidFill>
+                  <a:schemeClr val="tx1"/>
+                </a:solidFill>
+                <a:latin typeface="微軟正黑體" panose="020B0604030504040204" pitchFamily="34" charset="-120"/>
+                <a:ea typeface="微軟正黑體" panose="020B0604030504040204" pitchFamily="34" charset="-120"/>
+              </a:rPr>
+              <a:t>將</a:t>
+            </a:r>
+            <a:r>
+              <a:rPr lang="en-US" altLang="zh-TW" sz="1400" b="1" dirty="0" smtClean="0">
+                <a:solidFill>
+                  <a:schemeClr val="tx1"/>
+                </a:solidFill>
+                <a:latin typeface="微軟正黑體" panose="020B0604030504040204" pitchFamily="34" charset="-120"/>
+                <a:ea typeface="微軟正黑體" panose="020B0604030504040204" pitchFamily="34" charset="-120"/>
+              </a:rPr>
+              <a:t>input</a:t>
+            </a:r>
+            <a:r>
+              <a:rPr lang="zh-TW" altLang="en-US" sz="1400" b="1" dirty="0" smtClean="0">
+                <a:solidFill>
+                  <a:schemeClr val="tx1"/>
+                </a:solidFill>
+                <a:latin typeface="微軟正黑體" panose="020B0604030504040204" pitchFamily="34" charset="-120"/>
+                <a:ea typeface="微軟正黑體" panose="020B0604030504040204" pitchFamily="34" charset="-120"/>
+              </a:rPr>
+              <a:t>的資料與</a:t>
+            </a:r>
+            <a:r>
+              <a:rPr lang="en-US" altLang="zh-TW" sz="1400" b="1" dirty="0" err="1" smtClean="0">
+                <a:solidFill>
+                  <a:schemeClr val="tx1"/>
+                </a:solidFill>
+                <a:latin typeface="微軟正黑體" panose="020B0604030504040204" pitchFamily="34" charset="-120"/>
+                <a:ea typeface="微軟正黑體" panose="020B0604030504040204" pitchFamily="34" charset="-120"/>
+              </a:rPr>
+              <a:t>dataSet</a:t>
+            </a:r>
+            <a:r>
+              <a:rPr lang="zh-TW" altLang="en-US" sz="1400" b="1" dirty="0" smtClean="0">
+                <a:solidFill>
+                  <a:schemeClr val="tx1"/>
+                </a:solidFill>
+                <a:latin typeface="微軟正黑體" panose="020B0604030504040204" pitchFamily="34" charset="-120"/>
+                <a:ea typeface="微軟正黑體" panose="020B0604030504040204" pitchFamily="34" charset="-120"/>
+              </a:rPr>
+              <a:t>進行距離排序</a:t>
+            </a:r>
+            <a:endParaRPr lang="zh-TW" altLang="en-US" sz="1400" b="1" dirty="0">
+              <a:solidFill>
+                <a:schemeClr val="tx1"/>
+              </a:solidFill>
+              <a:latin typeface="微軟正黑體" panose="020B0604030504040204" pitchFamily="34" charset="-120"/>
+              <a:ea typeface="微軟正黑體" panose="020B0604030504040204" pitchFamily="34" charset="-120"/>
+            </a:endParaRPr>
+          </a:p>
+        </p:txBody>
+      </p:sp>
+      <p:sp>
+        <p:nvSpPr>
+          <p:cNvPr id="8" name="矩形 7"/>
+          <p:cNvSpPr/>
+          <p:nvPr/>
+        </p:nvSpPr>
+        <p:spPr>
+          <a:xfrm>
+            <a:off x="7723967" y="2716294"/>
+            <a:ext cx="1376127" cy="697117"/>
+          </a:xfrm>
+          <a:prstGeom prst="rect">
+            <a:avLst/>
+          </a:prstGeom>
+          <a:solidFill>
+            <a:srgbClr val="FFC000"/>
+          </a:solidFill>
+          <a:ln>
+            <a:noFill/>
+          </a:ln>
+        </p:spPr>
+        <p:style>
+          <a:lnRef idx="2">
+            <a:schemeClr val="accent1">
+              <a:shade val="50000"/>
+            </a:schemeClr>
+          </a:lnRef>
+          <a:fillRef idx="1">
+            <a:schemeClr val="accent1"/>
+          </a:fillRef>
+          <a:effectRef idx="0">
+            <a:schemeClr val="accent1"/>
+          </a:effectRef>
+          <a:fontRef idx="minor">
+            <a:schemeClr val="lt1"/>
+          </a:fontRef>
+        </p:style>
+        <p:txBody>
+          <a:bodyPr rtlCol="0" anchor="ctr"/>
+          <a:lstStyle/>
+          <a:p>
+            <a:pPr algn="ctr"/>
+            <a:r>
+              <a:rPr lang="zh-TW" altLang="en-US" sz="1400" b="1" dirty="0">
+                <a:solidFill>
+                  <a:schemeClr val="tx1"/>
+                </a:solidFill>
+                <a:latin typeface="微軟正黑體" panose="020B0604030504040204" pitchFamily="34" charset="-120"/>
+                <a:ea typeface="微軟正黑體" panose="020B0604030504040204" pitchFamily="34" charset="-120"/>
+              </a:rPr>
+              <a:t>對選取的</a:t>
+            </a:r>
+            <a:r>
+              <a:rPr lang="en-US" altLang="zh-TW" sz="1400" b="1" dirty="0">
+                <a:solidFill>
+                  <a:schemeClr val="tx1"/>
+                </a:solidFill>
+                <a:latin typeface="微軟正黑體" panose="020B0604030504040204" pitchFamily="34" charset="-120"/>
+                <a:ea typeface="微軟正黑體" panose="020B0604030504040204" pitchFamily="34" charset="-120"/>
+              </a:rPr>
+              <a:t>k</a:t>
+            </a:r>
+            <a:r>
+              <a:rPr lang="zh-TW" altLang="en-US" sz="1400" b="1" dirty="0">
+                <a:solidFill>
+                  <a:schemeClr val="tx1"/>
+                </a:solidFill>
+                <a:latin typeface="微軟正黑體" panose="020B0604030504040204" pitchFamily="34" charset="-120"/>
+                <a:ea typeface="微軟正黑體" panose="020B0604030504040204" pitchFamily="34" charset="-120"/>
+              </a:rPr>
+              <a:t>個樣本所屬</a:t>
+            </a:r>
+            <a:r>
+              <a:rPr lang="zh-TW" altLang="en-US" sz="1400" b="1" dirty="0" smtClean="0">
+                <a:solidFill>
+                  <a:schemeClr val="tx1"/>
+                </a:solidFill>
+                <a:latin typeface="微軟正黑體" panose="020B0604030504040204" pitchFamily="34" charset="-120"/>
+                <a:ea typeface="微軟正黑體" panose="020B0604030504040204" pitchFamily="34" charset="-120"/>
+              </a:rPr>
+              <a:t>的</a:t>
+            </a:r>
+            <a:r>
+              <a:rPr lang="en-US" altLang="zh-TW" sz="1400" b="1" dirty="0" smtClean="0">
+                <a:solidFill>
+                  <a:schemeClr val="tx1"/>
+                </a:solidFill>
+                <a:latin typeface="微軟正黑體" panose="020B0604030504040204" pitchFamily="34" charset="-120"/>
+                <a:ea typeface="微軟正黑體" panose="020B0604030504040204" pitchFamily="34" charset="-120"/>
+              </a:rPr>
+              <a:t>label</a:t>
+            </a:r>
+            <a:r>
+              <a:rPr lang="zh-TW" altLang="en-US" sz="1400" b="1" dirty="0" smtClean="0">
+                <a:solidFill>
+                  <a:schemeClr val="tx1"/>
+                </a:solidFill>
+                <a:latin typeface="微軟正黑體" panose="020B0604030504040204" pitchFamily="34" charset="-120"/>
+                <a:ea typeface="微軟正黑體" panose="020B0604030504040204" pitchFamily="34" charset="-120"/>
+              </a:rPr>
+              <a:t>個數</a:t>
+            </a:r>
+            <a:r>
+              <a:rPr lang="zh-TW" altLang="en-US" sz="1400" b="1" dirty="0">
+                <a:solidFill>
+                  <a:schemeClr val="tx1"/>
+                </a:solidFill>
+                <a:latin typeface="微軟正黑體" panose="020B0604030504040204" pitchFamily="34" charset="-120"/>
+                <a:ea typeface="微軟正黑體" panose="020B0604030504040204" pitchFamily="34" charset="-120"/>
+              </a:rPr>
+              <a:t>進行統計</a:t>
+            </a:r>
+          </a:p>
+        </p:txBody>
+      </p:sp>
+      <p:sp>
+        <p:nvSpPr>
+          <p:cNvPr id="13" name="矩形 12"/>
+          <p:cNvSpPr/>
+          <p:nvPr/>
+        </p:nvSpPr>
+        <p:spPr>
+          <a:xfrm>
+            <a:off x="10210726" y="2716294"/>
+            <a:ext cx="1376127" cy="697117"/>
+          </a:xfrm>
+          <a:prstGeom prst="rect">
+            <a:avLst/>
+          </a:prstGeom>
+          <a:solidFill>
+            <a:srgbClr val="FFC000"/>
+          </a:solidFill>
+          <a:ln>
+            <a:noFill/>
+          </a:ln>
+        </p:spPr>
+        <p:style>
+          <a:lnRef idx="2">
+            <a:schemeClr val="accent1">
+              <a:shade val="50000"/>
+            </a:schemeClr>
+          </a:lnRef>
+          <a:fillRef idx="1">
+            <a:schemeClr val="accent1"/>
+          </a:fillRef>
+          <a:effectRef idx="0">
+            <a:schemeClr val="accent1"/>
+          </a:effectRef>
+          <a:fontRef idx="minor">
+            <a:schemeClr val="lt1"/>
+          </a:fontRef>
+        </p:style>
+        <p:txBody>
+          <a:bodyPr rtlCol="0" anchor="ctr"/>
+          <a:lstStyle/>
+          <a:p>
+            <a:pPr algn="ctr"/>
+            <a:r>
+              <a:rPr lang="zh-TW" altLang="en-US" sz="1400" b="1" dirty="0">
+                <a:solidFill>
+                  <a:schemeClr val="tx1"/>
+                </a:solidFill>
+                <a:latin typeface="微軟正黑體" panose="020B0604030504040204" pitchFamily="34" charset="-120"/>
+                <a:ea typeface="微軟正黑體" panose="020B0604030504040204" pitchFamily="34" charset="-120"/>
+              </a:rPr>
+              <a:t>選取</a:t>
+            </a:r>
+            <a:r>
+              <a:rPr lang="zh-TW" altLang="en-US" sz="1400" b="1" dirty="0" smtClean="0">
+                <a:solidFill>
+                  <a:schemeClr val="tx1"/>
+                </a:solidFill>
+                <a:latin typeface="微軟正黑體" panose="020B0604030504040204" pitchFamily="34" charset="-120"/>
+                <a:ea typeface="微軟正黑體" panose="020B0604030504040204" pitchFamily="34" charset="-120"/>
+              </a:rPr>
+              <a:t>出現次數</a:t>
+            </a:r>
+            <a:r>
+              <a:rPr lang="zh-TW" altLang="en-US" sz="1400" b="1" dirty="0">
+                <a:solidFill>
+                  <a:schemeClr val="tx1"/>
+                </a:solidFill>
+                <a:latin typeface="微軟正黑體" panose="020B0604030504040204" pitchFamily="34" charset="-120"/>
+                <a:ea typeface="微軟正黑體" panose="020B0604030504040204" pitchFamily="34" charset="-120"/>
+              </a:rPr>
+              <a:t>最多</a:t>
+            </a:r>
+            <a:r>
+              <a:rPr lang="zh-TW" altLang="en-US" sz="1400" b="1" dirty="0" smtClean="0">
+                <a:solidFill>
+                  <a:schemeClr val="tx1"/>
+                </a:solidFill>
+                <a:latin typeface="微軟正黑體" panose="020B0604030504040204" pitchFamily="34" charset="-120"/>
+                <a:ea typeface="微軟正黑體" panose="020B0604030504040204" pitchFamily="34" charset="-120"/>
+              </a:rPr>
+              <a:t>的</a:t>
+            </a:r>
+            <a:r>
+              <a:rPr lang="en-US" altLang="zh-TW" sz="1400" b="1" dirty="0" smtClean="0">
+                <a:solidFill>
+                  <a:schemeClr val="tx1"/>
+                </a:solidFill>
+                <a:latin typeface="微軟正黑體" panose="020B0604030504040204" pitchFamily="34" charset="-120"/>
+                <a:ea typeface="微軟正黑體" panose="020B0604030504040204" pitchFamily="34" charset="-120"/>
+              </a:rPr>
+              <a:t>label</a:t>
+            </a:r>
+            <a:r>
+              <a:rPr lang="zh-TW" altLang="en-US" sz="1400" b="1" dirty="0" smtClean="0">
+                <a:solidFill>
+                  <a:schemeClr val="tx1"/>
+                </a:solidFill>
+                <a:latin typeface="微軟正黑體" panose="020B0604030504040204" pitchFamily="34" charset="-120"/>
+                <a:ea typeface="微軟正黑體" panose="020B0604030504040204" pitchFamily="34" charset="-120"/>
+              </a:rPr>
+              <a:t>並回傳該</a:t>
+            </a:r>
+            <a:r>
+              <a:rPr lang="en-US" altLang="zh-TW" sz="1400" b="1" dirty="0" smtClean="0">
+                <a:solidFill>
+                  <a:schemeClr val="tx1"/>
+                </a:solidFill>
+                <a:latin typeface="微軟正黑體" panose="020B0604030504040204" pitchFamily="34" charset="-120"/>
+                <a:ea typeface="微軟正黑體" panose="020B0604030504040204" pitchFamily="34" charset="-120"/>
+              </a:rPr>
+              <a:t>label</a:t>
+            </a:r>
+            <a:endParaRPr lang="zh-TW" altLang="en-US" sz="1400" b="1" dirty="0">
+              <a:solidFill>
+                <a:schemeClr val="tx1"/>
+              </a:solidFill>
+              <a:latin typeface="微軟正黑體" panose="020B0604030504040204" pitchFamily="34" charset="-120"/>
+              <a:ea typeface="微軟正黑體" panose="020B0604030504040204" pitchFamily="34" charset="-120"/>
             </a:endParaRPr>
           </a:p>
         </p:txBody>
       </p:sp>
       <p:cxnSp>
         <p:nvCxnSpPr>
-          <p:cNvPr id="21" name="肘形接點 20"/>
+          <p:cNvPr id="18" name="直線單箭頭接點 17"/>
           <p:cNvCxnSpPr>
-            <a:stCxn id="3" idx="3"/>
-            <a:endCxn id="11" idx="0"/>
+            <a:stCxn id="43" idx="3"/>
+            <a:endCxn id="7" idx="1"/>
           </p:cNvCxnSpPr>
           <p:nvPr/>
         </p:nvCxnSpPr>
         <p:spPr>
           <a:xfrm>
-            <a:off x="7279013" y="478350"/>
-            <a:ext cx="2578393" cy="312299"/>
-          </a:xfrm>
-          <a:prstGeom prst="bentConnector2">
+            <a:off x="4126579" y="3064853"/>
+            <a:ext cx="1110629" cy="0"/>
+          </a:xfrm>
+          <a:prstGeom prst="straightConnector1">
             <a:avLst/>
           </a:prstGeom>
           <a:ln>
@@ -8706,1469 +5564,20 @@
       </p:cxnSp>
       <p:cxnSp>
         <p:nvCxnSpPr>
-          <p:cNvPr id="27" name="肘形接點 26"/>
+          <p:cNvPr id="20" name="直線單箭頭接點 19"/>
           <p:cNvCxnSpPr>
-            <a:endCxn id="30" idx="0"/>
+            <a:stCxn id="7" idx="3"/>
+            <a:endCxn id="8" idx="1"/>
           </p:cNvCxnSpPr>
           <p:nvPr/>
         </p:nvCxnSpPr>
         <p:spPr>
-          <a:xfrm rot="10800000" flipV="1">
-            <a:off x="2538795" y="510274"/>
-            <a:ext cx="2545306" cy="280374"/>
-          </a:xfrm>
-          <a:prstGeom prst="bentConnector2">
+          <a:xfrm>
+            <a:off x="6613335" y="3064853"/>
+            <a:ext cx="1110632" cy="0"/>
+          </a:xfrm>
+          <a:prstGeom prst="straightConnector1">
             <a:avLst/>
-          </a:prstGeom>
-          <a:ln>
-            <a:tailEnd type="triangle"/>
-          </a:ln>
-        </p:spPr>
-        <p:style>
-          <a:lnRef idx="1">
-            <a:schemeClr val="accent1"/>
-          </a:lnRef>
-          <a:fillRef idx="0">
-            <a:schemeClr val="accent1"/>
-          </a:fillRef>
-          <a:effectRef idx="0">
-            <a:schemeClr val="accent1"/>
-          </a:effectRef>
-          <a:fontRef idx="minor">
-            <a:schemeClr val="tx1"/>
-          </a:fontRef>
-        </p:style>
-      </p:cxnSp>
-      <p:sp>
-        <p:nvSpPr>
-          <p:cNvPr id="11" name="流程圖: 程序 10"/>
-          <p:cNvSpPr/>
-          <p:nvPr/>
-        </p:nvSpPr>
-        <p:spPr>
-          <a:xfrm>
-            <a:off x="9106779" y="790649"/>
-            <a:ext cx="1501253" cy="1030406"/>
-          </a:xfrm>
-          <a:prstGeom prst="flowChartProcess">
-            <a:avLst/>
-          </a:prstGeom>
-          <a:solidFill>
-            <a:schemeClr val="bg1"/>
-          </a:solidFill>
-        </p:spPr>
-        <p:style>
-          <a:lnRef idx="2">
-            <a:schemeClr val="accent1">
-              <a:shade val="50000"/>
-            </a:schemeClr>
-          </a:lnRef>
-          <a:fillRef idx="1">
-            <a:schemeClr val="accent1"/>
-          </a:fillRef>
-          <a:effectRef idx="0">
-            <a:schemeClr val="accent1"/>
-          </a:effectRef>
-          <a:fontRef idx="minor">
-            <a:schemeClr val="lt1"/>
-          </a:fontRef>
-        </p:style>
-        <p:txBody>
-          <a:bodyPr rtlCol="0" anchor="ctr"/>
-          <a:lstStyle/>
-          <a:p>
-            <a:pPr algn="ctr"/>
-            <a:r>
-              <a:rPr lang="zh-TW" altLang="en-US" dirty="0" smtClean="0">
-                <a:solidFill>
-                  <a:schemeClr val="tx1"/>
-                </a:solidFill>
-              </a:rPr>
-              <a:t>用</a:t>
-            </a:r>
-            <a:r>
-              <a:rPr lang="en-US" altLang="zh-TW" dirty="0" err="1" smtClean="0">
-                <a:solidFill>
-                  <a:schemeClr val="tx1"/>
-                </a:solidFill>
-              </a:rPr>
-              <a:t>Ball_Speed</a:t>
-            </a:r>
-            <a:endParaRPr lang="en-US" altLang="zh-TW" dirty="0" smtClean="0">
-              <a:solidFill>
-                <a:schemeClr val="tx1"/>
-              </a:solidFill>
-            </a:endParaRPr>
-          </a:p>
-          <a:p>
-            <a:pPr algn="ctr"/>
-            <a:r>
-              <a:rPr lang="zh-TW" altLang="en-US" dirty="0" smtClean="0">
-                <a:solidFill>
-                  <a:schemeClr val="tx1"/>
-                </a:solidFill>
-              </a:rPr>
-              <a:t>算出</a:t>
-            </a:r>
-            <a:r>
-              <a:rPr lang="en-US" altLang="zh-TW" dirty="0" smtClean="0">
-                <a:solidFill>
-                  <a:schemeClr val="tx1"/>
-                </a:solidFill>
-              </a:rPr>
-              <a:t>X:195</a:t>
-            </a:r>
-            <a:r>
-              <a:rPr lang="zh-TW" altLang="en-US" dirty="0" smtClean="0">
-                <a:solidFill>
-                  <a:schemeClr val="tx1"/>
-                </a:solidFill>
-              </a:rPr>
-              <a:t>時</a:t>
-            </a:r>
-            <a:endParaRPr lang="en-US" altLang="zh-TW" dirty="0" smtClean="0">
-              <a:solidFill>
-                <a:schemeClr val="tx1"/>
-              </a:solidFill>
-            </a:endParaRPr>
-          </a:p>
-          <a:p>
-            <a:pPr algn="ctr"/>
-            <a:r>
-              <a:rPr lang="en-US" altLang="zh-TW" dirty="0" smtClean="0">
-                <a:solidFill>
-                  <a:schemeClr val="tx1"/>
-                </a:solidFill>
-              </a:rPr>
-              <a:t>Y</a:t>
-            </a:r>
-            <a:r>
-              <a:rPr lang="zh-TW" altLang="en-US" dirty="0" smtClean="0">
-                <a:solidFill>
-                  <a:schemeClr val="tx1"/>
-                </a:solidFill>
-              </a:rPr>
-              <a:t>值</a:t>
-            </a:r>
-            <a:endParaRPr lang="zh-TW" altLang="en-US" dirty="0">
-              <a:solidFill>
-                <a:schemeClr val="tx1"/>
-              </a:solidFill>
-            </a:endParaRPr>
-          </a:p>
-        </p:txBody>
-      </p:sp>
-      <p:sp>
-        <p:nvSpPr>
-          <p:cNvPr id="30" name="流程圖: 程序 29"/>
-          <p:cNvSpPr/>
-          <p:nvPr/>
-        </p:nvSpPr>
-        <p:spPr>
-          <a:xfrm>
-            <a:off x="1777932" y="790648"/>
-            <a:ext cx="1521725" cy="1030407"/>
-          </a:xfrm>
-          <a:prstGeom prst="flowChartProcess">
-            <a:avLst/>
-          </a:prstGeom>
-          <a:solidFill>
-            <a:schemeClr val="bg1"/>
-          </a:solidFill>
-        </p:spPr>
-        <p:style>
-          <a:lnRef idx="2">
-            <a:schemeClr val="accent1">
-              <a:shade val="50000"/>
-            </a:schemeClr>
-          </a:lnRef>
-          <a:fillRef idx="1">
-            <a:schemeClr val="accent1"/>
-          </a:fillRef>
-          <a:effectRef idx="0">
-            <a:schemeClr val="accent1"/>
-          </a:effectRef>
-          <a:fontRef idx="minor">
-            <a:schemeClr val="lt1"/>
-          </a:fontRef>
-        </p:style>
-        <p:txBody>
-          <a:bodyPr rtlCol="0" anchor="ctr"/>
-          <a:lstStyle/>
-          <a:p>
-            <a:pPr algn="ctr"/>
-            <a:r>
-              <a:rPr lang="zh-TW" altLang="en-US" dirty="0" smtClean="0">
-                <a:solidFill>
-                  <a:schemeClr val="tx1"/>
-                </a:solidFill>
-              </a:rPr>
-              <a:t>用</a:t>
-            </a:r>
-            <a:r>
-              <a:rPr lang="en-US" altLang="zh-TW" dirty="0" err="1" smtClean="0">
-                <a:solidFill>
-                  <a:schemeClr val="tx1"/>
-                </a:solidFill>
-              </a:rPr>
-              <a:t>Ball_Speed</a:t>
-            </a:r>
-            <a:r>
-              <a:rPr lang="zh-TW" altLang="en-US" dirty="0" smtClean="0">
-                <a:solidFill>
-                  <a:schemeClr val="tx1"/>
-                </a:solidFill>
-              </a:rPr>
-              <a:t>算</a:t>
-            </a:r>
-            <a:r>
-              <a:rPr lang="en-US" altLang="zh-TW" dirty="0" smtClean="0">
-                <a:solidFill>
-                  <a:schemeClr val="tx1"/>
-                </a:solidFill>
-              </a:rPr>
-              <a:t>X:0</a:t>
-            </a:r>
-            <a:r>
-              <a:rPr lang="zh-TW" altLang="en-US" dirty="0" smtClean="0">
-                <a:solidFill>
-                  <a:schemeClr val="tx1"/>
-                </a:solidFill>
-              </a:rPr>
-              <a:t>時</a:t>
-            </a:r>
-            <a:endParaRPr lang="en-US" altLang="zh-TW" dirty="0" smtClean="0">
-              <a:solidFill>
-                <a:schemeClr val="tx1"/>
-              </a:solidFill>
-            </a:endParaRPr>
-          </a:p>
-          <a:p>
-            <a:pPr algn="ctr"/>
-            <a:r>
-              <a:rPr lang="en-US" altLang="zh-TW" dirty="0" smtClean="0">
-                <a:solidFill>
-                  <a:schemeClr val="tx1"/>
-                </a:solidFill>
-              </a:rPr>
-              <a:t>Y</a:t>
-            </a:r>
-            <a:r>
-              <a:rPr lang="zh-TW" altLang="en-US" dirty="0" smtClean="0">
-                <a:solidFill>
-                  <a:schemeClr val="tx1"/>
-                </a:solidFill>
-              </a:rPr>
-              <a:t>值</a:t>
-            </a:r>
-            <a:endParaRPr lang="zh-TW" altLang="en-US" dirty="0">
-              <a:solidFill>
-                <a:schemeClr val="tx1"/>
-              </a:solidFill>
-            </a:endParaRPr>
-          </a:p>
-        </p:txBody>
-      </p:sp>
-      <p:sp>
-        <p:nvSpPr>
-          <p:cNvPr id="35" name="矩形 34"/>
-          <p:cNvSpPr/>
-          <p:nvPr/>
-        </p:nvSpPr>
-        <p:spPr>
-          <a:xfrm>
-            <a:off x="8939334" y="245277"/>
-            <a:ext cx="743305" cy="339173"/>
-          </a:xfrm>
-          <a:prstGeom prst="rect">
-            <a:avLst/>
-          </a:prstGeom>
-          <a:solidFill>
-            <a:srgbClr val="FFFFFF"/>
-          </a:solidFill>
-        </p:spPr>
-        <p:style>
-          <a:lnRef idx="2">
-            <a:schemeClr val="accent1">
-              <a:shade val="50000"/>
-            </a:schemeClr>
-          </a:lnRef>
-          <a:fillRef idx="1">
-            <a:schemeClr val="accent1"/>
-          </a:fillRef>
-          <a:effectRef idx="0">
-            <a:schemeClr val="accent1"/>
-          </a:effectRef>
-          <a:fontRef idx="minor">
-            <a:schemeClr val="lt1"/>
-          </a:fontRef>
-        </p:style>
-        <p:txBody>
-          <a:bodyPr rtlCol="0" anchor="ctr"/>
-          <a:lstStyle/>
-          <a:p>
-            <a:pPr algn="ctr"/>
-            <a:r>
-              <a:rPr lang="en-US" altLang="zh-TW" dirty="0" smtClean="0">
-                <a:solidFill>
-                  <a:schemeClr val="tx1"/>
-                </a:solidFill>
-              </a:rPr>
-              <a:t>YES</a:t>
-            </a:r>
-            <a:endParaRPr lang="zh-TW" altLang="en-US" dirty="0">
-              <a:solidFill>
-                <a:schemeClr val="tx1"/>
-              </a:solidFill>
-            </a:endParaRPr>
-          </a:p>
-        </p:txBody>
-      </p:sp>
-      <p:sp>
-        <p:nvSpPr>
-          <p:cNvPr id="37" name="矩形 36"/>
-          <p:cNvSpPr/>
-          <p:nvPr/>
-        </p:nvSpPr>
-        <p:spPr>
-          <a:xfrm>
-            <a:off x="2845868" y="287686"/>
-            <a:ext cx="743305" cy="339173"/>
-          </a:xfrm>
-          <a:prstGeom prst="rect">
-            <a:avLst/>
-          </a:prstGeom>
-          <a:solidFill>
-            <a:srgbClr val="FFFFFF"/>
-          </a:solidFill>
-        </p:spPr>
-        <p:style>
-          <a:lnRef idx="2">
-            <a:schemeClr val="accent1">
-              <a:shade val="50000"/>
-            </a:schemeClr>
-          </a:lnRef>
-          <a:fillRef idx="1">
-            <a:schemeClr val="accent1"/>
-          </a:fillRef>
-          <a:effectRef idx="0">
-            <a:schemeClr val="accent1"/>
-          </a:effectRef>
-          <a:fontRef idx="minor">
-            <a:schemeClr val="lt1"/>
-          </a:fontRef>
-        </p:style>
-        <p:txBody>
-          <a:bodyPr rtlCol="0" anchor="ctr"/>
-          <a:lstStyle/>
-          <a:p>
-            <a:pPr algn="ctr"/>
-            <a:r>
-              <a:rPr lang="en-US" altLang="zh-TW" dirty="0" smtClean="0">
-                <a:solidFill>
-                  <a:schemeClr val="tx1"/>
-                </a:solidFill>
-              </a:rPr>
-              <a:t>NO</a:t>
-            </a:r>
-            <a:endParaRPr lang="zh-TW" altLang="en-US" dirty="0">
-              <a:solidFill>
-                <a:schemeClr val="tx1"/>
-              </a:solidFill>
-            </a:endParaRPr>
-          </a:p>
-        </p:txBody>
-      </p:sp>
-      <p:sp>
-        <p:nvSpPr>
-          <p:cNvPr id="57" name="流程圖: 決策 56"/>
-          <p:cNvSpPr/>
-          <p:nvPr/>
-        </p:nvSpPr>
-        <p:spPr>
-          <a:xfrm>
-            <a:off x="8487233" y="3927201"/>
-            <a:ext cx="3134116" cy="925059"/>
-          </a:xfrm>
-          <a:prstGeom prst="flowChartDecision">
-            <a:avLst/>
-          </a:prstGeom>
-          <a:solidFill>
-            <a:schemeClr val="bg1"/>
-          </a:solidFill>
-        </p:spPr>
-        <p:style>
-          <a:lnRef idx="2">
-            <a:schemeClr val="accent1">
-              <a:shade val="50000"/>
-            </a:schemeClr>
-          </a:lnRef>
-          <a:fillRef idx="1">
-            <a:schemeClr val="accent1"/>
-          </a:fillRef>
-          <a:effectRef idx="0">
-            <a:schemeClr val="accent1"/>
-          </a:effectRef>
-          <a:fontRef idx="minor">
-            <a:schemeClr val="lt1"/>
-          </a:fontRef>
-        </p:style>
-        <p:txBody>
-          <a:bodyPr rtlCol="0" anchor="t"/>
-          <a:lstStyle/>
-          <a:p>
-            <a:endParaRPr lang="zh-TW" altLang="en-US" dirty="0">
-              <a:solidFill>
-                <a:schemeClr val="tx1"/>
-              </a:solidFill>
-            </a:endParaRPr>
-          </a:p>
-        </p:txBody>
-      </p:sp>
-      <p:sp>
-        <p:nvSpPr>
-          <p:cNvPr id="58" name="矩形 57"/>
-          <p:cNvSpPr/>
-          <p:nvPr/>
-        </p:nvSpPr>
-        <p:spPr>
-          <a:xfrm>
-            <a:off x="8649430" y="4202401"/>
-            <a:ext cx="2970663" cy="369332"/>
-          </a:xfrm>
-          <a:prstGeom prst="rect">
-            <a:avLst/>
-          </a:prstGeom>
-        </p:spPr>
-        <p:txBody>
-          <a:bodyPr wrap="square">
-            <a:spAutoFit/>
-          </a:bodyPr>
-          <a:lstStyle/>
-          <a:p>
-            <a:r>
-              <a:rPr lang="en-US" altLang="zh-TW" dirty="0" smtClean="0">
-                <a:solidFill>
-                  <a:schemeClr val="tx1"/>
-                </a:solidFill>
-              </a:rPr>
-              <a:t>If  |Y –</a:t>
-            </a:r>
-            <a:r>
-              <a:rPr lang="zh-TW" altLang="en-US" dirty="0" smtClean="0">
-                <a:solidFill>
-                  <a:schemeClr val="tx1"/>
-                </a:solidFill>
-                <a:sym typeface="Wingdings" panose="05000000000000000000" pitchFamily="2" charset="2"/>
-              </a:rPr>
-              <a:t>自己</a:t>
-            </a:r>
-            <a:r>
-              <a:rPr lang="en-US" altLang="zh-TW" dirty="0" smtClean="0">
-                <a:solidFill>
-                  <a:schemeClr val="tx1"/>
-                </a:solidFill>
-              </a:rPr>
-              <a:t>Platform Y| &gt; 195</a:t>
-            </a:r>
-            <a:endParaRPr lang="zh-TW" altLang="en-US" dirty="0">
-              <a:solidFill>
-                <a:schemeClr val="tx1"/>
-              </a:solidFill>
-            </a:endParaRPr>
-          </a:p>
-        </p:txBody>
-      </p:sp>
-      <p:sp>
-        <p:nvSpPr>
-          <p:cNvPr id="59" name="流程圖: 決策 58"/>
-          <p:cNvSpPr/>
-          <p:nvPr/>
-        </p:nvSpPr>
-        <p:spPr>
-          <a:xfrm>
-            <a:off x="820160" y="3769958"/>
-            <a:ext cx="3134116" cy="1040025"/>
-          </a:xfrm>
-          <a:prstGeom prst="flowChartDecision">
-            <a:avLst/>
-          </a:prstGeom>
-          <a:solidFill>
-            <a:schemeClr val="bg1"/>
-          </a:solidFill>
-        </p:spPr>
-        <p:style>
-          <a:lnRef idx="2">
-            <a:schemeClr val="accent1">
-              <a:shade val="50000"/>
-            </a:schemeClr>
-          </a:lnRef>
-          <a:fillRef idx="1">
-            <a:schemeClr val="accent1"/>
-          </a:fillRef>
-          <a:effectRef idx="0">
-            <a:schemeClr val="accent1"/>
-          </a:effectRef>
-          <a:fontRef idx="minor">
-            <a:schemeClr val="lt1"/>
-          </a:fontRef>
-        </p:style>
-        <p:txBody>
-          <a:bodyPr rtlCol="0" anchor="t"/>
-          <a:lstStyle/>
-          <a:p>
-            <a:endParaRPr lang="zh-TW" altLang="en-US" dirty="0">
-              <a:solidFill>
-                <a:schemeClr val="tx1"/>
-              </a:solidFill>
-            </a:endParaRPr>
-          </a:p>
-        </p:txBody>
-      </p:sp>
-      <p:sp>
-        <p:nvSpPr>
-          <p:cNvPr id="60" name="矩形 59"/>
-          <p:cNvSpPr/>
-          <p:nvPr/>
-        </p:nvSpPr>
-        <p:spPr>
-          <a:xfrm>
-            <a:off x="901885" y="4105304"/>
-            <a:ext cx="2970663" cy="369332"/>
-          </a:xfrm>
-          <a:prstGeom prst="rect">
-            <a:avLst/>
-          </a:prstGeom>
-        </p:spPr>
-        <p:txBody>
-          <a:bodyPr wrap="square">
-            <a:spAutoFit/>
-          </a:bodyPr>
-          <a:lstStyle/>
-          <a:p>
-            <a:r>
-              <a:rPr lang="en-US" altLang="zh-TW" dirty="0" smtClean="0">
-                <a:solidFill>
-                  <a:schemeClr val="tx1"/>
-                </a:solidFill>
-              </a:rPr>
-              <a:t>If  |Y –</a:t>
-            </a:r>
-            <a:r>
-              <a:rPr lang="zh-TW" altLang="en-US" dirty="0" smtClean="0">
-                <a:solidFill>
-                  <a:schemeClr val="tx1"/>
-                </a:solidFill>
-                <a:sym typeface="Wingdings" panose="05000000000000000000" pitchFamily="2" charset="2"/>
-              </a:rPr>
-              <a:t>自己</a:t>
-            </a:r>
-            <a:r>
-              <a:rPr lang="en-US" altLang="zh-TW" dirty="0" smtClean="0">
-                <a:solidFill>
-                  <a:schemeClr val="tx1"/>
-                </a:solidFill>
-              </a:rPr>
-              <a:t>Platform Y| &gt; 195</a:t>
-            </a:r>
-            <a:endParaRPr lang="zh-TW" altLang="en-US" dirty="0">
-              <a:solidFill>
-                <a:schemeClr val="tx1"/>
-              </a:solidFill>
-            </a:endParaRPr>
-          </a:p>
-        </p:txBody>
-      </p:sp>
-      <p:cxnSp>
-        <p:nvCxnSpPr>
-          <p:cNvPr id="65" name="肘形接點 64"/>
-          <p:cNvCxnSpPr>
-            <a:stCxn id="59" idx="3"/>
-            <a:endCxn id="11" idx="1"/>
-          </p:cNvCxnSpPr>
-          <p:nvPr/>
-        </p:nvCxnSpPr>
-        <p:spPr>
-          <a:xfrm flipV="1">
-            <a:off x="3954276" y="1305852"/>
-            <a:ext cx="5152503" cy="2984119"/>
-          </a:xfrm>
-          <a:prstGeom prst="bentConnector3">
-            <a:avLst>
-              <a:gd name="adj1" fmla="val 50000"/>
-            </a:avLst>
-          </a:prstGeom>
-          <a:ln w="38100">
-            <a:solidFill>
-              <a:srgbClr val="7030A0"/>
-            </a:solidFill>
-            <a:tailEnd type="triangle"/>
-          </a:ln>
-        </p:spPr>
-        <p:style>
-          <a:lnRef idx="1">
-            <a:schemeClr val="accent1"/>
-          </a:lnRef>
-          <a:fillRef idx="0">
-            <a:schemeClr val="accent1"/>
-          </a:fillRef>
-          <a:effectRef idx="0">
-            <a:schemeClr val="accent1"/>
-          </a:effectRef>
-          <a:fontRef idx="minor">
-            <a:schemeClr val="tx1"/>
-          </a:fontRef>
-        </p:style>
-      </p:cxnSp>
-      <p:sp>
-        <p:nvSpPr>
-          <p:cNvPr id="64" name="矩形 63"/>
-          <p:cNvSpPr/>
-          <p:nvPr/>
-        </p:nvSpPr>
-        <p:spPr>
-          <a:xfrm>
-            <a:off x="4382349" y="4093106"/>
-            <a:ext cx="743305" cy="339173"/>
-          </a:xfrm>
-          <a:prstGeom prst="rect">
-            <a:avLst/>
-          </a:prstGeom>
-          <a:solidFill>
-            <a:schemeClr val="bg1"/>
-          </a:solidFill>
-          <a:ln>
-            <a:solidFill>
-              <a:srgbClr val="7030A0"/>
-            </a:solidFill>
-          </a:ln>
-        </p:spPr>
-        <p:style>
-          <a:lnRef idx="2">
-            <a:schemeClr val="accent1">
-              <a:shade val="50000"/>
-            </a:schemeClr>
-          </a:lnRef>
-          <a:fillRef idx="1">
-            <a:schemeClr val="accent1"/>
-          </a:fillRef>
-          <a:effectRef idx="0">
-            <a:schemeClr val="accent1"/>
-          </a:effectRef>
-          <a:fontRef idx="minor">
-            <a:schemeClr val="lt1"/>
-          </a:fontRef>
-        </p:style>
-        <p:txBody>
-          <a:bodyPr rtlCol="0" anchor="ctr"/>
-          <a:lstStyle/>
-          <a:p>
-            <a:pPr algn="ctr"/>
-            <a:r>
-              <a:rPr lang="en-US" altLang="zh-TW" dirty="0" smtClean="0">
-                <a:solidFill>
-                  <a:schemeClr val="tx1"/>
-                </a:solidFill>
-              </a:rPr>
-              <a:t>YES</a:t>
-            </a:r>
-            <a:endParaRPr lang="zh-TW" altLang="en-US" dirty="0">
-              <a:solidFill>
-                <a:schemeClr val="tx1"/>
-              </a:solidFill>
-            </a:endParaRPr>
-          </a:p>
-        </p:txBody>
-      </p:sp>
-      <p:cxnSp>
-        <p:nvCxnSpPr>
-          <p:cNvPr id="68" name="肘形接點 67"/>
-          <p:cNvCxnSpPr>
-            <a:stCxn id="57" idx="1"/>
-            <a:endCxn id="30" idx="3"/>
-          </p:cNvCxnSpPr>
-          <p:nvPr/>
-        </p:nvCxnSpPr>
-        <p:spPr>
-          <a:xfrm rot="10800000">
-            <a:off x="3299657" y="1305853"/>
-            <a:ext cx="5187576" cy="3083879"/>
-          </a:xfrm>
-          <a:prstGeom prst="bentConnector3">
-            <a:avLst>
-              <a:gd name="adj1" fmla="val 50000"/>
-            </a:avLst>
-          </a:prstGeom>
-          <a:ln w="38100">
-            <a:solidFill>
-              <a:srgbClr val="FF0000"/>
-            </a:solidFill>
-            <a:tailEnd type="triangle"/>
-          </a:ln>
-        </p:spPr>
-        <p:style>
-          <a:lnRef idx="1">
-            <a:schemeClr val="accent1"/>
-          </a:lnRef>
-          <a:fillRef idx="0">
-            <a:schemeClr val="accent1"/>
-          </a:fillRef>
-          <a:effectRef idx="0">
-            <a:schemeClr val="accent1"/>
-          </a:effectRef>
-          <a:fontRef idx="minor">
-            <a:schemeClr val="tx1"/>
-          </a:fontRef>
-        </p:style>
-      </p:cxnSp>
-      <p:sp>
-        <p:nvSpPr>
-          <p:cNvPr id="63" name="矩形 62"/>
-          <p:cNvSpPr/>
-          <p:nvPr/>
-        </p:nvSpPr>
-        <p:spPr>
-          <a:xfrm>
-            <a:off x="7186375" y="4194409"/>
-            <a:ext cx="743305" cy="339173"/>
-          </a:xfrm>
-          <a:prstGeom prst="rect">
-            <a:avLst/>
-          </a:prstGeom>
-          <a:solidFill>
-            <a:srgbClr val="FFFFFF"/>
-          </a:solidFill>
-          <a:ln>
-            <a:solidFill>
-              <a:srgbClr val="FF0000"/>
-            </a:solidFill>
-          </a:ln>
-        </p:spPr>
-        <p:style>
-          <a:lnRef idx="2">
-            <a:schemeClr val="accent1">
-              <a:shade val="50000"/>
-            </a:schemeClr>
-          </a:lnRef>
-          <a:fillRef idx="1">
-            <a:schemeClr val="accent1"/>
-          </a:fillRef>
-          <a:effectRef idx="0">
-            <a:schemeClr val="accent1"/>
-          </a:effectRef>
-          <a:fontRef idx="minor">
-            <a:schemeClr val="lt1"/>
-          </a:fontRef>
-        </p:style>
-        <p:txBody>
-          <a:bodyPr rtlCol="0" anchor="ctr"/>
-          <a:lstStyle/>
-          <a:p>
-            <a:pPr algn="ctr"/>
-            <a:r>
-              <a:rPr lang="en-US" altLang="zh-TW" dirty="0" smtClean="0">
-                <a:solidFill>
-                  <a:schemeClr val="tx1"/>
-                </a:solidFill>
-              </a:rPr>
-              <a:t>YES</a:t>
-            </a:r>
-            <a:endParaRPr lang="zh-TW" altLang="en-US" dirty="0">
-              <a:solidFill>
-                <a:schemeClr val="tx1"/>
-              </a:solidFill>
-            </a:endParaRPr>
-          </a:p>
-        </p:txBody>
-      </p:sp>
-      <p:cxnSp>
-        <p:nvCxnSpPr>
-          <p:cNvPr id="98" name="肘形接點 97"/>
-          <p:cNvCxnSpPr>
-            <a:stCxn id="59" idx="2"/>
-            <a:endCxn id="130" idx="0"/>
-          </p:cNvCxnSpPr>
-          <p:nvPr/>
-        </p:nvCxnSpPr>
-        <p:spPr>
-          <a:xfrm rot="16200000" flipH="1">
-            <a:off x="2124509" y="5072691"/>
-            <a:ext cx="535016" cy="9599"/>
-          </a:xfrm>
-          <a:prstGeom prst="bentConnector3">
-            <a:avLst>
-              <a:gd name="adj1" fmla="val 50000"/>
-            </a:avLst>
-          </a:prstGeom>
-          <a:ln>
-            <a:tailEnd type="triangle"/>
-          </a:ln>
-        </p:spPr>
-        <p:style>
-          <a:lnRef idx="1">
-            <a:schemeClr val="accent1"/>
-          </a:lnRef>
-          <a:fillRef idx="0">
-            <a:schemeClr val="accent1"/>
-          </a:fillRef>
-          <a:effectRef idx="0">
-            <a:schemeClr val="accent1"/>
-          </a:effectRef>
-          <a:fontRef idx="minor">
-            <a:schemeClr val="tx1"/>
-          </a:fontRef>
-        </p:style>
-      </p:cxnSp>
-      <p:sp>
-        <p:nvSpPr>
-          <p:cNvPr id="96" name="矩形 95"/>
-          <p:cNvSpPr/>
-          <p:nvPr/>
-        </p:nvSpPr>
-        <p:spPr>
-          <a:xfrm>
-            <a:off x="2048282" y="4871914"/>
-            <a:ext cx="743305" cy="339173"/>
-          </a:xfrm>
-          <a:prstGeom prst="rect">
-            <a:avLst/>
-          </a:prstGeom>
-          <a:solidFill>
-            <a:srgbClr val="FFFFFF"/>
-          </a:solidFill>
-        </p:spPr>
-        <p:style>
-          <a:lnRef idx="2">
-            <a:schemeClr val="accent1">
-              <a:shade val="50000"/>
-            </a:schemeClr>
-          </a:lnRef>
-          <a:fillRef idx="1">
-            <a:schemeClr val="accent1"/>
-          </a:fillRef>
-          <a:effectRef idx="0">
-            <a:schemeClr val="accent1"/>
-          </a:effectRef>
-          <a:fontRef idx="minor">
-            <a:schemeClr val="lt1"/>
-          </a:fontRef>
-        </p:style>
-        <p:txBody>
-          <a:bodyPr rtlCol="0" anchor="ctr"/>
-          <a:lstStyle/>
-          <a:p>
-            <a:pPr algn="ctr"/>
-            <a:r>
-              <a:rPr lang="en-US" altLang="zh-TW" dirty="0">
-                <a:solidFill>
-                  <a:schemeClr val="tx1"/>
-                </a:solidFill>
-              </a:rPr>
-              <a:t>NO</a:t>
-            </a:r>
-            <a:endParaRPr lang="zh-TW" altLang="en-US" dirty="0">
-              <a:solidFill>
-                <a:schemeClr val="tx1"/>
-              </a:solidFill>
-            </a:endParaRPr>
-          </a:p>
-        </p:txBody>
-      </p:sp>
-      <p:sp>
-        <p:nvSpPr>
-          <p:cNvPr id="102" name="矩形 101"/>
-          <p:cNvSpPr/>
-          <p:nvPr/>
-        </p:nvSpPr>
-        <p:spPr>
-          <a:xfrm>
-            <a:off x="7752369" y="5356523"/>
-            <a:ext cx="4603845" cy="1188992"/>
-          </a:xfrm>
-          <a:prstGeom prst="rect">
-            <a:avLst/>
-          </a:prstGeom>
-          <a:solidFill>
-            <a:schemeClr val="bg1"/>
-          </a:solidFill>
-        </p:spPr>
-        <p:style>
-          <a:lnRef idx="2">
-            <a:schemeClr val="accent1">
-              <a:shade val="50000"/>
-            </a:schemeClr>
-          </a:lnRef>
-          <a:fillRef idx="1">
-            <a:schemeClr val="accent1"/>
-          </a:fillRef>
-          <a:effectRef idx="0">
-            <a:schemeClr val="accent1"/>
-          </a:effectRef>
-          <a:fontRef idx="minor">
-            <a:schemeClr val="lt1"/>
-          </a:fontRef>
-        </p:style>
-        <p:txBody>
-          <a:bodyPr rtlCol="0" anchor="ctr"/>
-          <a:lstStyle/>
-          <a:p>
-            <a:pPr algn="ctr"/>
-            <a:r>
-              <a:rPr lang="zh-TW" altLang="en-US" dirty="0" smtClean="0">
-                <a:solidFill>
-                  <a:schemeClr val="tx1"/>
-                </a:solidFill>
-              </a:rPr>
-              <a:t>用</a:t>
-            </a:r>
-            <a:r>
-              <a:rPr lang="en-US" altLang="zh-TW" dirty="0" err="1" smtClean="0">
-                <a:solidFill>
-                  <a:schemeClr val="tx1"/>
-                </a:solidFill>
-              </a:rPr>
-              <a:t>Ball_Speed</a:t>
-            </a:r>
-            <a:r>
-              <a:rPr lang="zh-TW" altLang="en-US" dirty="0" smtClean="0">
-                <a:solidFill>
-                  <a:schemeClr val="tx1"/>
-                </a:solidFill>
-              </a:rPr>
-              <a:t>算出 </a:t>
-            </a:r>
-            <a:r>
-              <a:rPr lang="en-US" altLang="zh-TW" dirty="0" smtClean="0">
-                <a:solidFill>
-                  <a:schemeClr val="tx1"/>
-                </a:solidFill>
-              </a:rPr>
-              <a:t>Y</a:t>
-            </a:r>
-            <a:r>
-              <a:rPr lang="en-US" altLang="zh-TW" dirty="0" smtClean="0">
-                <a:solidFill>
-                  <a:schemeClr val="tx1"/>
-                </a:solidFill>
-                <a:sym typeface="Wingdings" panose="05000000000000000000" pitchFamily="2" charset="2"/>
-              </a:rPr>
-              <a:t>:</a:t>
-            </a:r>
-            <a:r>
-              <a:rPr lang="zh-TW" altLang="en-US" dirty="0" smtClean="0">
-                <a:solidFill>
-                  <a:schemeClr val="tx1"/>
-                </a:solidFill>
-                <a:sym typeface="Wingdings" panose="05000000000000000000" pitchFamily="2" charset="2"/>
-              </a:rPr>
-              <a:t> </a:t>
-            </a:r>
-            <a:r>
-              <a:rPr lang="en-US" altLang="zh-TW" dirty="0" smtClean="0">
-                <a:solidFill>
-                  <a:schemeClr val="tx1"/>
-                </a:solidFill>
-                <a:sym typeface="Wingdings" panose="05000000000000000000" pitchFamily="2" charset="2"/>
-              </a:rPr>
-              <a:t>(</a:t>
-            </a:r>
-            <a:r>
-              <a:rPr lang="zh-TW" altLang="en-US" dirty="0" smtClean="0">
-                <a:solidFill>
-                  <a:schemeClr val="tx1"/>
-                </a:solidFill>
-                <a:sym typeface="Wingdings" panose="05000000000000000000" pitchFamily="2" charset="2"/>
-              </a:rPr>
-              <a:t>自己</a:t>
-            </a:r>
-            <a:r>
-              <a:rPr lang="en-US" altLang="zh-TW" dirty="0" smtClean="0">
-                <a:solidFill>
-                  <a:schemeClr val="tx1"/>
-                </a:solidFill>
-              </a:rPr>
-              <a:t>Platform Y)</a:t>
-            </a:r>
-            <a:r>
-              <a:rPr lang="zh-TW" altLang="en-US" dirty="0" smtClean="0">
-                <a:solidFill>
-                  <a:schemeClr val="tx1"/>
-                </a:solidFill>
-              </a:rPr>
-              <a:t>時的</a:t>
-            </a:r>
-            <a:r>
-              <a:rPr lang="en-US" altLang="zh-TW" dirty="0" smtClean="0">
-                <a:solidFill>
-                  <a:schemeClr val="tx1"/>
-                </a:solidFill>
-              </a:rPr>
-              <a:t>X</a:t>
-            </a:r>
-            <a:r>
-              <a:rPr lang="zh-TW" altLang="en-US" dirty="0" smtClean="0">
-                <a:solidFill>
-                  <a:schemeClr val="tx1"/>
-                </a:solidFill>
-              </a:rPr>
-              <a:t>值</a:t>
-            </a:r>
-            <a:endParaRPr lang="en-US" altLang="zh-TW" dirty="0" smtClean="0">
-              <a:solidFill>
-                <a:schemeClr val="tx1"/>
-              </a:solidFill>
-            </a:endParaRPr>
-          </a:p>
-          <a:p>
-            <a:pPr algn="ctr"/>
-            <a:r>
-              <a:rPr lang="zh-TW" altLang="en-US" dirty="0" smtClean="0">
-                <a:solidFill>
-                  <a:schemeClr val="tx1"/>
-                </a:solidFill>
-              </a:rPr>
-              <a:t>存入</a:t>
-            </a:r>
-            <a:r>
-              <a:rPr lang="en-US" altLang="zh-TW" b="1" dirty="0" err="1" smtClean="0">
-                <a:solidFill>
-                  <a:schemeClr val="tx1"/>
-                </a:solidFill>
-              </a:rPr>
-              <a:t>Me_hit_x</a:t>
-            </a:r>
-            <a:endParaRPr lang="en-US" altLang="zh-TW" dirty="0" smtClean="0">
-              <a:solidFill>
-                <a:schemeClr val="tx1"/>
-              </a:solidFill>
-            </a:endParaRPr>
-          </a:p>
-          <a:p>
-            <a:pPr algn="ctr"/>
-            <a:r>
-              <a:rPr lang="en-US" altLang="zh-TW" b="1" dirty="0" err="1" smtClean="0">
-                <a:solidFill>
-                  <a:schemeClr val="tx1"/>
-                </a:solidFill>
-              </a:rPr>
-              <a:t>Me_hit_direction_right</a:t>
-            </a:r>
-            <a:r>
-              <a:rPr lang="en-US" altLang="zh-TW" b="1" dirty="0" smtClean="0">
-                <a:solidFill>
-                  <a:schemeClr val="tx1"/>
-                </a:solidFill>
-              </a:rPr>
-              <a:t> = 0</a:t>
-            </a:r>
-            <a:endParaRPr lang="zh-TW" altLang="en-US" b="1" dirty="0" smtClean="0">
-              <a:solidFill>
-                <a:schemeClr val="tx1"/>
-              </a:solidFill>
-            </a:endParaRPr>
-          </a:p>
-        </p:txBody>
-      </p:sp>
-      <p:cxnSp>
-        <p:nvCxnSpPr>
-          <p:cNvPr id="110" name="肘形接點 109"/>
-          <p:cNvCxnSpPr>
-            <a:stCxn id="57" idx="2"/>
-            <a:endCxn id="102" idx="0"/>
-          </p:cNvCxnSpPr>
-          <p:nvPr/>
-        </p:nvCxnSpPr>
-        <p:spPr>
-          <a:xfrm rot="16200000" flipH="1">
-            <a:off x="9802160" y="5104390"/>
-            <a:ext cx="504263" cy="1"/>
-          </a:xfrm>
-          <a:prstGeom prst="bentConnector3">
-            <a:avLst>
-              <a:gd name="adj1" fmla="val 50000"/>
-            </a:avLst>
-          </a:prstGeom>
-          <a:ln>
-            <a:tailEnd type="triangle"/>
-          </a:ln>
-        </p:spPr>
-        <p:style>
-          <a:lnRef idx="1">
-            <a:schemeClr val="accent1"/>
-          </a:lnRef>
-          <a:fillRef idx="0">
-            <a:schemeClr val="accent1"/>
-          </a:fillRef>
-          <a:effectRef idx="0">
-            <a:schemeClr val="accent1"/>
-          </a:effectRef>
-          <a:fontRef idx="minor">
-            <a:schemeClr val="tx1"/>
-          </a:fontRef>
-        </p:style>
-      </p:cxnSp>
-      <p:sp>
-        <p:nvSpPr>
-          <p:cNvPr id="97" name="矩形 96"/>
-          <p:cNvSpPr/>
-          <p:nvPr/>
-        </p:nvSpPr>
-        <p:spPr>
-          <a:xfrm>
-            <a:off x="9682639" y="4883203"/>
-            <a:ext cx="743305" cy="339173"/>
-          </a:xfrm>
-          <a:prstGeom prst="rect">
-            <a:avLst/>
-          </a:prstGeom>
-          <a:solidFill>
-            <a:srgbClr val="FFFFFF"/>
-          </a:solidFill>
-        </p:spPr>
-        <p:style>
-          <a:lnRef idx="2">
-            <a:schemeClr val="accent1">
-              <a:shade val="50000"/>
-            </a:schemeClr>
-          </a:lnRef>
-          <a:fillRef idx="1">
-            <a:schemeClr val="accent1"/>
-          </a:fillRef>
-          <a:effectRef idx="0">
-            <a:schemeClr val="accent1"/>
-          </a:effectRef>
-          <a:fontRef idx="minor">
-            <a:schemeClr val="lt1"/>
-          </a:fontRef>
-        </p:style>
-        <p:txBody>
-          <a:bodyPr rtlCol="0" anchor="ctr"/>
-          <a:lstStyle/>
-          <a:p>
-            <a:pPr algn="ctr"/>
-            <a:r>
-              <a:rPr lang="en-US" altLang="zh-TW" dirty="0">
-                <a:solidFill>
-                  <a:schemeClr val="tx1"/>
-                </a:solidFill>
-              </a:rPr>
-              <a:t>NO</a:t>
-            </a:r>
-            <a:endParaRPr lang="zh-TW" altLang="en-US" dirty="0">
-              <a:solidFill>
-                <a:schemeClr val="tx1"/>
-              </a:solidFill>
-            </a:endParaRPr>
-          </a:p>
-        </p:txBody>
-      </p:sp>
-      <p:sp>
-        <p:nvSpPr>
-          <p:cNvPr id="130" name="矩形 129"/>
-          <p:cNvSpPr/>
-          <p:nvPr/>
-        </p:nvSpPr>
-        <p:spPr>
-          <a:xfrm>
-            <a:off x="94894" y="5344999"/>
-            <a:ext cx="4603845" cy="1198006"/>
-          </a:xfrm>
-          <a:prstGeom prst="rect">
-            <a:avLst/>
-          </a:prstGeom>
-          <a:solidFill>
-            <a:schemeClr val="bg1"/>
-          </a:solidFill>
-        </p:spPr>
-        <p:style>
-          <a:lnRef idx="2">
-            <a:schemeClr val="accent1">
-              <a:shade val="50000"/>
-            </a:schemeClr>
-          </a:lnRef>
-          <a:fillRef idx="1">
-            <a:schemeClr val="accent1"/>
-          </a:fillRef>
-          <a:effectRef idx="0">
-            <a:schemeClr val="accent1"/>
-          </a:effectRef>
-          <a:fontRef idx="minor">
-            <a:schemeClr val="lt1"/>
-          </a:fontRef>
-        </p:style>
-        <p:txBody>
-          <a:bodyPr rtlCol="0" anchor="ctr"/>
-          <a:lstStyle/>
-          <a:p>
-            <a:pPr algn="ctr"/>
-            <a:r>
-              <a:rPr lang="zh-TW" altLang="en-US" dirty="0" smtClean="0">
-                <a:solidFill>
-                  <a:schemeClr val="tx1"/>
-                </a:solidFill>
-              </a:rPr>
-              <a:t>用</a:t>
-            </a:r>
-            <a:r>
-              <a:rPr lang="en-US" altLang="zh-TW" dirty="0" err="1" smtClean="0">
-                <a:solidFill>
-                  <a:schemeClr val="tx1"/>
-                </a:solidFill>
-              </a:rPr>
-              <a:t>Ball_Speed</a:t>
-            </a:r>
-            <a:r>
-              <a:rPr lang="zh-TW" altLang="en-US" dirty="0" smtClean="0">
-                <a:solidFill>
-                  <a:schemeClr val="tx1"/>
-                </a:solidFill>
-              </a:rPr>
-              <a:t>算出 </a:t>
-            </a:r>
-            <a:r>
-              <a:rPr lang="en-US" altLang="zh-TW" dirty="0" smtClean="0">
-                <a:solidFill>
-                  <a:schemeClr val="tx1"/>
-                </a:solidFill>
-              </a:rPr>
-              <a:t>Y</a:t>
-            </a:r>
-            <a:r>
-              <a:rPr lang="en-US" altLang="zh-TW" dirty="0" smtClean="0">
-                <a:solidFill>
-                  <a:schemeClr val="tx1"/>
-                </a:solidFill>
-                <a:sym typeface="Wingdings" panose="05000000000000000000" pitchFamily="2" charset="2"/>
-              </a:rPr>
-              <a:t>:</a:t>
-            </a:r>
-            <a:r>
-              <a:rPr lang="zh-TW" altLang="en-US" dirty="0" smtClean="0">
-                <a:solidFill>
-                  <a:schemeClr val="tx1"/>
-                </a:solidFill>
-                <a:sym typeface="Wingdings" panose="05000000000000000000" pitchFamily="2" charset="2"/>
-              </a:rPr>
-              <a:t> </a:t>
-            </a:r>
-            <a:r>
-              <a:rPr lang="en-US" altLang="zh-TW" dirty="0" smtClean="0">
-                <a:solidFill>
-                  <a:schemeClr val="tx1"/>
-                </a:solidFill>
-                <a:sym typeface="Wingdings" panose="05000000000000000000" pitchFamily="2" charset="2"/>
-              </a:rPr>
-              <a:t>(</a:t>
-            </a:r>
-            <a:r>
-              <a:rPr lang="zh-TW" altLang="en-US" dirty="0" smtClean="0">
-                <a:solidFill>
-                  <a:schemeClr val="tx1"/>
-                </a:solidFill>
-                <a:sym typeface="Wingdings" panose="05000000000000000000" pitchFamily="2" charset="2"/>
-              </a:rPr>
-              <a:t>自己</a:t>
-            </a:r>
-            <a:r>
-              <a:rPr lang="en-US" altLang="zh-TW" dirty="0" smtClean="0">
-                <a:solidFill>
-                  <a:schemeClr val="tx1"/>
-                </a:solidFill>
-              </a:rPr>
-              <a:t>Platform Y)</a:t>
-            </a:r>
-            <a:r>
-              <a:rPr lang="zh-TW" altLang="en-US" dirty="0" smtClean="0">
-                <a:solidFill>
-                  <a:schemeClr val="tx1"/>
-                </a:solidFill>
-              </a:rPr>
-              <a:t>時的</a:t>
-            </a:r>
-            <a:r>
-              <a:rPr lang="en-US" altLang="zh-TW" dirty="0" smtClean="0">
-                <a:solidFill>
-                  <a:schemeClr val="tx1"/>
-                </a:solidFill>
-              </a:rPr>
-              <a:t>X</a:t>
-            </a:r>
-            <a:r>
-              <a:rPr lang="zh-TW" altLang="en-US" dirty="0" smtClean="0">
-                <a:solidFill>
-                  <a:schemeClr val="tx1"/>
-                </a:solidFill>
-              </a:rPr>
-              <a:t>值</a:t>
-            </a:r>
-            <a:endParaRPr lang="en-US" altLang="zh-TW" dirty="0" smtClean="0">
-              <a:solidFill>
-                <a:schemeClr val="tx1"/>
-              </a:solidFill>
-            </a:endParaRPr>
-          </a:p>
-          <a:p>
-            <a:pPr algn="ctr"/>
-            <a:r>
-              <a:rPr lang="zh-TW" altLang="en-US" dirty="0" smtClean="0">
-                <a:solidFill>
-                  <a:schemeClr val="tx1"/>
-                </a:solidFill>
-              </a:rPr>
-              <a:t>存入</a:t>
-            </a:r>
-            <a:r>
-              <a:rPr lang="en-US" altLang="zh-TW" b="1" dirty="0" err="1" smtClean="0">
-                <a:solidFill>
-                  <a:schemeClr val="tx1"/>
-                </a:solidFill>
-              </a:rPr>
-              <a:t>Me_hit_x</a:t>
-            </a:r>
-            <a:endParaRPr lang="en-US" altLang="zh-TW" dirty="0" smtClean="0">
-              <a:solidFill>
-                <a:schemeClr val="tx1"/>
-              </a:solidFill>
-            </a:endParaRPr>
-          </a:p>
-          <a:p>
-            <a:pPr algn="ctr"/>
-            <a:r>
-              <a:rPr lang="en-US" altLang="zh-TW" b="1" dirty="0" err="1" smtClean="0">
-                <a:solidFill>
-                  <a:schemeClr val="tx1"/>
-                </a:solidFill>
-              </a:rPr>
-              <a:t>Me_hit_direction_right</a:t>
-            </a:r>
-            <a:r>
-              <a:rPr lang="en-US" altLang="zh-TW" b="1" dirty="0" smtClean="0">
-                <a:solidFill>
-                  <a:schemeClr val="tx1"/>
-                </a:solidFill>
-              </a:rPr>
-              <a:t> = 1</a:t>
-            </a:r>
-            <a:endParaRPr lang="zh-TW" altLang="en-US" b="1" dirty="0" smtClean="0">
-              <a:solidFill>
-                <a:schemeClr val="tx1"/>
-              </a:solidFill>
-            </a:endParaRPr>
-          </a:p>
-        </p:txBody>
-      </p:sp>
-      <p:sp>
-        <p:nvSpPr>
-          <p:cNvPr id="138" name="流程圖: 決策 137"/>
-          <p:cNvSpPr/>
-          <p:nvPr/>
-        </p:nvSpPr>
-        <p:spPr>
-          <a:xfrm>
-            <a:off x="5258298" y="5848066"/>
-            <a:ext cx="2238233" cy="982639"/>
-          </a:xfrm>
-          <a:prstGeom prst="flowChartDecision">
-            <a:avLst/>
-          </a:prstGeom>
-          <a:solidFill>
-            <a:schemeClr val="bg1"/>
-          </a:solidFill>
-        </p:spPr>
-        <p:style>
-          <a:lnRef idx="2">
-            <a:schemeClr val="accent1">
-              <a:shade val="50000"/>
-            </a:schemeClr>
-          </a:lnRef>
-          <a:fillRef idx="1">
-            <a:schemeClr val="accent1"/>
-          </a:fillRef>
-          <a:effectRef idx="0">
-            <a:schemeClr val="accent1"/>
-          </a:effectRef>
-          <a:fontRef idx="minor">
-            <a:schemeClr val="lt1"/>
-          </a:fontRef>
-        </p:style>
-        <p:txBody>
-          <a:bodyPr rtlCol="0" anchor="ctr"/>
-          <a:lstStyle/>
-          <a:p>
-            <a:pPr algn="ctr"/>
-            <a:endParaRPr lang="zh-TW" altLang="en-US" dirty="0">
-              <a:solidFill>
-                <a:schemeClr val="tx1"/>
-              </a:solidFill>
-            </a:endParaRPr>
-          </a:p>
-        </p:txBody>
-      </p:sp>
-      <p:sp>
-        <p:nvSpPr>
-          <p:cNvPr id="139" name="矩形 138"/>
-          <p:cNvSpPr/>
-          <p:nvPr/>
-        </p:nvSpPr>
-        <p:spPr>
-          <a:xfrm>
-            <a:off x="4105854" y="298863"/>
-            <a:ext cx="4223015" cy="369332"/>
-          </a:xfrm>
-          <a:prstGeom prst="rect">
-            <a:avLst/>
-          </a:prstGeom>
-        </p:spPr>
-        <p:txBody>
-          <a:bodyPr wrap="none">
-            <a:spAutoFit/>
-          </a:bodyPr>
-          <a:lstStyle/>
-          <a:p>
-            <a:pPr algn="ctr"/>
-            <a:r>
-              <a:rPr lang="en-US" altLang="zh-TW" b="1" dirty="0" err="1" smtClean="0">
-                <a:solidFill>
-                  <a:schemeClr val="tx1"/>
-                </a:solidFill>
-              </a:rPr>
-              <a:t>Opponent_strike_back_direction_right</a:t>
-            </a:r>
-            <a:r>
-              <a:rPr lang="en-US" altLang="zh-TW" b="1" dirty="0" smtClean="0">
-                <a:solidFill>
-                  <a:schemeClr val="tx1"/>
-                </a:solidFill>
-              </a:rPr>
-              <a:t> = 1</a:t>
-            </a:r>
-            <a:endParaRPr lang="zh-TW" altLang="en-US" b="1" dirty="0" smtClean="0">
-              <a:solidFill>
-                <a:schemeClr val="tx1"/>
-              </a:solidFill>
-            </a:endParaRPr>
-          </a:p>
-        </p:txBody>
-      </p:sp>
-      <p:cxnSp>
-        <p:nvCxnSpPr>
-          <p:cNvPr id="140" name="肘形接點 139"/>
-          <p:cNvCxnSpPr>
-            <a:stCxn id="130" idx="3"/>
-            <a:endCxn id="138" idx="0"/>
-          </p:cNvCxnSpPr>
-          <p:nvPr/>
-        </p:nvCxnSpPr>
-        <p:spPr>
-          <a:xfrm flipV="1">
-            <a:off x="4698739" y="5848066"/>
-            <a:ext cx="1678676" cy="95936"/>
-          </a:xfrm>
-          <a:prstGeom prst="bentConnector4">
-            <a:avLst>
-              <a:gd name="adj1" fmla="val 16667"/>
-              <a:gd name="adj2" fmla="val 350528"/>
-            </a:avLst>
           </a:prstGeom>
           <a:ln>
             <a:tailEnd type="triangle"/>
@@ -10191,236 +5600,20 @@
       </p:cxnSp>
       <p:cxnSp>
         <p:nvCxnSpPr>
-          <p:cNvPr id="143" name="肘形接點 142"/>
+          <p:cNvPr id="22" name="直線單箭頭接點 21"/>
           <p:cNvCxnSpPr>
-            <a:stCxn id="102" idx="1"/>
-            <a:endCxn id="138" idx="0"/>
+            <a:stCxn id="8" idx="3"/>
+            <a:endCxn id="13" idx="1"/>
           </p:cNvCxnSpPr>
           <p:nvPr/>
         </p:nvCxnSpPr>
         <p:spPr>
-          <a:xfrm rot="10800000">
-            <a:off x="6377415" y="5848067"/>
-            <a:ext cx="1374954" cy="102953"/>
-          </a:xfrm>
-          <a:prstGeom prst="bentConnector4">
-            <a:avLst>
-              <a:gd name="adj1" fmla="val 9304"/>
-              <a:gd name="adj2" fmla="val 322043"/>
-            </a:avLst>
-          </a:prstGeom>
-          <a:ln>
-            <a:tailEnd type="triangle"/>
-          </a:ln>
-        </p:spPr>
-        <p:style>
-          <a:lnRef idx="1">
-            <a:schemeClr val="accent1"/>
-          </a:lnRef>
-          <a:fillRef idx="0">
-            <a:schemeClr val="accent1"/>
-          </a:fillRef>
-          <a:effectRef idx="0">
-            <a:schemeClr val="accent1"/>
-          </a:effectRef>
-          <a:fontRef idx="minor">
-            <a:schemeClr val="tx1"/>
-          </a:fontRef>
-        </p:style>
-      </p:cxnSp>
-      <p:sp>
-        <p:nvSpPr>
-          <p:cNvPr id="137" name="矩形 136"/>
-          <p:cNvSpPr/>
-          <p:nvPr/>
-        </p:nvSpPr>
-        <p:spPr>
-          <a:xfrm>
-            <a:off x="4349703" y="6173673"/>
-            <a:ext cx="3704183" cy="369332"/>
-          </a:xfrm>
-          <a:prstGeom prst="rect">
+          <a:xfrm>
+            <a:off x="9100094" y="3064853"/>
+            <a:ext cx="1110632" cy="0"/>
+          </a:xfrm>
+          <a:prstGeom prst="straightConnector1">
             <a:avLst/>
-          </a:prstGeom>
-        </p:spPr>
-        <p:txBody>
-          <a:bodyPr wrap="square">
-            <a:spAutoFit/>
-          </a:bodyPr>
-          <a:lstStyle/>
-          <a:p>
-            <a:pPr algn="ctr"/>
-            <a:r>
-              <a:rPr lang="en-US" altLang="zh-TW" b="1" dirty="0" err="1" smtClean="0">
-                <a:solidFill>
-                  <a:schemeClr val="tx1"/>
-                </a:solidFill>
-              </a:rPr>
-              <a:t>Me_hit_direction_right</a:t>
-            </a:r>
-            <a:r>
-              <a:rPr lang="en-US" altLang="zh-TW" b="1" dirty="0" smtClean="0">
-                <a:solidFill>
-                  <a:schemeClr val="tx1"/>
-                </a:solidFill>
-              </a:rPr>
-              <a:t> = 1</a:t>
-            </a:r>
-            <a:endParaRPr lang="zh-TW" altLang="en-US" b="1" dirty="0" smtClean="0">
-              <a:solidFill>
-                <a:schemeClr val="tx1"/>
-              </a:solidFill>
-            </a:endParaRPr>
-          </a:p>
-        </p:txBody>
-      </p:sp>
-      <p:sp>
-        <p:nvSpPr>
-          <p:cNvPr id="45" name="流程圖: 決策 44"/>
-          <p:cNvSpPr/>
-          <p:nvPr/>
-        </p:nvSpPr>
-        <p:spPr>
-          <a:xfrm>
-            <a:off x="913649" y="1992558"/>
-            <a:ext cx="3250914" cy="1335938"/>
-          </a:xfrm>
-          <a:prstGeom prst="flowChartDecision">
-            <a:avLst/>
-          </a:prstGeom>
-          <a:solidFill>
-            <a:schemeClr val="bg1"/>
-          </a:solidFill>
-        </p:spPr>
-        <p:style>
-          <a:lnRef idx="2">
-            <a:schemeClr val="accent1">
-              <a:shade val="50000"/>
-            </a:schemeClr>
-          </a:lnRef>
-          <a:fillRef idx="1">
-            <a:schemeClr val="accent1"/>
-          </a:fillRef>
-          <a:effectRef idx="0">
-            <a:schemeClr val="accent1"/>
-          </a:effectRef>
-          <a:fontRef idx="minor">
-            <a:schemeClr val="lt1"/>
-          </a:fontRef>
-        </p:style>
-        <p:txBody>
-          <a:bodyPr rtlCol="0" anchor="t"/>
-          <a:lstStyle/>
-          <a:p>
-            <a:endParaRPr lang="zh-TW" altLang="en-US" dirty="0">
-              <a:solidFill>
-                <a:schemeClr val="tx1"/>
-              </a:solidFill>
-            </a:endParaRPr>
-          </a:p>
-        </p:txBody>
-      </p:sp>
-      <p:cxnSp>
-        <p:nvCxnSpPr>
-          <p:cNvPr id="47" name="肘形接點 46"/>
-          <p:cNvCxnSpPr>
-            <a:stCxn id="30" idx="2"/>
-            <a:endCxn id="45" idx="0"/>
-          </p:cNvCxnSpPr>
-          <p:nvPr/>
-        </p:nvCxnSpPr>
-        <p:spPr>
-          <a:xfrm rot="16200000" flipH="1">
-            <a:off x="2453199" y="1906650"/>
-            <a:ext cx="171503" cy="311"/>
-          </a:xfrm>
-          <a:prstGeom prst="bentConnector3">
-            <a:avLst>
-              <a:gd name="adj1" fmla="val 50000"/>
-            </a:avLst>
-          </a:prstGeom>
-          <a:ln>
-            <a:tailEnd type="triangle"/>
-          </a:ln>
-        </p:spPr>
-        <p:style>
-          <a:lnRef idx="1">
-            <a:schemeClr val="accent1"/>
-          </a:lnRef>
-          <a:fillRef idx="0">
-            <a:schemeClr val="accent1"/>
-          </a:fillRef>
-          <a:effectRef idx="0">
-            <a:schemeClr val="accent1"/>
-          </a:effectRef>
-          <a:fontRef idx="minor">
-            <a:schemeClr val="tx1"/>
-          </a:fontRef>
-        </p:style>
-      </p:cxnSp>
-      <p:sp>
-        <p:nvSpPr>
-          <p:cNvPr id="51" name="流程圖: 決策 50"/>
-          <p:cNvSpPr/>
-          <p:nvPr/>
-        </p:nvSpPr>
-        <p:spPr>
-          <a:xfrm>
-            <a:off x="8245388" y="1966225"/>
-            <a:ext cx="3250914" cy="1335938"/>
-          </a:xfrm>
-          <a:prstGeom prst="flowChartDecision">
-            <a:avLst/>
-          </a:prstGeom>
-          <a:solidFill>
-            <a:schemeClr val="bg1"/>
-          </a:solidFill>
-        </p:spPr>
-        <p:style>
-          <a:lnRef idx="2">
-            <a:schemeClr val="accent1">
-              <a:shade val="50000"/>
-            </a:schemeClr>
-          </a:lnRef>
-          <a:fillRef idx="1">
-            <a:schemeClr val="accent1"/>
-          </a:fillRef>
-          <a:effectRef idx="0">
-            <a:schemeClr val="accent1"/>
-          </a:effectRef>
-          <a:fontRef idx="minor">
-            <a:schemeClr val="lt1"/>
-          </a:fontRef>
-        </p:style>
-        <p:txBody>
-          <a:bodyPr rtlCol="0" anchor="t"/>
-          <a:lstStyle/>
-          <a:p>
-            <a:endParaRPr lang="zh-TW" altLang="en-US" dirty="0">
-              <a:solidFill>
-                <a:schemeClr val="tx1"/>
-              </a:solidFill>
-            </a:endParaRPr>
-          </a:p>
-        </p:txBody>
-      </p:sp>
-      <p:cxnSp>
-        <p:nvCxnSpPr>
-          <p:cNvPr id="52" name="肘形接點 51"/>
-          <p:cNvCxnSpPr>
-            <a:endCxn id="51" idx="0"/>
-          </p:cNvCxnSpPr>
-          <p:nvPr/>
-        </p:nvCxnSpPr>
-        <p:spPr>
-          <a:xfrm rot="16200000" flipH="1">
-            <a:off x="9784938" y="1880317"/>
-            <a:ext cx="171503" cy="311"/>
-          </a:xfrm>
-          <a:prstGeom prst="bentConnector3">
-            <a:avLst>
-              <a:gd name="adj1" fmla="val 50000"/>
-            </a:avLst>
           </a:prstGeom>
           <a:ln>
             <a:tailEnd type="triangle"/>
@@ -10443,23 +5636,20 @@
       </p:cxnSp>
       <p:cxnSp>
         <p:nvCxnSpPr>
-          <p:cNvPr id="54" name="肘形接點 53"/>
+          <p:cNvPr id="30" name="直線接點 29"/>
           <p:cNvCxnSpPr>
-            <a:stCxn id="51" idx="3"/>
+            <a:stCxn id="13" idx="2"/>
           </p:cNvCxnSpPr>
           <p:nvPr/>
         </p:nvCxnSpPr>
         <p:spPr>
-          <a:xfrm>
-            <a:off x="11496302" y="2634194"/>
-            <a:ext cx="390898" cy="2719818"/>
-          </a:xfrm>
-          <a:prstGeom prst="bentConnector2">
+          <a:xfrm flipH="1">
+            <a:off x="10898789" y="3413411"/>
+            <a:ext cx="1" cy="893644"/>
+          </a:xfrm>
+          <a:prstGeom prst="line">
             <a:avLst/>
           </a:prstGeom>
-          <a:ln w="38100">
-            <a:tailEnd type="triangle"/>
-          </a:ln>
         </p:spPr>
         <p:style>
           <a:lnRef idx="1">
@@ -10478,21 +5668,21 @@
       </p:cxnSp>
       <p:cxnSp>
         <p:nvCxnSpPr>
-          <p:cNvPr id="61" name="肘形接點 60"/>
+          <p:cNvPr id="33" name="肘形接點 32"/>
           <p:cNvCxnSpPr>
-            <a:stCxn id="45" idx="1"/>
+            <a:endCxn id="7" idx="2"/>
           </p:cNvCxnSpPr>
           <p:nvPr/>
         </p:nvCxnSpPr>
         <p:spPr>
-          <a:xfrm rot="10800000" flipV="1">
-            <a:off x="431713" y="2660526"/>
-            <a:ext cx="481936" cy="2733277"/>
+          <a:xfrm rot="10800000">
+            <a:off x="5925273" y="3413411"/>
+            <a:ext cx="4973517" cy="893644"/>
           </a:xfrm>
           <a:prstGeom prst="bentConnector2">
             <a:avLst/>
           </a:prstGeom>
-          <a:ln w="38100">
+          <a:ln>
             <a:tailEnd type="triangle"/>
           </a:ln>
         </p:spPr>
@@ -10511,99 +5701,26 @@
           </a:fontRef>
         </p:style>
       </p:cxnSp>
-      <p:cxnSp>
-        <p:nvCxnSpPr>
-          <p:cNvPr id="62" name="肘形接點 61"/>
-          <p:cNvCxnSpPr>
-            <a:stCxn id="45" idx="2"/>
-            <a:endCxn id="59" idx="0"/>
-          </p:cNvCxnSpPr>
-          <p:nvPr/>
-        </p:nvCxnSpPr>
-        <p:spPr>
-          <a:xfrm rot="5400000">
-            <a:off x="2242431" y="3473283"/>
-            <a:ext cx="441462" cy="151888"/>
-          </a:xfrm>
-          <a:prstGeom prst="bentConnector3">
-            <a:avLst>
-              <a:gd name="adj1" fmla="val 50000"/>
-            </a:avLst>
-          </a:prstGeom>
-          <a:ln>
-            <a:tailEnd type="triangle"/>
-          </a:ln>
-        </p:spPr>
-        <p:style>
-          <a:lnRef idx="1">
-            <a:schemeClr val="accent1"/>
-          </a:lnRef>
-          <a:fillRef idx="0">
-            <a:schemeClr val="accent1"/>
-          </a:fillRef>
-          <a:effectRef idx="0">
-            <a:schemeClr val="accent1"/>
-          </a:effectRef>
-          <a:fontRef idx="minor">
-            <a:schemeClr val="tx1"/>
-          </a:fontRef>
-        </p:style>
-      </p:cxnSp>
-      <p:cxnSp>
-        <p:nvCxnSpPr>
-          <p:cNvPr id="66" name="肘形接點 65"/>
-          <p:cNvCxnSpPr>
-            <a:stCxn id="51" idx="2"/>
-            <a:endCxn id="57" idx="0"/>
-          </p:cNvCxnSpPr>
-          <p:nvPr/>
-        </p:nvCxnSpPr>
-        <p:spPr>
-          <a:xfrm rot="16200000" flipH="1">
-            <a:off x="9650049" y="3522959"/>
-            <a:ext cx="625038" cy="183446"/>
-          </a:xfrm>
-          <a:prstGeom prst="bentConnector3">
-            <a:avLst>
-              <a:gd name="adj1" fmla="val 50000"/>
-            </a:avLst>
-          </a:prstGeom>
-          <a:ln>
-            <a:tailEnd type="triangle"/>
-          </a:ln>
-        </p:spPr>
-        <p:style>
-          <a:lnRef idx="1">
-            <a:schemeClr val="accent1"/>
-          </a:lnRef>
-          <a:fillRef idx="0">
-            <a:schemeClr val="accent1"/>
-          </a:fillRef>
-          <a:effectRef idx="0">
-            <a:schemeClr val="accent1"/>
-          </a:effectRef>
-          <a:fontRef idx="minor">
-            <a:schemeClr val="tx1"/>
-          </a:fontRef>
-        </p:style>
-      </p:cxnSp>
-      <p:sp>
-        <p:nvSpPr>
-          <p:cNvPr id="67" name="矩形 66"/>
+      <p:sp>
+        <p:nvSpPr>
+          <p:cNvPr id="37" name="矩形 36"/>
           <p:cNvSpPr/>
           <p:nvPr/>
         </p:nvSpPr>
         <p:spPr>
           <a:xfrm>
-            <a:off x="9643326" y="3425780"/>
-            <a:ext cx="743305" cy="339173"/>
+            <a:off x="10210725" y="1322060"/>
+            <a:ext cx="1376127" cy="697117"/>
           </a:xfrm>
           <a:prstGeom prst="rect">
             <a:avLst/>
           </a:prstGeom>
           <a:solidFill>
-            <a:srgbClr val="FFFFFF"/>
+            <a:srgbClr val="FFC000"/>
           </a:solidFill>
+          <a:ln>
+            <a:noFill/>
+          </a:ln>
         </p:spPr>
         <p:style>
           <a:lnRef idx="2">
@@ -10627,38 +5744,137 @@
           <a:p>
             <a:pPr algn="ctr"/>
             <a:r>
-              <a:rPr lang="en-US" altLang="zh-TW" dirty="0">
+              <a:rPr lang="en-US" altLang="zh-TW" sz="1100" b="1" dirty="0" smtClean="0">
                 <a:solidFill>
                   <a:schemeClr val="tx1"/>
                 </a:solidFill>
+                <a:latin typeface="微軟正黑體" panose="020B0604030504040204" pitchFamily="34" charset="-120"/>
+                <a:ea typeface="微軟正黑體" panose="020B0604030504040204" pitchFamily="34" charset="-120"/>
               </a:rPr>
-              <a:t>NO</a:t>
-            </a:r>
-            <a:endParaRPr lang="zh-TW" altLang="en-US" dirty="0">
+              <a:t>Platform</a:t>
+            </a:r>
+            <a:r>
+              <a:rPr lang="zh-TW" altLang="en-US" sz="1100" b="1" dirty="0" smtClean="0">
+                <a:solidFill>
+                  <a:schemeClr val="tx1"/>
+                </a:solidFill>
+                <a:latin typeface="微軟正黑體" panose="020B0604030504040204" pitchFamily="34" charset="-120"/>
+                <a:ea typeface="微軟正黑體" panose="020B0604030504040204" pitchFamily="34" charset="-120"/>
+              </a:rPr>
+              <a:t>執行動作</a:t>
+            </a:r>
+            <a:endParaRPr lang="zh-TW" altLang="en-US" sz="1100" b="1" dirty="0">
               <a:solidFill>
                 <a:schemeClr val="tx1"/>
               </a:solidFill>
+              <a:latin typeface="微軟正黑體" panose="020B0604030504040204" pitchFamily="34" charset="-120"/>
+              <a:ea typeface="微軟正黑體" panose="020B0604030504040204" pitchFamily="34" charset="-120"/>
             </a:endParaRPr>
           </a:p>
         </p:txBody>
       </p:sp>
-      <p:sp>
-        <p:nvSpPr>
-          <p:cNvPr id="69" name="矩形 68"/>
+      <p:cxnSp>
+        <p:nvCxnSpPr>
+          <p:cNvPr id="39" name="直線單箭頭接點 38"/>
+          <p:cNvCxnSpPr>
+            <a:stCxn id="13" idx="0"/>
+            <a:endCxn id="37" idx="2"/>
+          </p:cNvCxnSpPr>
+          <p:nvPr/>
+        </p:nvCxnSpPr>
+        <p:spPr>
+          <a:xfrm flipH="1" flipV="1">
+            <a:off x="10898789" y="2019177"/>
+            <a:ext cx="1" cy="697117"/>
+          </a:xfrm>
+          <a:prstGeom prst="straightConnector1">
+            <a:avLst/>
+          </a:prstGeom>
+          <a:ln>
+            <a:tailEnd type="triangle"/>
+          </a:ln>
+        </p:spPr>
+        <p:style>
+          <a:lnRef idx="1">
+            <a:schemeClr val="accent1"/>
+          </a:lnRef>
+          <a:fillRef idx="0">
+            <a:schemeClr val="accent1"/>
+          </a:fillRef>
+          <a:effectRef idx="0">
+            <a:schemeClr val="accent1"/>
+          </a:effectRef>
+          <a:fontRef idx="minor">
+            <a:schemeClr val="tx1"/>
+          </a:fontRef>
+        </p:style>
+      </p:cxnSp>
+      <p:sp>
+        <p:nvSpPr>
+          <p:cNvPr id="42" name="文字方塊 41"/>
+          <p:cNvSpPr txBox="1"/>
+          <p:nvPr/>
+        </p:nvSpPr>
+        <p:spPr>
+          <a:xfrm>
+            <a:off x="5154281" y="2269471"/>
+            <a:ext cx="3563476" cy="369332"/>
+          </a:xfrm>
+          <a:prstGeom prst="rect">
+            <a:avLst/>
+          </a:prstGeom>
+          <a:noFill/>
+        </p:spPr>
+        <p:txBody>
+          <a:bodyPr wrap="none" rtlCol="0">
+            <a:spAutoFit/>
+          </a:bodyPr>
+          <a:lstStyle/>
+          <a:p>
+            <a:r>
+              <a:rPr lang="en-US" altLang="zh-TW" dirty="0" smtClean="0"/>
+              <a:t>KNN</a:t>
+            </a:r>
+            <a:r>
+              <a:rPr lang="zh-TW" altLang="en-US" dirty="0" smtClean="0"/>
+              <a:t> </a:t>
+            </a:r>
+            <a:r>
+              <a:rPr lang="en-US" altLang="zh-TW" dirty="0" smtClean="0"/>
+              <a:t>Module(input, </a:t>
+            </a:r>
+            <a:r>
+              <a:rPr lang="en-US" altLang="zh-TW" dirty="0" err="1" smtClean="0"/>
+              <a:t>dataSet</a:t>
+            </a:r>
+            <a:r>
+              <a:rPr lang="en-US" altLang="zh-TW" dirty="0" smtClean="0"/>
+              <a:t>, label, k)</a:t>
+            </a:r>
+            <a:endParaRPr lang="zh-TW" altLang="en-US" dirty="0"/>
+          </a:p>
+        </p:txBody>
+      </p:sp>
+      <p:sp>
+        <p:nvSpPr>
+          <p:cNvPr id="43" name="矩形 42"/>
           <p:cNvSpPr/>
           <p:nvPr/>
         </p:nvSpPr>
         <p:spPr>
           <a:xfrm>
-            <a:off x="2489965" y="3393058"/>
-            <a:ext cx="743305" cy="339173"/>
+            <a:off x="2750452" y="2716294"/>
+            <a:ext cx="1376127" cy="697117"/>
           </a:xfrm>
           <a:prstGeom prst="rect">
             <a:avLst/>
           </a:prstGeom>
           <a:solidFill>
-            <a:srgbClr val="FFFFFF"/>
+            <a:srgbClr val="FFC000"/>
           </a:solidFill>
+          <a:ln>
+            <a:noFill/>
+          </a:ln>
         </p:spPr>
         <p:style>
           <a:lnRef idx="2">
@@ -10682,433 +5898,377 @@
           <a:p>
             <a:pPr algn="ctr"/>
             <a:r>
-              <a:rPr lang="en-US" altLang="zh-TW" dirty="0">
+              <a:rPr lang="zh-TW" altLang="en-US" sz="1200" b="1" dirty="0" smtClean="0">
                 <a:solidFill>
                   <a:schemeClr val="tx1"/>
                 </a:solidFill>
+                <a:latin typeface="微軟正黑體" panose="020B0604030504040204" pitchFamily="34" charset="-120"/>
+                <a:ea typeface="微軟正黑體" panose="020B0604030504040204" pitchFamily="34" charset="-120"/>
               </a:rPr>
-              <a:t>NO</a:t>
-            </a:r>
-            <a:endParaRPr lang="zh-TW" altLang="en-US" dirty="0">
+              <a:t>從</a:t>
+            </a:r>
+            <a:r>
+              <a:rPr lang="en-US" altLang="zh-TW" sz="1200" b="1" dirty="0" err="1" smtClean="0">
+                <a:solidFill>
+                  <a:schemeClr val="tx1"/>
+                </a:solidFill>
+                <a:latin typeface="微軟正黑體" panose="020B0604030504040204" pitchFamily="34" charset="-120"/>
+                <a:ea typeface="微軟正黑體" panose="020B0604030504040204" pitchFamily="34" charset="-120"/>
+              </a:rPr>
+              <a:t>scene_info</a:t>
+            </a:r>
+            <a:r>
+              <a:rPr lang="zh-TW" altLang="en-US" sz="1200" b="1" dirty="0" smtClean="0">
+                <a:solidFill>
+                  <a:schemeClr val="tx1"/>
+                </a:solidFill>
+                <a:latin typeface="微軟正黑體" panose="020B0604030504040204" pitchFamily="34" charset="-120"/>
+                <a:ea typeface="微軟正黑體" panose="020B0604030504040204" pitchFamily="34" charset="-120"/>
+              </a:rPr>
+              <a:t>獲取特徵</a:t>
+            </a:r>
+            <a:r>
+              <a:rPr lang="en-US" altLang="zh-TW" sz="1200" b="1" dirty="0" smtClean="0">
+                <a:solidFill>
+                  <a:schemeClr val="tx1"/>
+                </a:solidFill>
+                <a:latin typeface="微軟正黑體" panose="020B0604030504040204" pitchFamily="34" charset="-120"/>
+                <a:ea typeface="微軟正黑體" panose="020B0604030504040204" pitchFamily="34" charset="-120"/>
+              </a:rPr>
+              <a:t>(input)</a:t>
+            </a:r>
+            <a:endParaRPr lang="zh-TW" altLang="en-US" sz="1200" b="1" dirty="0">
               <a:solidFill>
                 <a:schemeClr val="tx1"/>
               </a:solidFill>
+              <a:latin typeface="微軟正黑體" panose="020B0604030504040204" pitchFamily="34" charset="-120"/>
+              <a:ea typeface="微軟正黑體" panose="020B0604030504040204" pitchFamily="34" charset="-120"/>
             </a:endParaRPr>
           </a:p>
         </p:txBody>
       </p:sp>
-      <p:sp>
-        <p:nvSpPr>
-          <p:cNvPr id="40" name="矩形 39"/>
-          <p:cNvSpPr/>
+      <p:cxnSp>
+        <p:nvCxnSpPr>
+          <p:cNvPr id="50" name="直線單箭頭接點 49"/>
+          <p:cNvCxnSpPr>
+            <a:stCxn id="3" idx="3"/>
+            <a:endCxn id="43" idx="1"/>
+          </p:cNvCxnSpPr>
           <p:nvPr/>
-        </p:nvSpPr>
-        <p:spPr>
-          <a:xfrm>
-            <a:off x="8128088" y="2193995"/>
-            <a:ext cx="3490189" cy="923330"/>
-          </a:xfrm>
-          <a:prstGeom prst="rect">
+        </p:nvCxnSpPr>
+        <p:spPr>
+          <a:xfrm>
+            <a:off x="1639820" y="3064852"/>
+            <a:ext cx="1110632" cy="1"/>
+          </a:xfrm>
+          <a:prstGeom prst="straightConnector1">
             <a:avLst/>
           </a:prstGeom>
-        </p:spPr>
-        <p:txBody>
-          <a:bodyPr wrap="square">
-            <a:spAutoFit/>
-          </a:bodyPr>
-          <a:lstStyle/>
-          <a:p>
-            <a:pPr algn="ctr"/>
-            <a:r>
-              <a:rPr lang="en-US" altLang="zh-TW" dirty="0" smtClean="0">
-                <a:solidFill>
-                  <a:schemeClr val="tx1"/>
-                </a:solidFill>
-              </a:rPr>
-              <a:t>If  Y</a:t>
-            </a:r>
-            <a:r>
-              <a:rPr lang="zh-TW" altLang="en-US" dirty="0" smtClean="0">
-                <a:solidFill>
-                  <a:schemeClr val="tx1"/>
-                </a:solidFill>
-              </a:rPr>
-              <a:t> </a:t>
-            </a:r>
-            <a:r>
-              <a:rPr lang="en-US" altLang="zh-TW" dirty="0" smtClean="0">
-                <a:solidFill>
-                  <a:schemeClr val="tx1"/>
-                </a:solidFill>
-              </a:rPr>
-              <a:t>&gt;=1P</a:t>
-            </a:r>
-            <a:r>
-              <a:rPr lang="zh-TW" altLang="en-US" dirty="0" smtClean="0">
-                <a:solidFill>
-                  <a:schemeClr val="tx1"/>
-                </a:solidFill>
-              </a:rPr>
-              <a:t>自己</a:t>
-            </a:r>
-            <a:r>
-              <a:rPr lang="en-US" altLang="zh-TW" dirty="0" smtClean="0">
-                <a:solidFill>
-                  <a:schemeClr val="tx1"/>
-                </a:solidFill>
-              </a:rPr>
-              <a:t>Platform Y:</a:t>
-            </a:r>
-            <a:r>
-              <a:rPr lang="zh-TW" altLang="en-US" dirty="0" smtClean="0">
-                <a:solidFill>
-                  <a:schemeClr val="tx1"/>
-                </a:solidFill>
-              </a:rPr>
-              <a:t> </a:t>
-            </a:r>
-            <a:r>
-              <a:rPr lang="en-US" altLang="zh-TW" dirty="0" smtClean="0">
-                <a:solidFill>
-                  <a:schemeClr val="tx1"/>
-                </a:solidFill>
-              </a:rPr>
-              <a:t>415</a:t>
-            </a:r>
-            <a:r>
-              <a:rPr lang="zh-TW" altLang="en-US" dirty="0" smtClean="0">
-                <a:solidFill>
-                  <a:schemeClr val="tx1"/>
-                </a:solidFill>
-              </a:rPr>
-              <a:t> </a:t>
-            </a:r>
-            <a:endParaRPr lang="en-US" altLang="zh-TW" dirty="0" smtClean="0">
-              <a:solidFill>
-                <a:schemeClr val="tx1"/>
-              </a:solidFill>
-            </a:endParaRPr>
-          </a:p>
-          <a:p>
-            <a:pPr algn="ctr"/>
-            <a:r>
-              <a:rPr lang="en-US" altLang="zh-TW" dirty="0" smtClean="0">
-                <a:solidFill>
-                  <a:schemeClr val="tx1"/>
-                </a:solidFill>
-              </a:rPr>
-              <a:t>or </a:t>
-            </a:r>
-          </a:p>
-          <a:p>
-            <a:pPr algn="ctr"/>
-            <a:r>
-              <a:rPr lang="en-US" altLang="zh-TW" dirty="0" smtClean="0">
-                <a:solidFill>
-                  <a:schemeClr val="tx1"/>
-                </a:solidFill>
-              </a:rPr>
-              <a:t>Y &lt;= 2P </a:t>
-            </a:r>
-            <a:r>
-              <a:rPr lang="zh-TW" altLang="en-US" dirty="0" smtClean="0">
-                <a:solidFill>
-                  <a:schemeClr val="tx1"/>
-                </a:solidFill>
-              </a:rPr>
-              <a:t>自己</a:t>
-            </a:r>
-            <a:r>
-              <a:rPr lang="en-US" altLang="zh-TW" dirty="0" smtClean="0">
-                <a:solidFill>
-                  <a:schemeClr val="tx1"/>
-                </a:solidFill>
-              </a:rPr>
-              <a:t>Platform Y</a:t>
-            </a:r>
-            <a:r>
-              <a:rPr lang="en-US" altLang="zh-TW" dirty="0" smtClean="0"/>
-              <a:t>:</a:t>
-            </a:r>
-            <a:r>
-              <a:rPr lang="zh-TW" altLang="en-US" dirty="0" smtClean="0"/>
-              <a:t> </a:t>
-            </a:r>
-            <a:r>
-              <a:rPr lang="en-US" altLang="zh-TW" dirty="0" smtClean="0"/>
-              <a:t>80</a:t>
-            </a:r>
-            <a:endParaRPr lang="zh-TW" altLang="en-US" dirty="0">
-              <a:solidFill>
-                <a:schemeClr val="tx1"/>
-              </a:solidFill>
-            </a:endParaRPr>
-          </a:p>
-        </p:txBody>
-      </p:sp>
-      <p:sp>
-        <p:nvSpPr>
-          <p:cNvPr id="41" name="矩形 40"/>
-          <p:cNvSpPr/>
-          <p:nvPr/>
-        </p:nvSpPr>
-        <p:spPr>
-          <a:xfrm>
-            <a:off x="1085548" y="2222352"/>
-            <a:ext cx="3490189" cy="923330"/>
-          </a:xfrm>
-          <a:prstGeom prst="rect">
-            <a:avLst/>
-          </a:prstGeom>
-        </p:spPr>
-        <p:txBody>
-          <a:bodyPr wrap="square">
-            <a:spAutoFit/>
-          </a:bodyPr>
-          <a:lstStyle/>
-          <a:p>
-            <a:pPr algn="ctr"/>
-            <a:r>
-              <a:rPr lang="en-US" altLang="zh-TW" dirty="0" smtClean="0">
-                <a:solidFill>
-                  <a:schemeClr val="tx1"/>
-                </a:solidFill>
-              </a:rPr>
-              <a:t>If  Y</a:t>
-            </a:r>
-            <a:r>
-              <a:rPr lang="zh-TW" altLang="en-US" dirty="0" smtClean="0">
-                <a:solidFill>
-                  <a:schemeClr val="tx1"/>
-                </a:solidFill>
-              </a:rPr>
-              <a:t> </a:t>
-            </a:r>
-            <a:r>
-              <a:rPr lang="en-US" altLang="zh-TW" dirty="0" smtClean="0">
-                <a:solidFill>
-                  <a:schemeClr val="tx1"/>
-                </a:solidFill>
-              </a:rPr>
-              <a:t>&gt;=1P</a:t>
-            </a:r>
-            <a:r>
-              <a:rPr lang="zh-TW" altLang="en-US" dirty="0" smtClean="0">
-                <a:solidFill>
-                  <a:schemeClr val="tx1"/>
-                </a:solidFill>
-              </a:rPr>
-              <a:t>自己</a:t>
-            </a:r>
-            <a:r>
-              <a:rPr lang="en-US" altLang="zh-TW" dirty="0" smtClean="0">
-                <a:solidFill>
-                  <a:schemeClr val="tx1"/>
-                </a:solidFill>
-              </a:rPr>
-              <a:t>Platform Y:</a:t>
-            </a:r>
-            <a:r>
-              <a:rPr lang="zh-TW" altLang="en-US" dirty="0" smtClean="0">
-                <a:solidFill>
-                  <a:schemeClr val="tx1"/>
-                </a:solidFill>
-              </a:rPr>
-              <a:t> </a:t>
-            </a:r>
-            <a:r>
-              <a:rPr lang="en-US" altLang="zh-TW" dirty="0" smtClean="0">
-                <a:solidFill>
-                  <a:schemeClr val="tx1"/>
-                </a:solidFill>
-              </a:rPr>
-              <a:t>415</a:t>
-            </a:r>
-            <a:r>
-              <a:rPr lang="zh-TW" altLang="en-US" dirty="0" smtClean="0">
-                <a:solidFill>
-                  <a:schemeClr val="tx1"/>
-                </a:solidFill>
-              </a:rPr>
-              <a:t> </a:t>
-            </a:r>
-            <a:endParaRPr lang="en-US" altLang="zh-TW" dirty="0" smtClean="0">
-              <a:solidFill>
-                <a:schemeClr val="tx1"/>
-              </a:solidFill>
-            </a:endParaRPr>
-          </a:p>
-          <a:p>
-            <a:pPr algn="ctr"/>
-            <a:r>
-              <a:rPr lang="en-US" altLang="zh-TW" dirty="0" smtClean="0">
-                <a:solidFill>
-                  <a:schemeClr val="tx1"/>
-                </a:solidFill>
-              </a:rPr>
-              <a:t>or </a:t>
-            </a:r>
-          </a:p>
-          <a:p>
-            <a:pPr algn="ctr"/>
-            <a:r>
-              <a:rPr lang="en-US" altLang="zh-TW" dirty="0" smtClean="0">
-                <a:solidFill>
-                  <a:schemeClr val="tx1"/>
-                </a:solidFill>
-              </a:rPr>
-              <a:t>Y &lt;= 2P </a:t>
-            </a:r>
-            <a:r>
-              <a:rPr lang="zh-TW" altLang="en-US" dirty="0" smtClean="0">
-                <a:solidFill>
-                  <a:schemeClr val="tx1"/>
-                </a:solidFill>
-              </a:rPr>
-              <a:t>自己</a:t>
-            </a:r>
-            <a:r>
-              <a:rPr lang="en-US" altLang="zh-TW" dirty="0" smtClean="0">
-                <a:solidFill>
-                  <a:schemeClr val="tx1"/>
-                </a:solidFill>
-              </a:rPr>
-              <a:t>Platform Y</a:t>
-            </a:r>
-            <a:r>
-              <a:rPr lang="en-US" altLang="zh-TW" dirty="0" smtClean="0"/>
-              <a:t>:</a:t>
-            </a:r>
-            <a:r>
-              <a:rPr lang="zh-TW" altLang="en-US" dirty="0" smtClean="0"/>
-              <a:t> </a:t>
-            </a:r>
-            <a:r>
-              <a:rPr lang="en-US" altLang="zh-TW" dirty="0" smtClean="0"/>
-              <a:t>80</a:t>
-            </a:r>
-            <a:endParaRPr lang="zh-TW" altLang="en-US" dirty="0">
-              <a:solidFill>
-                <a:schemeClr val="tx1"/>
-              </a:solidFill>
-            </a:endParaRPr>
-          </a:p>
-        </p:txBody>
-      </p:sp>
-      <p:sp>
-        <p:nvSpPr>
-          <p:cNvPr id="42" name="矩形 41"/>
-          <p:cNvSpPr/>
-          <p:nvPr/>
-        </p:nvSpPr>
-        <p:spPr>
-          <a:xfrm>
-            <a:off x="11442074" y="3013503"/>
-            <a:ext cx="743305" cy="339173"/>
-          </a:xfrm>
-          <a:prstGeom prst="rect">
-            <a:avLst/>
-          </a:prstGeom>
-          <a:solidFill>
-            <a:srgbClr val="FFFFFF"/>
-          </a:solidFill>
+          <a:ln>
+            <a:tailEnd type="triangle"/>
+          </a:ln>
         </p:spPr>
         <p:style>
-          <a:lnRef idx="2">
-            <a:schemeClr val="accent1">
-              <a:shade val="50000"/>
-            </a:schemeClr>
+          <a:lnRef idx="1">
+            <a:schemeClr val="accent1"/>
           </a:lnRef>
-          <a:fillRef idx="1">
+          <a:fillRef idx="0">
             <a:schemeClr val="accent1"/>
           </a:fillRef>
           <a:effectRef idx="0">
             <a:schemeClr val="accent1"/>
           </a:effectRef>
           <a:fontRef idx="minor">
-            <a:schemeClr val="lt1"/>
+            <a:schemeClr val="tx1"/>
           </a:fontRef>
         </p:style>
-        <p:txBody>
-          <a:bodyPr rtlCol="0" anchor="ctr"/>
-          <a:lstStyle/>
-          <a:p>
-            <a:pPr algn="ctr"/>
-            <a:r>
-              <a:rPr lang="en-US" altLang="zh-TW" dirty="0" smtClean="0">
-                <a:solidFill>
-                  <a:schemeClr val="tx1"/>
-                </a:solidFill>
-              </a:rPr>
-              <a:t>YES</a:t>
-            </a:r>
-            <a:endParaRPr lang="zh-TW" altLang="en-US" dirty="0">
-              <a:solidFill>
-                <a:schemeClr val="tx1"/>
-              </a:solidFill>
-            </a:endParaRPr>
-          </a:p>
-        </p:txBody>
-      </p:sp>
-      <p:sp>
-        <p:nvSpPr>
-          <p:cNvPr id="43" name="矩形 42"/>
-          <p:cNvSpPr/>
+      </p:cxnSp>
+      <p:sp>
+        <p:nvSpPr>
+          <p:cNvPr id="53" name="文字方塊 52"/>
+          <p:cNvSpPr txBox="1"/>
           <p:nvPr/>
         </p:nvSpPr>
         <p:spPr>
           <a:xfrm>
-            <a:off x="44064" y="3049671"/>
-            <a:ext cx="743305" cy="339173"/>
+            <a:off x="263693" y="4855718"/>
+            <a:ext cx="8113055" cy="646331"/>
           </a:xfrm>
           <a:prstGeom prst="rect">
             <a:avLst/>
           </a:prstGeom>
-          <a:solidFill>
-            <a:srgbClr val="FFFFFF"/>
-          </a:solidFill>
-        </p:spPr>
-        <p:style>
-          <a:lnRef idx="2">
-            <a:schemeClr val="accent1">
-              <a:shade val="50000"/>
-            </a:schemeClr>
-          </a:lnRef>
-          <a:fillRef idx="1">
-            <a:schemeClr val="accent1"/>
-          </a:fillRef>
-          <a:effectRef idx="0">
-            <a:schemeClr val="accent1"/>
-          </a:effectRef>
-          <a:fontRef idx="minor">
-            <a:schemeClr val="lt1"/>
-          </a:fontRef>
-        </p:style>
-        <p:txBody>
-          <a:bodyPr rtlCol="0" anchor="ctr"/>
-          <a:lstStyle/>
-          <a:p>
-            <a:pPr algn="ctr"/>
-            <a:r>
-              <a:rPr lang="en-US" altLang="zh-TW" dirty="0" smtClean="0">
-                <a:solidFill>
-                  <a:schemeClr val="tx1"/>
-                </a:solidFill>
-              </a:rPr>
-              <a:t>YES</a:t>
-            </a:r>
-            <a:endParaRPr lang="zh-TW" altLang="en-US" dirty="0">
-              <a:solidFill>
-                <a:schemeClr val="tx1"/>
-              </a:solidFill>
-            </a:endParaRPr>
+          <a:noFill/>
+        </p:spPr>
+        <p:txBody>
+          <a:bodyPr wrap="none" rtlCol="0">
+            <a:spAutoFit/>
+          </a:bodyPr>
+          <a:lstStyle/>
+          <a:p>
+            <a:r>
+              <a:rPr lang="en-US" altLang="zh-TW" dirty="0" smtClean="0"/>
+              <a:t>input</a:t>
+            </a:r>
+            <a:r>
+              <a:rPr lang="zh-TW" altLang="en-US" dirty="0" smtClean="0"/>
+              <a:t>、</a:t>
+            </a:r>
+            <a:r>
+              <a:rPr lang="en-US" altLang="zh-TW" dirty="0" err="1" smtClean="0"/>
+              <a:t>dataSet</a:t>
+            </a:r>
+            <a:r>
+              <a:rPr lang="zh-TW" altLang="en-US" dirty="0" smtClean="0"/>
+              <a:t>：</a:t>
+            </a:r>
+            <a:r>
+              <a:rPr lang="en-US" altLang="zh-TW" dirty="0" smtClean="0"/>
+              <a:t>[</a:t>
+            </a:r>
+            <a:r>
+              <a:rPr lang="en-US" altLang="zh-TW" dirty="0" err="1" smtClean="0"/>
+              <a:t>scene_info.ball</a:t>
+            </a:r>
+            <a:r>
+              <a:rPr lang="en-US" altLang="zh-TW" dirty="0" smtClean="0"/>
+              <a:t>[0], </a:t>
+            </a:r>
+            <a:r>
+              <a:rPr lang="en-US" altLang="zh-TW" dirty="0" err="1" smtClean="0"/>
+              <a:t>scene_info.ball</a:t>
+            </a:r>
+            <a:r>
+              <a:rPr lang="en-US" altLang="zh-TW" dirty="0" smtClean="0"/>
+              <a:t>[1], </a:t>
+            </a:r>
+            <a:r>
+              <a:rPr lang="en-US" altLang="zh-TW" dirty="0" err="1" smtClean="0"/>
+              <a:t>scene_info.platform</a:t>
+            </a:r>
+            <a:r>
+              <a:rPr lang="en-US" altLang="zh-TW" dirty="0" smtClean="0"/>
+              <a:t>[0], </a:t>
+            </a:r>
+            <a:r>
+              <a:rPr lang="en-US" altLang="zh-TW" dirty="0" err="1" smtClean="0"/>
+              <a:t>vx</a:t>
+            </a:r>
+            <a:r>
+              <a:rPr lang="en-US" altLang="zh-TW" dirty="0" smtClean="0"/>
+              <a:t>, </a:t>
+            </a:r>
+            <a:r>
+              <a:rPr lang="en-US" altLang="zh-TW" dirty="0" err="1" smtClean="0"/>
+              <a:t>vy</a:t>
+            </a:r>
+            <a:r>
+              <a:rPr lang="en-US" altLang="zh-TW" dirty="0" smtClean="0"/>
+              <a:t>)</a:t>
+            </a:r>
+          </a:p>
+          <a:p>
+            <a:r>
+              <a:rPr lang="en-US" altLang="zh-TW" dirty="0" smtClean="0"/>
+              <a:t>label</a:t>
+            </a:r>
+            <a:r>
+              <a:rPr lang="zh-TW" altLang="en-US" dirty="0" smtClean="0"/>
+              <a:t>：</a:t>
+            </a:r>
+            <a:r>
+              <a:rPr lang="en-US" altLang="zh-TW" dirty="0" smtClean="0"/>
+              <a:t>0(NONE)</a:t>
+            </a:r>
+            <a:r>
+              <a:rPr lang="zh-TW" altLang="en-US" dirty="0" smtClean="0"/>
+              <a:t>、</a:t>
+            </a:r>
+            <a:r>
+              <a:rPr lang="en-US" altLang="zh-TW" dirty="0" smtClean="0"/>
+              <a:t>-1(MOVE_LEFT)</a:t>
+            </a:r>
+            <a:r>
+              <a:rPr lang="zh-TW" altLang="en-US" dirty="0" smtClean="0"/>
+              <a:t>、</a:t>
+            </a:r>
+            <a:r>
+              <a:rPr lang="en-US" altLang="zh-TW" dirty="0" smtClean="0"/>
+              <a:t>1(MOVE_RIGHT)</a:t>
+            </a:r>
+            <a:endParaRPr lang="en-US" altLang="zh-TW" dirty="0" smtClean="0"/>
           </a:p>
         </p:txBody>
       </p:sp>
     </p:spTree>
     <p:extLst>
       <p:ext uri="{BB962C8B-B14F-4D97-AF65-F5344CB8AC3E}">
-        <p14:creationId xmlns:p14="http://schemas.microsoft.com/office/powerpoint/2010/main" val="1120290212"/>
+        <p14:creationId xmlns:p14="http://schemas.microsoft.com/office/powerpoint/2010/main" val="4015146723"/>
+      </p:ext>
+    </p:extLst>
+  </p:cSld>
+  <p:clrMapOvr>
+    <a:masterClrMapping/>
+  </p:clrMapOvr>
+  <p:timing>
+    <p:tnLst>
+      <p:par>
+        <p:cTn id="1" dur="indefinite" restart="never" nodeType="tmRoot"/>
+      </p:par>
+    </p:tnLst>
+  </p:timing>
+</p:sld>
+</file>
+
+<file path=ppt/slides/slide15.xml><?xml version="1.0" encoding="utf-8"?>
+<p:sld xmlns:a="http://schemas.openxmlformats.org/drawingml/2006/main" xmlns:r="http://schemas.openxmlformats.org/officeDocument/2006/relationships" xmlns:p="http://schemas.openxmlformats.org/presentationml/2006/main">
+  <p:cSld>
+    <p:spTree>
+      <p:nvGrpSpPr>
+        <p:cNvPr id="1" name=""/>
+        <p:cNvGrpSpPr/>
+        <p:nvPr/>
+      </p:nvGrpSpPr>
+      <p:grpSpPr>
+        <a:xfrm>
+          <a:off x="0" y="0"/>
+          <a:ext cx="0" cy="0"/>
+          <a:chOff x="0" y="0"/>
+          <a:chExt cx="0" cy="0"/>
+        </a:xfrm>
+      </p:grpSpPr>
+      <p:sp>
+        <p:nvSpPr>
+          <p:cNvPr id="2" name="標題 1"/>
+          <p:cNvSpPr>
+            <a:spLocks noGrp="1"/>
+          </p:cNvSpPr>
+          <p:nvPr>
+            <p:ph type="title" idx="4294967295"/>
+          </p:nvPr>
+        </p:nvSpPr>
+        <p:spPr>
+          <a:xfrm>
+            <a:off x="1044090" y="460874"/>
+            <a:ext cx="10515600" cy="1325562"/>
+          </a:xfrm>
+        </p:spPr>
+        <p:txBody>
+          <a:bodyPr>
+            <a:normAutofit/>
+          </a:bodyPr>
+          <a:lstStyle/>
+          <a:p>
+            <a:r>
+              <a:rPr lang="zh-TW" altLang="en-US" sz="3200" dirty="0" smtClean="0"/>
+              <a:t>問題與討論</a:t>
+            </a:r>
+            <a:endParaRPr lang="zh-TW" altLang="en-US" sz="3200" dirty="0"/>
+          </a:p>
+        </p:txBody>
+      </p:sp>
+      <p:sp>
+        <p:nvSpPr>
+          <p:cNvPr id="6" name="文字方塊 5"/>
+          <p:cNvSpPr txBox="1"/>
+          <p:nvPr/>
+        </p:nvSpPr>
+        <p:spPr>
+          <a:xfrm>
+            <a:off x="1044091" y="1417104"/>
+            <a:ext cx="9765748" cy="1754326"/>
+          </a:xfrm>
+          <a:prstGeom prst="rect">
+            <a:avLst/>
+          </a:prstGeom>
+          <a:noFill/>
+        </p:spPr>
+        <p:txBody>
+          <a:bodyPr wrap="square" rtlCol="0">
+            <a:spAutoFit/>
+          </a:bodyPr>
+          <a:lstStyle/>
+          <a:p>
+            <a:pPr marL="342900" indent="-342900">
+              <a:buFont typeface="+mj-lt"/>
+              <a:buAutoNum type="arabicPeriod"/>
+            </a:pPr>
+            <a:r>
+              <a:rPr lang="zh-TW" altLang="en-US" dirty="0"/>
+              <a:t>時常於剛開始時便會發生失誤</a:t>
+            </a:r>
+            <a:r>
+              <a:rPr lang="zh-TW" altLang="en-US" dirty="0" smtClean="0"/>
+              <a:t>→推測是因為訓練樣本數不夠多，可嘗試多加幾個打得好的樣本，就算輸的場次也沒關係，重點是遊戲內容</a:t>
+            </a:r>
+            <a:endParaRPr lang="en-US" altLang="zh-TW" dirty="0" smtClean="0"/>
+          </a:p>
+          <a:p>
+            <a:pPr marL="342900" indent="-342900">
+              <a:buFont typeface="+mj-lt"/>
+              <a:buAutoNum type="arabicPeriod"/>
+            </a:pPr>
+            <a:r>
+              <a:rPr lang="zh-TW" altLang="en-US" dirty="0" smtClean="0"/>
+              <a:t>產生</a:t>
+            </a:r>
+            <a:r>
+              <a:rPr lang="en-US" altLang="zh-TW" dirty="0" smtClean="0"/>
+              <a:t>pickle</a:t>
+            </a:r>
+            <a:r>
+              <a:rPr lang="zh-TW" altLang="en-US" dirty="0" smtClean="0"/>
+              <a:t>的</a:t>
+            </a:r>
+            <a:r>
+              <a:rPr lang="en-US" altLang="zh-TW" dirty="0" err="1" smtClean="0"/>
+              <a:t>RuleBase</a:t>
+            </a:r>
+            <a:r>
+              <a:rPr lang="zh-TW" altLang="en-US" dirty="0" smtClean="0"/>
+              <a:t>變化性小，產生出的樣本不夠多元，在</a:t>
+            </a:r>
+            <a:r>
+              <a:rPr lang="en-US" altLang="zh-TW" dirty="0" smtClean="0"/>
+              <a:t>KNN</a:t>
+            </a:r>
+            <a:r>
+              <a:rPr lang="zh-TW" altLang="en-US" dirty="0" smtClean="0"/>
+              <a:t>訓練方式下難以有顯著的增強→更改</a:t>
+            </a:r>
+            <a:r>
+              <a:rPr lang="en-US" altLang="zh-TW" dirty="0" err="1" smtClean="0"/>
+              <a:t>RuleBase</a:t>
+            </a:r>
+            <a:r>
+              <a:rPr lang="zh-TW" altLang="en-US" dirty="0" smtClean="0"/>
+              <a:t>各項參數或是更改運行模</a:t>
+            </a:r>
+            <a:r>
+              <a:rPr lang="zh-TW" altLang="en-US" dirty="0"/>
+              <a:t>式</a:t>
+            </a:r>
+            <a:endParaRPr lang="en-US" altLang="zh-TW" dirty="0" smtClean="0"/>
+          </a:p>
+          <a:p>
+            <a:pPr marL="342900" indent="-342900">
+              <a:buFont typeface="+mj-lt"/>
+              <a:buAutoNum type="arabicPeriod"/>
+            </a:pPr>
+            <a:endParaRPr lang="en-US" altLang="zh-TW" dirty="0" smtClean="0"/>
+          </a:p>
+          <a:p>
+            <a:pPr marL="342900" indent="-342900">
+              <a:buFont typeface="+mj-lt"/>
+              <a:buAutoNum type="arabicPeriod"/>
+            </a:pPr>
+            <a:endParaRPr lang="zh-TW" altLang="en-US" dirty="0"/>
+          </a:p>
+        </p:txBody>
+      </p:sp>
+    </p:spTree>
+    <p:extLst>
+      <p:ext uri="{BB962C8B-B14F-4D97-AF65-F5344CB8AC3E}">
+        <p14:creationId xmlns:p14="http://schemas.microsoft.com/office/powerpoint/2010/main" val="365395892"/>
       </p:ext>
     </p:extLst>
   </p:cSld>
@@ -11203,14 +6363,6 @@
           <a:p>
             <a:pPr lvl="0"/>
             <a:r>
-              <a:rPr lang="zh-TW" altLang="en-US" kern="100" dirty="0" smtClean="0">
-                <a:latin typeface="Calibri" panose="020F0502020204030204" pitchFamily="34" charset="0"/>
-                <a:ea typeface="微軟正黑體" panose="020B0604030504040204" pitchFamily="34" charset="-120"/>
-                <a:cs typeface="Times New Roman" panose="02020603050405020304" pitchFamily="18" charset="0"/>
-              </a:rPr>
-              <a:t>*</a:t>
-            </a:r>
-            <a:r>
               <a:rPr lang="zh-TW" altLang="zh-TW" kern="100" dirty="0" smtClean="0">
                 <a:latin typeface="Calibri" panose="020F0502020204030204" pitchFamily="34" charset="0"/>
                 <a:ea typeface="微軟正黑體" panose="020B0604030504040204" pitchFamily="34" charset="-120"/>
@@ -11243,6 +6395,13 @@
           <a:p>
             <a:pPr lvl="0"/>
             <a:r>
+              <a:rPr lang="en-US" altLang="zh-TW" dirty="0" smtClean="0">
+                <a:ea typeface="微軟正黑體" panose="020B0604030504040204" pitchFamily="34" charset="-120"/>
+                <a:cs typeface="Times New Roman" panose="02020603050405020304" pitchFamily="18" charset="0"/>
+              </a:rPr>
+              <a:t>X</a:t>
+            </a:r>
+            <a:r>
               <a:rPr lang="zh-TW" altLang="zh-TW" dirty="0" smtClean="0">
                 <a:ea typeface="微軟正黑體" panose="020B0604030504040204" pitchFamily="34" charset="-120"/>
                 <a:cs typeface="Times New Roman" panose="02020603050405020304" pitchFamily="18" charset="0"/>
@@ -11264,11 +6423,32 @@
               <a:t>擊球</a:t>
             </a:r>
             <a:r>
-              <a:rPr lang="zh-TW" altLang="en-US" dirty="0">
+              <a:rPr lang="zh-TW" altLang="en-US" dirty="0" smtClean="0">
                 <a:ea typeface="微軟正黑體" panose="020B0604030504040204" pitchFamily="34" charset="-120"/>
                 <a:cs typeface="Times New Roman" panose="02020603050405020304" pitchFamily="18" charset="0"/>
               </a:rPr>
               <a:t>點</a:t>
+            </a:r>
+            <a:r>
+              <a:rPr lang="en-US" altLang="zh-TW" dirty="0" smtClean="0">
+                <a:ea typeface="微軟正黑體" panose="020B0604030504040204" pitchFamily="34" charset="-120"/>
+                <a:cs typeface="Times New Roman" panose="02020603050405020304" pitchFamily="18" charset="0"/>
+              </a:rPr>
+              <a:t>(</a:t>
+            </a:r>
+            <a:r>
+              <a:rPr lang="zh-TW" altLang="en-US" dirty="0" smtClean="0">
+                <a:ea typeface="微軟正黑體" panose="020B0604030504040204" pitchFamily="34" charset="-120"/>
+                <a:cs typeface="Times New Roman" panose="02020603050405020304" pitchFamily="18" charset="0"/>
+              </a:rPr>
+              <a:t>為減少運算量取消此需求</a:t>
+            </a:r>
+            <a:r>
+              <a:rPr lang="en-US" altLang="zh-TW" dirty="0" smtClean="0">
+                <a:ea typeface="微軟正黑體" panose="020B0604030504040204" pitchFamily="34" charset="-120"/>
+                <a:cs typeface="Times New Roman" panose="02020603050405020304" pitchFamily="18" charset="0"/>
+              </a:rPr>
+              <a:t>)</a:t>
             </a:r>
             <a:endParaRPr lang="en-US" altLang="zh-TW" dirty="0" smtClean="0">
               <a:ea typeface="微軟正黑體" panose="020B0604030504040204" pitchFamily="34" charset="-120"/>
@@ -11628,12 +6808,12 @@
           <a:p>
             <a:pPr lvl="0"/>
             <a:r>
-              <a:rPr lang="zh-TW" altLang="en-US" sz="1400" kern="100" dirty="0">
+              <a:rPr lang="zh-TW" altLang="zh-TW" sz="1400" kern="100" dirty="0" smtClean="0">
                 <a:latin typeface="Calibri" panose="020F0502020204030204" pitchFamily="34" charset="0"/>
                 <a:ea typeface="微軟正黑體" panose="020B0604030504040204" pitchFamily="34" charset="-120"/>
                 <a:cs typeface="Times New Roman" panose="02020603050405020304" pitchFamily="18" charset="0"/>
               </a:rPr>
-              <a:t>*</a:t>
+              <a:t>擊球</a:t>
             </a:r>
             <a:r>
               <a:rPr lang="zh-TW" altLang="zh-TW" sz="1400" kern="100" dirty="0">
@@ -11641,7 +6821,7 @@
                 <a:ea typeface="微軟正黑體" panose="020B0604030504040204" pitchFamily="34" charset="-120"/>
                 <a:cs typeface="Times New Roman" panose="02020603050405020304" pitchFamily="18" charset="0"/>
               </a:rPr>
-              <a:t>擊球後回到</a:t>
+              <a:t>後回到</a:t>
             </a:r>
             <a:r>
               <a:rPr lang="zh-TW" altLang="zh-TW" sz="1400" kern="100" dirty="0" smtClean="0">
@@ -11667,7 +6847,15 @@
                 <a:ea typeface="微軟正黑體" panose="020B0604030504040204" pitchFamily="34" charset="-120"/>
                 <a:cs typeface="Times New Roman" panose="02020603050405020304" pitchFamily="18" charset="0"/>
               </a:rPr>
-              <a:t>：*若擊球後即可計算下一次接球點，則無需回到中心點；但若來不及運算，則回到中心點，可能會增加不必要的移動，但可減少運算量，且不會因移動距離過大接不到球，一種折衷的方式。</a:t>
+              <a:t>：若</a:t>
+            </a:r>
+            <a:r>
+              <a:rPr lang="zh-TW" altLang="en-US" sz="1400" kern="100" dirty="0" smtClean="0">
+                <a:latin typeface="Calibri" panose="020F0502020204030204" pitchFamily="34" charset="0"/>
+                <a:ea typeface="微軟正黑體" panose="020B0604030504040204" pitchFamily="34" charset="-120"/>
+                <a:cs typeface="Times New Roman" panose="02020603050405020304" pitchFamily="18" charset="0"/>
+              </a:rPr>
+              <a:t>擊球後即可計算下一次接球點，則無需回到中心點；但若來不及運算，則回到中心點，可能會增加不必要的移動，但可減少運算量，且不會因移動距離過大接不到球，一種折衷的方式。</a:t>
             </a:r>
             <a:endParaRPr lang="en-US" altLang="zh-TW" sz="1400" kern="100" dirty="0">
               <a:latin typeface="Calibri" panose="020F0502020204030204" pitchFamily="34" charset="0"/>
